--- a/Step09-OS_Administer_speach.pptx
+++ b/Step09-OS_Administer_speach.pptx
@@ -5,7 +5,7 @@
     <p:sldMasterId id="2147483648" r:id="rId1"/>
   </p:sldMasterIdLst>
   <p:notesMasterIdLst>
-    <p:notesMasterId r:id="rId13"/>
+    <p:notesMasterId r:id="rId19"/>
   </p:notesMasterIdLst>
   <p:sldIdLst>
     <p:sldId id="307" r:id="rId2"/>
@@ -19,6 +19,12 @@
     <p:sldId id="312" r:id="rId10"/>
     <p:sldId id="310" r:id="rId11"/>
     <p:sldId id="313" r:id="rId12"/>
+    <p:sldId id="314" r:id="rId13"/>
+    <p:sldId id="315" r:id="rId14"/>
+    <p:sldId id="316" r:id="rId15"/>
+    <p:sldId id="317" r:id="rId16"/>
+    <p:sldId id="319" r:id="rId17"/>
+    <p:sldId id="320" r:id="rId18"/>
   </p:sldIdLst>
   <p:sldSz cx="12192000" cy="6858000"/>
   <p:notesSz cx="6858000" cy="9144000"/>
@@ -137,6 +143,12 @@
             <p14:sldId id="312"/>
             <p14:sldId id="310"/>
             <p14:sldId id="313"/>
+            <p14:sldId id="314"/>
+            <p14:sldId id="315"/>
+            <p14:sldId id="316"/>
+            <p14:sldId id="317"/>
+            <p14:sldId id="319"/>
+            <p14:sldId id="320"/>
           </p14:sldIdLst>
         </p14:section>
       </p14:sectionLst>
@@ -151,7 +163,7 @@
 <file path=ppt/revisionInfo.xml><?xml version="1.0" encoding="utf-8"?>
 <p1510:revInfo xmlns:a="http://schemas.openxmlformats.org/drawingml/2006/main" xmlns:r="http://schemas.openxmlformats.org/officeDocument/2006/relationships" xmlns:p1510="http://schemas.microsoft.com/office/powerpoint/2015/10/main">
   <p1510:revLst>
-    <p1510:client id="{8F6FD043-9E57-48DE-B2A7-80F6B63AEF6D}" v="10" dt="2024-02-14T12:36:34.711"/>
+    <p1510:client id="{8F6FD043-9E57-48DE-B2A7-80F6B63AEF6D}" v="18" dt="2024-02-14T16:05:46.971"/>
   </p1510:revLst>
 </p1510:revInfo>
 </file>
@@ -10362,6 +10374,1001 @@
     </pc:docChg>
   </pc:docChgLst>
   <pc:docChgLst>
+    <pc:chgData name="Ihor Aleksandrov" userId="c3051032-6b87-4db2-b257-777a0106fbd9" providerId="ADAL" clId="{8F6FD043-9E57-48DE-B2A7-80F6B63AEF6D}"/>
+    <pc:docChg chg="undo redo custSel addSld delSld modSld sldOrd modSection">
+      <pc:chgData name="Ihor Aleksandrov" userId="c3051032-6b87-4db2-b257-777a0106fbd9" providerId="ADAL" clId="{8F6FD043-9E57-48DE-B2A7-80F6B63AEF6D}" dt="2024-02-14T16:09:41.582" v="239" actId="47"/>
+      <pc:docMkLst>
+        <pc:docMk/>
+      </pc:docMkLst>
+      <pc:sldChg chg="modSp mod">
+        <pc:chgData name="Ihor Aleksandrov" userId="c3051032-6b87-4db2-b257-777a0106fbd9" providerId="ADAL" clId="{8F6FD043-9E57-48DE-B2A7-80F6B63AEF6D}" dt="2024-02-14T11:49:04.895" v="10" actId="20577"/>
+        <pc:sldMkLst>
+          <pc:docMk/>
+          <pc:sldMk cId="588564705" sldId="256"/>
+        </pc:sldMkLst>
+        <pc:spChg chg="mod">
+          <ac:chgData name="Ihor Aleksandrov" userId="c3051032-6b87-4db2-b257-777a0106fbd9" providerId="ADAL" clId="{8F6FD043-9E57-48DE-B2A7-80F6B63AEF6D}" dt="2024-02-14T11:49:04.895" v="10" actId="20577"/>
+          <ac:spMkLst>
+            <pc:docMk/>
+            <pc:sldMk cId="588564705" sldId="256"/>
+            <ac:spMk id="2" creationId="{2C4A1DFF-3C45-F11D-E6A6-19C0306E5E2B}"/>
+          </ac:spMkLst>
+        </pc:spChg>
+      </pc:sldChg>
+      <pc:sldChg chg="addSp delSp modSp mod">
+        <pc:chgData name="Ihor Aleksandrov" userId="c3051032-6b87-4db2-b257-777a0106fbd9" providerId="ADAL" clId="{8F6FD043-9E57-48DE-B2A7-80F6B63AEF6D}" dt="2024-02-14T11:54:08.755" v="43" actId="1076"/>
+        <pc:sldMkLst>
+          <pc:docMk/>
+          <pc:sldMk cId="1009650064" sldId="304"/>
+        </pc:sldMkLst>
+        <pc:spChg chg="mod">
+          <ac:chgData name="Ihor Aleksandrov" userId="c3051032-6b87-4db2-b257-777a0106fbd9" providerId="ADAL" clId="{8F6FD043-9E57-48DE-B2A7-80F6B63AEF6D}" dt="2024-02-14T11:51:55.642" v="27"/>
+          <ac:spMkLst>
+            <pc:docMk/>
+            <pc:sldMk cId="1009650064" sldId="304"/>
+            <ac:spMk id="2" creationId="{53C5D828-9666-E312-B574-9FE965A7D6BE}"/>
+          </ac:spMkLst>
+        </pc:spChg>
+        <pc:spChg chg="del mod">
+          <ac:chgData name="Ihor Aleksandrov" userId="c3051032-6b87-4db2-b257-777a0106fbd9" providerId="ADAL" clId="{8F6FD043-9E57-48DE-B2A7-80F6B63AEF6D}" dt="2024-02-14T11:52:43.452" v="33" actId="478"/>
+          <ac:spMkLst>
+            <pc:docMk/>
+            <pc:sldMk cId="1009650064" sldId="304"/>
+            <ac:spMk id="5" creationId="{9A48CF2D-620C-8959-1434-C4B76F696807}"/>
+          </ac:spMkLst>
+        </pc:spChg>
+        <pc:spChg chg="del">
+          <ac:chgData name="Ihor Aleksandrov" userId="c3051032-6b87-4db2-b257-777a0106fbd9" providerId="ADAL" clId="{8F6FD043-9E57-48DE-B2A7-80F6B63AEF6D}" dt="2024-02-14T11:52:46.059" v="34" actId="478"/>
+          <ac:spMkLst>
+            <pc:docMk/>
+            <pc:sldMk cId="1009650064" sldId="304"/>
+            <ac:spMk id="7" creationId="{7BEC75C6-D4A4-A2C0-3DE8-05745693BC43}"/>
+          </ac:spMkLst>
+        </pc:spChg>
+        <pc:spChg chg="add mod">
+          <ac:chgData name="Ihor Aleksandrov" userId="c3051032-6b87-4db2-b257-777a0106fbd9" providerId="ADAL" clId="{8F6FD043-9E57-48DE-B2A7-80F6B63AEF6D}" dt="2024-02-14T11:53:35.480" v="39" actId="1076"/>
+          <ac:spMkLst>
+            <pc:docMk/>
+            <pc:sldMk cId="1009650064" sldId="304"/>
+            <ac:spMk id="8" creationId="{4578BD43-C712-287C-1BC4-C500ABB2BBEC}"/>
+          </ac:spMkLst>
+        </pc:spChg>
+        <pc:spChg chg="add mod">
+          <ac:chgData name="Ihor Aleksandrov" userId="c3051032-6b87-4db2-b257-777a0106fbd9" providerId="ADAL" clId="{8F6FD043-9E57-48DE-B2A7-80F6B63AEF6D}" dt="2024-02-14T11:54:08.755" v="43" actId="1076"/>
+          <ac:spMkLst>
+            <pc:docMk/>
+            <pc:sldMk cId="1009650064" sldId="304"/>
+            <ac:spMk id="11" creationId="{6747A8D6-9EC2-C0A9-62D5-60382CDE7BD6}"/>
+          </ac:spMkLst>
+        </pc:spChg>
+        <pc:picChg chg="add mod">
+          <ac:chgData name="Ihor Aleksandrov" userId="c3051032-6b87-4db2-b257-777a0106fbd9" providerId="ADAL" clId="{8F6FD043-9E57-48DE-B2A7-80F6B63AEF6D}" dt="2024-02-14T11:52:36.580" v="31" actId="1076"/>
+          <ac:picMkLst>
+            <pc:docMk/>
+            <pc:sldMk cId="1009650064" sldId="304"/>
+            <ac:picMk id="4" creationId="{ED582CEB-F2AB-ADF3-2B59-B4AC48033188}"/>
+          </ac:picMkLst>
+        </pc:picChg>
+        <pc:picChg chg="del">
+          <ac:chgData name="Ihor Aleksandrov" userId="c3051032-6b87-4db2-b257-777a0106fbd9" providerId="ADAL" clId="{8F6FD043-9E57-48DE-B2A7-80F6B63AEF6D}" dt="2024-02-14T11:52:27.578" v="28" actId="478"/>
+          <ac:picMkLst>
+            <pc:docMk/>
+            <pc:sldMk cId="1009650064" sldId="304"/>
+            <ac:picMk id="9" creationId="{603A1AF6-B6C2-C696-C330-74612C450468}"/>
+          </ac:picMkLst>
+        </pc:picChg>
+      </pc:sldChg>
+      <pc:sldChg chg="addSp delSp modSp add mod setBg delDesignElem">
+        <pc:chgData name="Ihor Aleksandrov" userId="c3051032-6b87-4db2-b257-777a0106fbd9" providerId="ADAL" clId="{8F6FD043-9E57-48DE-B2A7-80F6B63AEF6D}" dt="2024-02-14T11:57:21.011" v="58" actId="1076"/>
+        <pc:sldMkLst>
+          <pc:docMk/>
+          <pc:sldMk cId="501504550" sldId="305"/>
+        </pc:sldMkLst>
+        <pc:spChg chg="mod">
+          <ac:chgData name="Ihor Aleksandrov" userId="c3051032-6b87-4db2-b257-777a0106fbd9" providerId="ADAL" clId="{8F6FD043-9E57-48DE-B2A7-80F6B63AEF6D}" dt="2024-02-14T11:55:46.461" v="46" actId="26606"/>
+          <ac:spMkLst>
+            <pc:docMk/>
+            <pc:sldMk cId="501504550" sldId="305"/>
+            <ac:spMk id="2" creationId="{53C5D828-9666-E312-B574-9FE965A7D6BE}"/>
+          </ac:spMkLst>
+        </pc:spChg>
+        <pc:spChg chg="mod ord">
+          <ac:chgData name="Ihor Aleksandrov" userId="c3051032-6b87-4db2-b257-777a0106fbd9" providerId="ADAL" clId="{8F6FD043-9E57-48DE-B2A7-80F6B63AEF6D}" dt="2024-02-14T11:55:46.461" v="46" actId="26606"/>
+          <ac:spMkLst>
+            <pc:docMk/>
+            <pc:sldMk cId="501504550" sldId="305"/>
+            <ac:spMk id="3" creationId="{5AA19FA0-A765-8169-03F1-928E3EF7B595}"/>
+          </ac:spMkLst>
+        </pc:spChg>
+        <pc:spChg chg="add mod">
+          <ac:chgData name="Ihor Aleksandrov" userId="c3051032-6b87-4db2-b257-777a0106fbd9" providerId="ADAL" clId="{8F6FD043-9E57-48DE-B2A7-80F6B63AEF6D}" dt="2024-02-14T11:56:22.361" v="50" actId="1076"/>
+          <ac:spMkLst>
+            <pc:docMk/>
+            <pc:sldMk cId="501504550" sldId="305"/>
+            <ac:spMk id="6" creationId="{170B3F8A-BA99-F041-C0AA-833F1E4C6781}"/>
+          </ac:spMkLst>
+        </pc:spChg>
+        <pc:spChg chg="add mod">
+          <ac:chgData name="Ihor Aleksandrov" userId="c3051032-6b87-4db2-b257-777a0106fbd9" providerId="ADAL" clId="{8F6FD043-9E57-48DE-B2A7-80F6B63AEF6D}" dt="2024-02-14T11:56:37.205" v="54" actId="1076"/>
+          <ac:spMkLst>
+            <pc:docMk/>
+            <pc:sldMk cId="501504550" sldId="305"/>
+            <ac:spMk id="8" creationId="{0CC837E2-08C2-754A-98D2-87800D0A28F7}"/>
+          </ac:spMkLst>
+        </pc:spChg>
+        <pc:spChg chg="add">
+          <ac:chgData name="Ihor Aleksandrov" userId="c3051032-6b87-4db2-b257-777a0106fbd9" providerId="ADAL" clId="{8F6FD043-9E57-48DE-B2A7-80F6B63AEF6D}" dt="2024-02-14T11:55:46.461" v="46" actId="26606"/>
+          <ac:spMkLst>
+            <pc:docMk/>
+            <pc:sldMk cId="501504550" sldId="305"/>
+            <ac:spMk id="10" creationId="{D4771268-CB57-404A-9271-370EB28F6090}"/>
+          </ac:spMkLst>
+        </pc:spChg>
+        <pc:spChg chg="add mod">
+          <ac:chgData name="Ihor Aleksandrov" userId="c3051032-6b87-4db2-b257-777a0106fbd9" providerId="ADAL" clId="{8F6FD043-9E57-48DE-B2A7-80F6B63AEF6D}" dt="2024-02-14T11:57:21.011" v="58" actId="1076"/>
+          <ac:spMkLst>
+            <pc:docMk/>
+            <pc:sldMk cId="501504550" sldId="305"/>
+            <ac:spMk id="11" creationId="{43143286-4C19-13E9-2EEB-116D6F1CACAD}"/>
+          </ac:spMkLst>
+        </pc:spChg>
+        <pc:spChg chg="del">
+          <ac:chgData name="Ihor Aleksandrov" userId="c3051032-6b87-4db2-b257-777a0106fbd9" providerId="ADAL" clId="{8F6FD043-9E57-48DE-B2A7-80F6B63AEF6D}" dt="2024-02-14T11:55:42.740" v="45"/>
+          <ac:spMkLst>
+            <pc:docMk/>
+            <pc:sldMk cId="501504550" sldId="305"/>
+            <ac:spMk id="24" creationId="{D4771268-CB57-404A-9271-370EB28F6090}"/>
+          </ac:spMkLst>
+        </pc:spChg>
+        <pc:picChg chg="mod">
+          <ac:chgData name="Ihor Aleksandrov" userId="c3051032-6b87-4db2-b257-777a0106fbd9" providerId="ADAL" clId="{8F6FD043-9E57-48DE-B2A7-80F6B63AEF6D}" dt="2024-02-14T11:55:51.866" v="48" actId="1076"/>
+          <ac:picMkLst>
+            <pc:docMk/>
+            <pc:sldMk cId="501504550" sldId="305"/>
+            <ac:picMk id="5" creationId="{A4BAF5CA-0209-DB06-5D5D-B311881DE819}"/>
+          </ac:picMkLst>
+        </pc:picChg>
+      </pc:sldChg>
+      <pc:sldChg chg="del">
+        <pc:chgData name="Ihor Aleksandrov" userId="c3051032-6b87-4db2-b257-777a0106fbd9" providerId="ADAL" clId="{8F6FD043-9E57-48DE-B2A7-80F6B63AEF6D}" dt="2024-02-14T11:49:22.097" v="22" actId="47"/>
+        <pc:sldMkLst>
+          <pc:docMk/>
+          <pc:sldMk cId="2863503325" sldId="305"/>
+        </pc:sldMkLst>
+      </pc:sldChg>
+      <pc:sldChg chg="addSp delSp modSp add mod setBg delDesignElem">
+        <pc:chgData name="Ihor Aleksandrov" userId="c3051032-6b87-4db2-b257-777a0106fbd9" providerId="ADAL" clId="{8F6FD043-9E57-48DE-B2A7-80F6B63AEF6D}" dt="2024-02-14T12:02:17.223" v="78" actId="1076"/>
+        <pc:sldMkLst>
+          <pc:docMk/>
+          <pc:sldMk cId="1715258557" sldId="306"/>
+        </pc:sldMkLst>
+        <pc:spChg chg="mod">
+          <ac:chgData name="Ihor Aleksandrov" userId="c3051032-6b87-4db2-b257-777a0106fbd9" providerId="ADAL" clId="{8F6FD043-9E57-48DE-B2A7-80F6B63AEF6D}" dt="2024-02-14T12:00:30.399" v="61" actId="26606"/>
+          <ac:spMkLst>
+            <pc:docMk/>
+            <pc:sldMk cId="1715258557" sldId="306"/>
+            <ac:spMk id="2" creationId="{53C5D828-9666-E312-B574-9FE965A7D6BE}"/>
+          </ac:spMkLst>
+        </pc:spChg>
+        <pc:spChg chg="mod ord">
+          <ac:chgData name="Ihor Aleksandrov" userId="c3051032-6b87-4db2-b257-777a0106fbd9" providerId="ADAL" clId="{8F6FD043-9E57-48DE-B2A7-80F6B63AEF6D}" dt="2024-02-14T12:00:30.399" v="61" actId="26606"/>
+          <ac:spMkLst>
+            <pc:docMk/>
+            <pc:sldMk cId="1715258557" sldId="306"/>
+            <ac:spMk id="3" creationId="{5AA19FA0-A765-8169-03F1-928E3EF7B595}"/>
+          </ac:spMkLst>
+        </pc:spChg>
+        <pc:spChg chg="add mod">
+          <ac:chgData name="Ihor Aleksandrov" userId="c3051032-6b87-4db2-b257-777a0106fbd9" providerId="ADAL" clId="{8F6FD043-9E57-48DE-B2A7-80F6B63AEF6D}" dt="2024-02-14T12:01:59.394" v="74" actId="14100"/>
+          <ac:spMkLst>
+            <pc:docMk/>
+            <pc:sldMk cId="1715258557" sldId="306"/>
+            <ac:spMk id="6" creationId="{DB4F2B8E-D071-D779-12C1-27FE2B9D4F2B}"/>
+          </ac:spMkLst>
+        </pc:spChg>
+        <pc:spChg chg="add mod">
+          <ac:chgData name="Ihor Aleksandrov" userId="c3051032-6b87-4db2-b257-777a0106fbd9" providerId="ADAL" clId="{8F6FD043-9E57-48DE-B2A7-80F6B63AEF6D}" dt="2024-02-14T12:02:17.223" v="78" actId="1076"/>
+          <ac:spMkLst>
+            <pc:docMk/>
+            <pc:sldMk cId="1715258557" sldId="306"/>
+            <ac:spMk id="8" creationId="{E129C229-859D-936C-6B6E-6DF3F0407EBF}"/>
+          </ac:spMkLst>
+        </pc:spChg>
+        <pc:spChg chg="add">
+          <ac:chgData name="Ihor Aleksandrov" userId="c3051032-6b87-4db2-b257-777a0106fbd9" providerId="ADAL" clId="{8F6FD043-9E57-48DE-B2A7-80F6B63AEF6D}" dt="2024-02-14T12:00:30.399" v="61" actId="26606"/>
+          <ac:spMkLst>
+            <pc:docMk/>
+            <pc:sldMk cId="1715258557" sldId="306"/>
+            <ac:spMk id="9" creationId="{D4771268-CB57-404A-9271-370EB28F6090}"/>
+          </ac:spMkLst>
+        </pc:spChg>
+        <pc:spChg chg="del">
+          <ac:chgData name="Ihor Aleksandrov" userId="c3051032-6b87-4db2-b257-777a0106fbd9" providerId="ADAL" clId="{8F6FD043-9E57-48DE-B2A7-80F6B63AEF6D}" dt="2024-02-14T12:00:26.786" v="60"/>
+          <ac:spMkLst>
+            <pc:docMk/>
+            <pc:sldMk cId="1715258557" sldId="306"/>
+            <ac:spMk id="24" creationId="{D4771268-CB57-404A-9271-370EB28F6090}"/>
+          </ac:spMkLst>
+        </pc:spChg>
+        <pc:picChg chg="mod">
+          <ac:chgData name="Ihor Aleksandrov" userId="c3051032-6b87-4db2-b257-777a0106fbd9" providerId="ADAL" clId="{8F6FD043-9E57-48DE-B2A7-80F6B63AEF6D}" dt="2024-02-14T12:00:35.711" v="63" actId="1076"/>
+          <ac:picMkLst>
+            <pc:docMk/>
+            <pc:sldMk cId="1715258557" sldId="306"/>
+            <ac:picMk id="4" creationId="{2A6CB88C-BD1B-4227-7CDB-0FD27BDC3E03}"/>
+          </ac:picMkLst>
+        </pc:picChg>
+      </pc:sldChg>
+      <pc:sldChg chg="modSp mod">
+        <pc:chgData name="Ihor Aleksandrov" userId="c3051032-6b87-4db2-b257-777a0106fbd9" providerId="ADAL" clId="{8F6FD043-9E57-48DE-B2A7-80F6B63AEF6D}" dt="2024-02-14T11:48:12.493" v="0"/>
+        <pc:sldMkLst>
+          <pc:docMk/>
+          <pc:sldMk cId="2052164358" sldId="307"/>
+        </pc:sldMkLst>
+        <pc:spChg chg="mod">
+          <ac:chgData name="Ihor Aleksandrov" userId="c3051032-6b87-4db2-b257-777a0106fbd9" providerId="ADAL" clId="{8F6FD043-9E57-48DE-B2A7-80F6B63AEF6D}" dt="2024-02-14T11:48:12.493" v="0"/>
+          <ac:spMkLst>
+            <pc:docMk/>
+            <pc:sldMk cId="2052164358" sldId="307"/>
+            <ac:spMk id="2" creationId="{5DF8ECE0-DBF5-C309-B35B-C6A0C6C847B2}"/>
+          </ac:spMkLst>
+        </pc:spChg>
+      </pc:sldChg>
+      <pc:sldChg chg="del">
+        <pc:chgData name="Ihor Aleksandrov" userId="c3051032-6b87-4db2-b257-777a0106fbd9" providerId="ADAL" clId="{8F6FD043-9E57-48DE-B2A7-80F6B63AEF6D}" dt="2024-02-14T11:49:22.097" v="22" actId="47"/>
+        <pc:sldMkLst>
+          <pc:docMk/>
+          <pc:sldMk cId="969913822" sldId="309"/>
+        </pc:sldMkLst>
+      </pc:sldChg>
+      <pc:sldChg chg="addSp delSp modSp add mod setBg delDesignElem">
+        <pc:chgData name="Ihor Aleksandrov" userId="c3051032-6b87-4db2-b257-777a0106fbd9" providerId="ADAL" clId="{8F6FD043-9E57-48DE-B2A7-80F6B63AEF6D}" dt="2024-02-14T12:04:42.699" v="85" actId="1076"/>
+        <pc:sldMkLst>
+          <pc:docMk/>
+          <pc:sldMk cId="1191709969" sldId="309"/>
+        </pc:sldMkLst>
+        <pc:spChg chg="mod">
+          <ac:chgData name="Ihor Aleksandrov" userId="c3051032-6b87-4db2-b257-777a0106fbd9" providerId="ADAL" clId="{8F6FD043-9E57-48DE-B2A7-80F6B63AEF6D}" dt="2024-02-14T12:04:09.519" v="81" actId="26606"/>
+          <ac:spMkLst>
+            <pc:docMk/>
+            <pc:sldMk cId="1191709969" sldId="309"/>
+            <ac:spMk id="2" creationId="{53C5D828-9666-E312-B574-9FE965A7D6BE}"/>
+          </ac:spMkLst>
+        </pc:spChg>
+        <pc:spChg chg="mod ord">
+          <ac:chgData name="Ihor Aleksandrov" userId="c3051032-6b87-4db2-b257-777a0106fbd9" providerId="ADAL" clId="{8F6FD043-9E57-48DE-B2A7-80F6B63AEF6D}" dt="2024-02-14T12:04:09.519" v="81" actId="26606"/>
+          <ac:spMkLst>
+            <pc:docMk/>
+            <pc:sldMk cId="1191709969" sldId="309"/>
+            <ac:spMk id="3" creationId="{5AA19FA0-A765-8169-03F1-928E3EF7B595}"/>
+          </ac:spMkLst>
+        </pc:spChg>
+        <pc:spChg chg="add mod">
+          <ac:chgData name="Ihor Aleksandrov" userId="c3051032-6b87-4db2-b257-777a0106fbd9" providerId="ADAL" clId="{8F6FD043-9E57-48DE-B2A7-80F6B63AEF6D}" dt="2024-02-14T12:04:42.699" v="85" actId="1076"/>
+          <ac:spMkLst>
+            <pc:docMk/>
+            <pc:sldMk cId="1191709969" sldId="309"/>
+            <ac:spMk id="6" creationId="{72447943-B61B-559C-9492-74C6445EB0C7}"/>
+          </ac:spMkLst>
+        </pc:spChg>
+        <pc:spChg chg="add">
+          <ac:chgData name="Ihor Aleksandrov" userId="c3051032-6b87-4db2-b257-777a0106fbd9" providerId="ADAL" clId="{8F6FD043-9E57-48DE-B2A7-80F6B63AEF6D}" dt="2024-02-14T12:04:09.519" v="81" actId="26606"/>
+          <ac:spMkLst>
+            <pc:docMk/>
+            <pc:sldMk cId="1191709969" sldId="309"/>
+            <ac:spMk id="10" creationId="{D4771268-CB57-404A-9271-370EB28F6090}"/>
+          </ac:spMkLst>
+        </pc:spChg>
+        <pc:spChg chg="del">
+          <ac:chgData name="Ihor Aleksandrov" userId="c3051032-6b87-4db2-b257-777a0106fbd9" providerId="ADAL" clId="{8F6FD043-9E57-48DE-B2A7-80F6B63AEF6D}" dt="2024-02-14T12:04:05.552" v="80"/>
+          <ac:spMkLst>
+            <pc:docMk/>
+            <pc:sldMk cId="1191709969" sldId="309"/>
+            <ac:spMk id="24" creationId="{D4771268-CB57-404A-9271-370EB28F6090}"/>
+          </ac:spMkLst>
+        </pc:spChg>
+        <pc:picChg chg="mod">
+          <ac:chgData name="Ihor Aleksandrov" userId="c3051032-6b87-4db2-b257-777a0106fbd9" providerId="ADAL" clId="{8F6FD043-9E57-48DE-B2A7-80F6B63AEF6D}" dt="2024-02-14T12:04:16.093" v="83" actId="1076"/>
+          <ac:picMkLst>
+            <pc:docMk/>
+            <pc:sldMk cId="1191709969" sldId="309"/>
+            <ac:picMk id="5" creationId="{0FAED572-EA77-9F92-AAE0-98DD8CFA7D98}"/>
+          </ac:picMkLst>
+        </pc:picChg>
+      </pc:sldChg>
+      <pc:sldChg chg="del">
+        <pc:chgData name="Ihor Aleksandrov" userId="c3051032-6b87-4db2-b257-777a0106fbd9" providerId="ADAL" clId="{8F6FD043-9E57-48DE-B2A7-80F6B63AEF6D}" dt="2024-02-14T11:49:22.097" v="22" actId="47"/>
+        <pc:sldMkLst>
+          <pc:docMk/>
+          <pc:sldMk cId="2086980310" sldId="310"/>
+        </pc:sldMkLst>
+      </pc:sldChg>
+      <pc:sldChg chg="addSp delSp modSp add mod setBg delDesignElem">
+        <pc:chgData name="Ihor Aleksandrov" userId="c3051032-6b87-4db2-b257-777a0106fbd9" providerId="ADAL" clId="{8F6FD043-9E57-48DE-B2A7-80F6B63AEF6D}" dt="2024-02-14T15:57:51.529" v="226" actId="20577"/>
+        <pc:sldMkLst>
+          <pc:docMk/>
+          <pc:sldMk cId="2568485995" sldId="310"/>
+        </pc:sldMkLst>
+        <pc:spChg chg="mod">
+          <ac:chgData name="Ihor Aleksandrov" userId="c3051032-6b87-4db2-b257-777a0106fbd9" providerId="ADAL" clId="{8F6FD043-9E57-48DE-B2A7-80F6B63AEF6D}" dt="2024-02-14T15:57:51.529" v="226" actId="20577"/>
+          <ac:spMkLst>
+            <pc:docMk/>
+            <pc:sldMk cId="2568485995" sldId="310"/>
+            <ac:spMk id="2" creationId="{53C5D828-9666-E312-B574-9FE965A7D6BE}"/>
+          </ac:spMkLst>
+        </pc:spChg>
+        <pc:spChg chg="mod ord">
+          <ac:chgData name="Ihor Aleksandrov" userId="c3051032-6b87-4db2-b257-777a0106fbd9" providerId="ADAL" clId="{8F6FD043-9E57-48DE-B2A7-80F6B63AEF6D}" dt="2024-02-14T12:34:18.950" v="121" actId="26606"/>
+          <ac:spMkLst>
+            <pc:docMk/>
+            <pc:sldMk cId="2568485995" sldId="310"/>
+            <ac:spMk id="3" creationId="{5AA19FA0-A765-8169-03F1-928E3EF7B595}"/>
+          </ac:spMkLst>
+        </pc:spChg>
+        <pc:spChg chg="add mod">
+          <ac:chgData name="Ihor Aleksandrov" userId="c3051032-6b87-4db2-b257-777a0106fbd9" providerId="ADAL" clId="{8F6FD043-9E57-48DE-B2A7-80F6B63AEF6D}" dt="2024-02-14T12:34:54.374" v="126" actId="1076"/>
+          <ac:spMkLst>
+            <pc:docMk/>
+            <pc:sldMk cId="2568485995" sldId="310"/>
+            <ac:spMk id="5" creationId="{FEBBD79B-A095-832C-B1DB-D8C81F3063E2}"/>
+          </ac:spMkLst>
+        </pc:spChg>
+        <pc:spChg chg="add">
+          <ac:chgData name="Ihor Aleksandrov" userId="c3051032-6b87-4db2-b257-777a0106fbd9" providerId="ADAL" clId="{8F6FD043-9E57-48DE-B2A7-80F6B63AEF6D}" dt="2024-02-14T12:34:18.950" v="121" actId="26606"/>
+          <ac:spMkLst>
+            <pc:docMk/>
+            <pc:sldMk cId="2568485995" sldId="310"/>
+            <ac:spMk id="13" creationId="{D4771268-CB57-404A-9271-370EB28F6090}"/>
+          </ac:spMkLst>
+        </pc:spChg>
+        <pc:spChg chg="del">
+          <ac:chgData name="Ihor Aleksandrov" userId="c3051032-6b87-4db2-b257-777a0106fbd9" providerId="ADAL" clId="{8F6FD043-9E57-48DE-B2A7-80F6B63AEF6D}" dt="2024-02-14T12:34:14.509" v="120"/>
+          <ac:spMkLst>
+            <pc:docMk/>
+            <pc:sldMk cId="2568485995" sldId="310"/>
+            <ac:spMk id="24" creationId="{D4771268-CB57-404A-9271-370EB28F6090}"/>
+          </ac:spMkLst>
+        </pc:spChg>
+        <pc:picChg chg="mod">
+          <ac:chgData name="Ihor Aleksandrov" userId="c3051032-6b87-4db2-b257-777a0106fbd9" providerId="ADAL" clId="{8F6FD043-9E57-48DE-B2A7-80F6B63AEF6D}" dt="2024-02-14T12:34:25.876" v="123" actId="1076"/>
+          <ac:picMkLst>
+            <pc:docMk/>
+            <pc:sldMk cId="2568485995" sldId="310"/>
+            <ac:picMk id="8" creationId="{18EEA66F-51A8-AAB7-26A2-677C2D38B45B}"/>
+          </ac:picMkLst>
+        </pc:picChg>
+      </pc:sldChg>
+      <pc:sldChg chg="delSp add del setBg delDesignElem">
+        <pc:chgData name="Ihor Aleksandrov" userId="c3051032-6b87-4db2-b257-777a0106fbd9" providerId="ADAL" clId="{8F6FD043-9E57-48DE-B2A7-80F6B63AEF6D}" dt="2024-02-14T12:08:32.063" v="94" actId="2696"/>
+        <pc:sldMkLst>
+          <pc:docMk/>
+          <pc:sldMk cId="3138402247" sldId="310"/>
+        </pc:sldMkLst>
+        <pc:spChg chg="del">
+          <ac:chgData name="Ihor Aleksandrov" userId="c3051032-6b87-4db2-b257-777a0106fbd9" providerId="ADAL" clId="{8F6FD043-9E57-48DE-B2A7-80F6B63AEF6D}" dt="2024-02-14T12:07:52.103" v="87"/>
+          <ac:spMkLst>
+            <pc:docMk/>
+            <pc:sldMk cId="3138402247" sldId="310"/>
+            <ac:spMk id="24" creationId="{D4771268-CB57-404A-9271-370EB28F6090}"/>
+          </ac:spMkLst>
+        </pc:spChg>
+      </pc:sldChg>
+      <pc:sldChg chg="addSp delSp modSp add mod">
+        <pc:chgData name="Ihor Aleksandrov" userId="c3051032-6b87-4db2-b257-777a0106fbd9" providerId="ADAL" clId="{8F6FD043-9E57-48DE-B2A7-80F6B63AEF6D}" dt="2024-02-14T12:09:22.738" v="100" actId="1076"/>
+        <pc:sldMkLst>
+          <pc:docMk/>
+          <pc:sldMk cId="731065963" sldId="311"/>
+        </pc:sldMkLst>
+        <pc:spChg chg="mod">
+          <ac:chgData name="Ihor Aleksandrov" userId="c3051032-6b87-4db2-b257-777a0106fbd9" providerId="ADAL" clId="{8F6FD043-9E57-48DE-B2A7-80F6B63AEF6D}" dt="2024-02-14T12:08:14.383" v="89"/>
+          <ac:spMkLst>
+            <pc:docMk/>
+            <pc:sldMk cId="731065963" sldId="311"/>
+            <ac:spMk id="2" creationId="{53C5D828-9666-E312-B574-9FE965A7D6BE}"/>
+          </ac:spMkLst>
+        </pc:spChg>
+        <pc:spChg chg="del">
+          <ac:chgData name="Ihor Aleksandrov" userId="c3051032-6b87-4db2-b257-777a0106fbd9" providerId="ADAL" clId="{8F6FD043-9E57-48DE-B2A7-80F6B63AEF6D}" dt="2024-02-14T12:08:35.044" v="95" actId="478"/>
+          <ac:spMkLst>
+            <pc:docMk/>
+            <pc:sldMk cId="731065963" sldId="311"/>
+            <ac:spMk id="6" creationId="{72447943-B61B-559C-9492-74C6445EB0C7}"/>
+          </ac:spMkLst>
+        </pc:spChg>
+        <pc:spChg chg="add mod">
+          <ac:chgData name="Ihor Aleksandrov" userId="c3051032-6b87-4db2-b257-777a0106fbd9" providerId="ADAL" clId="{8F6FD043-9E57-48DE-B2A7-80F6B63AEF6D}" dt="2024-02-14T12:09:02.328" v="98" actId="1076"/>
+          <ac:spMkLst>
+            <pc:docMk/>
+            <pc:sldMk cId="731065963" sldId="311"/>
+            <ac:spMk id="8" creationId="{5F2AD2B8-6B41-46FC-8297-91922909A03C}"/>
+          </ac:spMkLst>
+        </pc:spChg>
+        <pc:spChg chg="add mod">
+          <ac:chgData name="Ihor Aleksandrov" userId="c3051032-6b87-4db2-b257-777a0106fbd9" providerId="ADAL" clId="{8F6FD043-9E57-48DE-B2A7-80F6B63AEF6D}" dt="2024-02-14T12:09:22.738" v="100" actId="1076"/>
+          <ac:spMkLst>
+            <pc:docMk/>
+            <pc:sldMk cId="731065963" sldId="311"/>
+            <ac:spMk id="11" creationId="{0F413AFC-66B0-FD7A-7156-C4673B23539C}"/>
+          </ac:spMkLst>
+        </pc:spChg>
+        <pc:picChg chg="add mod">
+          <ac:chgData name="Ihor Aleksandrov" userId="c3051032-6b87-4db2-b257-777a0106fbd9" providerId="ADAL" clId="{8F6FD043-9E57-48DE-B2A7-80F6B63AEF6D}" dt="2024-02-14T12:08:28.698" v="93" actId="1076"/>
+          <ac:picMkLst>
+            <pc:docMk/>
+            <pc:sldMk cId="731065963" sldId="311"/>
+            <ac:picMk id="4" creationId="{C472D84E-B95C-260C-8BB1-7ED8ED80283E}"/>
+          </ac:picMkLst>
+        </pc:picChg>
+        <pc:picChg chg="del">
+          <ac:chgData name="Ihor Aleksandrov" userId="c3051032-6b87-4db2-b257-777a0106fbd9" providerId="ADAL" clId="{8F6FD043-9E57-48DE-B2A7-80F6B63AEF6D}" dt="2024-02-14T12:08:21.907" v="90" actId="478"/>
+          <ac:picMkLst>
+            <pc:docMk/>
+            <pc:sldMk cId="731065963" sldId="311"/>
+            <ac:picMk id="5" creationId="{0FAED572-EA77-9F92-AAE0-98DD8CFA7D98}"/>
+          </ac:picMkLst>
+        </pc:picChg>
+      </pc:sldChg>
+      <pc:sldChg chg="del">
+        <pc:chgData name="Ihor Aleksandrov" userId="c3051032-6b87-4db2-b257-777a0106fbd9" providerId="ADAL" clId="{8F6FD043-9E57-48DE-B2A7-80F6B63AEF6D}" dt="2024-02-14T11:49:22.097" v="22" actId="47"/>
+        <pc:sldMkLst>
+          <pc:docMk/>
+          <pc:sldMk cId="3247666091" sldId="311"/>
+        </pc:sldMkLst>
+      </pc:sldChg>
+      <pc:sldChg chg="del">
+        <pc:chgData name="Ihor Aleksandrov" userId="c3051032-6b87-4db2-b257-777a0106fbd9" providerId="ADAL" clId="{8F6FD043-9E57-48DE-B2A7-80F6B63AEF6D}" dt="2024-02-14T11:49:22.097" v="22" actId="47"/>
+        <pc:sldMkLst>
+          <pc:docMk/>
+          <pc:sldMk cId="692294431" sldId="312"/>
+        </pc:sldMkLst>
+      </pc:sldChg>
+      <pc:sldChg chg="addSp delSp modSp add mod setBg delDesignElem">
+        <pc:chgData name="Ihor Aleksandrov" userId="c3051032-6b87-4db2-b257-777a0106fbd9" providerId="ADAL" clId="{8F6FD043-9E57-48DE-B2A7-80F6B63AEF6D}" dt="2024-02-14T12:18:29.793" v="118" actId="1076"/>
+        <pc:sldMkLst>
+          <pc:docMk/>
+          <pc:sldMk cId="2749259083" sldId="312"/>
+        </pc:sldMkLst>
+        <pc:spChg chg="mod">
+          <ac:chgData name="Ihor Aleksandrov" userId="c3051032-6b87-4db2-b257-777a0106fbd9" providerId="ADAL" clId="{8F6FD043-9E57-48DE-B2A7-80F6B63AEF6D}" dt="2024-02-14T12:16:15.026" v="103" actId="26606"/>
+          <ac:spMkLst>
+            <pc:docMk/>
+            <pc:sldMk cId="2749259083" sldId="312"/>
+            <ac:spMk id="2" creationId="{53C5D828-9666-E312-B574-9FE965A7D6BE}"/>
+          </ac:spMkLst>
+        </pc:spChg>
+        <pc:spChg chg="mod ord">
+          <ac:chgData name="Ihor Aleksandrov" userId="c3051032-6b87-4db2-b257-777a0106fbd9" providerId="ADAL" clId="{8F6FD043-9E57-48DE-B2A7-80F6B63AEF6D}" dt="2024-02-14T12:18:14.483" v="114"/>
+          <ac:spMkLst>
+            <pc:docMk/>
+            <pc:sldMk cId="2749259083" sldId="312"/>
+            <ac:spMk id="3" creationId="{5AA19FA0-A765-8169-03F1-928E3EF7B595}"/>
+          </ac:spMkLst>
+        </pc:spChg>
+        <pc:spChg chg="add mod">
+          <ac:chgData name="Ihor Aleksandrov" userId="c3051032-6b87-4db2-b257-777a0106fbd9" providerId="ADAL" clId="{8F6FD043-9E57-48DE-B2A7-80F6B63AEF6D}" dt="2024-02-14T12:17:07.236" v="107" actId="1076"/>
+          <ac:spMkLst>
+            <pc:docMk/>
+            <pc:sldMk cId="2749259083" sldId="312"/>
+            <ac:spMk id="6" creationId="{C3737C45-9032-93CD-C150-6B3898611AD6}"/>
+          </ac:spMkLst>
+        </pc:spChg>
+        <pc:spChg chg="add mod">
+          <ac:chgData name="Ihor Aleksandrov" userId="c3051032-6b87-4db2-b257-777a0106fbd9" providerId="ADAL" clId="{8F6FD043-9E57-48DE-B2A7-80F6B63AEF6D}" dt="2024-02-14T12:18:07.569" v="112" actId="1076"/>
+          <ac:spMkLst>
+            <pc:docMk/>
+            <pc:sldMk cId="2749259083" sldId="312"/>
+            <ac:spMk id="8" creationId="{EC2EF2C3-E608-0FEB-DC59-A949B16379A3}"/>
+          </ac:spMkLst>
+        </pc:spChg>
+        <pc:spChg chg="add">
+          <ac:chgData name="Ihor Aleksandrov" userId="c3051032-6b87-4db2-b257-777a0106fbd9" providerId="ADAL" clId="{8F6FD043-9E57-48DE-B2A7-80F6B63AEF6D}" dt="2024-02-14T12:16:15.026" v="103" actId="26606"/>
+          <ac:spMkLst>
+            <pc:docMk/>
+            <pc:sldMk cId="2749259083" sldId="312"/>
+            <ac:spMk id="10" creationId="{D4771268-CB57-404A-9271-370EB28F6090}"/>
+          </ac:spMkLst>
+        </pc:spChg>
+        <pc:spChg chg="add mod">
+          <ac:chgData name="Ihor Aleksandrov" userId="c3051032-6b87-4db2-b257-777a0106fbd9" providerId="ADAL" clId="{8F6FD043-9E57-48DE-B2A7-80F6B63AEF6D}" dt="2024-02-14T12:18:29.793" v="118" actId="1076"/>
+          <ac:spMkLst>
+            <pc:docMk/>
+            <pc:sldMk cId="2749259083" sldId="312"/>
+            <ac:spMk id="11" creationId="{F1BC1187-6479-40A2-18FA-662130C993BF}"/>
+          </ac:spMkLst>
+        </pc:spChg>
+        <pc:spChg chg="del">
+          <ac:chgData name="Ihor Aleksandrov" userId="c3051032-6b87-4db2-b257-777a0106fbd9" providerId="ADAL" clId="{8F6FD043-9E57-48DE-B2A7-80F6B63AEF6D}" dt="2024-02-14T12:16:10.956" v="102"/>
+          <ac:spMkLst>
+            <pc:docMk/>
+            <pc:sldMk cId="2749259083" sldId="312"/>
+            <ac:spMk id="24" creationId="{D4771268-CB57-404A-9271-370EB28F6090}"/>
+          </ac:spMkLst>
+        </pc:spChg>
+        <pc:picChg chg="mod">
+          <ac:chgData name="Ihor Aleksandrov" userId="c3051032-6b87-4db2-b257-777a0106fbd9" providerId="ADAL" clId="{8F6FD043-9E57-48DE-B2A7-80F6B63AEF6D}" dt="2024-02-14T12:16:21.204" v="105" actId="1076"/>
+          <ac:picMkLst>
+            <pc:docMk/>
+            <pc:sldMk cId="2749259083" sldId="312"/>
+            <ac:picMk id="5" creationId="{49649CEC-2693-E830-B46E-A31C0B523A06}"/>
+          </ac:picMkLst>
+        </pc:picChg>
+      </pc:sldChg>
+      <pc:sldChg chg="addSp delSp modSp add mod setBg delDesignElem">
+        <pc:chgData name="Ihor Aleksandrov" userId="c3051032-6b87-4db2-b257-777a0106fbd9" providerId="ADAL" clId="{8F6FD043-9E57-48DE-B2A7-80F6B63AEF6D}" dt="2024-02-14T12:36:52.380" v="134" actId="1076"/>
+        <pc:sldMkLst>
+          <pc:docMk/>
+          <pc:sldMk cId="441422193" sldId="313"/>
+        </pc:sldMkLst>
+        <pc:spChg chg="mod">
+          <ac:chgData name="Ihor Aleksandrov" userId="c3051032-6b87-4db2-b257-777a0106fbd9" providerId="ADAL" clId="{8F6FD043-9E57-48DE-B2A7-80F6B63AEF6D}" dt="2024-02-14T12:36:38.024" v="129" actId="26606"/>
+          <ac:spMkLst>
+            <pc:docMk/>
+            <pc:sldMk cId="441422193" sldId="313"/>
+            <ac:spMk id="2" creationId="{53C5D828-9666-E312-B574-9FE965A7D6BE}"/>
+          </ac:spMkLst>
+        </pc:spChg>
+        <pc:spChg chg="mod ord">
+          <ac:chgData name="Ihor Aleksandrov" userId="c3051032-6b87-4db2-b257-777a0106fbd9" providerId="ADAL" clId="{8F6FD043-9E57-48DE-B2A7-80F6B63AEF6D}" dt="2024-02-14T12:36:38.024" v="129" actId="26606"/>
+          <ac:spMkLst>
+            <pc:docMk/>
+            <pc:sldMk cId="441422193" sldId="313"/>
+            <ac:spMk id="3" creationId="{5AA19FA0-A765-8169-03F1-928E3EF7B595}"/>
+          </ac:spMkLst>
+        </pc:spChg>
+        <pc:spChg chg="add">
+          <ac:chgData name="Ihor Aleksandrov" userId="c3051032-6b87-4db2-b257-777a0106fbd9" providerId="ADAL" clId="{8F6FD043-9E57-48DE-B2A7-80F6B63AEF6D}" dt="2024-02-14T12:36:38.024" v="129" actId="26606"/>
+          <ac:spMkLst>
+            <pc:docMk/>
+            <pc:sldMk cId="441422193" sldId="313"/>
+            <ac:spMk id="10" creationId="{D4771268-CB57-404A-9271-370EB28F6090}"/>
+          </ac:spMkLst>
+        </pc:spChg>
+        <pc:spChg chg="del">
+          <ac:chgData name="Ihor Aleksandrov" userId="c3051032-6b87-4db2-b257-777a0106fbd9" providerId="ADAL" clId="{8F6FD043-9E57-48DE-B2A7-80F6B63AEF6D}" dt="2024-02-14T12:36:34.711" v="128"/>
+          <ac:spMkLst>
+            <pc:docMk/>
+            <pc:sldMk cId="441422193" sldId="313"/>
+            <ac:spMk id="24" creationId="{D4771268-CB57-404A-9271-370EB28F6090}"/>
+          </ac:spMkLst>
+        </pc:spChg>
+        <pc:picChg chg="mod">
+          <ac:chgData name="Ihor Aleksandrov" userId="c3051032-6b87-4db2-b257-777a0106fbd9" providerId="ADAL" clId="{8F6FD043-9E57-48DE-B2A7-80F6B63AEF6D}" dt="2024-02-14T12:36:52.380" v="134" actId="1076"/>
+          <ac:picMkLst>
+            <pc:docMk/>
+            <pc:sldMk cId="441422193" sldId="313"/>
+            <ac:picMk id="5" creationId="{709B2278-9B6C-AD5A-6295-285C48B14754}"/>
+          </ac:picMkLst>
+        </pc:picChg>
+      </pc:sldChg>
+      <pc:sldChg chg="del">
+        <pc:chgData name="Ihor Aleksandrov" userId="c3051032-6b87-4db2-b257-777a0106fbd9" providerId="ADAL" clId="{8F6FD043-9E57-48DE-B2A7-80F6B63AEF6D}" dt="2024-02-14T11:49:22.097" v="22" actId="47"/>
+        <pc:sldMkLst>
+          <pc:docMk/>
+          <pc:sldMk cId="1982591055" sldId="313"/>
+        </pc:sldMkLst>
+      </pc:sldChg>
+      <pc:sldChg chg="modSp add mod ord">
+        <pc:chgData name="Ihor Aleksandrov" userId="c3051032-6b87-4db2-b257-777a0106fbd9" providerId="ADAL" clId="{8F6FD043-9E57-48DE-B2A7-80F6B63AEF6D}" dt="2024-02-14T15:19:23.352" v="144"/>
+        <pc:sldMkLst>
+          <pc:docMk/>
+          <pc:sldMk cId="400175970" sldId="314"/>
+        </pc:sldMkLst>
+        <pc:spChg chg="mod">
+          <ac:chgData name="Ihor Aleksandrov" userId="c3051032-6b87-4db2-b257-777a0106fbd9" providerId="ADAL" clId="{8F6FD043-9E57-48DE-B2A7-80F6B63AEF6D}" dt="2024-02-14T15:19:18.857" v="142" actId="20577"/>
+          <ac:spMkLst>
+            <pc:docMk/>
+            <pc:sldMk cId="400175970" sldId="314"/>
+            <ac:spMk id="2" creationId="{2C4A1DFF-3C45-F11D-E6A6-19C0306E5E2B}"/>
+          </ac:spMkLst>
+        </pc:spChg>
+      </pc:sldChg>
+      <pc:sldChg chg="del">
+        <pc:chgData name="Ihor Aleksandrov" userId="c3051032-6b87-4db2-b257-777a0106fbd9" providerId="ADAL" clId="{8F6FD043-9E57-48DE-B2A7-80F6B63AEF6D}" dt="2024-02-14T11:49:22.097" v="22" actId="47"/>
+        <pc:sldMkLst>
+          <pc:docMk/>
+          <pc:sldMk cId="3441142325" sldId="314"/>
+        </pc:sldMkLst>
+      </pc:sldChg>
+      <pc:sldChg chg="del">
+        <pc:chgData name="Ihor Aleksandrov" userId="c3051032-6b87-4db2-b257-777a0106fbd9" providerId="ADAL" clId="{8F6FD043-9E57-48DE-B2A7-80F6B63AEF6D}" dt="2024-02-14T11:49:22.097" v="22" actId="47"/>
+        <pc:sldMkLst>
+          <pc:docMk/>
+          <pc:sldMk cId="2194918172" sldId="315"/>
+        </pc:sldMkLst>
+      </pc:sldChg>
+      <pc:sldChg chg="addSp delSp modSp add mod setBg delDesignElem">
+        <pc:chgData name="Ihor Aleksandrov" userId="c3051032-6b87-4db2-b257-777a0106fbd9" providerId="ADAL" clId="{8F6FD043-9E57-48DE-B2A7-80F6B63AEF6D}" dt="2024-02-14T15:27:21.324" v="157" actId="1076"/>
+        <pc:sldMkLst>
+          <pc:docMk/>
+          <pc:sldMk cId="2728358054" sldId="315"/>
+        </pc:sldMkLst>
+        <pc:spChg chg="ord">
+          <ac:chgData name="Ihor Aleksandrov" userId="c3051032-6b87-4db2-b257-777a0106fbd9" providerId="ADAL" clId="{8F6FD043-9E57-48DE-B2A7-80F6B63AEF6D}" dt="2024-02-14T15:26:02.374" v="147" actId="26606"/>
+          <ac:spMkLst>
+            <pc:docMk/>
+            <pc:sldMk cId="2728358054" sldId="315"/>
+            <ac:spMk id="3" creationId="{5AA19FA0-A765-8169-03F1-928E3EF7B595}"/>
+          </ac:spMkLst>
+        </pc:spChg>
+        <pc:spChg chg="add mod">
+          <ac:chgData name="Ihor Aleksandrov" userId="c3051032-6b87-4db2-b257-777a0106fbd9" providerId="ADAL" clId="{8F6FD043-9E57-48DE-B2A7-80F6B63AEF6D}" dt="2024-02-14T15:27:02.262" v="153" actId="1076"/>
+          <ac:spMkLst>
+            <pc:docMk/>
+            <pc:sldMk cId="2728358054" sldId="315"/>
+            <ac:spMk id="6" creationId="{36191EEE-149A-C4ED-D6F0-8FA916759D80}"/>
+          </ac:spMkLst>
+        </pc:spChg>
+        <pc:spChg chg="add mod">
+          <ac:chgData name="Ihor Aleksandrov" userId="c3051032-6b87-4db2-b257-777a0106fbd9" providerId="ADAL" clId="{8F6FD043-9E57-48DE-B2A7-80F6B63AEF6D}" dt="2024-02-14T15:27:21.324" v="157" actId="1076"/>
+          <ac:spMkLst>
+            <pc:docMk/>
+            <pc:sldMk cId="2728358054" sldId="315"/>
+            <ac:spMk id="8" creationId="{8BC01EC4-62BA-E5B4-A978-A071ACEF9C69}"/>
+          </ac:spMkLst>
+        </pc:spChg>
+        <pc:spChg chg="del">
+          <ac:chgData name="Ihor Aleksandrov" userId="c3051032-6b87-4db2-b257-777a0106fbd9" providerId="ADAL" clId="{8F6FD043-9E57-48DE-B2A7-80F6B63AEF6D}" dt="2024-02-14T15:25:59.239" v="146"/>
+          <ac:spMkLst>
+            <pc:docMk/>
+            <pc:sldMk cId="2728358054" sldId="315"/>
+            <ac:spMk id="9" creationId="{D4771268-CB57-404A-9271-370EB28F6090}"/>
+          </ac:spMkLst>
+        </pc:spChg>
+        <pc:spChg chg="add">
+          <ac:chgData name="Ihor Aleksandrov" userId="c3051032-6b87-4db2-b257-777a0106fbd9" providerId="ADAL" clId="{8F6FD043-9E57-48DE-B2A7-80F6B63AEF6D}" dt="2024-02-14T15:26:02.374" v="147" actId="26606"/>
+          <ac:spMkLst>
+            <pc:docMk/>
+            <pc:sldMk cId="2728358054" sldId="315"/>
+            <ac:spMk id="10" creationId="{D4771268-CB57-404A-9271-370EB28F6090}"/>
+          </ac:spMkLst>
+        </pc:spChg>
+        <pc:picChg chg="mod">
+          <ac:chgData name="Ihor Aleksandrov" userId="c3051032-6b87-4db2-b257-777a0106fbd9" providerId="ADAL" clId="{8F6FD043-9E57-48DE-B2A7-80F6B63AEF6D}" dt="2024-02-14T15:26:08.166" v="149" actId="1076"/>
+          <ac:picMkLst>
+            <pc:docMk/>
+            <pc:sldMk cId="2728358054" sldId="315"/>
+            <ac:picMk id="5" creationId="{1B28AA1A-E60F-3632-5A69-475FEC313F4F}"/>
+          </ac:picMkLst>
+        </pc:picChg>
+      </pc:sldChg>
+      <pc:sldChg chg="addSp delSp modSp add mod setBg delDesignElem">
+        <pc:chgData name="Ihor Aleksandrov" userId="c3051032-6b87-4db2-b257-777a0106fbd9" providerId="ADAL" clId="{8F6FD043-9E57-48DE-B2A7-80F6B63AEF6D}" dt="2024-02-14T15:39:28.662" v="175" actId="1076"/>
+        <pc:sldMkLst>
+          <pc:docMk/>
+          <pc:sldMk cId="1133112284" sldId="316"/>
+        </pc:sldMkLst>
+        <pc:spChg chg="mod">
+          <ac:chgData name="Ihor Aleksandrov" userId="c3051032-6b87-4db2-b257-777a0106fbd9" providerId="ADAL" clId="{8F6FD043-9E57-48DE-B2A7-80F6B63AEF6D}" dt="2024-02-14T15:37:45.859" v="160" actId="26606"/>
+          <ac:spMkLst>
+            <pc:docMk/>
+            <pc:sldMk cId="1133112284" sldId="316"/>
+            <ac:spMk id="2" creationId="{53C5D828-9666-E312-B574-9FE965A7D6BE}"/>
+          </ac:spMkLst>
+        </pc:spChg>
+        <pc:spChg chg="mod ord">
+          <ac:chgData name="Ihor Aleksandrov" userId="c3051032-6b87-4db2-b257-777a0106fbd9" providerId="ADAL" clId="{8F6FD043-9E57-48DE-B2A7-80F6B63AEF6D}" dt="2024-02-14T15:37:45.859" v="160" actId="26606"/>
+          <ac:spMkLst>
+            <pc:docMk/>
+            <pc:sldMk cId="1133112284" sldId="316"/>
+            <ac:spMk id="3" creationId="{5AA19FA0-A765-8169-03F1-928E3EF7B595}"/>
+          </ac:spMkLst>
+        </pc:spChg>
+        <pc:spChg chg="add mod">
+          <ac:chgData name="Ihor Aleksandrov" userId="c3051032-6b87-4db2-b257-777a0106fbd9" providerId="ADAL" clId="{8F6FD043-9E57-48DE-B2A7-80F6B63AEF6D}" dt="2024-02-14T15:39:19.371" v="172" actId="1076"/>
+          <ac:spMkLst>
+            <pc:docMk/>
+            <pc:sldMk cId="1133112284" sldId="316"/>
+            <ac:spMk id="8" creationId="{A1B718D4-4D59-EA55-DB27-FF936283B08A}"/>
+          </ac:spMkLst>
+        </pc:spChg>
+        <pc:spChg chg="add mod">
+          <ac:chgData name="Ihor Aleksandrov" userId="c3051032-6b87-4db2-b257-777a0106fbd9" providerId="ADAL" clId="{8F6FD043-9E57-48DE-B2A7-80F6B63AEF6D}" dt="2024-02-14T15:39:28.662" v="175" actId="1076"/>
+          <ac:spMkLst>
+            <pc:docMk/>
+            <pc:sldMk cId="1133112284" sldId="316"/>
+            <ac:spMk id="10" creationId="{0FE08CB5-78FA-500B-A60B-FED0247F775E}"/>
+          </ac:spMkLst>
+        </pc:spChg>
+        <pc:spChg chg="add">
+          <ac:chgData name="Ihor Aleksandrov" userId="c3051032-6b87-4db2-b257-777a0106fbd9" providerId="ADAL" clId="{8F6FD043-9E57-48DE-B2A7-80F6B63AEF6D}" dt="2024-02-14T15:37:45.859" v="160" actId="26606"/>
+          <ac:spMkLst>
+            <pc:docMk/>
+            <pc:sldMk cId="1133112284" sldId="316"/>
+            <ac:spMk id="12" creationId="{D4771268-CB57-404A-9271-370EB28F6090}"/>
+          </ac:spMkLst>
+        </pc:spChg>
+        <pc:spChg chg="del">
+          <ac:chgData name="Ihor Aleksandrov" userId="c3051032-6b87-4db2-b257-777a0106fbd9" providerId="ADAL" clId="{8F6FD043-9E57-48DE-B2A7-80F6B63AEF6D}" dt="2024-02-14T15:37:42.399" v="159"/>
+          <ac:spMkLst>
+            <pc:docMk/>
+            <pc:sldMk cId="1133112284" sldId="316"/>
+            <ac:spMk id="24" creationId="{D4771268-CB57-404A-9271-370EB28F6090}"/>
+          </ac:spMkLst>
+        </pc:spChg>
+        <pc:picChg chg="add mod">
+          <ac:chgData name="Ihor Aleksandrov" userId="c3051032-6b87-4db2-b257-777a0106fbd9" providerId="ADAL" clId="{8F6FD043-9E57-48DE-B2A7-80F6B63AEF6D}" dt="2024-02-14T15:38:50.835" v="166" actId="1076"/>
+          <ac:picMkLst>
+            <pc:docMk/>
+            <pc:sldMk cId="1133112284" sldId="316"/>
+            <ac:picMk id="5" creationId="{5B818909-1650-EF4F-F11C-62CA7A6573BD}"/>
+          </ac:picMkLst>
+        </pc:picChg>
+        <pc:picChg chg="del mod">
+          <ac:chgData name="Ihor Aleksandrov" userId="c3051032-6b87-4db2-b257-777a0106fbd9" providerId="ADAL" clId="{8F6FD043-9E57-48DE-B2A7-80F6B63AEF6D}" dt="2024-02-14T15:38:30.561" v="163" actId="478"/>
+          <ac:picMkLst>
+            <pc:docMk/>
+            <pc:sldMk cId="1133112284" sldId="316"/>
+            <ac:picMk id="7" creationId="{D6A3E092-477E-3EB2-F962-CBFE4BD60457}"/>
+          </ac:picMkLst>
+        </pc:picChg>
+      </pc:sldChg>
+      <pc:sldChg chg="del">
+        <pc:chgData name="Ihor Aleksandrov" userId="c3051032-6b87-4db2-b257-777a0106fbd9" providerId="ADAL" clId="{8F6FD043-9E57-48DE-B2A7-80F6B63AEF6D}" dt="2024-02-14T11:49:22.097" v="22" actId="47"/>
+        <pc:sldMkLst>
+          <pc:docMk/>
+          <pc:sldMk cId="2238873330" sldId="316"/>
+        </pc:sldMkLst>
+      </pc:sldChg>
+      <pc:sldChg chg="addSp delSp modSp add mod setBg delDesignElem">
+        <pc:chgData name="Ihor Aleksandrov" userId="c3051032-6b87-4db2-b257-777a0106fbd9" providerId="ADAL" clId="{8F6FD043-9E57-48DE-B2A7-80F6B63AEF6D}" dt="2024-02-14T15:50:37.636" v="185" actId="1076"/>
+        <pc:sldMkLst>
+          <pc:docMk/>
+          <pc:sldMk cId="862344913" sldId="317"/>
+        </pc:sldMkLst>
+        <pc:spChg chg="mod">
+          <ac:chgData name="Ihor Aleksandrov" userId="c3051032-6b87-4db2-b257-777a0106fbd9" providerId="ADAL" clId="{8F6FD043-9E57-48DE-B2A7-80F6B63AEF6D}" dt="2024-02-14T15:49:15.016" v="178" actId="26606"/>
+          <ac:spMkLst>
+            <pc:docMk/>
+            <pc:sldMk cId="862344913" sldId="317"/>
+            <ac:spMk id="2" creationId="{53C5D828-9666-E312-B574-9FE965A7D6BE}"/>
+          </ac:spMkLst>
+        </pc:spChg>
+        <pc:spChg chg="mod ord">
+          <ac:chgData name="Ihor Aleksandrov" userId="c3051032-6b87-4db2-b257-777a0106fbd9" providerId="ADAL" clId="{8F6FD043-9E57-48DE-B2A7-80F6B63AEF6D}" dt="2024-02-14T15:49:15.016" v="178" actId="26606"/>
+          <ac:spMkLst>
+            <pc:docMk/>
+            <pc:sldMk cId="862344913" sldId="317"/>
+            <ac:spMk id="3" creationId="{5AA19FA0-A765-8169-03F1-928E3EF7B595}"/>
+          </ac:spMkLst>
+        </pc:spChg>
+        <pc:spChg chg="add">
+          <ac:chgData name="Ihor Aleksandrov" userId="c3051032-6b87-4db2-b257-777a0106fbd9" providerId="ADAL" clId="{8F6FD043-9E57-48DE-B2A7-80F6B63AEF6D}" dt="2024-02-14T15:49:15.016" v="178" actId="26606"/>
+          <ac:spMkLst>
+            <pc:docMk/>
+            <pc:sldMk cId="862344913" sldId="317"/>
+            <ac:spMk id="10" creationId="{D4771268-CB57-404A-9271-370EB28F6090}"/>
+          </ac:spMkLst>
+        </pc:spChg>
+        <pc:spChg chg="del">
+          <ac:chgData name="Ihor Aleksandrov" userId="c3051032-6b87-4db2-b257-777a0106fbd9" providerId="ADAL" clId="{8F6FD043-9E57-48DE-B2A7-80F6B63AEF6D}" dt="2024-02-14T15:49:11.818" v="177"/>
+          <ac:spMkLst>
+            <pc:docMk/>
+            <pc:sldMk cId="862344913" sldId="317"/>
+            <ac:spMk id="24" creationId="{D4771268-CB57-404A-9271-370EB28F6090}"/>
+          </ac:spMkLst>
+        </pc:spChg>
+        <pc:picChg chg="mod">
+          <ac:chgData name="Ihor Aleksandrov" userId="c3051032-6b87-4db2-b257-777a0106fbd9" providerId="ADAL" clId="{8F6FD043-9E57-48DE-B2A7-80F6B63AEF6D}" dt="2024-02-14T15:50:37.636" v="185" actId="1076"/>
+          <ac:picMkLst>
+            <pc:docMk/>
+            <pc:sldMk cId="862344913" sldId="317"/>
+            <ac:picMk id="5" creationId="{0F423EE0-1771-105D-CB7E-D0D7194C8FB6}"/>
+          </ac:picMkLst>
+        </pc:picChg>
+      </pc:sldChg>
+      <pc:sldChg chg="del">
+        <pc:chgData name="Ihor Aleksandrov" userId="c3051032-6b87-4db2-b257-777a0106fbd9" providerId="ADAL" clId="{8F6FD043-9E57-48DE-B2A7-80F6B63AEF6D}" dt="2024-02-14T11:49:22.097" v="22" actId="47"/>
+        <pc:sldMkLst>
+          <pc:docMk/>
+          <pc:sldMk cId="3132855739" sldId="317"/>
+        </pc:sldMkLst>
+      </pc:sldChg>
+      <pc:sldChg chg="del">
+        <pc:chgData name="Ihor Aleksandrov" userId="c3051032-6b87-4db2-b257-777a0106fbd9" providerId="ADAL" clId="{8F6FD043-9E57-48DE-B2A7-80F6B63AEF6D}" dt="2024-02-14T11:49:22.097" v="22" actId="47"/>
+        <pc:sldMkLst>
+          <pc:docMk/>
+          <pc:sldMk cId="982419643" sldId="318"/>
+        </pc:sldMkLst>
+      </pc:sldChg>
+      <pc:sldChg chg="delSp add del setBg delDesignElem">
+        <pc:chgData name="Ihor Aleksandrov" userId="c3051032-6b87-4db2-b257-777a0106fbd9" providerId="ADAL" clId="{8F6FD043-9E57-48DE-B2A7-80F6B63AEF6D}" dt="2024-02-14T15:58:04.707" v="227" actId="2696"/>
+        <pc:sldMkLst>
+          <pc:docMk/>
+          <pc:sldMk cId="1527920387" sldId="318"/>
+        </pc:sldMkLst>
+        <pc:spChg chg="del">
+          <ac:chgData name="Ihor Aleksandrov" userId="c3051032-6b87-4db2-b257-777a0106fbd9" providerId="ADAL" clId="{8F6FD043-9E57-48DE-B2A7-80F6B63AEF6D}" dt="2024-02-14T15:53:09.948" v="187"/>
+          <ac:spMkLst>
+            <pc:docMk/>
+            <pc:sldMk cId="1527920387" sldId="318"/>
+            <ac:spMk id="24" creationId="{D4771268-CB57-404A-9271-370EB28F6090}"/>
+          </ac:spMkLst>
+        </pc:spChg>
+      </pc:sldChg>
+      <pc:sldChg chg="del">
+        <pc:chgData name="Ihor Aleksandrov" userId="c3051032-6b87-4db2-b257-777a0106fbd9" providerId="ADAL" clId="{8F6FD043-9E57-48DE-B2A7-80F6B63AEF6D}" dt="2024-02-14T11:49:22.097" v="22" actId="47"/>
+        <pc:sldMkLst>
+          <pc:docMk/>
+          <pc:sldMk cId="386669968" sldId="319"/>
+        </pc:sldMkLst>
+      </pc:sldChg>
+      <pc:sldChg chg="addSp delSp modSp add mod">
+        <pc:chgData name="Ihor Aleksandrov" userId="c3051032-6b87-4db2-b257-777a0106fbd9" providerId="ADAL" clId="{8F6FD043-9E57-48DE-B2A7-80F6B63AEF6D}" dt="2024-02-14T15:57:10.096" v="218" actId="1076"/>
+        <pc:sldMkLst>
+          <pc:docMk/>
+          <pc:sldMk cId="4279452852" sldId="319"/>
+        </pc:sldMkLst>
+        <pc:spChg chg="mod">
+          <ac:chgData name="Ihor Aleksandrov" userId="c3051032-6b87-4db2-b257-777a0106fbd9" providerId="ADAL" clId="{8F6FD043-9E57-48DE-B2A7-80F6B63AEF6D}" dt="2024-02-14T15:54:13.065" v="203" actId="20577"/>
+          <ac:spMkLst>
+            <pc:docMk/>
+            <pc:sldMk cId="4279452852" sldId="319"/>
+            <ac:spMk id="2" creationId="{53C5D828-9666-E312-B574-9FE965A7D6BE}"/>
+          </ac:spMkLst>
+        </pc:spChg>
+        <pc:spChg chg="add mod">
+          <ac:chgData name="Ihor Aleksandrov" userId="c3051032-6b87-4db2-b257-777a0106fbd9" providerId="ADAL" clId="{8F6FD043-9E57-48DE-B2A7-80F6B63AEF6D}" dt="2024-02-14T15:56:49.048" v="214" actId="1076"/>
+          <ac:spMkLst>
+            <pc:docMk/>
+            <pc:sldMk cId="4279452852" sldId="319"/>
+            <ac:spMk id="8" creationId="{9918CCAF-750B-92FC-B698-0E42305F0653}"/>
+          </ac:spMkLst>
+        </pc:spChg>
+        <pc:spChg chg="add mod">
+          <ac:chgData name="Ihor Aleksandrov" userId="c3051032-6b87-4db2-b257-777a0106fbd9" providerId="ADAL" clId="{8F6FD043-9E57-48DE-B2A7-80F6B63AEF6D}" dt="2024-02-14T15:57:10.096" v="218" actId="1076"/>
+          <ac:spMkLst>
+            <pc:docMk/>
+            <pc:sldMk cId="4279452852" sldId="319"/>
+            <ac:spMk id="11" creationId="{7C5B172B-7F4A-94AC-B3DE-CCAE270021DE}"/>
+          </ac:spMkLst>
+        </pc:spChg>
+        <pc:picChg chg="add mod">
+          <ac:chgData name="Ihor Aleksandrov" userId="c3051032-6b87-4db2-b257-777a0106fbd9" providerId="ADAL" clId="{8F6FD043-9E57-48DE-B2A7-80F6B63AEF6D}" dt="2024-02-14T15:55:22.854" v="211" actId="1076"/>
+          <ac:picMkLst>
+            <pc:docMk/>
+            <pc:sldMk cId="4279452852" sldId="319"/>
+            <ac:picMk id="4" creationId="{C6146403-9F8D-F57E-0368-682BAF2310CA}"/>
+          </ac:picMkLst>
+        </pc:picChg>
+        <pc:picChg chg="del">
+          <ac:chgData name="Ihor Aleksandrov" userId="c3051032-6b87-4db2-b257-777a0106fbd9" providerId="ADAL" clId="{8F6FD043-9E57-48DE-B2A7-80F6B63AEF6D}" dt="2024-02-14T15:53:28.245" v="189" actId="478"/>
+          <ac:picMkLst>
+            <pc:docMk/>
+            <pc:sldMk cId="4279452852" sldId="319"/>
+            <ac:picMk id="5" creationId="{0F423EE0-1771-105D-CB7E-D0D7194C8FB6}"/>
+          </ac:picMkLst>
+        </pc:picChg>
+        <pc:picChg chg="add mod">
+          <ac:chgData name="Ihor Aleksandrov" userId="c3051032-6b87-4db2-b257-777a0106fbd9" providerId="ADAL" clId="{8F6FD043-9E57-48DE-B2A7-80F6B63AEF6D}" dt="2024-02-14T15:55:22.854" v="211" actId="1076"/>
+          <ac:picMkLst>
+            <pc:docMk/>
+            <pc:sldMk cId="4279452852" sldId="319"/>
+            <ac:picMk id="6" creationId="{1CB8A5E4-4598-CF9C-ED0C-643F43DD0F0D}"/>
+          </ac:picMkLst>
+        </pc:picChg>
+      </pc:sldChg>
+      <pc:sldChg chg="del">
+        <pc:chgData name="Ihor Aleksandrov" userId="c3051032-6b87-4db2-b257-777a0106fbd9" providerId="ADAL" clId="{8F6FD043-9E57-48DE-B2A7-80F6B63AEF6D}" dt="2024-02-14T11:49:22.097" v="22" actId="47"/>
+        <pc:sldMkLst>
+          <pc:docMk/>
+          <pc:sldMk cId="93702858" sldId="320"/>
+        </pc:sldMkLst>
+      </pc:sldChg>
+      <pc:sldChg chg="addSp delSp modSp add mod setBg delDesignElem">
+        <pc:chgData name="Ihor Aleksandrov" userId="c3051032-6b87-4db2-b257-777a0106fbd9" providerId="ADAL" clId="{8F6FD043-9E57-48DE-B2A7-80F6B63AEF6D}" dt="2024-02-14T16:09:38.908" v="238" actId="1076"/>
+        <pc:sldMkLst>
+          <pc:docMk/>
+          <pc:sldMk cId="2349704742" sldId="320"/>
+        </pc:sldMkLst>
+        <pc:spChg chg="mod">
+          <ac:chgData name="Ihor Aleksandrov" userId="c3051032-6b87-4db2-b257-777a0106fbd9" providerId="ADAL" clId="{8F6FD043-9E57-48DE-B2A7-80F6B63AEF6D}" dt="2024-02-14T16:05:51.012" v="230" actId="26606"/>
+          <ac:spMkLst>
+            <pc:docMk/>
+            <pc:sldMk cId="2349704742" sldId="320"/>
+            <ac:spMk id="2" creationId="{53C5D828-9666-E312-B574-9FE965A7D6BE}"/>
+          </ac:spMkLst>
+        </pc:spChg>
+        <pc:spChg chg="mod ord">
+          <ac:chgData name="Ihor Aleksandrov" userId="c3051032-6b87-4db2-b257-777a0106fbd9" providerId="ADAL" clId="{8F6FD043-9E57-48DE-B2A7-80F6B63AEF6D}" dt="2024-02-14T16:05:51.012" v="230" actId="26606"/>
+          <ac:spMkLst>
+            <pc:docMk/>
+            <pc:sldMk cId="2349704742" sldId="320"/>
+            <ac:spMk id="3" creationId="{5AA19FA0-A765-8169-03F1-928E3EF7B595}"/>
+          </ac:spMkLst>
+        </pc:spChg>
+        <pc:spChg chg="add">
+          <ac:chgData name="Ihor Aleksandrov" userId="c3051032-6b87-4db2-b257-777a0106fbd9" providerId="ADAL" clId="{8F6FD043-9E57-48DE-B2A7-80F6B63AEF6D}" dt="2024-02-14T16:05:51.012" v="230" actId="26606"/>
+          <ac:spMkLst>
+            <pc:docMk/>
+            <pc:sldMk cId="2349704742" sldId="320"/>
+            <ac:spMk id="10" creationId="{D4771268-CB57-404A-9271-370EB28F6090}"/>
+          </ac:spMkLst>
+        </pc:spChg>
+        <pc:spChg chg="del">
+          <ac:chgData name="Ihor Aleksandrov" userId="c3051032-6b87-4db2-b257-777a0106fbd9" providerId="ADAL" clId="{8F6FD043-9E57-48DE-B2A7-80F6B63AEF6D}" dt="2024-02-14T16:05:46.971" v="229"/>
+          <ac:spMkLst>
+            <pc:docMk/>
+            <pc:sldMk cId="2349704742" sldId="320"/>
+            <ac:spMk id="24" creationId="{D4771268-CB57-404A-9271-370EB28F6090}"/>
+          </ac:spMkLst>
+        </pc:spChg>
+        <pc:picChg chg="mod">
+          <ac:chgData name="Ihor Aleksandrov" userId="c3051032-6b87-4db2-b257-777a0106fbd9" providerId="ADAL" clId="{8F6FD043-9E57-48DE-B2A7-80F6B63AEF6D}" dt="2024-02-14T16:09:38.908" v="238" actId="1076"/>
+          <ac:picMkLst>
+            <pc:docMk/>
+            <pc:sldMk cId="2349704742" sldId="320"/>
+            <ac:picMk id="5" creationId="{8EDC4718-98B8-6034-BF50-9E0E916A7B98}"/>
+          </ac:picMkLst>
+        </pc:picChg>
+      </pc:sldChg>
+      <pc:sldChg chg="addSp delSp add del setBg delDesignElem">
+        <pc:chgData name="Ihor Aleksandrov" userId="c3051032-6b87-4db2-b257-777a0106fbd9" providerId="ADAL" clId="{8F6FD043-9E57-48DE-B2A7-80F6B63AEF6D}" dt="2024-02-14T15:55:04.287" v="206"/>
+        <pc:sldMkLst>
+          <pc:docMk/>
+          <pc:sldMk cId="3498016954" sldId="320"/>
+        </pc:sldMkLst>
+        <pc:spChg chg="add del">
+          <ac:chgData name="Ihor Aleksandrov" userId="c3051032-6b87-4db2-b257-777a0106fbd9" providerId="ADAL" clId="{8F6FD043-9E57-48DE-B2A7-80F6B63AEF6D}" dt="2024-02-14T15:55:04.287" v="206"/>
+          <ac:spMkLst>
+            <pc:docMk/>
+            <pc:sldMk cId="3498016954" sldId="320"/>
+            <ac:spMk id="24" creationId="{D4771268-CB57-404A-9271-370EB28F6090}"/>
+          </ac:spMkLst>
+        </pc:spChg>
+      </pc:sldChg>
+      <pc:sldChg chg="del">
+        <pc:chgData name="Ihor Aleksandrov" userId="c3051032-6b87-4db2-b257-777a0106fbd9" providerId="ADAL" clId="{8F6FD043-9E57-48DE-B2A7-80F6B63AEF6D}" dt="2024-02-14T11:49:22.097" v="22" actId="47"/>
+        <pc:sldMkLst>
+          <pc:docMk/>
+          <pc:sldMk cId="1965334728" sldId="321"/>
+        </pc:sldMkLst>
+      </pc:sldChg>
+      <pc:sldChg chg="modSp add del mod ord">
+        <pc:chgData name="Ihor Aleksandrov" userId="c3051032-6b87-4db2-b257-777a0106fbd9" providerId="ADAL" clId="{8F6FD043-9E57-48DE-B2A7-80F6B63AEF6D}" dt="2024-02-14T16:09:41.582" v="239" actId="47"/>
+        <pc:sldMkLst>
+          <pc:docMk/>
+          <pc:sldMk cId="3334547954" sldId="321"/>
+        </pc:sldMkLst>
+        <pc:spChg chg="mod">
+          <ac:chgData name="Ihor Aleksandrov" userId="c3051032-6b87-4db2-b257-777a0106fbd9" providerId="ADAL" clId="{8F6FD043-9E57-48DE-B2A7-80F6B63AEF6D}" dt="2024-02-14T16:09:28.986" v="236" actId="6549"/>
+          <ac:spMkLst>
+            <pc:docMk/>
+            <pc:sldMk cId="3334547954" sldId="321"/>
+            <ac:spMk id="2" creationId="{53C5D828-9666-E312-B574-9FE965A7D6BE}"/>
+          </ac:spMkLst>
+        </pc:spChg>
+      </pc:sldChg>
+      <pc:sldChg chg="del">
+        <pc:chgData name="Ihor Aleksandrov" userId="c3051032-6b87-4db2-b257-777a0106fbd9" providerId="ADAL" clId="{8F6FD043-9E57-48DE-B2A7-80F6B63AEF6D}" dt="2024-02-14T11:49:22.097" v="22" actId="47"/>
+        <pc:sldMkLst>
+          <pc:docMk/>
+          <pc:sldMk cId="2438032746" sldId="322"/>
+        </pc:sldMkLst>
+      </pc:sldChg>
+      <pc:sldChg chg="del">
+        <pc:chgData name="Ihor Aleksandrov" userId="c3051032-6b87-4db2-b257-777a0106fbd9" providerId="ADAL" clId="{8F6FD043-9E57-48DE-B2A7-80F6B63AEF6D}" dt="2024-02-14T11:49:22.097" v="22" actId="47"/>
+        <pc:sldMkLst>
+          <pc:docMk/>
+          <pc:sldMk cId="3430162594" sldId="324"/>
+        </pc:sldMkLst>
+      </pc:sldChg>
+      <pc:sldChg chg="del">
+        <pc:chgData name="Ihor Aleksandrov" userId="c3051032-6b87-4db2-b257-777a0106fbd9" providerId="ADAL" clId="{8F6FD043-9E57-48DE-B2A7-80F6B63AEF6D}" dt="2024-02-14T11:49:22.097" v="22" actId="47"/>
+        <pc:sldMkLst>
+          <pc:docMk/>
+          <pc:sldMk cId="4159126741" sldId="325"/>
+        </pc:sldMkLst>
+      </pc:sldChg>
+      <pc:sldChg chg="del">
+        <pc:chgData name="Ihor Aleksandrov" userId="c3051032-6b87-4db2-b257-777a0106fbd9" providerId="ADAL" clId="{8F6FD043-9E57-48DE-B2A7-80F6B63AEF6D}" dt="2024-02-14T11:49:22.097" v="22" actId="47"/>
+        <pc:sldMkLst>
+          <pc:docMk/>
+          <pc:sldMk cId="3987160844" sldId="326"/>
+        </pc:sldMkLst>
+      </pc:sldChg>
+    </pc:docChg>
+  </pc:docChgLst>
+  <pc:docChgLst>
     <pc:chgData name="Ihor Aleksandrov" userId="c3051032-6b87-4db2-b257-777a0106fbd9" providerId="ADAL" clId="{0C8A6E1B-185E-41A2-9AF9-E290758567BE}"/>
     <pc:docChg chg="undo custSel addSld delSld modSld sldOrd addSection delSection modSection">
       <pc:chgData name="Ihor Aleksandrov" userId="c3051032-6b87-4db2-b257-777a0106fbd9" providerId="ADAL" clId="{0C8A6E1B-185E-41A2-9AF9-E290758567BE}" dt="2024-01-31T16:35:34.689" v="460" actId="14100"/>
@@ -11947,666 +12954,6 @@
         <pc:sldMkLst>
           <pc:docMk/>
           <pc:sldMk cId="960138513" sldId="345"/>
-        </pc:sldMkLst>
-      </pc:sldChg>
-    </pc:docChg>
-  </pc:docChgLst>
-  <pc:docChgLst>
-    <pc:chgData name="Ihor Aleksandrov" userId="c3051032-6b87-4db2-b257-777a0106fbd9" providerId="ADAL" clId="{8F6FD043-9E57-48DE-B2A7-80F6B63AEF6D}"/>
-    <pc:docChg chg="undo redo custSel addSld delSld modSld modSection">
-      <pc:chgData name="Ihor Aleksandrov" userId="c3051032-6b87-4db2-b257-777a0106fbd9" providerId="ADAL" clId="{8F6FD043-9E57-48DE-B2A7-80F6B63AEF6D}" dt="2024-02-14T12:36:52.380" v="134" actId="1076"/>
-      <pc:docMkLst>
-        <pc:docMk/>
-      </pc:docMkLst>
-      <pc:sldChg chg="modSp mod">
-        <pc:chgData name="Ihor Aleksandrov" userId="c3051032-6b87-4db2-b257-777a0106fbd9" providerId="ADAL" clId="{8F6FD043-9E57-48DE-B2A7-80F6B63AEF6D}" dt="2024-02-14T11:49:04.895" v="10" actId="20577"/>
-        <pc:sldMkLst>
-          <pc:docMk/>
-          <pc:sldMk cId="588564705" sldId="256"/>
-        </pc:sldMkLst>
-        <pc:spChg chg="mod">
-          <ac:chgData name="Ihor Aleksandrov" userId="c3051032-6b87-4db2-b257-777a0106fbd9" providerId="ADAL" clId="{8F6FD043-9E57-48DE-B2A7-80F6B63AEF6D}" dt="2024-02-14T11:49:04.895" v="10" actId="20577"/>
-          <ac:spMkLst>
-            <pc:docMk/>
-            <pc:sldMk cId="588564705" sldId="256"/>
-            <ac:spMk id="2" creationId="{2C4A1DFF-3C45-F11D-E6A6-19C0306E5E2B}"/>
-          </ac:spMkLst>
-        </pc:spChg>
-      </pc:sldChg>
-      <pc:sldChg chg="addSp delSp modSp mod">
-        <pc:chgData name="Ihor Aleksandrov" userId="c3051032-6b87-4db2-b257-777a0106fbd9" providerId="ADAL" clId="{8F6FD043-9E57-48DE-B2A7-80F6B63AEF6D}" dt="2024-02-14T11:54:08.755" v="43" actId="1076"/>
-        <pc:sldMkLst>
-          <pc:docMk/>
-          <pc:sldMk cId="1009650064" sldId="304"/>
-        </pc:sldMkLst>
-        <pc:spChg chg="mod">
-          <ac:chgData name="Ihor Aleksandrov" userId="c3051032-6b87-4db2-b257-777a0106fbd9" providerId="ADAL" clId="{8F6FD043-9E57-48DE-B2A7-80F6B63AEF6D}" dt="2024-02-14T11:51:55.642" v="27"/>
-          <ac:spMkLst>
-            <pc:docMk/>
-            <pc:sldMk cId="1009650064" sldId="304"/>
-            <ac:spMk id="2" creationId="{53C5D828-9666-E312-B574-9FE965A7D6BE}"/>
-          </ac:spMkLst>
-        </pc:spChg>
-        <pc:spChg chg="del mod">
-          <ac:chgData name="Ihor Aleksandrov" userId="c3051032-6b87-4db2-b257-777a0106fbd9" providerId="ADAL" clId="{8F6FD043-9E57-48DE-B2A7-80F6B63AEF6D}" dt="2024-02-14T11:52:43.452" v="33" actId="478"/>
-          <ac:spMkLst>
-            <pc:docMk/>
-            <pc:sldMk cId="1009650064" sldId="304"/>
-            <ac:spMk id="5" creationId="{9A48CF2D-620C-8959-1434-C4B76F696807}"/>
-          </ac:spMkLst>
-        </pc:spChg>
-        <pc:spChg chg="del">
-          <ac:chgData name="Ihor Aleksandrov" userId="c3051032-6b87-4db2-b257-777a0106fbd9" providerId="ADAL" clId="{8F6FD043-9E57-48DE-B2A7-80F6B63AEF6D}" dt="2024-02-14T11:52:46.059" v="34" actId="478"/>
-          <ac:spMkLst>
-            <pc:docMk/>
-            <pc:sldMk cId="1009650064" sldId="304"/>
-            <ac:spMk id="7" creationId="{7BEC75C6-D4A4-A2C0-3DE8-05745693BC43}"/>
-          </ac:spMkLst>
-        </pc:spChg>
-        <pc:spChg chg="add mod">
-          <ac:chgData name="Ihor Aleksandrov" userId="c3051032-6b87-4db2-b257-777a0106fbd9" providerId="ADAL" clId="{8F6FD043-9E57-48DE-B2A7-80F6B63AEF6D}" dt="2024-02-14T11:53:35.480" v="39" actId="1076"/>
-          <ac:spMkLst>
-            <pc:docMk/>
-            <pc:sldMk cId="1009650064" sldId="304"/>
-            <ac:spMk id="8" creationId="{4578BD43-C712-287C-1BC4-C500ABB2BBEC}"/>
-          </ac:spMkLst>
-        </pc:spChg>
-        <pc:spChg chg="add mod">
-          <ac:chgData name="Ihor Aleksandrov" userId="c3051032-6b87-4db2-b257-777a0106fbd9" providerId="ADAL" clId="{8F6FD043-9E57-48DE-B2A7-80F6B63AEF6D}" dt="2024-02-14T11:54:08.755" v="43" actId="1076"/>
-          <ac:spMkLst>
-            <pc:docMk/>
-            <pc:sldMk cId="1009650064" sldId="304"/>
-            <ac:spMk id="11" creationId="{6747A8D6-9EC2-C0A9-62D5-60382CDE7BD6}"/>
-          </ac:spMkLst>
-        </pc:spChg>
-        <pc:picChg chg="add mod">
-          <ac:chgData name="Ihor Aleksandrov" userId="c3051032-6b87-4db2-b257-777a0106fbd9" providerId="ADAL" clId="{8F6FD043-9E57-48DE-B2A7-80F6B63AEF6D}" dt="2024-02-14T11:52:36.580" v="31" actId="1076"/>
-          <ac:picMkLst>
-            <pc:docMk/>
-            <pc:sldMk cId="1009650064" sldId="304"/>
-            <ac:picMk id="4" creationId="{ED582CEB-F2AB-ADF3-2B59-B4AC48033188}"/>
-          </ac:picMkLst>
-        </pc:picChg>
-        <pc:picChg chg="del">
-          <ac:chgData name="Ihor Aleksandrov" userId="c3051032-6b87-4db2-b257-777a0106fbd9" providerId="ADAL" clId="{8F6FD043-9E57-48DE-B2A7-80F6B63AEF6D}" dt="2024-02-14T11:52:27.578" v="28" actId="478"/>
-          <ac:picMkLst>
-            <pc:docMk/>
-            <pc:sldMk cId="1009650064" sldId="304"/>
-            <ac:picMk id="9" creationId="{603A1AF6-B6C2-C696-C330-74612C450468}"/>
-          </ac:picMkLst>
-        </pc:picChg>
-      </pc:sldChg>
-      <pc:sldChg chg="addSp delSp modSp add mod setBg delDesignElem">
-        <pc:chgData name="Ihor Aleksandrov" userId="c3051032-6b87-4db2-b257-777a0106fbd9" providerId="ADAL" clId="{8F6FD043-9E57-48DE-B2A7-80F6B63AEF6D}" dt="2024-02-14T11:57:21.011" v="58" actId="1076"/>
-        <pc:sldMkLst>
-          <pc:docMk/>
-          <pc:sldMk cId="501504550" sldId="305"/>
-        </pc:sldMkLst>
-        <pc:spChg chg="mod">
-          <ac:chgData name="Ihor Aleksandrov" userId="c3051032-6b87-4db2-b257-777a0106fbd9" providerId="ADAL" clId="{8F6FD043-9E57-48DE-B2A7-80F6B63AEF6D}" dt="2024-02-14T11:55:46.461" v="46" actId="26606"/>
-          <ac:spMkLst>
-            <pc:docMk/>
-            <pc:sldMk cId="501504550" sldId="305"/>
-            <ac:spMk id="2" creationId="{53C5D828-9666-E312-B574-9FE965A7D6BE}"/>
-          </ac:spMkLst>
-        </pc:spChg>
-        <pc:spChg chg="mod ord">
-          <ac:chgData name="Ihor Aleksandrov" userId="c3051032-6b87-4db2-b257-777a0106fbd9" providerId="ADAL" clId="{8F6FD043-9E57-48DE-B2A7-80F6B63AEF6D}" dt="2024-02-14T11:55:46.461" v="46" actId="26606"/>
-          <ac:spMkLst>
-            <pc:docMk/>
-            <pc:sldMk cId="501504550" sldId="305"/>
-            <ac:spMk id="3" creationId="{5AA19FA0-A765-8169-03F1-928E3EF7B595}"/>
-          </ac:spMkLst>
-        </pc:spChg>
-        <pc:spChg chg="add mod">
-          <ac:chgData name="Ihor Aleksandrov" userId="c3051032-6b87-4db2-b257-777a0106fbd9" providerId="ADAL" clId="{8F6FD043-9E57-48DE-B2A7-80F6B63AEF6D}" dt="2024-02-14T11:56:22.361" v="50" actId="1076"/>
-          <ac:spMkLst>
-            <pc:docMk/>
-            <pc:sldMk cId="501504550" sldId="305"/>
-            <ac:spMk id="6" creationId="{170B3F8A-BA99-F041-C0AA-833F1E4C6781}"/>
-          </ac:spMkLst>
-        </pc:spChg>
-        <pc:spChg chg="add mod">
-          <ac:chgData name="Ihor Aleksandrov" userId="c3051032-6b87-4db2-b257-777a0106fbd9" providerId="ADAL" clId="{8F6FD043-9E57-48DE-B2A7-80F6B63AEF6D}" dt="2024-02-14T11:56:37.205" v="54" actId="1076"/>
-          <ac:spMkLst>
-            <pc:docMk/>
-            <pc:sldMk cId="501504550" sldId="305"/>
-            <ac:spMk id="8" creationId="{0CC837E2-08C2-754A-98D2-87800D0A28F7}"/>
-          </ac:spMkLst>
-        </pc:spChg>
-        <pc:spChg chg="add">
-          <ac:chgData name="Ihor Aleksandrov" userId="c3051032-6b87-4db2-b257-777a0106fbd9" providerId="ADAL" clId="{8F6FD043-9E57-48DE-B2A7-80F6B63AEF6D}" dt="2024-02-14T11:55:46.461" v="46" actId="26606"/>
-          <ac:spMkLst>
-            <pc:docMk/>
-            <pc:sldMk cId="501504550" sldId="305"/>
-            <ac:spMk id="10" creationId="{D4771268-CB57-404A-9271-370EB28F6090}"/>
-          </ac:spMkLst>
-        </pc:spChg>
-        <pc:spChg chg="add mod">
-          <ac:chgData name="Ihor Aleksandrov" userId="c3051032-6b87-4db2-b257-777a0106fbd9" providerId="ADAL" clId="{8F6FD043-9E57-48DE-B2A7-80F6B63AEF6D}" dt="2024-02-14T11:57:21.011" v="58" actId="1076"/>
-          <ac:spMkLst>
-            <pc:docMk/>
-            <pc:sldMk cId="501504550" sldId="305"/>
-            <ac:spMk id="11" creationId="{43143286-4C19-13E9-2EEB-116D6F1CACAD}"/>
-          </ac:spMkLst>
-        </pc:spChg>
-        <pc:spChg chg="del">
-          <ac:chgData name="Ihor Aleksandrov" userId="c3051032-6b87-4db2-b257-777a0106fbd9" providerId="ADAL" clId="{8F6FD043-9E57-48DE-B2A7-80F6B63AEF6D}" dt="2024-02-14T11:55:42.740" v="45"/>
-          <ac:spMkLst>
-            <pc:docMk/>
-            <pc:sldMk cId="501504550" sldId="305"/>
-            <ac:spMk id="24" creationId="{D4771268-CB57-404A-9271-370EB28F6090}"/>
-          </ac:spMkLst>
-        </pc:spChg>
-        <pc:picChg chg="mod">
-          <ac:chgData name="Ihor Aleksandrov" userId="c3051032-6b87-4db2-b257-777a0106fbd9" providerId="ADAL" clId="{8F6FD043-9E57-48DE-B2A7-80F6B63AEF6D}" dt="2024-02-14T11:55:51.866" v="48" actId="1076"/>
-          <ac:picMkLst>
-            <pc:docMk/>
-            <pc:sldMk cId="501504550" sldId="305"/>
-            <ac:picMk id="5" creationId="{A4BAF5CA-0209-DB06-5D5D-B311881DE819}"/>
-          </ac:picMkLst>
-        </pc:picChg>
-      </pc:sldChg>
-      <pc:sldChg chg="del">
-        <pc:chgData name="Ihor Aleksandrov" userId="c3051032-6b87-4db2-b257-777a0106fbd9" providerId="ADAL" clId="{8F6FD043-9E57-48DE-B2A7-80F6B63AEF6D}" dt="2024-02-14T11:49:22.097" v="22" actId="47"/>
-        <pc:sldMkLst>
-          <pc:docMk/>
-          <pc:sldMk cId="2863503325" sldId="305"/>
-        </pc:sldMkLst>
-      </pc:sldChg>
-      <pc:sldChg chg="addSp delSp modSp add mod setBg delDesignElem">
-        <pc:chgData name="Ihor Aleksandrov" userId="c3051032-6b87-4db2-b257-777a0106fbd9" providerId="ADAL" clId="{8F6FD043-9E57-48DE-B2A7-80F6B63AEF6D}" dt="2024-02-14T12:02:17.223" v="78" actId="1076"/>
-        <pc:sldMkLst>
-          <pc:docMk/>
-          <pc:sldMk cId="1715258557" sldId="306"/>
-        </pc:sldMkLst>
-        <pc:spChg chg="mod">
-          <ac:chgData name="Ihor Aleksandrov" userId="c3051032-6b87-4db2-b257-777a0106fbd9" providerId="ADAL" clId="{8F6FD043-9E57-48DE-B2A7-80F6B63AEF6D}" dt="2024-02-14T12:00:30.399" v="61" actId="26606"/>
-          <ac:spMkLst>
-            <pc:docMk/>
-            <pc:sldMk cId="1715258557" sldId="306"/>
-            <ac:spMk id="2" creationId="{53C5D828-9666-E312-B574-9FE965A7D6BE}"/>
-          </ac:spMkLst>
-        </pc:spChg>
-        <pc:spChg chg="mod ord">
-          <ac:chgData name="Ihor Aleksandrov" userId="c3051032-6b87-4db2-b257-777a0106fbd9" providerId="ADAL" clId="{8F6FD043-9E57-48DE-B2A7-80F6B63AEF6D}" dt="2024-02-14T12:00:30.399" v="61" actId="26606"/>
-          <ac:spMkLst>
-            <pc:docMk/>
-            <pc:sldMk cId="1715258557" sldId="306"/>
-            <ac:spMk id="3" creationId="{5AA19FA0-A765-8169-03F1-928E3EF7B595}"/>
-          </ac:spMkLst>
-        </pc:spChg>
-        <pc:spChg chg="add mod">
-          <ac:chgData name="Ihor Aleksandrov" userId="c3051032-6b87-4db2-b257-777a0106fbd9" providerId="ADAL" clId="{8F6FD043-9E57-48DE-B2A7-80F6B63AEF6D}" dt="2024-02-14T12:01:59.394" v="74" actId="14100"/>
-          <ac:spMkLst>
-            <pc:docMk/>
-            <pc:sldMk cId="1715258557" sldId="306"/>
-            <ac:spMk id="6" creationId="{DB4F2B8E-D071-D779-12C1-27FE2B9D4F2B}"/>
-          </ac:spMkLst>
-        </pc:spChg>
-        <pc:spChg chg="add mod">
-          <ac:chgData name="Ihor Aleksandrov" userId="c3051032-6b87-4db2-b257-777a0106fbd9" providerId="ADAL" clId="{8F6FD043-9E57-48DE-B2A7-80F6B63AEF6D}" dt="2024-02-14T12:02:17.223" v="78" actId="1076"/>
-          <ac:spMkLst>
-            <pc:docMk/>
-            <pc:sldMk cId="1715258557" sldId="306"/>
-            <ac:spMk id="8" creationId="{E129C229-859D-936C-6B6E-6DF3F0407EBF}"/>
-          </ac:spMkLst>
-        </pc:spChg>
-        <pc:spChg chg="add">
-          <ac:chgData name="Ihor Aleksandrov" userId="c3051032-6b87-4db2-b257-777a0106fbd9" providerId="ADAL" clId="{8F6FD043-9E57-48DE-B2A7-80F6B63AEF6D}" dt="2024-02-14T12:00:30.399" v="61" actId="26606"/>
-          <ac:spMkLst>
-            <pc:docMk/>
-            <pc:sldMk cId="1715258557" sldId="306"/>
-            <ac:spMk id="9" creationId="{D4771268-CB57-404A-9271-370EB28F6090}"/>
-          </ac:spMkLst>
-        </pc:spChg>
-        <pc:spChg chg="del">
-          <ac:chgData name="Ihor Aleksandrov" userId="c3051032-6b87-4db2-b257-777a0106fbd9" providerId="ADAL" clId="{8F6FD043-9E57-48DE-B2A7-80F6B63AEF6D}" dt="2024-02-14T12:00:26.786" v="60"/>
-          <ac:spMkLst>
-            <pc:docMk/>
-            <pc:sldMk cId="1715258557" sldId="306"/>
-            <ac:spMk id="24" creationId="{D4771268-CB57-404A-9271-370EB28F6090}"/>
-          </ac:spMkLst>
-        </pc:spChg>
-        <pc:picChg chg="mod">
-          <ac:chgData name="Ihor Aleksandrov" userId="c3051032-6b87-4db2-b257-777a0106fbd9" providerId="ADAL" clId="{8F6FD043-9E57-48DE-B2A7-80F6B63AEF6D}" dt="2024-02-14T12:00:35.711" v="63" actId="1076"/>
-          <ac:picMkLst>
-            <pc:docMk/>
-            <pc:sldMk cId="1715258557" sldId="306"/>
-            <ac:picMk id="4" creationId="{2A6CB88C-BD1B-4227-7CDB-0FD27BDC3E03}"/>
-          </ac:picMkLst>
-        </pc:picChg>
-      </pc:sldChg>
-      <pc:sldChg chg="modSp mod">
-        <pc:chgData name="Ihor Aleksandrov" userId="c3051032-6b87-4db2-b257-777a0106fbd9" providerId="ADAL" clId="{8F6FD043-9E57-48DE-B2A7-80F6B63AEF6D}" dt="2024-02-14T11:48:12.493" v="0"/>
-        <pc:sldMkLst>
-          <pc:docMk/>
-          <pc:sldMk cId="2052164358" sldId="307"/>
-        </pc:sldMkLst>
-        <pc:spChg chg="mod">
-          <ac:chgData name="Ihor Aleksandrov" userId="c3051032-6b87-4db2-b257-777a0106fbd9" providerId="ADAL" clId="{8F6FD043-9E57-48DE-B2A7-80F6B63AEF6D}" dt="2024-02-14T11:48:12.493" v="0"/>
-          <ac:spMkLst>
-            <pc:docMk/>
-            <pc:sldMk cId="2052164358" sldId="307"/>
-            <ac:spMk id="2" creationId="{5DF8ECE0-DBF5-C309-B35B-C6A0C6C847B2}"/>
-          </ac:spMkLst>
-        </pc:spChg>
-      </pc:sldChg>
-      <pc:sldChg chg="del">
-        <pc:chgData name="Ihor Aleksandrov" userId="c3051032-6b87-4db2-b257-777a0106fbd9" providerId="ADAL" clId="{8F6FD043-9E57-48DE-B2A7-80F6B63AEF6D}" dt="2024-02-14T11:49:22.097" v="22" actId="47"/>
-        <pc:sldMkLst>
-          <pc:docMk/>
-          <pc:sldMk cId="969913822" sldId="309"/>
-        </pc:sldMkLst>
-      </pc:sldChg>
-      <pc:sldChg chg="addSp delSp modSp add mod setBg delDesignElem">
-        <pc:chgData name="Ihor Aleksandrov" userId="c3051032-6b87-4db2-b257-777a0106fbd9" providerId="ADAL" clId="{8F6FD043-9E57-48DE-B2A7-80F6B63AEF6D}" dt="2024-02-14T12:04:42.699" v="85" actId="1076"/>
-        <pc:sldMkLst>
-          <pc:docMk/>
-          <pc:sldMk cId="1191709969" sldId="309"/>
-        </pc:sldMkLst>
-        <pc:spChg chg="mod">
-          <ac:chgData name="Ihor Aleksandrov" userId="c3051032-6b87-4db2-b257-777a0106fbd9" providerId="ADAL" clId="{8F6FD043-9E57-48DE-B2A7-80F6B63AEF6D}" dt="2024-02-14T12:04:09.519" v="81" actId="26606"/>
-          <ac:spMkLst>
-            <pc:docMk/>
-            <pc:sldMk cId="1191709969" sldId="309"/>
-            <ac:spMk id="2" creationId="{53C5D828-9666-E312-B574-9FE965A7D6BE}"/>
-          </ac:spMkLst>
-        </pc:spChg>
-        <pc:spChg chg="mod ord">
-          <ac:chgData name="Ihor Aleksandrov" userId="c3051032-6b87-4db2-b257-777a0106fbd9" providerId="ADAL" clId="{8F6FD043-9E57-48DE-B2A7-80F6B63AEF6D}" dt="2024-02-14T12:04:09.519" v="81" actId="26606"/>
-          <ac:spMkLst>
-            <pc:docMk/>
-            <pc:sldMk cId="1191709969" sldId="309"/>
-            <ac:spMk id="3" creationId="{5AA19FA0-A765-8169-03F1-928E3EF7B595}"/>
-          </ac:spMkLst>
-        </pc:spChg>
-        <pc:spChg chg="add mod">
-          <ac:chgData name="Ihor Aleksandrov" userId="c3051032-6b87-4db2-b257-777a0106fbd9" providerId="ADAL" clId="{8F6FD043-9E57-48DE-B2A7-80F6B63AEF6D}" dt="2024-02-14T12:04:42.699" v="85" actId="1076"/>
-          <ac:spMkLst>
-            <pc:docMk/>
-            <pc:sldMk cId="1191709969" sldId="309"/>
-            <ac:spMk id="6" creationId="{72447943-B61B-559C-9492-74C6445EB0C7}"/>
-          </ac:spMkLst>
-        </pc:spChg>
-        <pc:spChg chg="add">
-          <ac:chgData name="Ihor Aleksandrov" userId="c3051032-6b87-4db2-b257-777a0106fbd9" providerId="ADAL" clId="{8F6FD043-9E57-48DE-B2A7-80F6B63AEF6D}" dt="2024-02-14T12:04:09.519" v="81" actId="26606"/>
-          <ac:spMkLst>
-            <pc:docMk/>
-            <pc:sldMk cId="1191709969" sldId="309"/>
-            <ac:spMk id="10" creationId="{D4771268-CB57-404A-9271-370EB28F6090}"/>
-          </ac:spMkLst>
-        </pc:spChg>
-        <pc:spChg chg="del">
-          <ac:chgData name="Ihor Aleksandrov" userId="c3051032-6b87-4db2-b257-777a0106fbd9" providerId="ADAL" clId="{8F6FD043-9E57-48DE-B2A7-80F6B63AEF6D}" dt="2024-02-14T12:04:05.552" v="80"/>
-          <ac:spMkLst>
-            <pc:docMk/>
-            <pc:sldMk cId="1191709969" sldId="309"/>
-            <ac:spMk id="24" creationId="{D4771268-CB57-404A-9271-370EB28F6090}"/>
-          </ac:spMkLst>
-        </pc:spChg>
-        <pc:picChg chg="mod">
-          <ac:chgData name="Ihor Aleksandrov" userId="c3051032-6b87-4db2-b257-777a0106fbd9" providerId="ADAL" clId="{8F6FD043-9E57-48DE-B2A7-80F6B63AEF6D}" dt="2024-02-14T12:04:16.093" v="83" actId="1076"/>
-          <ac:picMkLst>
-            <pc:docMk/>
-            <pc:sldMk cId="1191709969" sldId="309"/>
-            <ac:picMk id="5" creationId="{0FAED572-EA77-9F92-AAE0-98DD8CFA7D98}"/>
-          </ac:picMkLst>
-        </pc:picChg>
-      </pc:sldChg>
-      <pc:sldChg chg="del">
-        <pc:chgData name="Ihor Aleksandrov" userId="c3051032-6b87-4db2-b257-777a0106fbd9" providerId="ADAL" clId="{8F6FD043-9E57-48DE-B2A7-80F6B63AEF6D}" dt="2024-02-14T11:49:22.097" v="22" actId="47"/>
-        <pc:sldMkLst>
-          <pc:docMk/>
-          <pc:sldMk cId="2086980310" sldId="310"/>
-        </pc:sldMkLst>
-      </pc:sldChg>
-      <pc:sldChg chg="addSp delSp modSp add mod setBg delDesignElem">
-        <pc:chgData name="Ihor Aleksandrov" userId="c3051032-6b87-4db2-b257-777a0106fbd9" providerId="ADAL" clId="{8F6FD043-9E57-48DE-B2A7-80F6B63AEF6D}" dt="2024-02-14T12:34:54.374" v="126" actId="1076"/>
-        <pc:sldMkLst>
-          <pc:docMk/>
-          <pc:sldMk cId="2568485995" sldId="310"/>
-        </pc:sldMkLst>
-        <pc:spChg chg="mod">
-          <ac:chgData name="Ihor Aleksandrov" userId="c3051032-6b87-4db2-b257-777a0106fbd9" providerId="ADAL" clId="{8F6FD043-9E57-48DE-B2A7-80F6B63AEF6D}" dt="2024-02-14T12:34:18.950" v="121" actId="26606"/>
-          <ac:spMkLst>
-            <pc:docMk/>
-            <pc:sldMk cId="2568485995" sldId="310"/>
-            <ac:spMk id="2" creationId="{53C5D828-9666-E312-B574-9FE965A7D6BE}"/>
-          </ac:spMkLst>
-        </pc:spChg>
-        <pc:spChg chg="mod ord">
-          <ac:chgData name="Ihor Aleksandrov" userId="c3051032-6b87-4db2-b257-777a0106fbd9" providerId="ADAL" clId="{8F6FD043-9E57-48DE-B2A7-80F6B63AEF6D}" dt="2024-02-14T12:34:18.950" v="121" actId="26606"/>
-          <ac:spMkLst>
-            <pc:docMk/>
-            <pc:sldMk cId="2568485995" sldId="310"/>
-            <ac:spMk id="3" creationId="{5AA19FA0-A765-8169-03F1-928E3EF7B595}"/>
-          </ac:spMkLst>
-        </pc:spChg>
-        <pc:spChg chg="add mod">
-          <ac:chgData name="Ihor Aleksandrov" userId="c3051032-6b87-4db2-b257-777a0106fbd9" providerId="ADAL" clId="{8F6FD043-9E57-48DE-B2A7-80F6B63AEF6D}" dt="2024-02-14T12:34:54.374" v="126" actId="1076"/>
-          <ac:spMkLst>
-            <pc:docMk/>
-            <pc:sldMk cId="2568485995" sldId="310"/>
-            <ac:spMk id="5" creationId="{FEBBD79B-A095-832C-B1DB-D8C81F3063E2}"/>
-          </ac:spMkLst>
-        </pc:spChg>
-        <pc:spChg chg="add">
-          <ac:chgData name="Ihor Aleksandrov" userId="c3051032-6b87-4db2-b257-777a0106fbd9" providerId="ADAL" clId="{8F6FD043-9E57-48DE-B2A7-80F6B63AEF6D}" dt="2024-02-14T12:34:18.950" v="121" actId="26606"/>
-          <ac:spMkLst>
-            <pc:docMk/>
-            <pc:sldMk cId="2568485995" sldId="310"/>
-            <ac:spMk id="13" creationId="{D4771268-CB57-404A-9271-370EB28F6090}"/>
-          </ac:spMkLst>
-        </pc:spChg>
-        <pc:spChg chg="del">
-          <ac:chgData name="Ihor Aleksandrov" userId="c3051032-6b87-4db2-b257-777a0106fbd9" providerId="ADAL" clId="{8F6FD043-9E57-48DE-B2A7-80F6B63AEF6D}" dt="2024-02-14T12:34:14.509" v="120"/>
-          <ac:spMkLst>
-            <pc:docMk/>
-            <pc:sldMk cId="2568485995" sldId="310"/>
-            <ac:spMk id="24" creationId="{D4771268-CB57-404A-9271-370EB28F6090}"/>
-          </ac:spMkLst>
-        </pc:spChg>
-        <pc:picChg chg="mod">
-          <ac:chgData name="Ihor Aleksandrov" userId="c3051032-6b87-4db2-b257-777a0106fbd9" providerId="ADAL" clId="{8F6FD043-9E57-48DE-B2A7-80F6B63AEF6D}" dt="2024-02-14T12:34:25.876" v="123" actId="1076"/>
-          <ac:picMkLst>
-            <pc:docMk/>
-            <pc:sldMk cId="2568485995" sldId="310"/>
-            <ac:picMk id="8" creationId="{18EEA66F-51A8-AAB7-26A2-677C2D38B45B}"/>
-          </ac:picMkLst>
-        </pc:picChg>
-      </pc:sldChg>
-      <pc:sldChg chg="delSp add del setBg delDesignElem">
-        <pc:chgData name="Ihor Aleksandrov" userId="c3051032-6b87-4db2-b257-777a0106fbd9" providerId="ADAL" clId="{8F6FD043-9E57-48DE-B2A7-80F6B63AEF6D}" dt="2024-02-14T12:08:32.063" v="94" actId="2696"/>
-        <pc:sldMkLst>
-          <pc:docMk/>
-          <pc:sldMk cId="3138402247" sldId="310"/>
-        </pc:sldMkLst>
-        <pc:spChg chg="del">
-          <ac:chgData name="Ihor Aleksandrov" userId="c3051032-6b87-4db2-b257-777a0106fbd9" providerId="ADAL" clId="{8F6FD043-9E57-48DE-B2A7-80F6B63AEF6D}" dt="2024-02-14T12:07:52.103" v="87"/>
-          <ac:spMkLst>
-            <pc:docMk/>
-            <pc:sldMk cId="3138402247" sldId="310"/>
-            <ac:spMk id="24" creationId="{D4771268-CB57-404A-9271-370EB28F6090}"/>
-          </ac:spMkLst>
-        </pc:spChg>
-      </pc:sldChg>
-      <pc:sldChg chg="addSp delSp modSp add mod">
-        <pc:chgData name="Ihor Aleksandrov" userId="c3051032-6b87-4db2-b257-777a0106fbd9" providerId="ADAL" clId="{8F6FD043-9E57-48DE-B2A7-80F6B63AEF6D}" dt="2024-02-14T12:09:22.738" v="100" actId="1076"/>
-        <pc:sldMkLst>
-          <pc:docMk/>
-          <pc:sldMk cId="731065963" sldId="311"/>
-        </pc:sldMkLst>
-        <pc:spChg chg="mod">
-          <ac:chgData name="Ihor Aleksandrov" userId="c3051032-6b87-4db2-b257-777a0106fbd9" providerId="ADAL" clId="{8F6FD043-9E57-48DE-B2A7-80F6B63AEF6D}" dt="2024-02-14T12:08:14.383" v="89"/>
-          <ac:spMkLst>
-            <pc:docMk/>
-            <pc:sldMk cId="731065963" sldId="311"/>
-            <ac:spMk id="2" creationId="{53C5D828-9666-E312-B574-9FE965A7D6BE}"/>
-          </ac:spMkLst>
-        </pc:spChg>
-        <pc:spChg chg="del">
-          <ac:chgData name="Ihor Aleksandrov" userId="c3051032-6b87-4db2-b257-777a0106fbd9" providerId="ADAL" clId="{8F6FD043-9E57-48DE-B2A7-80F6B63AEF6D}" dt="2024-02-14T12:08:35.044" v="95" actId="478"/>
-          <ac:spMkLst>
-            <pc:docMk/>
-            <pc:sldMk cId="731065963" sldId="311"/>
-            <ac:spMk id="6" creationId="{72447943-B61B-559C-9492-74C6445EB0C7}"/>
-          </ac:spMkLst>
-        </pc:spChg>
-        <pc:spChg chg="add mod">
-          <ac:chgData name="Ihor Aleksandrov" userId="c3051032-6b87-4db2-b257-777a0106fbd9" providerId="ADAL" clId="{8F6FD043-9E57-48DE-B2A7-80F6B63AEF6D}" dt="2024-02-14T12:09:02.328" v="98" actId="1076"/>
-          <ac:spMkLst>
-            <pc:docMk/>
-            <pc:sldMk cId="731065963" sldId="311"/>
-            <ac:spMk id="8" creationId="{5F2AD2B8-6B41-46FC-8297-91922909A03C}"/>
-          </ac:spMkLst>
-        </pc:spChg>
-        <pc:spChg chg="add mod">
-          <ac:chgData name="Ihor Aleksandrov" userId="c3051032-6b87-4db2-b257-777a0106fbd9" providerId="ADAL" clId="{8F6FD043-9E57-48DE-B2A7-80F6B63AEF6D}" dt="2024-02-14T12:09:22.738" v="100" actId="1076"/>
-          <ac:spMkLst>
-            <pc:docMk/>
-            <pc:sldMk cId="731065963" sldId="311"/>
-            <ac:spMk id="11" creationId="{0F413AFC-66B0-FD7A-7156-C4673B23539C}"/>
-          </ac:spMkLst>
-        </pc:spChg>
-        <pc:picChg chg="add mod">
-          <ac:chgData name="Ihor Aleksandrov" userId="c3051032-6b87-4db2-b257-777a0106fbd9" providerId="ADAL" clId="{8F6FD043-9E57-48DE-B2A7-80F6B63AEF6D}" dt="2024-02-14T12:08:28.698" v="93" actId="1076"/>
-          <ac:picMkLst>
-            <pc:docMk/>
-            <pc:sldMk cId="731065963" sldId="311"/>
-            <ac:picMk id="4" creationId="{C472D84E-B95C-260C-8BB1-7ED8ED80283E}"/>
-          </ac:picMkLst>
-        </pc:picChg>
-        <pc:picChg chg="del">
-          <ac:chgData name="Ihor Aleksandrov" userId="c3051032-6b87-4db2-b257-777a0106fbd9" providerId="ADAL" clId="{8F6FD043-9E57-48DE-B2A7-80F6B63AEF6D}" dt="2024-02-14T12:08:21.907" v="90" actId="478"/>
-          <ac:picMkLst>
-            <pc:docMk/>
-            <pc:sldMk cId="731065963" sldId="311"/>
-            <ac:picMk id="5" creationId="{0FAED572-EA77-9F92-AAE0-98DD8CFA7D98}"/>
-          </ac:picMkLst>
-        </pc:picChg>
-      </pc:sldChg>
-      <pc:sldChg chg="del">
-        <pc:chgData name="Ihor Aleksandrov" userId="c3051032-6b87-4db2-b257-777a0106fbd9" providerId="ADAL" clId="{8F6FD043-9E57-48DE-B2A7-80F6B63AEF6D}" dt="2024-02-14T11:49:22.097" v="22" actId="47"/>
-        <pc:sldMkLst>
-          <pc:docMk/>
-          <pc:sldMk cId="3247666091" sldId="311"/>
-        </pc:sldMkLst>
-      </pc:sldChg>
-      <pc:sldChg chg="del">
-        <pc:chgData name="Ihor Aleksandrov" userId="c3051032-6b87-4db2-b257-777a0106fbd9" providerId="ADAL" clId="{8F6FD043-9E57-48DE-B2A7-80F6B63AEF6D}" dt="2024-02-14T11:49:22.097" v="22" actId="47"/>
-        <pc:sldMkLst>
-          <pc:docMk/>
-          <pc:sldMk cId="692294431" sldId="312"/>
-        </pc:sldMkLst>
-      </pc:sldChg>
-      <pc:sldChg chg="addSp delSp modSp add mod setBg delDesignElem">
-        <pc:chgData name="Ihor Aleksandrov" userId="c3051032-6b87-4db2-b257-777a0106fbd9" providerId="ADAL" clId="{8F6FD043-9E57-48DE-B2A7-80F6B63AEF6D}" dt="2024-02-14T12:18:29.793" v="118" actId="1076"/>
-        <pc:sldMkLst>
-          <pc:docMk/>
-          <pc:sldMk cId="2749259083" sldId="312"/>
-        </pc:sldMkLst>
-        <pc:spChg chg="mod">
-          <ac:chgData name="Ihor Aleksandrov" userId="c3051032-6b87-4db2-b257-777a0106fbd9" providerId="ADAL" clId="{8F6FD043-9E57-48DE-B2A7-80F6B63AEF6D}" dt="2024-02-14T12:16:15.026" v="103" actId="26606"/>
-          <ac:spMkLst>
-            <pc:docMk/>
-            <pc:sldMk cId="2749259083" sldId="312"/>
-            <ac:spMk id="2" creationId="{53C5D828-9666-E312-B574-9FE965A7D6BE}"/>
-          </ac:spMkLst>
-        </pc:spChg>
-        <pc:spChg chg="mod ord">
-          <ac:chgData name="Ihor Aleksandrov" userId="c3051032-6b87-4db2-b257-777a0106fbd9" providerId="ADAL" clId="{8F6FD043-9E57-48DE-B2A7-80F6B63AEF6D}" dt="2024-02-14T12:18:14.483" v="114"/>
-          <ac:spMkLst>
-            <pc:docMk/>
-            <pc:sldMk cId="2749259083" sldId="312"/>
-            <ac:spMk id="3" creationId="{5AA19FA0-A765-8169-03F1-928E3EF7B595}"/>
-          </ac:spMkLst>
-        </pc:spChg>
-        <pc:spChg chg="add mod">
-          <ac:chgData name="Ihor Aleksandrov" userId="c3051032-6b87-4db2-b257-777a0106fbd9" providerId="ADAL" clId="{8F6FD043-9E57-48DE-B2A7-80F6B63AEF6D}" dt="2024-02-14T12:17:07.236" v="107" actId="1076"/>
-          <ac:spMkLst>
-            <pc:docMk/>
-            <pc:sldMk cId="2749259083" sldId="312"/>
-            <ac:spMk id="6" creationId="{C3737C45-9032-93CD-C150-6B3898611AD6}"/>
-          </ac:spMkLst>
-        </pc:spChg>
-        <pc:spChg chg="add mod">
-          <ac:chgData name="Ihor Aleksandrov" userId="c3051032-6b87-4db2-b257-777a0106fbd9" providerId="ADAL" clId="{8F6FD043-9E57-48DE-B2A7-80F6B63AEF6D}" dt="2024-02-14T12:18:07.569" v="112" actId="1076"/>
-          <ac:spMkLst>
-            <pc:docMk/>
-            <pc:sldMk cId="2749259083" sldId="312"/>
-            <ac:spMk id="8" creationId="{EC2EF2C3-E608-0FEB-DC59-A949B16379A3}"/>
-          </ac:spMkLst>
-        </pc:spChg>
-        <pc:spChg chg="add">
-          <ac:chgData name="Ihor Aleksandrov" userId="c3051032-6b87-4db2-b257-777a0106fbd9" providerId="ADAL" clId="{8F6FD043-9E57-48DE-B2A7-80F6B63AEF6D}" dt="2024-02-14T12:16:15.026" v="103" actId="26606"/>
-          <ac:spMkLst>
-            <pc:docMk/>
-            <pc:sldMk cId="2749259083" sldId="312"/>
-            <ac:spMk id="10" creationId="{D4771268-CB57-404A-9271-370EB28F6090}"/>
-          </ac:spMkLst>
-        </pc:spChg>
-        <pc:spChg chg="add mod">
-          <ac:chgData name="Ihor Aleksandrov" userId="c3051032-6b87-4db2-b257-777a0106fbd9" providerId="ADAL" clId="{8F6FD043-9E57-48DE-B2A7-80F6B63AEF6D}" dt="2024-02-14T12:18:29.793" v="118" actId="1076"/>
-          <ac:spMkLst>
-            <pc:docMk/>
-            <pc:sldMk cId="2749259083" sldId="312"/>
-            <ac:spMk id="11" creationId="{F1BC1187-6479-40A2-18FA-662130C993BF}"/>
-          </ac:spMkLst>
-        </pc:spChg>
-        <pc:spChg chg="del">
-          <ac:chgData name="Ihor Aleksandrov" userId="c3051032-6b87-4db2-b257-777a0106fbd9" providerId="ADAL" clId="{8F6FD043-9E57-48DE-B2A7-80F6B63AEF6D}" dt="2024-02-14T12:16:10.956" v="102"/>
-          <ac:spMkLst>
-            <pc:docMk/>
-            <pc:sldMk cId="2749259083" sldId="312"/>
-            <ac:spMk id="24" creationId="{D4771268-CB57-404A-9271-370EB28F6090}"/>
-          </ac:spMkLst>
-        </pc:spChg>
-        <pc:picChg chg="mod">
-          <ac:chgData name="Ihor Aleksandrov" userId="c3051032-6b87-4db2-b257-777a0106fbd9" providerId="ADAL" clId="{8F6FD043-9E57-48DE-B2A7-80F6B63AEF6D}" dt="2024-02-14T12:16:21.204" v="105" actId="1076"/>
-          <ac:picMkLst>
-            <pc:docMk/>
-            <pc:sldMk cId="2749259083" sldId="312"/>
-            <ac:picMk id="5" creationId="{49649CEC-2693-E830-B46E-A31C0B523A06}"/>
-          </ac:picMkLst>
-        </pc:picChg>
-      </pc:sldChg>
-      <pc:sldChg chg="addSp delSp modSp add mod setBg delDesignElem">
-        <pc:chgData name="Ihor Aleksandrov" userId="c3051032-6b87-4db2-b257-777a0106fbd9" providerId="ADAL" clId="{8F6FD043-9E57-48DE-B2A7-80F6B63AEF6D}" dt="2024-02-14T12:36:52.380" v="134" actId="1076"/>
-        <pc:sldMkLst>
-          <pc:docMk/>
-          <pc:sldMk cId="441422193" sldId="313"/>
-        </pc:sldMkLst>
-        <pc:spChg chg="mod">
-          <ac:chgData name="Ihor Aleksandrov" userId="c3051032-6b87-4db2-b257-777a0106fbd9" providerId="ADAL" clId="{8F6FD043-9E57-48DE-B2A7-80F6B63AEF6D}" dt="2024-02-14T12:36:38.024" v="129" actId="26606"/>
-          <ac:spMkLst>
-            <pc:docMk/>
-            <pc:sldMk cId="441422193" sldId="313"/>
-            <ac:spMk id="2" creationId="{53C5D828-9666-E312-B574-9FE965A7D6BE}"/>
-          </ac:spMkLst>
-        </pc:spChg>
-        <pc:spChg chg="mod ord">
-          <ac:chgData name="Ihor Aleksandrov" userId="c3051032-6b87-4db2-b257-777a0106fbd9" providerId="ADAL" clId="{8F6FD043-9E57-48DE-B2A7-80F6B63AEF6D}" dt="2024-02-14T12:36:38.024" v="129" actId="26606"/>
-          <ac:spMkLst>
-            <pc:docMk/>
-            <pc:sldMk cId="441422193" sldId="313"/>
-            <ac:spMk id="3" creationId="{5AA19FA0-A765-8169-03F1-928E3EF7B595}"/>
-          </ac:spMkLst>
-        </pc:spChg>
-        <pc:spChg chg="add">
-          <ac:chgData name="Ihor Aleksandrov" userId="c3051032-6b87-4db2-b257-777a0106fbd9" providerId="ADAL" clId="{8F6FD043-9E57-48DE-B2A7-80F6B63AEF6D}" dt="2024-02-14T12:36:38.024" v="129" actId="26606"/>
-          <ac:spMkLst>
-            <pc:docMk/>
-            <pc:sldMk cId="441422193" sldId="313"/>
-            <ac:spMk id="10" creationId="{D4771268-CB57-404A-9271-370EB28F6090}"/>
-          </ac:spMkLst>
-        </pc:spChg>
-        <pc:spChg chg="del">
-          <ac:chgData name="Ihor Aleksandrov" userId="c3051032-6b87-4db2-b257-777a0106fbd9" providerId="ADAL" clId="{8F6FD043-9E57-48DE-B2A7-80F6B63AEF6D}" dt="2024-02-14T12:36:34.711" v="128"/>
-          <ac:spMkLst>
-            <pc:docMk/>
-            <pc:sldMk cId="441422193" sldId="313"/>
-            <ac:spMk id="24" creationId="{D4771268-CB57-404A-9271-370EB28F6090}"/>
-          </ac:spMkLst>
-        </pc:spChg>
-        <pc:picChg chg="mod">
-          <ac:chgData name="Ihor Aleksandrov" userId="c3051032-6b87-4db2-b257-777a0106fbd9" providerId="ADAL" clId="{8F6FD043-9E57-48DE-B2A7-80F6B63AEF6D}" dt="2024-02-14T12:36:52.380" v="134" actId="1076"/>
-          <ac:picMkLst>
-            <pc:docMk/>
-            <pc:sldMk cId="441422193" sldId="313"/>
-            <ac:picMk id="5" creationId="{709B2278-9B6C-AD5A-6295-285C48B14754}"/>
-          </ac:picMkLst>
-        </pc:picChg>
-      </pc:sldChg>
-      <pc:sldChg chg="del">
-        <pc:chgData name="Ihor Aleksandrov" userId="c3051032-6b87-4db2-b257-777a0106fbd9" providerId="ADAL" clId="{8F6FD043-9E57-48DE-B2A7-80F6B63AEF6D}" dt="2024-02-14T11:49:22.097" v="22" actId="47"/>
-        <pc:sldMkLst>
-          <pc:docMk/>
-          <pc:sldMk cId="1982591055" sldId="313"/>
-        </pc:sldMkLst>
-      </pc:sldChg>
-      <pc:sldChg chg="del">
-        <pc:chgData name="Ihor Aleksandrov" userId="c3051032-6b87-4db2-b257-777a0106fbd9" providerId="ADAL" clId="{8F6FD043-9E57-48DE-B2A7-80F6B63AEF6D}" dt="2024-02-14T11:49:22.097" v="22" actId="47"/>
-        <pc:sldMkLst>
-          <pc:docMk/>
-          <pc:sldMk cId="3441142325" sldId="314"/>
-        </pc:sldMkLst>
-      </pc:sldChg>
-      <pc:sldChg chg="del">
-        <pc:chgData name="Ihor Aleksandrov" userId="c3051032-6b87-4db2-b257-777a0106fbd9" providerId="ADAL" clId="{8F6FD043-9E57-48DE-B2A7-80F6B63AEF6D}" dt="2024-02-14T11:49:22.097" v="22" actId="47"/>
-        <pc:sldMkLst>
-          <pc:docMk/>
-          <pc:sldMk cId="2194918172" sldId="315"/>
-        </pc:sldMkLst>
-      </pc:sldChg>
-      <pc:sldChg chg="del">
-        <pc:chgData name="Ihor Aleksandrov" userId="c3051032-6b87-4db2-b257-777a0106fbd9" providerId="ADAL" clId="{8F6FD043-9E57-48DE-B2A7-80F6B63AEF6D}" dt="2024-02-14T11:49:22.097" v="22" actId="47"/>
-        <pc:sldMkLst>
-          <pc:docMk/>
-          <pc:sldMk cId="2238873330" sldId="316"/>
-        </pc:sldMkLst>
-      </pc:sldChg>
-      <pc:sldChg chg="del">
-        <pc:chgData name="Ihor Aleksandrov" userId="c3051032-6b87-4db2-b257-777a0106fbd9" providerId="ADAL" clId="{8F6FD043-9E57-48DE-B2A7-80F6B63AEF6D}" dt="2024-02-14T11:49:22.097" v="22" actId="47"/>
-        <pc:sldMkLst>
-          <pc:docMk/>
-          <pc:sldMk cId="3132855739" sldId="317"/>
-        </pc:sldMkLst>
-      </pc:sldChg>
-      <pc:sldChg chg="del">
-        <pc:chgData name="Ihor Aleksandrov" userId="c3051032-6b87-4db2-b257-777a0106fbd9" providerId="ADAL" clId="{8F6FD043-9E57-48DE-B2A7-80F6B63AEF6D}" dt="2024-02-14T11:49:22.097" v="22" actId="47"/>
-        <pc:sldMkLst>
-          <pc:docMk/>
-          <pc:sldMk cId="982419643" sldId="318"/>
-        </pc:sldMkLst>
-      </pc:sldChg>
-      <pc:sldChg chg="del">
-        <pc:chgData name="Ihor Aleksandrov" userId="c3051032-6b87-4db2-b257-777a0106fbd9" providerId="ADAL" clId="{8F6FD043-9E57-48DE-B2A7-80F6B63AEF6D}" dt="2024-02-14T11:49:22.097" v="22" actId="47"/>
-        <pc:sldMkLst>
-          <pc:docMk/>
-          <pc:sldMk cId="386669968" sldId="319"/>
-        </pc:sldMkLst>
-      </pc:sldChg>
-      <pc:sldChg chg="del">
-        <pc:chgData name="Ihor Aleksandrov" userId="c3051032-6b87-4db2-b257-777a0106fbd9" providerId="ADAL" clId="{8F6FD043-9E57-48DE-B2A7-80F6B63AEF6D}" dt="2024-02-14T11:49:22.097" v="22" actId="47"/>
-        <pc:sldMkLst>
-          <pc:docMk/>
-          <pc:sldMk cId="93702858" sldId="320"/>
-        </pc:sldMkLst>
-      </pc:sldChg>
-      <pc:sldChg chg="del">
-        <pc:chgData name="Ihor Aleksandrov" userId="c3051032-6b87-4db2-b257-777a0106fbd9" providerId="ADAL" clId="{8F6FD043-9E57-48DE-B2A7-80F6B63AEF6D}" dt="2024-02-14T11:49:22.097" v="22" actId="47"/>
-        <pc:sldMkLst>
-          <pc:docMk/>
-          <pc:sldMk cId="1965334728" sldId="321"/>
-        </pc:sldMkLst>
-      </pc:sldChg>
-      <pc:sldChg chg="del">
-        <pc:chgData name="Ihor Aleksandrov" userId="c3051032-6b87-4db2-b257-777a0106fbd9" providerId="ADAL" clId="{8F6FD043-9E57-48DE-B2A7-80F6B63AEF6D}" dt="2024-02-14T11:49:22.097" v="22" actId="47"/>
-        <pc:sldMkLst>
-          <pc:docMk/>
-          <pc:sldMk cId="2438032746" sldId="322"/>
-        </pc:sldMkLst>
-      </pc:sldChg>
-      <pc:sldChg chg="del">
-        <pc:chgData name="Ihor Aleksandrov" userId="c3051032-6b87-4db2-b257-777a0106fbd9" providerId="ADAL" clId="{8F6FD043-9E57-48DE-B2A7-80F6B63AEF6D}" dt="2024-02-14T11:49:22.097" v="22" actId="47"/>
-        <pc:sldMkLst>
-          <pc:docMk/>
-          <pc:sldMk cId="3430162594" sldId="324"/>
-        </pc:sldMkLst>
-      </pc:sldChg>
-      <pc:sldChg chg="del">
-        <pc:chgData name="Ihor Aleksandrov" userId="c3051032-6b87-4db2-b257-777a0106fbd9" providerId="ADAL" clId="{8F6FD043-9E57-48DE-B2A7-80F6B63AEF6D}" dt="2024-02-14T11:49:22.097" v="22" actId="47"/>
-        <pc:sldMkLst>
-          <pc:docMk/>
-          <pc:sldMk cId="4159126741" sldId="325"/>
-        </pc:sldMkLst>
-      </pc:sldChg>
-      <pc:sldChg chg="del">
-        <pc:chgData name="Ihor Aleksandrov" userId="c3051032-6b87-4db2-b257-777a0106fbd9" providerId="ADAL" clId="{8F6FD043-9E57-48DE-B2A7-80F6B63AEF6D}" dt="2024-02-14T11:49:22.097" v="22" actId="47"/>
-        <pc:sldMkLst>
-          <pc:docMk/>
-          <pc:sldMk cId="3987160844" sldId="326"/>
         </pc:sldMkLst>
       </pc:sldChg>
     </pc:docChg>
@@ -19919,7 +20266,7 @@
                 <a:ea typeface="+mj-ea"/>
                 <a:cs typeface="+mj-cs"/>
               </a:rPr>
-              <a:t>Linux Shells</a:t>
+              <a:t>Linux Shells Scripts</a:t>
             </a:r>
           </a:p>
         </p:txBody>
@@ -20364,6 +20711,1713 @@
     <p:extLst>
       <p:ext uri="{BB962C8B-B14F-4D97-AF65-F5344CB8AC3E}">
         <p14:creationId xmlns:p14="http://schemas.microsoft.com/office/powerpoint/2010/main" val="441422193"/>
+      </p:ext>
+    </p:extLst>
+  </p:cSld>
+  <p:clrMapOvr>
+    <a:masterClrMapping/>
+  </p:clrMapOvr>
+</p:sld>
+</file>
+
+<file path=ppt/slides/slide12.xml><?xml version="1.0" encoding="utf-8"?>
+<p:sld xmlns:a="http://schemas.openxmlformats.org/drawingml/2006/main" xmlns:r="http://schemas.openxmlformats.org/officeDocument/2006/relationships" xmlns:p="http://schemas.openxmlformats.org/presentationml/2006/main">
+  <p:cSld>
+    <p:bg>
+      <p:bgPr>
+        <a:solidFill>
+          <a:schemeClr val="bg1"/>
+        </a:solidFill>
+        <a:effectLst/>
+      </p:bgPr>
+    </p:bg>
+    <p:spTree>
+      <p:nvGrpSpPr>
+        <p:cNvPr id="1" name=""/>
+        <p:cNvGrpSpPr/>
+        <p:nvPr/>
+      </p:nvGrpSpPr>
+      <p:grpSpPr>
+        <a:xfrm>
+          <a:off x="0" y="0"/>
+          <a:ext cx="0" cy="0"/>
+          <a:chOff x="0" y="0"/>
+          <a:chExt cx="0" cy="0"/>
+        </a:xfrm>
+      </p:grpSpPr>
+      <p:sp>
+        <p:nvSpPr>
+          <p:cNvPr id="9" name="Rectangle 8">
+            <a:extLst>
+              <a:ext uri="{FF2B5EF4-FFF2-40B4-BE49-F238E27FC236}">
+                <a16:creationId xmlns:a16="http://schemas.microsoft.com/office/drawing/2014/main" id="{C3896A03-3945-419A-B66B-4EE266EDD152}"/>
+              </a:ext>
+              <a:ext uri="{C183D7F6-B498-43B3-948B-1728B52AA6E4}">
+                <adec:decorative xmlns:adec="http://schemas.microsoft.com/office/drawing/2017/decorative" val="1"/>
+              </a:ext>
+            </a:extLst>
+          </p:cNvPr>
+          <p:cNvSpPr>
+            <a:spLocks noGrp="1" noRot="1" noChangeAspect="1" noMove="1" noResize="1" noEditPoints="1" noAdjustHandles="1" noChangeArrowheads="1" noChangeShapeType="1" noTextEdit="1"/>
+          </p:cNvSpPr>
+          <p:nvPr>
+            <p:extLst>
+              <p:ext uri="{386F3935-93C4-4BCD-93E2-E3B085C9AB24}">
+                <p16:designElem xmlns:p16="http://schemas.microsoft.com/office/powerpoint/2015/main" val="1"/>
+              </p:ext>
+            </p:extLst>
+          </p:nvPr>
+        </p:nvSpPr>
+        <p:spPr>
+          <a:xfrm>
+            <a:off x="10" y="0"/>
+            <a:ext cx="6083447" cy="6858001"/>
+          </a:xfrm>
+          <a:prstGeom prst="rect">
+            <a:avLst/>
+          </a:prstGeom>
+          <a:solidFill>
+            <a:schemeClr val="tx1">
+              <a:lumMod val="85000"/>
+              <a:lumOff val="15000"/>
+            </a:schemeClr>
+          </a:solidFill>
+          <a:ln>
+            <a:noFill/>
+          </a:ln>
+        </p:spPr>
+        <p:style>
+          <a:lnRef idx="2">
+            <a:schemeClr val="accent1">
+              <a:shade val="50000"/>
+            </a:schemeClr>
+          </a:lnRef>
+          <a:fillRef idx="1">
+            <a:schemeClr val="accent1"/>
+          </a:fillRef>
+          <a:effectRef idx="0">
+            <a:schemeClr val="accent1"/>
+          </a:effectRef>
+          <a:fontRef idx="minor">
+            <a:schemeClr val="lt1"/>
+          </a:fontRef>
+        </p:style>
+        <p:txBody>
+          <a:bodyPr rtlCol="0" anchor="ctr"/>
+          <a:lstStyle/>
+          <a:p>
+            <a:pPr algn="ctr"/>
+            <a:endParaRPr lang="en-US"/>
+          </a:p>
+        </p:txBody>
+      </p:sp>
+      <p:sp>
+        <p:nvSpPr>
+          <p:cNvPr id="2" name="Title 1">
+            <a:extLst>
+              <a:ext uri="{FF2B5EF4-FFF2-40B4-BE49-F238E27FC236}">
+                <a16:creationId xmlns:a16="http://schemas.microsoft.com/office/drawing/2014/main" id="{2C4A1DFF-3C45-F11D-E6A6-19C0306E5E2B}"/>
+              </a:ext>
+            </a:extLst>
+          </p:cNvPr>
+          <p:cNvSpPr>
+            <a:spLocks noGrp="1"/>
+          </p:cNvSpPr>
+          <p:nvPr>
+            <p:ph type="ctrTitle"/>
+          </p:nvPr>
+        </p:nvSpPr>
+        <p:spPr>
+          <a:xfrm>
+            <a:off x="651202" y="637762"/>
+            <a:ext cx="5223125" cy="5576770"/>
+          </a:xfrm>
+        </p:spPr>
+        <p:txBody>
+          <a:bodyPr anchor="ctr">
+            <a:normAutofit/>
+          </a:bodyPr>
+          <a:lstStyle/>
+          <a:p>
+            <a:pPr algn="l"/>
+            <a:r>
+              <a:rPr lang="en-US" dirty="0">
+                <a:solidFill>
+                  <a:schemeClr val="bg1"/>
+                </a:solidFill>
+              </a:rPr>
+              <a:t>Windows OS</a:t>
+            </a:r>
+            <a:endParaRPr lang="ru-UA" sz="5600" dirty="0">
+              <a:solidFill>
+                <a:schemeClr val="bg1"/>
+              </a:solidFill>
+            </a:endParaRPr>
+          </a:p>
+        </p:txBody>
+      </p:sp>
+      <p:sp>
+        <p:nvSpPr>
+          <p:cNvPr id="11" name="Rectangle 10">
+            <a:extLst>
+              <a:ext uri="{FF2B5EF4-FFF2-40B4-BE49-F238E27FC236}">
+                <a16:creationId xmlns:a16="http://schemas.microsoft.com/office/drawing/2014/main" id="{B34F5AD2-EDBD-4BBD-A55C-EAFFD0C7097A}"/>
+              </a:ext>
+              <a:ext uri="{C183D7F6-B498-43B3-948B-1728B52AA6E4}">
+                <adec:decorative xmlns:adec="http://schemas.microsoft.com/office/drawing/2017/decorative" val="1"/>
+              </a:ext>
+            </a:extLst>
+          </p:cNvPr>
+          <p:cNvSpPr>
+            <a:spLocks noGrp="1" noRot="1" noChangeAspect="1" noMove="1" noResize="1" noEditPoints="1" noAdjustHandles="1" noChangeArrowheads="1" noChangeShapeType="1" noTextEdit="1"/>
+          </p:cNvSpPr>
+          <p:nvPr>
+            <p:extLst>
+              <p:ext uri="{386F3935-93C4-4BCD-93E2-E3B085C9AB24}">
+                <p16:designElem xmlns:p16="http://schemas.microsoft.com/office/powerpoint/2015/main" val="1"/>
+              </p:ext>
+            </p:extLst>
+          </p:nvPr>
+        </p:nvSpPr>
+        <p:spPr>
+          <a:xfrm>
+            <a:off x="6096000" y="0"/>
+            <a:ext cx="6095990" cy="6858001"/>
+          </a:xfrm>
+          <a:prstGeom prst="rect">
+            <a:avLst/>
+          </a:prstGeom>
+          <a:solidFill>
+            <a:schemeClr val="bg1">
+              <a:lumMod val="95000"/>
+            </a:schemeClr>
+          </a:solidFill>
+          <a:ln>
+            <a:noFill/>
+          </a:ln>
+        </p:spPr>
+        <p:style>
+          <a:lnRef idx="2">
+            <a:schemeClr val="accent1">
+              <a:shade val="50000"/>
+            </a:schemeClr>
+          </a:lnRef>
+          <a:fillRef idx="1">
+            <a:schemeClr val="accent1"/>
+          </a:fillRef>
+          <a:effectRef idx="0">
+            <a:schemeClr val="accent1"/>
+          </a:effectRef>
+          <a:fontRef idx="minor">
+            <a:schemeClr val="lt1"/>
+          </a:fontRef>
+        </p:style>
+        <p:txBody>
+          <a:bodyPr rtlCol="0" anchor="ctr"/>
+          <a:lstStyle/>
+          <a:p>
+            <a:pPr algn="ctr"/>
+            <a:endParaRPr lang="en-US"/>
+          </a:p>
+        </p:txBody>
+      </p:sp>
+      <p:sp>
+        <p:nvSpPr>
+          <p:cNvPr id="4" name="Footer Placeholder 3">
+            <a:extLst>
+              <a:ext uri="{FF2B5EF4-FFF2-40B4-BE49-F238E27FC236}">
+                <a16:creationId xmlns:a16="http://schemas.microsoft.com/office/drawing/2014/main" id="{6AEA980F-0A48-FA7E-1AE7-6E7F30B49C17}"/>
+              </a:ext>
+            </a:extLst>
+          </p:cNvPr>
+          <p:cNvSpPr>
+            <a:spLocks noGrp="1"/>
+          </p:cNvSpPr>
+          <p:nvPr>
+            <p:ph type="ftr" sz="quarter" idx="11"/>
+          </p:nvPr>
+        </p:nvSpPr>
+        <p:spPr>
+          <a:xfrm rot="5400000">
+            <a:off x="-349845" y="5226028"/>
+            <a:ext cx="1663495" cy="313512"/>
+          </a:xfrm>
+        </p:spPr>
+        <p:txBody>
+          <a:bodyPr anchor="ctr">
+            <a:normAutofit/>
+          </a:bodyPr>
+          <a:lstStyle/>
+          <a:p>
+            <a:pPr algn="r">
+              <a:spcAft>
+                <a:spcPts val="600"/>
+              </a:spcAft>
+            </a:pPr>
+            <a:r>
+              <a:rPr lang="pt-BR" sz="900">
+                <a:solidFill>
+                  <a:schemeClr val="bg1"/>
+                </a:solidFill>
+              </a:rPr>
+              <a:t>Step 9. OS Administer - ver. 1</a:t>
+            </a:r>
+            <a:endParaRPr lang="ru-UA" sz="900">
+              <a:solidFill>
+                <a:schemeClr val="bg1"/>
+              </a:solidFill>
+            </a:endParaRPr>
+          </a:p>
+        </p:txBody>
+      </p:sp>
+    </p:spTree>
+    <p:extLst>
+      <p:ext uri="{BB962C8B-B14F-4D97-AF65-F5344CB8AC3E}">
+        <p14:creationId xmlns:p14="http://schemas.microsoft.com/office/powerpoint/2010/main" val="400175970"/>
+      </p:ext>
+    </p:extLst>
+  </p:cSld>
+  <p:clrMapOvr>
+    <a:masterClrMapping/>
+  </p:clrMapOvr>
+</p:sld>
+</file>
+
+<file path=ppt/slides/slide13.xml><?xml version="1.0" encoding="utf-8"?>
+<p:sld xmlns:a="http://schemas.openxmlformats.org/drawingml/2006/main" xmlns:r="http://schemas.openxmlformats.org/officeDocument/2006/relationships" xmlns:p="http://schemas.openxmlformats.org/presentationml/2006/main">
+  <p:cSld>
+    <p:bg>
+      <p:bgPr>
+        <a:solidFill>
+          <a:schemeClr val="bg1"/>
+        </a:solidFill>
+        <a:effectLst/>
+      </p:bgPr>
+    </p:bg>
+    <p:spTree>
+      <p:nvGrpSpPr>
+        <p:cNvPr id="1" name=""/>
+        <p:cNvGrpSpPr/>
+        <p:nvPr/>
+      </p:nvGrpSpPr>
+      <p:grpSpPr>
+        <a:xfrm>
+          <a:off x="0" y="0"/>
+          <a:ext cx="0" cy="0"/>
+          <a:chOff x="0" y="0"/>
+          <a:chExt cx="0" cy="0"/>
+        </a:xfrm>
+      </p:grpSpPr>
+      <p:sp>
+        <p:nvSpPr>
+          <p:cNvPr id="10" name="Down Arrow 7">
+            <a:extLst>
+              <a:ext uri="{FF2B5EF4-FFF2-40B4-BE49-F238E27FC236}">
+                <a16:creationId xmlns:a16="http://schemas.microsoft.com/office/drawing/2014/main" id="{D4771268-CB57-404A-9271-370EB28F6090}"/>
+              </a:ext>
+              <a:ext uri="{C183D7F6-B498-43B3-948B-1728B52AA6E4}">
+                <adec:decorative xmlns:adec="http://schemas.microsoft.com/office/drawing/2017/decorative" val="1"/>
+              </a:ext>
+            </a:extLst>
+          </p:cNvPr>
+          <p:cNvSpPr>
+            <a:spLocks noGrp="1" noRot="1" noChangeAspect="1" noMove="1" noResize="1" noEditPoints="1" noAdjustHandles="1" noChangeArrowheads="1" noChangeShapeType="1" noTextEdit="1"/>
+          </p:cNvSpPr>
+          <p:nvPr>
+            <p:extLst>
+              <p:ext uri="{386F3935-93C4-4BCD-93E2-E3B085C9AB24}">
+                <p16:designElem xmlns:p16="http://schemas.microsoft.com/office/powerpoint/2015/main" val="1"/>
+              </p:ext>
+            </p:extLst>
+          </p:nvPr>
+        </p:nvSpPr>
+        <p:spPr>
+          <a:xfrm rot="16200000">
+            <a:off x="800100" y="1491343"/>
+            <a:ext cx="3333749" cy="3499103"/>
+          </a:xfrm>
+          <a:prstGeom prst="downArrow">
+            <a:avLst>
+              <a:gd name="adj1" fmla="val 100000"/>
+              <a:gd name="adj2" fmla="val 15788"/>
+            </a:avLst>
+          </a:prstGeom>
+          <a:solidFill>
+            <a:srgbClr val="404040"/>
+          </a:solidFill>
+          <a:ln w="53975">
+            <a:noFill/>
+          </a:ln>
+        </p:spPr>
+        <p:style>
+          <a:lnRef idx="2">
+            <a:schemeClr val="accent1">
+              <a:shade val="50000"/>
+            </a:schemeClr>
+          </a:lnRef>
+          <a:fillRef idx="1">
+            <a:schemeClr val="accent1"/>
+          </a:fillRef>
+          <a:effectRef idx="0">
+            <a:schemeClr val="accent1"/>
+          </a:effectRef>
+          <a:fontRef idx="minor">
+            <a:schemeClr val="lt1"/>
+          </a:fontRef>
+        </p:style>
+        <p:txBody>
+          <a:bodyPr rtlCol="0" anchor="ctr"/>
+          <a:lstStyle/>
+          <a:p>
+            <a:pPr algn="ctr"/>
+            <a:endParaRPr lang="en-US"/>
+          </a:p>
+        </p:txBody>
+      </p:sp>
+      <p:sp>
+        <p:nvSpPr>
+          <p:cNvPr id="2" name="Title 1">
+            <a:extLst>
+              <a:ext uri="{FF2B5EF4-FFF2-40B4-BE49-F238E27FC236}">
+                <a16:creationId xmlns:a16="http://schemas.microsoft.com/office/drawing/2014/main" id="{53C5D828-9666-E312-B574-9FE965A7D6BE}"/>
+              </a:ext>
+            </a:extLst>
+          </p:cNvPr>
+          <p:cNvSpPr>
+            <a:spLocks noGrp="1"/>
+          </p:cNvSpPr>
+          <p:nvPr>
+            <p:ph type="title"/>
+          </p:nvPr>
+        </p:nvSpPr>
+        <p:spPr>
+          <a:xfrm>
+            <a:off x="1028700" y="1967266"/>
+            <a:ext cx="2628900" cy="2547257"/>
+          </a:xfrm>
+          <a:noFill/>
+        </p:spPr>
+        <p:txBody>
+          <a:bodyPr vert="horz" lIns="91440" tIns="45720" rIns="91440" bIns="45720" rtlCol="0" anchor="ctr">
+            <a:normAutofit/>
+          </a:bodyPr>
+          <a:lstStyle/>
+          <a:p>
+            <a:pPr algn="ctr"/>
+            <a:r>
+              <a:rPr lang="en-US" sz="3600" kern="1200" dirty="0">
+                <a:solidFill>
+                  <a:srgbClr val="FFFFFF"/>
+                </a:solidFill>
+                <a:latin typeface="+mj-lt"/>
+                <a:ea typeface="+mj-ea"/>
+                <a:cs typeface="+mj-cs"/>
+              </a:rPr>
+              <a:t>Architecture of Windows</a:t>
+            </a:r>
+          </a:p>
+        </p:txBody>
+      </p:sp>
+      <p:pic>
+        <p:nvPicPr>
+          <p:cNvPr id="5" name="Picture 4">
+            <a:extLst>
+              <a:ext uri="{FF2B5EF4-FFF2-40B4-BE49-F238E27FC236}">
+                <a16:creationId xmlns:a16="http://schemas.microsoft.com/office/drawing/2014/main" id="{1B28AA1A-E60F-3632-5A69-475FEC313F4F}"/>
+              </a:ext>
+            </a:extLst>
+          </p:cNvPr>
+          <p:cNvPicPr>
+            <a:picLocks noChangeAspect="1"/>
+          </p:cNvPicPr>
+          <p:nvPr/>
+        </p:nvPicPr>
+        <p:blipFill>
+          <a:blip r:embed="rId2"/>
+          <a:stretch>
+            <a:fillRect/>
+          </a:stretch>
+        </p:blipFill>
+        <p:spPr>
+          <a:xfrm>
+            <a:off x="1843494" y="5224456"/>
+            <a:ext cx="999312" cy="731996"/>
+          </a:xfrm>
+          <a:prstGeom prst="rect">
+            <a:avLst/>
+          </a:prstGeom>
+        </p:spPr>
+      </p:pic>
+      <p:sp>
+        <p:nvSpPr>
+          <p:cNvPr id="3" name="Footer Placeholder 2">
+            <a:extLst>
+              <a:ext uri="{FF2B5EF4-FFF2-40B4-BE49-F238E27FC236}">
+                <a16:creationId xmlns:a16="http://schemas.microsoft.com/office/drawing/2014/main" id="{5AA19FA0-A765-8169-03F1-928E3EF7B595}"/>
+              </a:ext>
+            </a:extLst>
+          </p:cNvPr>
+          <p:cNvSpPr>
+            <a:spLocks noGrp="1"/>
+          </p:cNvSpPr>
+          <p:nvPr>
+            <p:ph type="ftr" sz="quarter" idx="11"/>
+          </p:nvPr>
+        </p:nvSpPr>
+        <p:spPr>
+          <a:xfrm>
+            <a:off x="1028700" y="6356350"/>
+            <a:ext cx="6210300" cy="365125"/>
+          </a:xfrm>
+        </p:spPr>
+        <p:txBody>
+          <a:bodyPr vert="horz" lIns="91440" tIns="45720" rIns="91440" bIns="45720" rtlCol="0" anchor="ctr">
+            <a:normAutofit/>
+          </a:bodyPr>
+          <a:lstStyle/>
+          <a:p>
+            <a:pPr algn="l">
+              <a:spcAft>
+                <a:spcPts val="600"/>
+              </a:spcAft>
+            </a:pPr>
+            <a:r>
+              <a:rPr lang="en-US" kern="1200">
+                <a:solidFill>
+                  <a:schemeClr val="tx1">
+                    <a:alpha val="80000"/>
+                  </a:schemeClr>
+                </a:solidFill>
+                <a:latin typeface="+mn-lt"/>
+                <a:ea typeface="+mn-ea"/>
+                <a:cs typeface="+mn-cs"/>
+              </a:rPr>
+              <a:t>Step 9. OS Administer - ver. 1</a:t>
+            </a:r>
+          </a:p>
+        </p:txBody>
+      </p:sp>
+      <p:sp>
+        <p:nvSpPr>
+          <p:cNvPr id="6" name="TextBox 5">
+            <a:extLst>
+              <a:ext uri="{FF2B5EF4-FFF2-40B4-BE49-F238E27FC236}">
+                <a16:creationId xmlns:a16="http://schemas.microsoft.com/office/drawing/2014/main" id="{36191EEE-149A-C4ED-D6F0-8FA916759D80}"/>
+              </a:ext>
+            </a:extLst>
+          </p:cNvPr>
+          <p:cNvSpPr txBox="1"/>
+          <p:nvPr/>
+        </p:nvSpPr>
+        <p:spPr>
+          <a:xfrm>
+            <a:off x="4346450" y="701737"/>
+            <a:ext cx="7258052" cy="5078313"/>
+          </a:xfrm>
+          <a:prstGeom prst="rect">
+            <a:avLst/>
+          </a:prstGeom>
+          <a:noFill/>
+        </p:spPr>
+        <p:txBody>
+          <a:bodyPr wrap="square">
+            <a:spAutoFit/>
+          </a:bodyPr>
+          <a:lstStyle/>
+          <a:p>
+            <a:r>
+              <a:rPr lang="en-US" dirty="0"/>
+              <a:t>The architecture of Windows NT, a line of operating systems produced and sold by Microsoft, is a layered design that consists of two main components, user mode and kernel mode. It is a preemptive, reentrant multitasking operating system, which has been designed to work with uniprocessor and symmetrical multiprocessor (SMP)-based computers. To process input/output (I/O) requests, it uses packet-driven I/O, which utilizes I/O request packets (IRPs) and asynchronous I/O. Starting with Windows XP, Microsoft began making 64-bit versions of Windows available; before this, there were only 32-bit versions of these operating systems.</a:t>
+            </a:r>
+          </a:p>
+          <a:p>
+            <a:endParaRPr lang="en-US" dirty="0"/>
+          </a:p>
+          <a:p>
+            <a:r>
+              <a:rPr lang="en-US" dirty="0"/>
+              <a:t>Programs and subsystems in user mode are limited in terms of what system resources they have access to, while the kernel mode has unrestricted access to the system memory and external devices. Kernel mode in Windows NT has full access to the hardware and system resources of the computer. The Windows NT kernel is a hybrid kernel; the architecture comprises a simple kernel, hardware abstraction layer (HAL), drivers, and a range of services (collectively named Executive), which all exist in kernel mode.[1] </a:t>
+            </a:r>
+            <a:endParaRPr lang="ru-UA" dirty="0"/>
+          </a:p>
+        </p:txBody>
+      </p:sp>
+      <p:sp>
+        <p:nvSpPr>
+          <p:cNvPr id="8" name="TextBox 7">
+            <a:extLst>
+              <a:ext uri="{FF2B5EF4-FFF2-40B4-BE49-F238E27FC236}">
+                <a16:creationId xmlns:a16="http://schemas.microsoft.com/office/drawing/2014/main" id="{8BC01EC4-62BA-E5B4-A978-A071ACEF9C69}"/>
+              </a:ext>
+            </a:extLst>
+          </p:cNvPr>
+          <p:cNvSpPr txBox="1"/>
+          <p:nvPr/>
+        </p:nvSpPr>
+        <p:spPr>
+          <a:xfrm>
+            <a:off x="4710545" y="6079351"/>
+            <a:ext cx="4059382" cy="276999"/>
+          </a:xfrm>
+          <a:prstGeom prst="rect">
+            <a:avLst/>
+          </a:prstGeom>
+          <a:noFill/>
+        </p:spPr>
+        <p:txBody>
+          <a:bodyPr wrap="square">
+            <a:spAutoFit/>
+          </a:bodyPr>
+          <a:lstStyle/>
+          <a:p>
+            <a:r>
+              <a:rPr lang="en-US" sz="1200" dirty="0"/>
+              <a:t>https://en.wikipedia.org/wiki/Architecture_of_Windows_NT</a:t>
+            </a:r>
+            <a:endParaRPr lang="ru-UA" sz="1200" dirty="0"/>
+          </a:p>
+        </p:txBody>
+      </p:sp>
+    </p:spTree>
+    <p:extLst>
+      <p:ext uri="{BB962C8B-B14F-4D97-AF65-F5344CB8AC3E}">
+        <p14:creationId xmlns:p14="http://schemas.microsoft.com/office/powerpoint/2010/main" val="2728358054"/>
+      </p:ext>
+    </p:extLst>
+  </p:cSld>
+  <p:clrMapOvr>
+    <a:masterClrMapping/>
+  </p:clrMapOvr>
+</p:sld>
+</file>
+
+<file path=ppt/slides/slide14.xml><?xml version="1.0" encoding="utf-8"?>
+<p:sld xmlns:a="http://schemas.openxmlformats.org/drawingml/2006/main" xmlns:r="http://schemas.openxmlformats.org/officeDocument/2006/relationships" xmlns:p="http://schemas.openxmlformats.org/presentationml/2006/main">
+  <p:cSld>
+    <p:bg>
+      <p:bgPr>
+        <a:solidFill>
+          <a:schemeClr val="bg1"/>
+        </a:solidFill>
+        <a:effectLst/>
+      </p:bgPr>
+    </p:bg>
+    <p:spTree>
+      <p:nvGrpSpPr>
+        <p:cNvPr id="1" name=""/>
+        <p:cNvGrpSpPr/>
+        <p:nvPr/>
+      </p:nvGrpSpPr>
+      <p:grpSpPr>
+        <a:xfrm>
+          <a:off x="0" y="0"/>
+          <a:ext cx="0" cy="0"/>
+          <a:chOff x="0" y="0"/>
+          <a:chExt cx="0" cy="0"/>
+        </a:xfrm>
+      </p:grpSpPr>
+      <p:sp>
+        <p:nvSpPr>
+          <p:cNvPr id="12" name="Down Arrow 7">
+            <a:extLst>
+              <a:ext uri="{FF2B5EF4-FFF2-40B4-BE49-F238E27FC236}">
+                <a16:creationId xmlns:a16="http://schemas.microsoft.com/office/drawing/2014/main" id="{D4771268-CB57-404A-9271-370EB28F6090}"/>
+              </a:ext>
+              <a:ext uri="{C183D7F6-B498-43B3-948B-1728B52AA6E4}">
+                <adec:decorative xmlns:adec="http://schemas.microsoft.com/office/drawing/2017/decorative" val="1"/>
+              </a:ext>
+            </a:extLst>
+          </p:cNvPr>
+          <p:cNvSpPr>
+            <a:spLocks noGrp="1" noRot="1" noChangeAspect="1" noMove="1" noResize="1" noEditPoints="1" noAdjustHandles="1" noChangeArrowheads="1" noChangeShapeType="1" noTextEdit="1"/>
+          </p:cNvSpPr>
+          <p:nvPr>
+            <p:extLst>
+              <p:ext uri="{386F3935-93C4-4BCD-93E2-E3B085C9AB24}">
+                <p16:designElem xmlns:p16="http://schemas.microsoft.com/office/powerpoint/2015/main" val="1"/>
+              </p:ext>
+            </p:extLst>
+          </p:nvPr>
+        </p:nvSpPr>
+        <p:spPr>
+          <a:xfrm rot="16200000">
+            <a:off x="800100" y="1491343"/>
+            <a:ext cx="3333749" cy="3499103"/>
+          </a:xfrm>
+          <a:prstGeom prst="downArrow">
+            <a:avLst>
+              <a:gd name="adj1" fmla="val 100000"/>
+              <a:gd name="adj2" fmla="val 15788"/>
+            </a:avLst>
+          </a:prstGeom>
+          <a:solidFill>
+            <a:srgbClr val="404040"/>
+          </a:solidFill>
+          <a:ln w="53975">
+            <a:noFill/>
+          </a:ln>
+        </p:spPr>
+        <p:style>
+          <a:lnRef idx="2">
+            <a:schemeClr val="accent1">
+              <a:shade val="50000"/>
+            </a:schemeClr>
+          </a:lnRef>
+          <a:fillRef idx="1">
+            <a:schemeClr val="accent1"/>
+          </a:fillRef>
+          <a:effectRef idx="0">
+            <a:schemeClr val="accent1"/>
+          </a:effectRef>
+          <a:fontRef idx="minor">
+            <a:schemeClr val="lt1"/>
+          </a:fontRef>
+        </p:style>
+        <p:txBody>
+          <a:bodyPr rtlCol="0" anchor="ctr"/>
+          <a:lstStyle/>
+          <a:p>
+            <a:pPr algn="ctr"/>
+            <a:endParaRPr lang="en-US"/>
+          </a:p>
+        </p:txBody>
+      </p:sp>
+      <p:sp>
+        <p:nvSpPr>
+          <p:cNvPr id="2" name="Title 1">
+            <a:extLst>
+              <a:ext uri="{FF2B5EF4-FFF2-40B4-BE49-F238E27FC236}">
+                <a16:creationId xmlns:a16="http://schemas.microsoft.com/office/drawing/2014/main" id="{53C5D828-9666-E312-B574-9FE965A7D6BE}"/>
+              </a:ext>
+            </a:extLst>
+          </p:cNvPr>
+          <p:cNvSpPr>
+            <a:spLocks noGrp="1"/>
+          </p:cNvSpPr>
+          <p:nvPr>
+            <p:ph type="title"/>
+          </p:nvPr>
+        </p:nvSpPr>
+        <p:spPr>
+          <a:xfrm>
+            <a:off x="1028700" y="1967266"/>
+            <a:ext cx="2628900" cy="2547257"/>
+          </a:xfrm>
+          <a:noFill/>
+        </p:spPr>
+        <p:txBody>
+          <a:bodyPr vert="horz" lIns="91440" tIns="45720" rIns="91440" bIns="45720" rtlCol="0" anchor="ctr">
+            <a:normAutofit/>
+          </a:bodyPr>
+          <a:lstStyle/>
+          <a:p>
+            <a:pPr algn="ctr"/>
+            <a:r>
+              <a:rPr lang="en-US" sz="3600" kern="1200" dirty="0">
+                <a:solidFill>
+                  <a:srgbClr val="FFFFFF"/>
+                </a:solidFill>
+                <a:latin typeface="+mj-lt"/>
+                <a:ea typeface="+mj-ea"/>
+                <a:cs typeface="+mj-cs"/>
+              </a:rPr>
+              <a:t>Stages of Windows Boot Process</a:t>
+            </a:r>
+          </a:p>
+        </p:txBody>
+      </p:sp>
+      <p:sp>
+        <p:nvSpPr>
+          <p:cNvPr id="3" name="Footer Placeholder 2">
+            <a:extLst>
+              <a:ext uri="{FF2B5EF4-FFF2-40B4-BE49-F238E27FC236}">
+                <a16:creationId xmlns:a16="http://schemas.microsoft.com/office/drawing/2014/main" id="{5AA19FA0-A765-8169-03F1-928E3EF7B595}"/>
+              </a:ext>
+            </a:extLst>
+          </p:cNvPr>
+          <p:cNvSpPr>
+            <a:spLocks noGrp="1"/>
+          </p:cNvSpPr>
+          <p:nvPr>
+            <p:ph type="ftr" sz="quarter" idx="11"/>
+          </p:nvPr>
+        </p:nvSpPr>
+        <p:spPr>
+          <a:xfrm>
+            <a:off x="1028700" y="6356350"/>
+            <a:ext cx="6210300" cy="365125"/>
+          </a:xfrm>
+        </p:spPr>
+        <p:txBody>
+          <a:bodyPr vert="horz" lIns="91440" tIns="45720" rIns="91440" bIns="45720" rtlCol="0" anchor="ctr">
+            <a:normAutofit/>
+          </a:bodyPr>
+          <a:lstStyle/>
+          <a:p>
+            <a:pPr algn="l">
+              <a:spcAft>
+                <a:spcPts val="600"/>
+              </a:spcAft>
+            </a:pPr>
+            <a:r>
+              <a:rPr lang="en-US" kern="1200">
+                <a:solidFill>
+                  <a:schemeClr val="tx1">
+                    <a:alpha val="80000"/>
+                  </a:schemeClr>
+                </a:solidFill>
+                <a:latin typeface="+mn-lt"/>
+                <a:ea typeface="+mn-ea"/>
+                <a:cs typeface="+mn-cs"/>
+              </a:rPr>
+              <a:t>Step 9. OS Administer - ver. 1</a:t>
+            </a:r>
+          </a:p>
+        </p:txBody>
+      </p:sp>
+      <p:pic>
+        <p:nvPicPr>
+          <p:cNvPr id="5" name="Picture 4">
+            <a:extLst>
+              <a:ext uri="{FF2B5EF4-FFF2-40B4-BE49-F238E27FC236}">
+                <a16:creationId xmlns:a16="http://schemas.microsoft.com/office/drawing/2014/main" id="{5B818909-1650-EF4F-F11C-62CA7A6573BD}"/>
+              </a:ext>
+            </a:extLst>
+          </p:cNvPr>
+          <p:cNvPicPr>
+            <a:picLocks noChangeAspect="1"/>
+          </p:cNvPicPr>
+          <p:nvPr/>
+        </p:nvPicPr>
+        <p:blipFill>
+          <a:blip r:embed="rId2"/>
+          <a:stretch>
+            <a:fillRect/>
+          </a:stretch>
+        </p:blipFill>
+        <p:spPr>
+          <a:xfrm>
+            <a:off x="1868006" y="4988168"/>
+            <a:ext cx="598968" cy="643891"/>
+          </a:xfrm>
+          <a:prstGeom prst="rect">
+            <a:avLst/>
+          </a:prstGeom>
+        </p:spPr>
+      </p:pic>
+      <p:sp>
+        <p:nvSpPr>
+          <p:cNvPr id="8" name="TextBox 7">
+            <a:extLst>
+              <a:ext uri="{FF2B5EF4-FFF2-40B4-BE49-F238E27FC236}">
+                <a16:creationId xmlns:a16="http://schemas.microsoft.com/office/drawing/2014/main" id="{A1B718D4-4D59-EA55-DB27-FF936283B08A}"/>
+              </a:ext>
+            </a:extLst>
+          </p:cNvPr>
+          <p:cNvSpPr txBox="1"/>
+          <p:nvPr/>
+        </p:nvSpPr>
+        <p:spPr>
+          <a:xfrm>
+            <a:off x="4527804" y="1671233"/>
+            <a:ext cx="7162800" cy="3139321"/>
+          </a:xfrm>
+          <a:prstGeom prst="rect">
+            <a:avLst/>
+          </a:prstGeom>
+          <a:noFill/>
+        </p:spPr>
+        <p:txBody>
+          <a:bodyPr wrap="square">
+            <a:spAutoFit/>
+          </a:bodyPr>
+          <a:lstStyle/>
+          <a:p>
+            <a:r>
+              <a:rPr lang="en-US" dirty="0"/>
+              <a:t>    The device is powered on and runs the SoC-specific firmware boot loaders, which initialize the hardware on the device and provide emergency flashing functionality.</a:t>
+            </a:r>
+          </a:p>
+          <a:p>
+            <a:endParaRPr lang="en-US" dirty="0"/>
+          </a:p>
+          <a:p>
+            <a:r>
+              <a:rPr lang="en-US" dirty="0"/>
+              <a:t>    The firmware boot loaders boot the UEFI environment and hands over control to UEFI applications written by the SoC vendor, Microsoft, and OEMs. These applications can utilize UEFI drivers and services.</a:t>
+            </a:r>
+          </a:p>
+          <a:p>
+            <a:endParaRPr lang="en-US" dirty="0"/>
+          </a:p>
+          <a:p>
+            <a:r>
+              <a:rPr lang="en-US" dirty="0"/>
+              <a:t>    The UEFI environment launches the Windows Boot Manager, which determines whether to boot to Full Flash Update (FFU) image flashing or device reset mode, to the update OS, or to the main OS.</a:t>
+            </a:r>
+          </a:p>
+        </p:txBody>
+      </p:sp>
+      <p:sp>
+        <p:nvSpPr>
+          <p:cNvPr id="10" name="TextBox 9">
+            <a:extLst>
+              <a:ext uri="{FF2B5EF4-FFF2-40B4-BE49-F238E27FC236}">
+                <a16:creationId xmlns:a16="http://schemas.microsoft.com/office/drawing/2014/main" id="{0FE08CB5-78FA-500B-A60B-FED0247F775E}"/>
+              </a:ext>
+            </a:extLst>
+          </p:cNvPr>
+          <p:cNvSpPr txBox="1"/>
+          <p:nvPr/>
+        </p:nvSpPr>
+        <p:spPr>
+          <a:xfrm>
+            <a:off x="4216526" y="5855705"/>
+            <a:ext cx="6096000" cy="276999"/>
+          </a:xfrm>
+          <a:prstGeom prst="rect">
+            <a:avLst/>
+          </a:prstGeom>
+          <a:noFill/>
+        </p:spPr>
+        <p:txBody>
+          <a:bodyPr wrap="square">
+            <a:spAutoFit/>
+          </a:bodyPr>
+          <a:lstStyle/>
+          <a:p>
+            <a:r>
+              <a:rPr lang="ru-UA" sz="1200" dirty="0"/>
+              <a:t>https://learn.microsoft.com/en-us/windows-hardware/drivers/bringup/boot-and-uefi</a:t>
+            </a:r>
+          </a:p>
+        </p:txBody>
+      </p:sp>
+    </p:spTree>
+    <p:extLst>
+      <p:ext uri="{BB962C8B-B14F-4D97-AF65-F5344CB8AC3E}">
+        <p14:creationId xmlns:p14="http://schemas.microsoft.com/office/powerpoint/2010/main" val="1133112284"/>
+      </p:ext>
+    </p:extLst>
+  </p:cSld>
+  <p:clrMapOvr>
+    <a:masterClrMapping/>
+  </p:clrMapOvr>
+</p:sld>
+</file>
+
+<file path=ppt/slides/slide15.xml><?xml version="1.0" encoding="utf-8"?>
+<p:sld xmlns:a="http://schemas.openxmlformats.org/drawingml/2006/main" xmlns:r="http://schemas.openxmlformats.org/officeDocument/2006/relationships" xmlns:p="http://schemas.openxmlformats.org/presentationml/2006/main">
+  <p:cSld>
+    <p:bg>
+      <p:bgPr>
+        <a:solidFill>
+          <a:schemeClr val="bg1"/>
+        </a:solidFill>
+        <a:effectLst/>
+      </p:bgPr>
+    </p:bg>
+    <p:spTree>
+      <p:nvGrpSpPr>
+        <p:cNvPr id="1" name=""/>
+        <p:cNvGrpSpPr/>
+        <p:nvPr/>
+      </p:nvGrpSpPr>
+      <p:grpSpPr>
+        <a:xfrm>
+          <a:off x="0" y="0"/>
+          <a:ext cx="0" cy="0"/>
+          <a:chOff x="0" y="0"/>
+          <a:chExt cx="0" cy="0"/>
+        </a:xfrm>
+      </p:grpSpPr>
+      <p:sp>
+        <p:nvSpPr>
+          <p:cNvPr id="10" name="Down Arrow 7">
+            <a:extLst>
+              <a:ext uri="{FF2B5EF4-FFF2-40B4-BE49-F238E27FC236}">
+                <a16:creationId xmlns:a16="http://schemas.microsoft.com/office/drawing/2014/main" id="{D4771268-CB57-404A-9271-370EB28F6090}"/>
+              </a:ext>
+              <a:ext uri="{C183D7F6-B498-43B3-948B-1728B52AA6E4}">
+                <adec:decorative xmlns:adec="http://schemas.microsoft.com/office/drawing/2017/decorative" val="1"/>
+              </a:ext>
+            </a:extLst>
+          </p:cNvPr>
+          <p:cNvSpPr>
+            <a:spLocks noGrp="1" noRot="1" noChangeAspect="1" noMove="1" noResize="1" noEditPoints="1" noAdjustHandles="1" noChangeArrowheads="1" noChangeShapeType="1" noTextEdit="1"/>
+          </p:cNvSpPr>
+          <p:nvPr>
+            <p:extLst>
+              <p:ext uri="{386F3935-93C4-4BCD-93E2-E3B085C9AB24}">
+                <p16:designElem xmlns:p16="http://schemas.microsoft.com/office/powerpoint/2015/main" val="1"/>
+              </p:ext>
+            </p:extLst>
+          </p:nvPr>
+        </p:nvSpPr>
+        <p:spPr>
+          <a:xfrm rot="16200000">
+            <a:off x="800100" y="1491343"/>
+            <a:ext cx="3333749" cy="3499103"/>
+          </a:xfrm>
+          <a:prstGeom prst="downArrow">
+            <a:avLst>
+              <a:gd name="adj1" fmla="val 100000"/>
+              <a:gd name="adj2" fmla="val 15788"/>
+            </a:avLst>
+          </a:prstGeom>
+          <a:solidFill>
+            <a:srgbClr val="404040"/>
+          </a:solidFill>
+          <a:ln w="53975">
+            <a:noFill/>
+          </a:ln>
+        </p:spPr>
+        <p:style>
+          <a:lnRef idx="2">
+            <a:schemeClr val="accent1">
+              <a:shade val="50000"/>
+            </a:schemeClr>
+          </a:lnRef>
+          <a:fillRef idx="1">
+            <a:schemeClr val="accent1"/>
+          </a:fillRef>
+          <a:effectRef idx="0">
+            <a:schemeClr val="accent1"/>
+          </a:effectRef>
+          <a:fontRef idx="minor">
+            <a:schemeClr val="lt1"/>
+          </a:fontRef>
+        </p:style>
+        <p:txBody>
+          <a:bodyPr rtlCol="0" anchor="ctr"/>
+          <a:lstStyle/>
+          <a:p>
+            <a:pPr algn="ctr"/>
+            <a:endParaRPr lang="en-US"/>
+          </a:p>
+        </p:txBody>
+      </p:sp>
+      <p:sp>
+        <p:nvSpPr>
+          <p:cNvPr id="2" name="Title 1">
+            <a:extLst>
+              <a:ext uri="{FF2B5EF4-FFF2-40B4-BE49-F238E27FC236}">
+                <a16:creationId xmlns:a16="http://schemas.microsoft.com/office/drawing/2014/main" id="{53C5D828-9666-E312-B574-9FE965A7D6BE}"/>
+              </a:ext>
+            </a:extLst>
+          </p:cNvPr>
+          <p:cNvSpPr>
+            <a:spLocks noGrp="1"/>
+          </p:cNvSpPr>
+          <p:nvPr>
+            <p:ph type="title"/>
+          </p:nvPr>
+        </p:nvSpPr>
+        <p:spPr>
+          <a:xfrm>
+            <a:off x="1028700" y="1967266"/>
+            <a:ext cx="2628900" cy="2547257"/>
+          </a:xfrm>
+          <a:noFill/>
+        </p:spPr>
+        <p:txBody>
+          <a:bodyPr vert="horz" lIns="91440" tIns="45720" rIns="91440" bIns="45720" rtlCol="0" anchor="ctr">
+            <a:normAutofit/>
+          </a:bodyPr>
+          <a:lstStyle/>
+          <a:p>
+            <a:pPr algn="ctr"/>
+            <a:r>
+              <a:rPr lang="en-US" sz="3600" kern="1200" dirty="0">
+                <a:solidFill>
+                  <a:srgbClr val="FFFFFF"/>
+                </a:solidFill>
+                <a:latin typeface="+mj-lt"/>
+                <a:ea typeface="+mj-ea"/>
+                <a:cs typeface="+mj-cs"/>
+              </a:rPr>
+              <a:t>NTFS Permissions</a:t>
+            </a:r>
+          </a:p>
+        </p:txBody>
+      </p:sp>
+      <p:pic>
+        <p:nvPicPr>
+          <p:cNvPr id="5" name="Picture 4">
+            <a:extLst>
+              <a:ext uri="{FF2B5EF4-FFF2-40B4-BE49-F238E27FC236}">
+                <a16:creationId xmlns:a16="http://schemas.microsoft.com/office/drawing/2014/main" id="{0F423EE0-1771-105D-CB7E-D0D7194C8FB6}"/>
+              </a:ext>
+            </a:extLst>
+          </p:cNvPr>
+          <p:cNvPicPr>
+            <a:picLocks noChangeAspect="1"/>
+          </p:cNvPicPr>
+          <p:nvPr/>
+        </p:nvPicPr>
+        <p:blipFill>
+          <a:blip r:embed="rId2"/>
+          <a:stretch>
+            <a:fillRect/>
+          </a:stretch>
+        </p:blipFill>
+        <p:spPr>
+          <a:xfrm>
+            <a:off x="4722011" y="1121705"/>
+            <a:ext cx="6441289" cy="4170731"/>
+          </a:xfrm>
+          <a:prstGeom prst="rect">
+            <a:avLst/>
+          </a:prstGeom>
+        </p:spPr>
+      </p:pic>
+      <p:sp>
+        <p:nvSpPr>
+          <p:cNvPr id="3" name="Footer Placeholder 2">
+            <a:extLst>
+              <a:ext uri="{FF2B5EF4-FFF2-40B4-BE49-F238E27FC236}">
+                <a16:creationId xmlns:a16="http://schemas.microsoft.com/office/drawing/2014/main" id="{5AA19FA0-A765-8169-03F1-928E3EF7B595}"/>
+              </a:ext>
+            </a:extLst>
+          </p:cNvPr>
+          <p:cNvSpPr>
+            <a:spLocks noGrp="1"/>
+          </p:cNvSpPr>
+          <p:nvPr>
+            <p:ph type="ftr" sz="quarter" idx="11"/>
+          </p:nvPr>
+        </p:nvSpPr>
+        <p:spPr>
+          <a:xfrm>
+            <a:off x="1028700" y="6356350"/>
+            <a:ext cx="6210300" cy="365125"/>
+          </a:xfrm>
+        </p:spPr>
+        <p:txBody>
+          <a:bodyPr vert="horz" lIns="91440" tIns="45720" rIns="91440" bIns="45720" rtlCol="0" anchor="ctr">
+            <a:normAutofit/>
+          </a:bodyPr>
+          <a:lstStyle/>
+          <a:p>
+            <a:pPr algn="l">
+              <a:spcAft>
+                <a:spcPts val="600"/>
+              </a:spcAft>
+            </a:pPr>
+            <a:r>
+              <a:rPr lang="en-US" kern="1200">
+                <a:solidFill>
+                  <a:schemeClr val="tx1">
+                    <a:alpha val="80000"/>
+                  </a:schemeClr>
+                </a:solidFill>
+                <a:latin typeface="+mn-lt"/>
+                <a:ea typeface="+mn-ea"/>
+                <a:cs typeface="+mn-cs"/>
+              </a:rPr>
+              <a:t>Step 9. OS Administer - ver. 1</a:t>
+            </a:r>
+          </a:p>
+        </p:txBody>
+      </p:sp>
+    </p:spTree>
+    <p:extLst>
+      <p:ext uri="{BB962C8B-B14F-4D97-AF65-F5344CB8AC3E}">
+        <p14:creationId xmlns:p14="http://schemas.microsoft.com/office/powerpoint/2010/main" val="862344913"/>
+      </p:ext>
+    </p:extLst>
+  </p:cSld>
+  <p:clrMapOvr>
+    <a:masterClrMapping/>
+  </p:clrMapOvr>
+</p:sld>
+</file>
+
+<file path=ppt/slides/slide16.xml><?xml version="1.0" encoding="utf-8"?>
+<p:sld xmlns:a="http://schemas.openxmlformats.org/drawingml/2006/main" xmlns:r="http://schemas.openxmlformats.org/officeDocument/2006/relationships" xmlns:p="http://schemas.openxmlformats.org/presentationml/2006/main">
+  <p:cSld>
+    <p:bg>
+      <p:bgPr>
+        <a:solidFill>
+          <a:schemeClr val="bg1"/>
+        </a:solidFill>
+        <a:effectLst/>
+      </p:bgPr>
+    </p:bg>
+    <p:spTree>
+      <p:nvGrpSpPr>
+        <p:cNvPr id="1" name=""/>
+        <p:cNvGrpSpPr/>
+        <p:nvPr/>
+      </p:nvGrpSpPr>
+      <p:grpSpPr>
+        <a:xfrm>
+          <a:off x="0" y="0"/>
+          <a:ext cx="0" cy="0"/>
+          <a:chOff x="0" y="0"/>
+          <a:chExt cx="0" cy="0"/>
+        </a:xfrm>
+      </p:grpSpPr>
+      <p:sp>
+        <p:nvSpPr>
+          <p:cNvPr id="10" name="Down Arrow 7">
+            <a:extLst>
+              <a:ext uri="{FF2B5EF4-FFF2-40B4-BE49-F238E27FC236}">
+                <a16:creationId xmlns:a16="http://schemas.microsoft.com/office/drawing/2014/main" id="{D4771268-CB57-404A-9271-370EB28F6090}"/>
+              </a:ext>
+              <a:ext uri="{C183D7F6-B498-43B3-948B-1728B52AA6E4}">
+                <adec:decorative xmlns:adec="http://schemas.microsoft.com/office/drawing/2017/decorative" val="1"/>
+              </a:ext>
+            </a:extLst>
+          </p:cNvPr>
+          <p:cNvSpPr>
+            <a:spLocks noGrp="1" noRot="1" noChangeAspect="1" noMove="1" noResize="1" noEditPoints="1" noAdjustHandles="1" noChangeArrowheads="1" noChangeShapeType="1" noTextEdit="1"/>
+          </p:cNvSpPr>
+          <p:nvPr>
+            <p:extLst>
+              <p:ext uri="{386F3935-93C4-4BCD-93E2-E3B085C9AB24}">
+                <p16:designElem xmlns:p16="http://schemas.microsoft.com/office/powerpoint/2015/main" val="1"/>
+              </p:ext>
+            </p:extLst>
+          </p:nvPr>
+        </p:nvSpPr>
+        <p:spPr>
+          <a:xfrm rot="16200000">
+            <a:off x="800100" y="1491343"/>
+            <a:ext cx="3333749" cy="3499103"/>
+          </a:xfrm>
+          <a:prstGeom prst="downArrow">
+            <a:avLst>
+              <a:gd name="adj1" fmla="val 100000"/>
+              <a:gd name="adj2" fmla="val 15788"/>
+            </a:avLst>
+          </a:prstGeom>
+          <a:solidFill>
+            <a:srgbClr val="404040"/>
+          </a:solidFill>
+          <a:ln w="53975">
+            <a:noFill/>
+          </a:ln>
+        </p:spPr>
+        <p:style>
+          <a:lnRef idx="2">
+            <a:schemeClr val="accent1">
+              <a:shade val="50000"/>
+            </a:schemeClr>
+          </a:lnRef>
+          <a:fillRef idx="1">
+            <a:schemeClr val="accent1"/>
+          </a:fillRef>
+          <a:effectRef idx="0">
+            <a:schemeClr val="accent1"/>
+          </a:effectRef>
+          <a:fontRef idx="minor">
+            <a:schemeClr val="lt1"/>
+          </a:fontRef>
+        </p:style>
+        <p:txBody>
+          <a:bodyPr rtlCol="0" anchor="ctr"/>
+          <a:lstStyle/>
+          <a:p>
+            <a:pPr algn="ctr"/>
+            <a:endParaRPr lang="en-US"/>
+          </a:p>
+        </p:txBody>
+      </p:sp>
+      <p:sp>
+        <p:nvSpPr>
+          <p:cNvPr id="2" name="Title 1">
+            <a:extLst>
+              <a:ext uri="{FF2B5EF4-FFF2-40B4-BE49-F238E27FC236}">
+                <a16:creationId xmlns:a16="http://schemas.microsoft.com/office/drawing/2014/main" id="{53C5D828-9666-E312-B574-9FE965A7D6BE}"/>
+              </a:ext>
+            </a:extLst>
+          </p:cNvPr>
+          <p:cNvSpPr>
+            <a:spLocks noGrp="1"/>
+          </p:cNvSpPr>
+          <p:nvPr>
+            <p:ph type="title"/>
+          </p:nvPr>
+        </p:nvSpPr>
+        <p:spPr>
+          <a:xfrm>
+            <a:off x="1028700" y="1967266"/>
+            <a:ext cx="2628900" cy="2547257"/>
+          </a:xfrm>
+          <a:noFill/>
+        </p:spPr>
+        <p:txBody>
+          <a:bodyPr vert="horz" lIns="91440" tIns="45720" rIns="91440" bIns="45720" rtlCol="0" anchor="ctr">
+            <a:normAutofit/>
+          </a:bodyPr>
+          <a:lstStyle/>
+          <a:p>
+            <a:pPr algn="ctr"/>
+            <a:r>
+              <a:rPr lang="en-US" sz="3600" kern="1200" dirty="0">
+                <a:solidFill>
+                  <a:srgbClr val="FFFFFF"/>
+                </a:solidFill>
+                <a:latin typeface="+mj-lt"/>
+                <a:ea typeface="+mj-ea"/>
+                <a:cs typeface="+mj-cs"/>
+              </a:rPr>
+              <a:t>Windows shells</a:t>
+            </a:r>
+          </a:p>
+        </p:txBody>
+      </p:sp>
+      <p:sp>
+        <p:nvSpPr>
+          <p:cNvPr id="3" name="Footer Placeholder 2">
+            <a:extLst>
+              <a:ext uri="{FF2B5EF4-FFF2-40B4-BE49-F238E27FC236}">
+                <a16:creationId xmlns:a16="http://schemas.microsoft.com/office/drawing/2014/main" id="{5AA19FA0-A765-8169-03F1-928E3EF7B595}"/>
+              </a:ext>
+            </a:extLst>
+          </p:cNvPr>
+          <p:cNvSpPr>
+            <a:spLocks noGrp="1"/>
+          </p:cNvSpPr>
+          <p:nvPr>
+            <p:ph type="ftr" sz="quarter" idx="11"/>
+          </p:nvPr>
+        </p:nvSpPr>
+        <p:spPr>
+          <a:xfrm>
+            <a:off x="1028700" y="6356350"/>
+            <a:ext cx="6210300" cy="365125"/>
+          </a:xfrm>
+        </p:spPr>
+        <p:txBody>
+          <a:bodyPr vert="horz" lIns="91440" tIns="45720" rIns="91440" bIns="45720" rtlCol="0" anchor="ctr">
+            <a:normAutofit/>
+          </a:bodyPr>
+          <a:lstStyle/>
+          <a:p>
+            <a:pPr algn="l">
+              <a:spcAft>
+                <a:spcPts val="600"/>
+              </a:spcAft>
+            </a:pPr>
+            <a:r>
+              <a:rPr lang="en-US" kern="1200">
+                <a:solidFill>
+                  <a:schemeClr val="tx1">
+                    <a:alpha val="80000"/>
+                  </a:schemeClr>
+                </a:solidFill>
+                <a:latin typeface="+mn-lt"/>
+                <a:ea typeface="+mn-ea"/>
+                <a:cs typeface="+mn-cs"/>
+              </a:rPr>
+              <a:t>Step 9. OS Administer - ver. 1</a:t>
+            </a:r>
+          </a:p>
+        </p:txBody>
+      </p:sp>
+      <p:pic>
+        <p:nvPicPr>
+          <p:cNvPr id="4" name="Picture 3" descr="A blue square with a white arrow&#10;&#10;Description automatically generated">
+            <a:extLst>
+              <a:ext uri="{FF2B5EF4-FFF2-40B4-BE49-F238E27FC236}">
+                <a16:creationId xmlns:a16="http://schemas.microsoft.com/office/drawing/2014/main" id="{C6146403-9F8D-F57E-0368-682BAF2310CA}"/>
+              </a:ext>
+            </a:extLst>
+          </p:cNvPr>
+          <p:cNvPicPr>
+            <a:picLocks noChangeAspect="1"/>
+          </p:cNvPicPr>
+          <p:nvPr/>
+        </p:nvPicPr>
+        <p:blipFill>
+          <a:blip r:embed="rId2">
+            <a:extLst>
+              <a:ext uri="{28A0092B-C50C-407E-A947-70E740481C1C}">
+                <a14:useLocalDpi xmlns:a14="http://schemas.microsoft.com/office/drawing/2010/main" val="0"/>
+              </a:ext>
+            </a:extLst>
+          </a:blip>
+          <a:stretch>
+            <a:fillRect/>
+          </a:stretch>
+        </p:blipFill>
+        <p:spPr>
+          <a:xfrm>
+            <a:off x="1530929" y="4972363"/>
+            <a:ext cx="1129388" cy="881314"/>
+          </a:xfrm>
+          <a:prstGeom prst="rect">
+            <a:avLst/>
+          </a:prstGeom>
+        </p:spPr>
+      </p:pic>
+      <p:pic>
+        <p:nvPicPr>
+          <p:cNvPr id="6" name="Picture 5">
+            <a:extLst>
+              <a:ext uri="{FF2B5EF4-FFF2-40B4-BE49-F238E27FC236}">
+                <a16:creationId xmlns:a16="http://schemas.microsoft.com/office/drawing/2014/main" id="{1CB8A5E4-4598-CF9C-ED0C-643F43DD0F0D}"/>
+              </a:ext>
+            </a:extLst>
+          </p:cNvPr>
+          <p:cNvPicPr>
+            <a:picLocks noChangeAspect="1"/>
+          </p:cNvPicPr>
+          <p:nvPr/>
+        </p:nvPicPr>
+        <p:blipFill>
+          <a:blip r:embed="rId3"/>
+          <a:stretch>
+            <a:fillRect/>
+          </a:stretch>
+        </p:blipFill>
+        <p:spPr>
+          <a:xfrm>
+            <a:off x="2236156" y="5551968"/>
+            <a:ext cx="494184" cy="494184"/>
+          </a:xfrm>
+          <a:prstGeom prst="rect">
+            <a:avLst/>
+          </a:prstGeom>
+        </p:spPr>
+      </p:pic>
+      <p:sp>
+        <p:nvSpPr>
+          <p:cNvPr id="8" name="TextBox 7">
+            <a:extLst>
+              <a:ext uri="{FF2B5EF4-FFF2-40B4-BE49-F238E27FC236}">
+                <a16:creationId xmlns:a16="http://schemas.microsoft.com/office/drawing/2014/main" id="{9918CCAF-750B-92FC-B698-0E42305F0653}"/>
+              </a:ext>
+            </a:extLst>
+          </p:cNvPr>
+          <p:cNvSpPr txBox="1"/>
+          <p:nvPr/>
+        </p:nvSpPr>
+        <p:spPr>
+          <a:xfrm>
+            <a:off x="4741269" y="749702"/>
+            <a:ext cx="6733309" cy="5355312"/>
+          </a:xfrm>
+          <a:prstGeom prst="rect">
+            <a:avLst/>
+          </a:prstGeom>
+          <a:noFill/>
+        </p:spPr>
+        <p:txBody>
+          <a:bodyPr wrap="square">
+            <a:spAutoFit/>
+          </a:bodyPr>
+          <a:lstStyle/>
+          <a:p>
+            <a:r>
+              <a:rPr lang="en-US" dirty="0"/>
+              <a:t>Windows has two command-line shells: the Command shell and PowerShell. Each shell is a software program that provides direct communication between you and the operating system or application, providing an environment to automate IT operations.</a:t>
+            </a:r>
+          </a:p>
+          <a:p>
+            <a:endParaRPr lang="en-US" dirty="0"/>
+          </a:p>
+          <a:p>
+            <a:r>
+              <a:rPr lang="en-US" dirty="0"/>
+              <a:t>The Command shell was the first shell built into Windows to automate routine tasks, like user account management or nightly backups, with batch (.bat) files. With Windows Script Host, you could run more sophisticated scripts in the Command shell. For more information, see </a:t>
+            </a:r>
+            <a:r>
+              <a:rPr lang="en-US" dirty="0" err="1"/>
+              <a:t>cscript</a:t>
+            </a:r>
+            <a:r>
+              <a:rPr lang="en-US" dirty="0"/>
+              <a:t> or </a:t>
+            </a:r>
+            <a:r>
+              <a:rPr lang="en-US" dirty="0" err="1"/>
+              <a:t>wscript</a:t>
+            </a:r>
+            <a:r>
+              <a:rPr lang="en-US" dirty="0"/>
+              <a:t>. You can perform operations more efficiently by using scripts than you can by using the user interface. Scripts accept all commands that are available at the command line.</a:t>
+            </a:r>
+          </a:p>
+          <a:p>
+            <a:endParaRPr lang="en-US" dirty="0"/>
+          </a:p>
+          <a:p>
+            <a:r>
+              <a:rPr lang="en-US" dirty="0"/>
+              <a:t>PowerShell was designed to extend the capabilities of the Command shell to run PowerShell commands called cmdlets. Cmdlets are similar to Windows Commands but provide a more extensible scripting language. You can run both Windows Commands and PowerShell cmdlets in PowerShell, but the Command shell can only run Windows Commands and not PowerShell cmdlets.</a:t>
+            </a:r>
+            <a:endParaRPr lang="ru-UA" dirty="0"/>
+          </a:p>
+        </p:txBody>
+      </p:sp>
+      <p:sp>
+        <p:nvSpPr>
+          <p:cNvPr id="11" name="TextBox 10">
+            <a:extLst>
+              <a:ext uri="{FF2B5EF4-FFF2-40B4-BE49-F238E27FC236}">
+                <a16:creationId xmlns:a16="http://schemas.microsoft.com/office/drawing/2014/main" id="{7C5B172B-7F4A-94AC-B3DE-CCAE270021DE}"/>
+              </a:ext>
+            </a:extLst>
+          </p:cNvPr>
+          <p:cNvSpPr txBox="1"/>
+          <p:nvPr/>
+        </p:nvSpPr>
+        <p:spPr>
+          <a:xfrm>
+            <a:off x="4336472" y="6217850"/>
+            <a:ext cx="7287491" cy="276999"/>
+          </a:xfrm>
+          <a:prstGeom prst="rect">
+            <a:avLst/>
+          </a:prstGeom>
+          <a:noFill/>
+        </p:spPr>
+        <p:txBody>
+          <a:bodyPr wrap="square">
+            <a:spAutoFit/>
+          </a:bodyPr>
+          <a:lstStyle/>
+          <a:p>
+            <a:r>
+              <a:rPr lang="ru-UA" sz="1200" dirty="0"/>
+              <a:t>https://learn.microsoft.com/en-us/windows-server/administration/windows-commands/windows-commands</a:t>
+            </a:r>
+          </a:p>
+        </p:txBody>
+      </p:sp>
+    </p:spTree>
+    <p:extLst>
+      <p:ext uri="{BB962C8B-B14F-4D97-AF65-F5344CB8AC3E}">
+        <p14:creationId xmlns:p14="http://schemas.microsoft.com/office/powerpoint/2010/main" val="4279452852"/>
+      </p:ext>
+    </p:extLst>
+  </p:cSld>
+  <p:clrMapOvr>
+    <a:masterClrMapping/>
+  </p:clrMapOvr>
+</p:sld>
+</file>
+
+<file path=ppt/slides/slide17.xml><?xml version="1.0" encoding="utf-8"?>
+<p:sld xmlns:a="http://schemas.openxmlformats.org/drawingml/2006/main" xmlns:r="http://schemas.openxmlformats.org/officeDocument/2006/relationships" xmlns:p="http://schemas.openxmlformats.org/presentationml/2006/main">
+  <p:cSld>
+    <p:bg>
+      <p:bgPr>
+        <a:solidFill>
+          <a:schemeClr val="bg1"/>
+        </a:solidFill>
+        <a:effectLst/>
+      </p:bgPr>
+    </p:bg>
+    <p:spTree>
+      <p:nvGrpSpPr>
+        <p:cNvPr id="1" name=""/>
+        <p:cNvGrpSpPr/>
+        <p:nvPr/>
+      </p:nvGrpSpPr>
+      <p:grpSpPr>
+        <a:xfrm>
+          <a:off x="0" y="0"/>
+          <a:ext cx="0" cy="0"/>
+          <a:chOff x="0" y="0"/>
+          <a:chExt cx="0" cy="0"/>
+        </a:xfrm>
+      </p:grpSpPr>
+      <p:sp>
+        <p:nvSpPr>
+          <p:cNvPr id="10" name="Down Arrow 7">
+            <a:extLst>
+              <a:ext uri="{FF2B5EF4-FFF2-40B4-BE49-F238E27FC236}">
+                <a16:creationId xmlns:a16="http://schemas.microsoft.com/office/drawing/2014/main" id="{D4771268-CB57-404A-9271-370EB28F6090}"/>
+              </a:ext>
+              <a:ext uri="{C183D7F6-B498-43B3-948B-1728B52AA6E4}">
+                <adec:decorative xmlns:adec="http://schemas.microsoft.com/office/drawing/2017/decorative" val="1"/>
+              </a:ext>
+            </a:extLst>
+          </p:cNvPr>
+          <p:cNvSpPr>
+            <a:spLocks noGrp="1" noRot="1" noChangeAspect="1" noMove="1" noResize="1" noEditPoints="1" noAdjustHandles="1" noChangeArrowheads="1" noChangeShapeType="1" noTextEdit="1"/>
+          </p:cNvSpPr>
+          <p:nvPr>
+            <p:extLst>
+              <p:ext uri="{386F3935-93C4-4BCD-93E2-E3B085C9AB24}">
+                <p16:designElem xmlns:p16="http://schemas.microsoft.com/office/powerpoint/2015/main" val="1"/>
+              </p:ext>
+            </p:extLst>
+          </p:nvPr>
+        </p:nvSpPr>
+        <p:spPr>
+          <a:xfrm rot="16200000">
+            <a:off x="800100" y="1491343"/>
+            <a:ext cx="3333749" cy="3499103"/>
+          </a:xfrm>
+          <a:prstGeom prst="downArrow">
+            <a:avLst>
+              <a:gd name="adj1" fmla="val 100000"/>
+              <a:gd name="adj2" fmla="val 15788"/>
+            </a:avLst>
+          </a:prstGeom>
+          <a:solidFill>
+            <a:srgbClr val="404040"/>
+          </a:solidFill>
+          <a:ln w="53975">
+            <a:noFill/>
+          </a:ln>
+        </p:spPr>
+        <p:style>
+          <a:lnRef idx="2">
+            <a:schemeClr val="accent1">
+              <a:shade val="50000"/>
+            </a:schemeClr>
+          </a:lnRef>
+          <a:fillRef idx="1">
+            <a:schemeClr val="accent1"/>
+          </a:fillRef>
+          <a:effectRef idx="0">
+            <a:schemeClr val="accent1"/>
+          </a:effectRef>
+          <a:fontRef idx="minor">
+            <a:schemeClr val="lt1"/>
+          </a:fontRef>
+        </p:style>
+        <p:txBody>
+          <a:bodyPr rtlCol="0" anchor="ctr"/>
+          <a:lstStyle/>
+          <a:p>
+            <a:pPr algn="ctr"/>
+            <a:endParaRPr lang="en-US"/>
+          </a:p>
+        </p:txBody>
+      </p:sp>
+      <p:sp>
+        <p:nvSpPr>
+          <p:cNvPr id="2" name="Title 1">
+            <a:extLst>
+              <a:ext uri="{FF2B5EF4-FFF2-40B4-BE49-F238E27FC236}">
+                <a16:creationId xmlns:a16="http://schemas.microsoft.com/office/drawing/2014/main" id="{53C5D828-9666-E312-B574-9FE965A7D6BE}"/>
+              </a:ext>
+            </a:extLst>
+          </p:cNvPr>
+          <p:cNvSpPr>
+            <a:spLocks noGrp="1"/>
+          </p:cNvSpPr>
+          <p:nvPr>
+            <p:ph type="title"/>
+          </p:nvPr>
+        </p:nvSpPr>
+        <p:spPr>
+          <a:xfrm>
+            <a:off x="1028700" y="1967266"/>
+            <a:ext cx="2628900" cy="2547257"/>
+          </a:xfrm>
+          <a:noFill/>
+        </p:spPr>
+        <p:txBody>
+          <a:bodyPr vert="horz" lIns="91440" tIns="45720" rIns="91440" bIns="45720" rtlCol="0" anchor="ctr">
+            <a:normAutofit/>
+          </a:bodyPr>
+          <a:lstStyle/>
+          <a:p>
+            <a:pPr algn="ctr"/>
+            <a:r>
+              <a:rPr lang="en-US" sz="3600" kern="1200" dirty="0">
+                <a:solidFill>
+                  <a:srgbClr val="FFFFFF"/>
+                </a:solidFill>
+                <a:latin typeface="+mj-lt"/>
+                <a:ea typeface="+mj-ea"/>
+                <a:cs typeface="+mj-cs"/>
+              </a:rPr>
+              <a:t>Windows Shells Scripts</a:t>
+            </a:r>
+          </a:p>
+        </p:txBody>
+      </p:sp>
+      <p:pic>
+        <p:nvPicPr>
+          <p:cNvPr id="5" name="Picture 4">
+            <a:extLst>
+              <a:ext uri="{FF2B5EF4-FFF2-40B4-BE49-F238E27FC236}">
+                <a16:creationId xmlns:a16="http://schemas.microsoft.com/office/drawing/2014/main" id="{8EDC4718-98B8-6034-BF50-9E0E916A7B98}"/>
+              </a:ext>
+            </a:extLst>
+          </p:cNvPr>
+          <p:cNvPicPr>
+            <a:picLocks noChangeAspect="1"/>
+          </p:cNvPicPr>
+          <p:nvPr/>
+        </p:nvPicPr>
+        <p:blipFill rotWithShape="1">
+          <a:blip r:embed="rId2"/>
+          <a:srcRect r="19457"/>
+          <a:stretch/>
+        </p:blipFill>
+        <p:spPr>
+          <a:xfrm>
+            <a:off x="4417098" y="1304805"/>
+            <a:ext cx="7470102" cy="3872177"/>
+          </a:xfrm>
+          <a:prstGeom prst="rect">
+            <a:avLst/>
+          </a:prstGeom>
+        </p:spPr>
+      </p:pic>
+      <p:sp>
+        <p:nvSpPr>
+          <p:cNvPr id="3" name="Footer Placeholder 2">
+            <a:extLst>
+              <a:ext uri="{FF2B5EF4-FFF2-40B4-BE49-F238E27FC236}">
+                <a16:creationId xmlns:a16="http://schemas.microsoft.com/office/drawing/2014/main" id="{5AA19FA0-A765-8169-03F1-928E3EF7B595}"/>
+              </a:ext>
+            </a:extLst>
+          </p:cNvPr>
+          <p:cNvSpPr>
+            <a:spLocks noGrp="1"/>
+          </p:cNvSpPr>
+          <p:nvPr>
+            <p:ph type="ftr" sz="quarter" idx="11"/>
+          </p:nvPr>
+        </p:nvSpPr>
+        <p:spPr>
+          <a:xfrm>
+            <a:off x="1028700" y="6356350"/>
+            <a:ext cx="6210300" cy="365125"/>
+          </a:xfrm>
+        </p:spPr>
+        <p:txBody>
+          <a:bodyPr vert="horz" lIns="91440" tIns="45720" rIns="91440" bIns="45720" rtlCol="0" anchor="ctr">
+            <a:normAutofit/>
+          </a:bodyPr>
+          <a:lstStyle/>
+          <a:p>
+            <a:pPr algn="l">
+              <a:spcAft>
+                <a:spcPts val="600"/>
+              </a:spcAft>
+            </a:pPr>
+            <a:r>
+              <a:rPr lang="en-US" kern="1200">
+                <a:solidFill>
+                  <a:schemeClr val="tx1">
+                    <a:alpha val="80000"/>
+                  </a:schemeClr>
+                </a:solidFill>
+                <a:latin typeface="+mn-lt"/>
+                <a:ea typeface="+mn-ea"/>
+                <a:cs typeface="+mn-cs"/>
+              </a:rPr>
+              <a:t>Step 9. OS Administer - ver. 1</a:t>
+            </a:r>
+          </a:p>
+        </p:txBody>
+      </p:sp>
+    </p:spTree>
+    <p:extLst>
+      <p:ext uri="{BB962C8B-B14F-4D97-AF65-F5344CB8AC3E}">
+        <p14:creationId xmlns:p14="http://schemas.microsoft.com/office/powerpoint/2010/main" val="2349704742"/>
       </p:ext>
     </p:extLst>
   </p:cSld>

--- a/Step09-OS_Administer_speach.pptx
+++ b/Step09-OS_Administer_speach.pptx
@@ -5,7 +5,7 @@
     <p:sldMasterId id="2147483648" r:id="rId1"/>
   </p:sldMasterIdLst>
   <p:notesMasterIdLst>
-    <p:notesMasterId r:id="rId19"/>
+    <p:notesMasterId r:id="rId21"/>
   </p:notesMasterIdLst>
   <p:sldIdLst>
     <p:sldId id="307" r:id="rId2"/>
@@ -25,6 +25,8 @@
     <p:sldId id="317" r:id="rId16"/>
     <p:sldId id="319" r:id="rId17"/>
     <p:sldId id="320" r:id="rId18"/>
+    <p:sldId id="318" r:id="rId19"/>
+    <p:sldId id="322" r:id="rId20"/>
   </p:sldIdLst>
   <p:sldSz cx="12192000" cy="6858000"/>
   <p:notesSz cx="6858000" cy="9144000"/>
@@ -132,7 +134,7 @@
             <p14:sldId id="308"/>
           </p14:sldIdLst>
         </p14:section>
-        <p14:section name="Kubernetes" id="{F1065E52-9E53-4AA5-A0CE-7D4C380BC201}">
+        <p14:section name="Linux OS" id="{F1065E52-9E53-4AA5-A0CE-7D4C380BC201}">
           <p14:sldIdLst>
             <p14:sldId id="256"/>
             <p14:sldId id="304"/>
@@ -143,12 +145,18 @@
             <p14:sldId id="312"/>
             <p14:sldId id="310"/>
             <p14:sldId id="313"/>
+          </p14:sldIdLst>
+        </p14:section>
+        <p14:section name="Windows OS" id="{D7F99DBD-C924-4C2C-89E0-97367C7E80D2}">
+          <p14:sldIdLst>
             <p14:sldId id="314"/>
             <p14:sldId id="315"/>
             <p14:sldId id="316"/>
             <p14:sldId id="317"/>
             <p14:sldId id="319"/>
             <p14:sldId id="320"/>
+            <p14:sldId id="318"/>
+            <p14:sldId id="322"/>
           </p14:sldIdLst>
         </p14:section>
       </p14:sectionLst>
@@ -163,7 +171,7 @@
 <file path=ppt/revisionInfo.xml><?xml version="1.0" encoding="utf-8"?>
 <p1510:revInfo xmlns:a="http://schemas.openxmlformats.org/drawingml/2006/main" xmlns:r="http://schemas.openxmlformats.org/officeDocument/2006/relationships" xmlns:p1510="http://schemas.microsoft.com/office/powerpoint/2015/10/main">
   <p1510:revLst>
-    <p1510:client id="{8F6FD043-9E57-48DE-B2A7-80F6B63AEF6D}" v="18" dt="2024-02-14T16:05:46.971"/>
+    <p1510:client id="{8F6FD043-9E57-48DE-B2A7-80F6B63AEF6D}" v="22" dt="2024-02-15T15:02:53.509"/>
   </p1510:revLst>
 </p1510:revInfo>
 </file>
@@ -10374,1001 +10382,6 @@
     </pc:docChg>
   </pc:docChgLst>
   <pc:docChgLst>
-    <pc:chgData name="Ihor Aleksandrov" userId="c3051032-6b87-4db2-b257-777a0106fbd9" providerId="ADAL" clId="{8F6FD043-9E57-48DE-B2A7-80F6B63AEF6D}"/>
-    <pc:docChg chg="undo redo custSel addSld delSld modSld sldOrd modSection">
-      <pc:chgData name="Ihor Aleksandrov" userId="c3051032-6b87-4db2-b257-777a0106fbd9" providerId="ADAL" clId="{8F6FD043-9E57-48DE-B2A7-80F6B63AEF6D}" dt="2024-02-14T16:09:41.582" v="239" actId="47"/>
-      <pc:docMkLst>
-        <pc:docMk/>
-      </pc:docMkLst>
-      <pc:sldChg chg="modSp mod">
-        <pc:chgData name="Ihor Aleksandrov" userId="c3051032-6b87-4db2-b257-777a0106fbd9" providerId="ADAL" clId="{8F6FD043-9E57-48DE-B2A7-80F6B63AEF6D}" dt="2024-02-14T11:49:04.895" v="10" actId="20577"/>
-        <pc:sldMkLst>
-          <pc:docMk/>
-          <pc:sldMk cId="588564705" sldId="256"/>
-        </pc:sldMkLst>
-        <pc:spChg chg="mod">
-          <ac:chgData name="Ihor Aleksandrov" userId="c3051032-6b87-4db2-b257-777a0106fbd9" providerId="ADAL" clId="{8F6FD043-9E57-48DE-B2A7-80F6B63AEF6D}" dt="2024-02-14T11:49:04.895" v="10" actId="20577"/>
-          <ac:spMkLst>
-            <pc:docMk/>
-            <pc:sldMk cId="588564705" sldId="256"/>
-            <ac:spMk id="2" creationId="{2C4A1DFF-3C45-F11D-E6A6-19C0306E5E2B}"/>
-          </ac:spMkLst>
-        </pc:spChg>
-      </pc:sldChg>
-      <pc:sldChg chg="addSp delSp modSp mod">
-        <pc:chgData name="Ihor Aleksandrov" userId="c3051032-6b87-4db2-b257-777a0106fbd9" providerId="ADAL" clId="{8F6FD043-9E57-48DE-B2A7-80F6B63AEF6D}" dt="2024-02-14T11:54:08.755" v="43" actId="1076"/>
-        <pc:sldMkLst>
-          <pc:docMk/>
-          <pc:sldMk cId="1009650064" sldId="304"/>
-        </pc:sldMkLst>
-        <pc:spChg chg="mod">
-          <ac:chgData name="Ihor Aleksandrov" userId="c3051032-6b87-4db2-b257-777a0106fbd9" providerId="ADAL" clId="{8F6FD043-9E57-48DE-B2A7-80F6B63AEF6D}" dt="2024-02-14T11:51:55.642" v="27"/>
-          <ac:spMkLst>
-            <pc:docMk/>
-            <pc:sldMk cId="1009650064" sldId="304"/>
-            <ac:spMk id="2" creationId="{53C5D828-9666-E312-B574-9FE965A7D6BE}"/>
-          </ac:spMkLst>
-        </pc:spChg>
-        <pc:spChg chg="del mod">
-          <ac:chgData name="Ihor Aleksandrov" userId="c3051032-6b87-4db2-b257-777a0106fbd9" providerId="ADAL" clId="{8F6FD043-9E57-48DE-B2A7-80F6B63AEF6D}" dt="2024-02-14T11:52:43.452" v="33" actId="478"/>
-          <ac:spMkLst>
-            <pc:docMk/>
-            <pc:sldMk cId="1009650064" sldId="304"/>
-            <ac:spMk id="5" creationId="{9A48CF2D-620C-8959-1434-C4B76F696807}"/>
-          </ac:spMkLst>
-        </pc:spChg>
-        <pc:spChg chg="del">
-          <ac:chgData name="Ihor Aleksandrov" userId="c3051032-6b87-4db2-b257-777a0106fbd9" providerId="ADAL" clId="{8F6FD043-9E57-48DE-B2A7-80F6B63AEF6D}" dt="2024-02-14T11:52:46.059" v="34" actId="478"/>
-          <ac:spMkLst>
-            <pc:docMk/>
-            <pc:sldMk cId="1009650064" sldId="304"/>
-            <ac:spMk id="7" creationId="{7BEC75C6-D4A4-A2C0-3DE8-05745693BC43}"/>
-          </ac:spMkLst>
-        </pc:spChg>
-        <pc:spChg chg="add mod">
-          <ac:chgData name="Ihor Aleksandrov" userId="c3051032-6b87-4db2-b257-777a0106fbd9" providerId="ADAL" clId="{8F6FD043-9E57-48DE-B2A7-80F6B63AEF6D}" dt="2024-02-14T11:53:35.480" v="39" actId="1076"/>
-          <ac:spMkLst>
-            <pc:docMk/>
-            <pc:sldMk cId="1009650064" sldId="304"/>
-            <ac:spMk id="8" creationId="{4578BD43-C712-287C-1BC4-C500ABB2BBEC}"/>
-          </ac:spMkLst>
-        </pc:spChg>
-        <pc:spChg chg="add mod">
-          <ac:chgData name="Ihor Aleksandrov" userId="c3051032-6b87-4db2-b257-777a0106fbd9" providerId="ADAL" clId="{8F6FD043-9E57-48DE-B2A7-80F6B63AEF6D}" dt="2024-02-14T11:54:08.755" v="43" actId="1076"/>
-          <ac:spMkLst>
-            <pc:docMk/>
-            <pc:sldMk cId="1009650064" sldId="304"/>
-            <ac:spMk id="11" creationId="{6747A8D6-9EC2-C0A9-62D5-60382CDE7BD6}"/>
-          </ac:spMkLst>
-        </pc:spChg>
-        <pc:picChg chg="add mod">
-          <ac:chgData name="Ihor Aleksandrov" userId="c3051032-6b87-4db2-b257-777a0106fbd9" providerId="ADAL" clId="{8F6FD043-9E57-48DE-B2A7-80F6B63AEF6D}" dt="2024-02-14T11:52:36.580" v="31" actId="1076"/>
-          <ac:picMkLst>
-            <pc:docMk/>
-            <pc:sldMk cId="1009650064" sldId="304"/>
-            <ac:picMk id="4" creationId="{ED582CEB-F2AB-ADF3-2B59-B4AC48033188}"/>
-          </ac:picMkLst>
-        </pc:picChg>
-        <pc:picChg chg="del">
-          <ac:chgData name="Ihor Aleksandrov" userId="c3051032-6b87-4db2-b257-777a0106fbd9" providerId="ADAL" clId="{8F6FD043-9E57-48DE-B2A7-80F6B63AEF6D}" dt="2024-02-14T11:52:27.578" v="28" actId="478"/>
-          <ac:picMkLst>
-            <pc:docMk/>
-            <pc:sldMk cId="1009650064" sldId="304"/>
-            <ac:picMk id="9" creationId="{603A1AF6-B6C2-C696-C330-74612C450468}"/>
-          </ac:picMkLst>
-        </pc:picChg>
-      </pc:sldChg>
-      <pc:sldChg chg="addSp delSp modSp add mod setBg delDesignElem">
-        <pc:chgData name="Ihor Aleksandrov" userId="c3051032-6b87-4db2-b257-777a0106fbd9" providerId="ADAL" clId="{8F6FD043-9E57-48DE-B2A7-80F6B63AEF6D}" dt="2024-02-14T11:57:21.011" v="58" actId="1076"/>
-        <pc:sldMkLst>
-          <pc:docMk/>
-          <pc:sldMk cId="501504550" sldId="305"/>
-        </pc:sldMkLst>
-        <pc:spChg chg="mod">
-          <ac:chgData name="Ihor Aleksandrov" userId="c3051032-6b87-4db2-b257-777a0106fbd9" providerId="ADAL" clId="{8F6FD043-9E57-48DE-B2A7-80F6B63AEF6D}" dt="2024-02-14T11:55:46.461" v="46" actId="26606"/>
-          <ac:spMkLst>
-            <pc:docMk/>
-            <pc:sldMk cId="501504550" sldId="305"/>
-            <ac:spMk id="2" creationId="{53C5D828-9666-E312-B574-9FE965A7D6BE}"/>
-          </ac:spMkLst>
-        </pc:spChg>
-        <pc:spChg chg="mod ord">
-          <ac:chgData name="Ihor Aleksandrov" userId="c3051032-6b87-4db2-b257-777a0106fbd9" providerId="ADAL" clId="{8F6FD043-9E57-48DE-B2A7-80F6B63AEF6D}" dt="2024-02-14T11:55:46.461" v="46" actId="26606"/>
-          <ac:spMkLst>
-            <pc:docMk/>
-            <pc:sldMk cId="501504550" sldId="305"/>
-            <ac:spMk id="3" creationId="{5AA19FA0-A765-8169-03F1-928E3EF7B595}"/>
-          </ac:spMkLst>
-        </pc:spChg>
-        <pc:spChg chg="add mod">
-          <ac:chgData name="Ihor Aleksandrov" userId="c3051032-6b87-4db2-b257-777a0106fbd9" providerId="ADAL" clId="{8F6FD043-9E57-48DE-B2A7-80F6B63AEF6D}" dt="2024-02-14T11:56:22.361" v="50" actId="1076"/>
-          <ac:spMkLst>
-            <pc:docMk/>
-            <pc:sldMk cId="501504550" sldId="305"/>
-            <ac:spMk id="6" creationId="{170B3F8A-BA99-F041-C0AA-833F1E4C6781}"/>
-          </ac:spMkLst>
-        </pc:spChg>
-        <pc:spChg chg="add mod">
-          <ac:chgData name="Ihor Aleksandrov" userId="c3051032-6b87-4db2-b257-777a0106fbd9" providerId="ADAL" clId="{8F6FD043-9E57-48DE-B2A7-80F6B63AEF6D}" dt="2024-02-14T11:56:37.205" v="54" actId="1076"/>
-          <ac:spMkLst>
-            <pc:docMk/>
-            <pc:sldMk cId="501504550" sldId="305"/>
-            <ac:spMk id="8" creationId="{0CC837E2-08C2-754A-98D2-87800D0A28F7}"/>
-          </ac:spMkLst>
-        </pc:spChg>
-        <pc:spChg chg="add">
-          <ac:chgData name="Ihor Aleksandrov" userId="c3051032-6b87-4db2-b257-777a0106fbd9" providerId="ADAL" clId="{8F6FD043-9E57-48DE-B2A7-80F6B63AEF6D}" dt="2024-02-14T11:55:46.461" v="46" actId="26606"/>
-          <ac:spMkLst>
-            <pc:docMk/>
-            <pc:sldMk cId="501504550" sldId="305"/>
-            <ac:spMk id="10" creationId="{D4771268-CB57-404A-9271-370EB28F6090}"/>
-          </ac:spMkLst>
-        </pc:spChg>
-        <pc:spChg chg="add mod">
-          <ac:chgData name="Ihor Aleksandrov" userId="c3051032-6b87-4db2-b257-777a0106fbd9" providerId="ADAL" clId="{8F6FD043-9E57-48DE-B2A7-80F6B63AEF6D}" dt="2024-02-14T11:57:21.011" v="58" actId="1076"/>
-          <ac:spMkLst>
-            <pc:docMk/>
-            <pc:sldMk cId="501504550" sldId="305"/>
-            <ac:spMk id="11" creationId="{43143286-4C19-13E9-2EEB-116D6F1CACAD}"/>
-          </ac:spMkLst>
-        </pc:spChg>
-        <pc:spChg chg="del">
-          <ac:chgData name="Ihor Aleksandrov" userId="c3051032-6b87-4db2-b257-777a0106fbd9" providerId="ADAL" clId="{8F6FD043-9E57-48DE-B2A7-80F6B63AEF6D}" dt="2024-02-14T11:55:42.740" v="45"/>
-          <ac:spMkLst>
-            <pc:docMk/>
-            <pc:sldMk cId="501504550" sldId="305"/>
-            <ac:spMk id="24" creationId="{D4771268-CB57-404A-9271-370EB28F6090}"/>
-          </ac:spMkLst>
-        </pc:spChg>
-        <pc:picChg chg="mod">
-          <ac:chgData name="Ihor Aleksandrov" userId="c3051032-6b87-4db2-b257-777a0106fbd9" providerId="ADAL" clId="{8F6FD043-9E57-48DE-B2A7-80F6B63AEF6D}" dt="2024-02-14T11:55:51.866" v="48" actId="1076"/>
-          <ac:picMkLst>
-            <pc:docMk/>
-            <pc:sldMk cId="501504550" sldId="305"/>
-            <ac:picMk id="5" creationId="{A4BAF5CA-0209-DB06-5D5D-B311881DE819}"/>
-          </ac:picMkLst>
-        </pc:picChg>
-      </pc:sldChg>
-      <pc:sldChg chg="del">
-        <pc:chgData name="Ihor Aleksandrov" userId="c3051032-6b87-4db2-b257-777a0106fbd9" providerId="ADAL" clId="{8F6FD043-9E57-48DE-B2A7-80F6B63AEF6D}" dt="2024-02-14T11:49:22.097" v="22" actId="47"/>
-        <pc:sldMkLst>
-          <pc:docMk/>
-          <pc:sldMk cId="2863503325" sldId="305"/>
-        </pc:sldMkLst>
-      </pc:sldChg>
-      <pc:sldChg chg="addSp delSp modSp add mod setBg delDesignElem">
-        <pc:chgData name="Ihor Aleksandrov" userId="c3051032-6b87-4db2-b257-777a0106fbd9" providerId="ADAL" clId="{8F6FD043-9E57-48DE-B2A7-80F6B63AEF6D}" dt="2024-02-14T12:02:17.223" v="78" actId="1076"/>
-        <pc:sldMkLst>
-          <pc:docMk/>
-          <pc:sldMk cId="1715258557" sldId="306"/>
-        </pc:sldMkLst>
-        <pc:spChg chg="mod">
-          <ac:chgData name="Ihor Aleksandrov" userId="c3051032-6b87-4db2-b257-777a0106fbd9" providerId="ADAL" clId="{8F6FD043-9E57-48DE-B2A7-80F6B63AEF6D}" dt="2024-02-14T12:00:30.399" v="61" actId="26606"/>
-          <ac:spMkLst>
-            <pc:docMk/>
-            <pc:sldMk cId="1715258557" sldId="306"/>
-            <ac:spMk id="2" creationId="{53C5D828-9666-E312-B574-9FE965A7D6BE}"/>
-          </ac:spMkLst>
-        </pc:spChg>
-        <pc:spChg chg="mod ord">
-          <ac:chgData name="Ihor Aleksandrov" userId="c3051032-6b87-4db2-b257-777a0106fbd9" providerId="ADAL" clId="{8F6FD043-9E57-48DE-B2A7-80F6B63AEF6D}" dt="2024-02-14T12:00:30.399" v="61" actId="26606"/>
-          <ac:spMkLst>
-            <pc:docMk/>
-            <pc:sldMk cId="1715258557" sldId="306"/>
-            <ac:spMk id="3" creationId="{5AA19FA0-A765-8169-03F1-928E3EF7B595}"/>
-          </ac:spMkLst>
-        </pc:spChg>
-        <pc:spChg chg="add mod">
-          <ac:chgData name="Ihor Aleksandrov" userId="c3051032-6b87-4db2-b257-777a0106fbd9" providerId="ADAL" clId="{8F6FD043-9E57-48DE-B2A7-80F6B63AEF6D}" dt="2024-02-14T12:01:59.394" v="74" actId="14100"/>
-          <ac:spMkLst>
-            <pc:docMk/>
-            <pc:sldMk cId="1715258557" sldId="306"/>
-            <ac:spMk id="6" creationId="{DB4F2B8E-D071-D779-12C1-27FE2B9D4F2B}"/>
-          </ac:spMkLst>
-        </pc:spChg>
-        <pc:spChg chg="add mod">
-          <ac:chgData name="Ihor Aleksandrov" userId="c3051032-6b87-4db2-b257-777a0106fbd9" providerId="ADAL" clId="{8F6FD043-9E57-48DE-B2A7-80F6B63AEF6D}" dt="2024-02-14T12:02:17.223" v="78" actId="1076"/>
-          <ac:spMkLst>
-            <pc:docMk/>
-            <pc:sldMk cId="1715258557" sldId="306"/>
-            <ac:spMk id="8" creationId="{E129C229-859D-936C-6B6E-6DF3F0407EBF}"/>
-          </ac:spMkLst>
-        </pc:spChg>
-        <pc:spChg chg="add">
-          <ac:chgData name="Ihor Aleksandrov" userId="c3051032-6b87-4db2-b257-777a0106fbd9" providerId="ADAL" clId="{8F6FD043-9E57-48DE-B2A7-80F6B63AEF6D}" dt="2024-02-14T12:00:30.399" v="61" actId="26606"/>
-          <ac:spMkLst>
-            <pc:docMk/>
-            <pc:sldMk cId="1715258557" sldId="306"/>
-            <ac:spMk id="9" creationId="{D4771268-CB57-404A-9271-370EB28F6090}"/>
-          </ac:spMkLst>
-        </pc:spChg>
-        <pc:spChg chg="del">
-          <ac:chgData name="Ihor Aleksandrov" userId="c3051032-6b87-4db2-b257-777a0106fbd9" providerId="ADAL" clId="{8F6FD043-9E57-48DE-B2A7-80F6B63AEF6D}" dt="2024-02-14T12:00:26.786" v="60"/>
-          <ac:spMkLst>
-            <pc:docMk/>
-            <pc:sldMk cId="1715258557" sldId="306"/>
-            <ac:spMk id="24" creationId="{D4771268-CB57-404A-9271-370EB28F6090}"/>
-          </ac:spMkLst>
-        </pc:spChg>
-        <pc:picChg chg="mod">
-          <ac:chgData name="Ihor Aleksandrov" userId="c3051032-6b87-4db2-b257-777a0106fbd9" providerId="ADAL" clId="{8F6FD043-9E57-48DE-B2A7-80F6B63AEF6D}" dt="2024-02-14T12:00:35.711" v="63" actId="1076"/>
-          <ac:picMkLst>
-            <pc:docMk/>
-            <pc:sldMk cId="1715258557" sldId="306"/>
-            <ac:picMk id="4" creationId="{2A6CB88C-BD1B-4227-7CDB-0FD27BDC3E03}"/>
-          </ac:picMkLst>
-        </pc:picChg>
-      </pc:sldChg>
-      <pc:sldChg chg="modSp mod">
-        <pc:chgData name="Ihor Aleksandrov" userId="c3051032-6b87-4db2-b257-777a0106fbd9" providerId="ADAL" clId="{8F6FD043-9E57-48DE-B2A7-80F6B63AEF6D}" dt="2024-02-14T11:48:12.493" v="0"/>
-        <pc:sldMkLst>
-          <pc:docMk/>
-          <pc:sldMk cId="2052164358" sldId="307"/>
-        </pc:sldMkLst>
-        <pc:spChg chg="mod">
-          <ac:chgData name="Ihor Aleksandrov" userId="c3051032-6b87-4db2-b257-777a0106fbd9" providerId="ADAL" clId="{8F6FD043-9E57-48DE-B2A7-80F6B63AEF6D}" dt="2024-02-14T11:48:12.493" v="0"/>
-          <ac:spMkLst>
-            <pc:docMk/>
-            <pc:sldMk cId="2052164358" sldId="307"/>
-            <ac:spMk id="2" creationId="{5DF8ECE0-DBF5-C309-B35B-C6A0C6C847B2}"/>
-          </ac:spMkLst>
-        </pc:spChg>
-      </pc:sldChg>
-      <pc:sldChg chg="del">
-        <pc:chgData name="Ihor Aleksandrov" userId="c3051032-6b87-4db2-b257-777a0106fbd9" providerId="ADAL" clId="{8F6FD043-9E57-48DE-B2A7-80F6B63AEF6D}" dt="2024-02-14T11:49:22.097" v="22" actId="47"/>
-        <pc:sldMkLst>
-          <pc:docMk/>
-          <pc:sldMk cId="969913822" sldId="309"/>
-        </pc:sldMkLst>
-      </pc:sldChg>
-      <pc:sldChg chg="addSp delSp modSp add mod setBg delDesignElem">
-        <pc:chgData name="Ihor Aleksandrov" userId="c3051032-6b87-4db2-b257-777a0106fbd9" providerId="ADAL" clId="{8F6FD043-9E57-48DE-B2A7-80F6B63AEF6D}" dt="2024-02-14T12:04:42.699" v="85" actId="1076"/>
-        <pc:sldMkLst>
-          <pc:docMk/>
-          <pc:sldMk cId="1191709969" sldId="309"/>
-        </pc:sldMkLst>
-        <pc:spChg chg="mod">
-          <ac:chgData name="Ihor Aleksandrov" userId="c3051032-6b87-4db2-b257-777a0106fbd9" providerId="ADAL" clId="{8F6FD043-9E57-48DE-B2A7-80F6B63AEF6D}" dt="2024-02-14T12:04:09.519" v="81" actId="26606"/>
-          <ac:spMkLst>
-            <pc:docMk/>
-            <pc:sldMk cId="1191709969" sldId="309"/>
-            <ac:spMk id="2" creationId="{53C5D828-9666-E312-B574-9FE965A7D6BE}"/>
-          </ac:spMkLst>
-        </pc:spChg>
-        <pc:spChg chg="mod ord">
-          <ac:chgData name="Ihor Aleksandrov" userId="c3051032-6b87-4db2-b257-777a0106fbd9" providerId="ADAL" clId="{8F6FD043-9E57-48DE-B2A7-80F6B63AEF6D}" dt="2024-02-14T12:04:09.519" v="81" actId="26606"/>
-          <ac:spMkLst>
-            <pc:docMk/>
-            <pc:sldMk cId="1191709969" sldId="309"/>
-            <ac:spMk id="3" creationId="{5AA19FA0-A765-8169-03F1-928E3EF7B595}"/>
-          </ac:spMkLst>
-        </pc:spChg>
-        <pc:spChg chg="add mod">
-          <ac:chgData name="Ihor Aleksandrov" userId="c3051032-6b87-4db2-b257-777a0106fbd9" providerId="ADAL" clId="{8F6FD043-9E57-48DE-B2A7-80F6B63AEF6D}" dt="2024-02-14T12:04:42.699" v="85" actId="1076"/>
-          <ac:spMkLst>
-            <pc:docMk/>
-            <pc:sldMk cId="1191709969" sldId="309"/>
-            <ac:spMk id="6" creationId="{72447943-B61B-559C-9492-74C6445EB0C7}"/>
-          </ac:spMkLst>
-        </pc:spChg>
-        <pc:spChg chg="add">
-          <ac:chgData name="Ihor Aleksandrov" userId="c3051032-6b87-4db2-b257-777a0106fbd9" providerId="ADAL" clId="{8F6FD043-9E57-48DE-B2A7-80F6B63AEF6D}" dt="2024-02-14T12:04:09.519" v="81" actId="26606"/>
-          <ac:spMkLst>
-            <pc:docMk/>
-            <pc:sldMk cId="1191709969" sldId="309"/>
-            <ac:spMk id="10" creationId="{D4771268-CB57-404A-9271-370EB28F6090}"/>
-          </ac:spMkLst>
-        </pc:spChg>
-        <pc:spChg chg="del">
-          <ac:chgData name="Ihor Aleksandrov" userId="c3051032-6b87-4db2-b257-777a0106fbd9" providerId="ADAL" clId="{8F6FD043-9E57-48DE-B2A7-80F6B63AEF6D}" dt="2024-02-14T12:04:05.552" v="80"/>
-          <ac:spMkLst>
-            <pc:docMk/>
-            <pc:sldMk cId="1191709969" sldId="309"/>
-            <ac:spMk id="24" creationId="{D4771268-CB57-404A-9271-370EB28F6090}"/>
-          </ac:spMkLst>
-        </pc:spChg>
-        <pc:picChg chg="mod">
-          <ac:chgData name="Ihor Aleksandrov" userId="c3051032-6b87-4db2-b257-777a0106fbd9" providerId="ADAL" clId="{8F6FD043-9E57-48DE-B2A7-80F6B63AEF6D}" dt="2024-02-14T12:04:16.093" v="83" actId="1076"/>
-          <ac:picMkLst>
-            <pc:docMk/>
-            <pc:sldMk cId="1191709969" sldId="309"/>
-            <ac:picMk id="5" creationId="{0FAED572-EA77-9F92-AAE0-98DD8CFA7D98}"/>
-          </ac:picMkLst>
-        </pc:picChg>
-      </pc:sldChg>
-      <pc:sldChg chg="del">
-        <pc:chgData name="Ihor Aleksandrov" userId="c3051032-6b87-4db2-b257-777a0106fbd9" providerId="ADAL" clId="{8F6FD043-9E57-48DE-B2A7-80F6B63AEF6D}" dt="2024-02-14T11:49:22.097" v="22" actId="47"/>
-        <pc:sldMkLst>
-          <pc:docMk/>
-          <pc:sldMk cId="2086980310" sldId="310"/>
-        </pc:sldMkLst>
-      </pc:sldChg>
-      <pc:sldChg chg="addSp delSp modSp add mod setBg delDesignElem">
-        <pc:chgData name="Ihor Aleksandrov" userId="c3051032-6b87-4db2-b257-777a0106fbd9" providerId="ADAL" clId="{8F6FD043-9E57-48DE-B2A7-80F6B63AEF6D}" dt="2024-02-14T15:57:51.529" v="226" actId="20577"/>
-        <pc:sldMkLst>
-          <pc:docMk/>
-          <pc:sldMk cId="2568485995" sldId="310"/>
-        </pc:sldMkLst>
-        <pc:spChg chg="mod">
-          <ac:chgData name="Ihor Aleksandrov" userId="c3051032-6b87-4db2-b257-777a0106fbd9" providerId="ADAL" clId="{8F6FD043-9E57-48DE-B2A7-80F6B63AEF6D}" dt="2024-02-14T15:57:51.529" v="226" actId="20577"/>
-          <ac:spMkLst>
-            <pc:docMk/>
-            <pc:sldMk cId="2568485995" sldId="310"/>
-            <ac:spMk id="2" creationId="{53C5D828-9666-E312-B574-9FE965A7D6BE}"/>
-          </ac:spMkLst>
-        </pc:spChg>
-        <pc:spChg chg="mod ord">
-          <ac:chgData name="Ihor Aleksandrov" userId="c3051032-6b87-4db2-b257-777a0106fbd9" providerId="ADAL" clId="{8F6FD043-9E57-48DE-B2A7-80F6B63AEF6D}" dt="2024-02-14T12:34:18.950" v="121" actId="26606"/>
-          <ac:spMkLst>
-            <pc:docMk/>
-            <pc:sldMk cId="2568485995" sldId="310"/>
-            <ac:spMk id="3" creationId="{5AA19FA0-A765-8169-03F1-928E3EF7B595}"/>
-          </ac:spMkLst>
-        </pc:spChg>
-        <pc:spChg chg="add mod">
-          <ac:chgData name="Ihor Aleksandrov" userId="c3051032-6b87-4db2-b257-777a0106fbd9" providerId="ADAL" clId="{8F6FD043-9E57-48DE-B2A7-80F6B63AEF6D}" dt="2024-02-14T12:34:54.374" v="126" actId="1076"/>
-          <ac:spMkLst>
-            <pc:docMk/>
-            <pc:sldMk cId="2568485995" sldId="310"/>
-            <ac:spMk id="5" creationId="{FEBBD79B-A095-832C-B1DB-D8C81F3063E2}"/>
-          </ac:spMkLst>
-        </pc:spChg>
-        <pc:spChg chg="add">
-          <ac:chgData name="Ihor Aleksandrov" userId="c3051032-6b87-4db2-b257-777a0106fbd9" providerId="ADAL" clId="{8F6FD043-9E57-48DE-B2A7-80F6B63AEF6D}" dt="2024-02-14T12:34:18.950" v="121" actId="26606"/>
-          <ac:spMkLst>
-            <pc:docMk/>
-            <pc:sldMk cId="2568485995" sldId="310"/>
-            <ac:spMk id="13" creationId="{D4771268-CB57-404A-9271-370EB28F6090}"/>
-          </ac:spMkLst>
-        </pc:spChg>
-        <pc:spChg chg="del">
-          <ac:chgData name="Ihor Aleksandrov" userId="c3051032-6b87-4db2-b257-777a0106fbd9" providerId="ADAL" clId="{8F6FD043-9E57-48DE-B2A7-80F6B63AEF6D}" dt="2024-02-14T12:34:14.509" v="120"/>
-          <ac:spMkLst>
-            <pc:docMk/>
-            <pc:sldMk cId="2568485995" sldId="310"/>
-            <ac:spMk id="24" creationId="{D4771268-CB57-404A-9271-370EB28F6090}"/>
-          </ac:spMkLst>
-        </pc:spChg>
-        <pc:picChg chg="mod">
-          <ac:chgData name="Ihor Aleksandrov" userId="c3051032-6b87-4db2-b257-777a0106fbd9" providerId="ADAL" clId="{8F6FD043-9E57-48DE-B2A7-80F6B63AEF6D}" dt="2024-02-14T12:34:25.876" v="123" actId="1076"/>
-          <ac:picMkLst>
-            <pc:docMk/>
-            <pc:sldMk cId="2568485995" sldId="310"/>
-            <ac:picMk id="8" creationId="{18EEA66F-51A8-AAB7-26A2-677C2D38B45B}"/>
-          </ac:picMkLst>
-        </pc:picChg>
-      </pc:sldChg>
-      <pc:sldChg chg="delSp add del setBg delDesignElem">
-        <pc:chgData name="Ihor Aleksandrov" userId="c3051032-6b87-4db2-b257-777a0106fbd9" providerId="ADAL" clId="{8F6FD043-9E57-48DE-B2A7-80F6B63AEF6D}" dt="2024-02-14T12:08:32.063" v="94" actId="2696"/>
-        <pc:sldMkLst>
-          <pc:docMk/>
-          <pc:sldMk cId="3138402247" sldId="310"/>
-        </pc:sldMkLst>
-        <pc:spChg chg="del">
-          <ac:chgData name="Ihor Aleksandrov" userId="c3051032-6b87-4db2-b257-777a0106fbd9" providerId="ADAL" clId="{8F6FD043-9E57-48DE-B2A7-80F6B63AEF6D}" dt="2024-02-14T12:07:52.103" v="87"/>
-          <ac:spMkLst>
-            <pc:docMk/>
-            <pc:sldMk cId="3138402247" sldId="310"/>
-            <ac:spMk id="24" creationId="{D4771268-CB57-404A-9271-370EB28F6090}"/>
-          </ac:spMkLst>
-        </pc:spChg>
-      </pc:sldChg>
-      <pc:sldChg chg="addSp delSp modSp add mod">
-        <pc:chgData name="Ihor Aleksandrov" userId="c3051032-6b87-4db2-b257-777a0106fbd9" providerId="ADAL" clId="{8F6FD043-9E57-48DE-B2A7-80F6B63AEF6D}" dt="2024-02-14T12:09:22.738" v="100" actId="1076"/>
-        <pc:sldMkLst>
-          <pc:docMk/>
-          <pc:sldMk cId="731065963" sldId="311"/>
-        </pc:sldMkLst>
-        <pc:spChg chg="mod">
-          <ac:chgData name="Ihor Aleksandrov" userId="c3051032-6b87-4db2-b257-777a0106fbd9" providerId="ADAL" clId="{8F6FD043-9E57-48DE-B2A7-80F6B63AEF6D}" dt="2024-02-14T12:08:14.383" v="89"/>
-          <ac:spMkLst>
-            <pc:docMk/>
-            <pc:sldMk cId="731065963" sldId="311"/>
-            <ac:spMk id="2" creationId="{53C5D828-9666-E312-B574-9FE965A7D6BE}"/>
-          </ac:spMkLst>
-        </pc:spChg>
-        <pc:spChg chg="del">
-          <ac:chgData name="Ihor Aleksandrov" userId="c3051032-6b87-4db2-b257-777a0106fbd9" providerId="ADAL" clId="{8F6FD043-9E57-48DE-B2A7-80F6B63AEF6D}" dt="2024-02-14T12:08:35.044" v="95" actId="478"/>
-          <ac:spMkLst>
-            <pc:docMk/>
-            <pc:sldMk cId="731065963" sldId="311"/>
-            <ac:spMk id="6" creationId="{72447943-B61B-559C-9492-74C6445EB0C7}"/>
-          </ac:spMkLst>
-        </pc:spChg>
-        <pc:spChg chg="add mod">
-          <ac:chgData name="Ihor Aleksandrov" userId="c3051032-6b87-4db2-b257-777a0106fbd9" providerId="ADAL" clId="{8F6FD043-9E57-48DE-B2A7-80F6B63AEF6D}" dt="2024-02-14T12:09:02.328" v="98" actId="1076"/>
-          <ac:spMkLst>
-            <pc:docMk/>
-            <pc:sldMk cId="731065963" sldId="311"/>
-            <ac:spMk id="8" creationId="{5F2AD2B8-6B41-46FC-8297-91922909A03C}"/>
-          </ac:spMkLst>
-        </pc:spChg>
-        <pc:spChg chg="add mod">
-          <ac:chgData name="Ihor Aleksandrov" userId="c3051032-6b87-4db2-b257-777a0106fbd9" providerId="ADAL" clId="{8F6FD043-9E57-48DE-B2A7-80F6B63AEF6D}" dt="2024-02-14T12:09:22.738" v="100" actId="1076"/>
-          <ac:spMkLst>
-            <pc:docMk/>
-            <pc:sldMk cId="731065963" sldId="311"/>
-            <ac:spMk id="11" creationId="{0F413AFC-66B0-FD7A-7156-C4673B23539C}"/>
-          </ac:spMkLst>
-        </pc:spChg>
-        <pc:picChg chg="add mod">
-          <ac:chgData name="Ihor Aleksandrov" userId="c3051032-6b87-4db2-b257-777a0106fbd9" providerId="ADAL" clId="{8F6FD043-9E57-48DE-B2A7-80F6B63AEF6D}" dt="2024-02-14T12:08:28.698" v="93" actId="1076"/>
-          <ac:picMkLst>
-            <pc:docMk/>
-            <pc:sldMk cId="731065963" sldId="311"/>
-            <ac:picMk id="4" creationId="{C472D84E-B95C-260C-8BB1-7ED8ED80283E}"/>
-          </ac:picMkLst>
-        </pc:picChg>
-        <pc:picChg chg="del">
-          <ac:chgData name="Ihor Aleksandrov" userId="c3051032-6b87-4db2-b257-777a0106fbd9" providerId="ADAL" clId="{8F6FD043-9E57-48DE-B2A7-80F6B63AEF6D}" dt="2024-02-14T12:08:21.907" v="90" actId="478"/>
-          <ac:picMkLst>
-            <pc:docMk/>
-            <pc:sldMk cId="731065963" sldId="311"/>
-            <ac:picMk id="5" creationId="{0FAED572-EA77-9F92-AAE0-98DD8CFA7D98}"/>
-          </ac:picMkLst>
-        </pc:picChg>
-      </pc:sldChg>
-      <pc:sldChg chg="del">
-        <pc:chgData name="Ihor Aleksandrov" userId="c3051032-6b87-4db2-b257-777a0106fbd9" providerId="ADAL" clId="{8F6FD043-9E57-48DE-B2A7-80F6B63AEF6D}" dt="2024-02-14T11:49:22.097" v="22" actId="47"/>
-        <pc:sldMkLst>
-          <pc:docMk/>
-          <pc:sldMk cId="3247666091" sldId="311"/>
-        </pc:sldMkLst>
-      </pc:sldChg>
-      <pc:sldChg chg="del">
-        <pc:chgData name="Ihor Aleksandrov" userId="c3051032-6b87-4db2-b257-777a0106fbd9" providerId="ADAL" clId="{8F6FD043-9E57-48DE-B2A7-80F6B63AEF6D}" dt="2024-02-14T11:49:22.097" v="22" actId="47"/>
-        <pc:sldMkLst>
-          <pc:docMk/>
-          <pc:sldMk cId="692294431" sldId="312"/>
-        </pc:sldMkLst>
-      </pc:sldChg>
-      <pc:sldChg chg="addSp delSp modSp add mod setBg delDesignElem">
-        <pc:chgData name="Ihor Aleksandrov" userId="c3051032-6b87-4db2-b257-777a0106fbd9" providerId="ADAL" clId="{8F6FD043-9E57-48DE-B2A7-80F6B63AEF6D}" dt="2024-02-14T12:18:29.793" v="118" actId="1076"/>
-        <pc:sldMkLst>
-          <pc:docMk/>
-          <pc:sldMk cId="2749259083" sldId="312"/>
-        </pc:sldMkLst>
-        <pc:spChg chg="mod">
-          <ac:chgData name="Ihor Aleksandrov" userId="c3051032-6b87-4db2-b257-777a0106fbd9" providerId="ADAL" clId="{8F6FD043-9E57-48DE-B2A7-80F6B63AEF6D}" dt="2024-02-14T12:16:15.026" v="103" actId="26606"/>
-          <ac:spMkLst>
-            <pc:docMk/>
-            <pc:sldMk cId="2749259083" sldId="312"/>
-            <ac:spMk id="2" creationId="{53C5D828-9666-E312-B574-9FE965A7D6BE}"/>
-          </ac:spMkLst>
-        </pc:spChg>
-        <pc:spChg chg="mod ord">
-          <ac:chgData name="Ihor Aleksandrov" userId="c3051032-6b87-4db2-b257-777a0106fbd9" providerId="ADAL" clId="{8F6FD043-9E57-48DE-B2A7-80F6B63AEF6D}" dt="2024-02-14T12:18:14.483" v="114"/>
-          <ac:spMkLst>
-            <pc:docMk/>
-            <pc:sldMk cId="2749259083" sldId="312"/>
-            <ac:spMk id="3" creationId="{5AA19FA0-A765-8169-03F1-928E3EF7B595}"/>
-          </ac:spMkLst>
-        </pc:spChg>
-        <pc:spChg chg="add mod">
-          <ac:chgData name="Ihor Aleksandrov" userId="c3051032-6b87-4db2-b257-777a0106fbd9" providerId="ADAL" clId="{8F6FD043-9E57-48DE-B2A7-80F6B63AEF6D}" dt="2024-02-14T12:17:07.236" v="107" actId="1076"/>
-          <ac:spMkLst>
-            <pc:docMk/>
-            <pc:sldMk cId="2749259083" sldId="312"/>
-            <ac:spMk id="6" creationId="{C3737C45-9032-93CD-C150-6B3898611AD6}"/>
-          </ac:spMkLst>
-        </pc:spChg>
-        <pc:spChg chg="add mod">
-          <ac:chgData name="Ihor Aleksandrov" userId="c3051032-6b87-4db2-b257-777a0106fbd9" providerId="ADAL" clId="{8F6FD043-9E57-48DE-B2A7-80F6B63AEF6D}" dt="2024-02-14T12:18:07.569" v="112" actId="1076"/>
-          <ac:spMkLst>
-            <pc:docMk/>
-            <pc:sldMk cId="2749259083" sldId="312"/>
-            <ac:spMk id="8" creationId="{EC2EF2C3-E608-0FEB-DC59-A949B16379A3}"/>
-          </ac:spMkLst>
-        </pc:spChg>
-        <pc:spChg chg="add">
-          <ac:chgData name="Ihor Aleksandrov" userId="c3051032-6b87-4db2-b257-777a0106fbd9" providerId="ADAL" clId="{8F6FD043-9E57-48DE-B2A7-80F6B63AEF6D}" dt="2024-02-14T12:16:15.026" v="103" actId="26606"/>
-          <ac:spMkLst>
-            <pc:docMk/>
-            <pc:sldMk cId="2749259083" sldId="312"/>
-            <ac:spMk id="10" creationId="{D4771268-CB57-404A-9271-370EB28F6090}"/>
-          </ac:spMkLst>
-        </pc:spChg>
-        <pc:spChg chg="add mod">
-          <ac:chgData name="Ihor Aleksandrov" userId="c3051032-6b87-4db2-b257-777a0106fbd9" providerId="ADAL" clId="{8F6FD043-9E57-48DE-B2A7-80F6B63AEF6D}" dt="2024-02-14T12:18:29.793" v="118" actId="1076"/>
-          <ac:spMkLst>
-            <pc:docMk/>
-            <pc:sldMk cId="2749259083" sldId="312"/>
-            <ac:spMk id="11" creationId="{F1BC1187-6479-40A2-18FA-662130C993BF}"/>
-          </ac:spMkLst>
-        </pc:spChg>
-        <pc:spChg chg="del">
-          <ac:chgData name="Ihor Aleksandrov" userId="c3051032-6b87-4db2-b257-777a0106fbd9" providerId="ADAL" clId="{8F6FD043-9E57-48DE-B2A7-80F6B63AEF6D}" dt="2024-02-14T12:16:10.956" v="102"/>
-          <ac:spMkLst>
-            <pc:docMk/>
-            <pc:sldMk cId="2749259083" sldId="312"/>
-            <ac:spMk id="24" creationId="{D4771268-CB57-404A-9271-370EB28F6090}"/>
-          </ac:spMkLst>
-        </pc:spChg>
-        <pc:picChg chg="mod">
-          <ac:chgData name="Ihor Aleksandrov" userId="c3051032-6b87-4db2-b257-777a0106fbd9" providerId="ADAL" clId="{8F6FD043-9E57-48DE-B2A7-80F6B63AEF6D}" dt="2024-02-14T12:16:21.204" v="105" actId="1076"/>
-          <ac:picMkLst>
-            <pc:docMk/>
-            <pc:sldMk cId="2749259083" sldId="312"/>
-            <ac:picMk id="5" creationId="{49649CEC-2693-E830-B46E-A31C0B523A06}"/>
-          </ac:picMkLst>
-        </pc:picChg>
-      </pc:sldChg>
-      <pc:sldChg chg="addSp delSp modSp add mod setBg delDesignElem">
-        <pc:chgData name="Ihor Aleksandrov" userId="c3051032-6b87-4db2-b257-777a0106fbd9" providerId="ADAL" clId="{8F6FD043-9E57-48DE-B2A7-80F6B63AEF6D}" dt="2024-02-14T12:36:52.380" v="134" actId="1076"/>
-        <pc:sldMkLst>
-          <pc:docMk/>
-          <pc:sldMk cId="441422193" sldId="313"/>
-        </pc:sldMkLst>
-        <pc:spChg chg="mod">
-          <ac:chgData name="Ihor Aleksandrov" userId="c3051032-6b87-4db2-b257-777a0106fbd9" providerId="ADAL" clId="{8F6FD043-9E57-48DE-B2A7-80F6B63AEF6D}" dt="2024-02-14T12:36:38.024" v="129" actId="26606"/>
-          <ac:spMkLst>
-            <pc:docMk/>
-            <pc:sldMk cId="441422193" sldId="313"/>
-            <ac:spMk id="2" creationId="{53C5D828-9666-E312-B574-9FE965A7D6BE}"/>
-          </ac:spMkLst>
-        </pc:spChg>
-        <pc:spChg chg="mod ord">
-          <ac:chgData name="Ihor Aleksandrov" userId="c3051032-6b87-4db2-b257-777a0106fbd9" providerId="ADAL" clId="{8F6FD043-9E57-48DE-B2A7-80F6B63AEF6D}" dt="2024-02-14T12:36:38.024" v="129" actId="26606"/>
-          <ac:spMkLst>
-            <pc:docMk/>
-            <pc:sldMk cId="441422193" sldId="313"/>
-            <ac:spMk id="3" creationId="{5AA19FA0-A765-8169-03F1-928E3EF7B595}"/>
-          </ac:spMkLst>
-        </pc:spChg>
-        <pc:spChg chg="add">
-          <ac:chgData name="Ihor Aleksandrov" userId="c3051032-6b87-4db2-b257-777a0106fbd9" providerId="ADAL" clId="{8F6FD043-9E57-48DE-B2A7-80F6B63AEF6D}" dt="2024-02-14T12:36:38.024" v="129" actId="26606"/>
-          <ac:spMkLst>
-            <pc:docMk/>
-            <pc:sldMk cId="441422193" sldId="313"/>
-            <ac:spMk id="10" creationId="{D4771268-CB57-404A-9271-370EB28F6090}"/>
-          </ac:spMkLst>
-        </pc:spChg>
-        <pc:spChg chg="del">
-          <ac:chgData name="Ihor Aleksandrov" userId="c3051032-6b87-4db2-b257-777a0106fbd9" providerId="ADAL" clId="{8F6FD043-9E57-48DE-B2A7-80F6B63AEF6D}" dt="2024-02-14T12:36:34.711" v="128"/>
-          <ac:spMkLst>
-            <pc:docMk/>
-            <pc:sldMk cId="441422193" sldId="313"/>
-            <ac:spMk id="24" creationId="{D4771268-CB57-404A-9271-370EB28F6090}"/>
-          </ac:spMkLst>
-        </pc:spChg>
-        <pc:picChg chg="mod">
-          <ac:chgData name="Ihor Aleksandrov" userId="c3051032-6b87-4db2-b257-777a0106fbd9" providerId="ADAL" clId="{8F6FD043-9E57-48DE-B2A7-80F6B63AEF6D}" dt="2024-02-14T12:36:52.380" v="134" actId="1076"/>
-          <ac:picMkLst>
-            <pc:docMk/>
-            <pc:sldMk cId="441422193" sldId="313"/>
-            <ac:picMk id="5" creationId="{709B2278-9B6C-AD5A-6295-285C48B14754}"/>
-          </ac:picMkLst>
-        </pc:picChg>
-      </pc:sldChg>
-      <pc:sldChg chg="del">
-        <pc:chgData name="Ihor Aleksandrov" userId="c3051032-6b87-4db2-b257-777a0106fbd9" providerId="ADAL" clId="{8F6FD043-9E57-48DE-B2A7-80F6B63AEF6D}" dt="2024-02-14T11:49:22.097" v="22" actId="47"/>
-        <pc:sldMkLst>
-          <pc:docMk/>
-          <pc:sldMk cId="1982591055" sldId="313"/>
-        </pc:sldMkLst>
-      </pc:sldChg>
-      <pc:sldChg chg="modSp add mod ord">
-        <pc:chgData name="Ihor Aleksandrov" userId="c3051032-6b87-4db2-b257-777a0106fbd9" providerId="ADAL" clId="{8F6FD043-9E57-48DE-B2A7-80F6B63AEF6D}" dt="2024-02-14T15:19:23.352" v="144"/>
-        <pc:sldMkLst>
-          <pc:docMk/>
-          <pc:sldMk cId="400175970" sldId="314"/>
-        </pc:sldMkLst>
-        <pc:spChg chg="mod">
-          <ac:chgData name="Ihor Aleksandrov" userId="c3051032-6b87-4db2-b257-777a0106fbd9" providerId="ADAL" clId="{8F6FD043-9E57-48DE-B2A7-80F6B63AEF6D}" dt="2024-02-14T15:19:18.857" v="142" actId="20577"/>
-          <ac:spMkLst>
-            <pc:docMk/>
-            <pc:sldMk cId="400175970" sldId="314"/>
-            <ac:spMk id="2" creationId="{2C4A1DFF-3C45-F11D-E6A6-19C0306E5E2B}"/>
-          </ac:spMkLst>
-        </pc:spChg>
-      </pc:sldChg>
-      <pc:sldChg chg="del">
-        <pc:chgData name="Ihor Aleksandrov" userId="c3051032-6b87-4db2-b257-777a0106fbd9" providerId="ADAL" clId="{8F6FD043-9E57-48DE-B2A7-80F6B63AEF6D}" dt="2024-02-14T11:49:22.097" v="22" actId="47"/>
-        <pc:sldMkLst>
-          <pc:docMk/>
-          <pc:sldMk cId="3441142325" sldId="314"/>
-        </pc:sldMkLst>
-      </pc:sldChg>
-      <pc:sldChg chg="del">
-        <pc:chgData name="Ihor Aleksandrov" userId="c3051032-6b87-4db2-b257-777a0106fbd9" providerId="ADAL" clId="{8F6FD043-9E57-48DE-B2A7-80F6B63AEF6D}" dt="2024-02-14T11:49:22.097" v="22" actId="47"/>
-        <pc:sldMkLst>
-          <pc:docMk/>
-          <pc:sldMk cId="2194918172" sldId="315"/>
-        </pc:sldMkLst>
-      </pc:sldChg>
-      <pc:sldChg chg="addSp delSp modSp add mod setBg delDesignElem">
-        <pc:chgData name="Ihor Aleksandrov" userId="c3051032-6b87-4db2-b257-777a0106fbd9" providerId="ADAL" clId="{8F6FD043-9E57-48DE-B2A7-80F6B63AEF6D}" dt="2024-02-14T15:27:21.324" v="157" actId="1076"/>
-        <pc:sldMkLst>
-          <pc:docMk/>
-          <pc:sldMk cId="2728358054" sldId="315"/>
-        </pc:sldMkLst>
-        <pc:spChg chg="ord">
-          <ac:chgData name="Ihor Aleksandrov" userId="c3051032-6b87-4db2-b257-777a0106fbd9" providerId="ADAL" clId="{8F6FD043-9E57-48DE-B2A7-80F6B63AEF6D}" dt="2024-02-14T15:26:02.374" v="147" actId="26606"/>
-          <ac:spMkLst>
-            <pc:docMk/>
-            <pc:sldMk cId="2728358054" sldId="315"/>
-            <ac:spMk id="3" creationId="{5AA19FA0-A765-8169-03F1-928E3EF7B595}"/>
-          </ac:spMkLst>
-        </pc:spChg>
-        <pc:spChg chg="add mod">
-          <ac:chgData name="Ihor Aleksandrov" userId="c3051032-6b87-4db2-b257-777a0106fbd9" providerId="ADAL" clId="{8F6FD043-9E57-48DE-B2A7-80F6B63AEF6D}" dt="2024-02-14T15:27:02.262" v="153" actId="1076"/>
-          <ac:spMkLst>
-            <pc:docMk/>
-            <pc:sldMk cId="2728358054" sldId="315"/>
-            <ac:spMk id="6" creationId="{36191EEE-149A-C4ED-D6F0-8FA916759D80}"/>
-          </ac:spMkLst>
-        </pc:spChg>
-        <pc:spChg chg="add mod">
-          <ac:chgData name="Ihor Aleksandrov" userId="c3051032-6b87-4db2-b257-777a0106fbd9" providerId="ADAL" clId="{8F6FD043-9E57-48DE-B2A7-80F6B63AEF6D}" dt="2024-02-14T15:27:21.324" v="157" actId="1076"/>
-          <ac:spMkLst>
-            <pc:docMk/>
-            <pc:sldMk cId="2728358054" sldId="315"/>
-            <ac:spMk id="8" creationId="{8BC01EC4-62BA-E5B4-A978-A071ACEF9C69}"/>
-          </ac:spMkLst>
-        </pc:spChg>
-        <pc:spChg chg="del">
-          <ac:chgData name="Ihor Aleksandrov" userId="c3051032-6b87-4db2-b257-777a0106fbd9" providerId="ADAL" clId="{8F6FD043-9E57-48DE-B2A7-80F6B63AEF6D}" dt="2024-02-14T15:25:59.239" v="146"/>
-          <ac:spMkLst>
-            <pc:docMk/>
-            <pc:sldMk cId="2728358054" sldId="315"/>
-            <ac:spMk id="9" creationId="{D4771268-CB57-404A-9271-370EB28F6090}"/>
-          </ac:spMkLst>
-        </pc:spChg>
-        <pc:spChg chg="add">
-          <ac:chgData name="Ihor Aleksandrov" userId="c3051032-6b87-4db2-b257-777a0106fbd9" providerId="ADAL" clId="{8F6FD043-9E57-48DE-B2A7-80F6B63AEF6D}" dt="2024-02-14T15:26:02.374" v="147" actId="26606"/>
-          <ac:spMkLst>
-            <pc:docMk/>
-            <pc:sldMk cId="2728358054" sldId="315"/>
-            <ac:spMk id="10" creationId="{D4771268-CB57-404A-9271-370EB28F6090}"/>
-          </ac:spMkLst>
-        </pc:spChg>
-        <pc:picChg chg="mod">
-          <ac:chgData name="Ihor Aleksandrov" userId="c3051032-6b87-4db2-b257-777a0106fbd9" providerId="ADAL" clId="{8F6FD043-9E57-48DE-B2A7-80F6B63AEF6D}" dt="2024-02-14T15:26:08.166" v="149" actId="1076"/>
-          <ac:picMkLst>
-            <pc:docMk/>
-            <pc:sldMk cId="2728358054" sldId="315"/>
-            <ac:picMk id="5" creationId="{1B28AA1A-E60F-3632-5A69-475FEC313F4F}"/>
-          </ac:picMkLst>
-        </pc:picChg>
-      </pc:sldChg>
-      <pc:sldChg chg="addSp delSp modSp add mod setBg delDesignElem">
-        <pc:chgData name="Ihor Aleksandrov" userId="c3051032-6b87-4db2-b257-777a0106fbd9" providerId="ADAL" clId="{8F6FD043-9E57-48DE-B2A7-80F6B63AEF6D}" dt="2024-02-14T15:39:28.662" v="175" actId="1076"/>
-        <pc:sldMkLst>
-          <pc:docMk/>
-          <pc:sldMk cId="1133112284" sldId="316"/>
-        </pc:sldMkLst>
-        <pc:spChg chg="mod">
-          <ac:chgData name="Ihor Aleksandrov" userId="c3051032-6b87-4db2-b257-777a0106fbd9" providerId="ADAL" clId="{8F6FD043-9E57-48DE-B2A7-80F6B63AEF6D}" dt="2024-02-14T15:37:45.859" v="160" actId="26606"/>
-          <ac:spMkLst>
-            <pc:docMk/>
-            <pc:sldMk cId="1133112284" sldId="316"/>
-            <ac:spMk id="2" creationId="{53C5D828-9666-E312-B574-9FE965A7D6BE}"/>
-          </ac:spMkLst>
-        </pc:spChg>
-        <pc:spChg chg="mod ord">
-          <ac:chgData name="Ihor Aleksandrov" userId="c3051032-6b87-4db2-b257-777a0106fbd9" providerId="ADAL" clId="{8F6FD043-9E57-48DE-B2A7-80F6B63AEF6D}" dt="2024-02-14T15:37:45.859" v="160" actId="26606"/>
-          <ac:spMkLst>
-            <pc:docMk/>
-            <pc:sldMk cId="1133112284" sldId="316"/>
-            <ac:spMk id="3" creationId="{5AA19FA0-A765-8169-03F1-928E3EF7B595}"/>
-          </ac:spMkLst>
-        </pc:spChg>
-        <pc:spChg chg="add mod">
-          <ac:chgData name="Ihor Aleksandrov" userId="c3051032-6b87-4db2-b257-777a0106fbd9" providerId="ADAL" clId="{8F6FD043-9E57-48DE-B2A7-80F6B63AEF6D}" dt="2024-02-14T15:39:19.371" v="172" actId="1076"/>
-          <ac:spMkLst>
-            <pc:docMk/>
-            <pc:sldMk cId="1133112284" sldId="316"/>
-            <ac:spMk id="8" creationId="{A1B718D4-4D59-EA55-DB27-FF936283B08A}"/>
-          </ac:spMkLst>
-        </pc:spChg>
-        <pc:spChg chg="add mod">
-          <ac:chgData name="Ihor Aleksandrov" userId="c3051032-6b87-4db2-b257-777a0106fbd9" providerId="ADAL" clId="{8F6FD043-9E57-48DE-B2A7-80F6B63AEF6D}" dt="2024-02-14T15:39:28.662" v="175" actId="1076"/>
-          <ac:spMkLst>
-            <pc:docMk/>
-            <pc:sldMk cId="1133112284" sldId="316"/>
-            <ac:spMk id="10" creationId="{0FE08CB5-78FA-500B-A60B-FED0247F775E}"/>
-          </ac:spMkLst>
-        </pc:spChg>
-        <pc:spChg chg="add">
-          <ac:chgData name="Ihor Aleksandrov" userId="c3051032-6b87-4db2-b257-777a0106fbd9" providerId="ADAL" clId="{8F6FD043-9E57-48DE-B2A7-80F6B63AEF6D}" dt="2024-02-14T15:37:45.859" v="160" actId="26606"/>
-          <ac:spMkLst>
-            <pc:docMk/>
-            <pc:sldMk cId="1133112284" sldId="316"/>
-            <ac:spMk id="12" creationId="{D4771268-CB57-404A-9271-370EB28F6090}"/>
-          </ac:spMkLst>
-        </pc:spChg>
-        <pc:spChg chg="del">
-          <ac:chgData name="Ihor Aleksandrov" userId="c3051032-6b87-4db2-b257-777a0106fbd9" providerId="ADAL" clId="{8F6FD043-9E57-48DE-B2A7-80F6B63AEF6D}" dt="2024-02-14T15:37:42.399" v="159"/>
-          <ac:spMkLst>
-            <pc:docMk/>
-            <pc:sldMk cId="1133112284" sldId="316"/>
-            <ac:spMk id="24" creationId="{D4771268-CB57-404A-9271-370EB28F6090}"/>
-          </ac:spMkLst>
-        </pc:spChg>
-        <pc:picChg chg="add mod">
-          <ac:chgData name="Ihor Aleksandrov" userId="c3051032-6b87-4db2-b257-777a0106fbd9" providerId="ADAL" clId="{8F6FD043-9E57-48DE-B2A7-80F6B63AEF6D}" dt="2024-02-14T15:38:50.835" v="166" actId="1076"/>
-          <ac:picMkLst>
-            <pc:docMk/>
-            <pc:sldMk cId="1133112284" sldId="316"/>
-            <ac:picMk id="5" creationId="{5B818909-1650-EF4F-F11C-62CA7A6573BD}"/>
-          </ac:picMkLst>
-        </pc:picChg>
-        <pc:picChg chg="del mod">
-          <ac:chgData name="Ihor Aleksandrov" userId="c3051032-6b87-4db2-b257-777a0106fbd9" providerId="ADAL" clId="{8F6FD043-9E57-48DE-B2A7-80F6B63AEF6D}" dt="2024-02-14T15:38:30.561" v="163" actId="478"/>
-          <ac:picMkLst>
-            <pc:docMk/>
-            <pc:sldMk cId="1133112284" sldId="316"/>
-            <ac:picMk id="7" creationId="{D6A3E092-477E-3EB2-F962-CBFE4BD60457}"/>
-          </ac:picMkLst>
-        </pc:picChg>
-      </pc:sldChg>
-      <pc:sldChg chg="del">
-        <pc:chgData name="Ihor Aleksandrov" userId="c3051032-6b87-4db2-b257-777a0106fbd9" providerId="ADAL" clId="{8F6FD043-9E57-48DE-B2A7-80F6B63AEF6D}" dt="2024-02-14T11:49:22.097" v="22" actId="47"/>
-        <pc:sldMkLst>
-          <pc:docMk/>
-          <pc:sldMk cId="2238873330" sldId="316"/>
-        </pc:sldMkLst>
-      </pc:sldChg>
-      <pc:sldChg chg="addSp delSp modSp add mod setBg delDesignElem">
-        <pc:chgData name="Ihor Aleksandrov" userId="c3051032-6b87-4db2-b257-777a0106fbd9" providerId="ADAL" clId="{8F6FD043-9E57-48DE-B2A7-80F6B63AEF6D}" dt="2024-02-14T15:50:37.636" v="185" actId="1076"/>
-        <pc:sldMkLst>
-          <pc:docMk/>
-          <pc:sldMk cId="862344913" sldId="317"/>
-        </pc:sldMkLst>
-        <pc:spChg chg="mod">
-          <ac:chgData name="Ihor Aleksandrov" userId="c3051032-6b87-4db2-b257-777a0106fbd9" providerId="ADAL" clId="{8F6FD043-9E57-48DE-B2A7-80F6B63AEF6D}" dt="2024-02-14T15:49:15.016" v="178" actId="26606"/>
-          <ac:spMkLst>
-            <pc:docMk/>
-            <pc:sldMk cId="862344913" sldId="317"/>
-            <ac:spMk id="2" creationId="{53C5D828-9666-E312-B574-9FE965A7D6BE}"/>
-          </ac:spMkLst>
-        </pc:spChg>
-        <pc:spChg chg="mod ord">
-          <ac:chgData name="Ihor Aleksandrov" userId="c3051032-6b87-4db2-b257-777a0106fbd9" providerId="ADAL" clId="{8F6FD043-9E57-48DE-B2A7-80F6B63AEF6D}" dt="2024-02-14T15:49:15.016" v="178" actId="26606"/>
-          <ac:spMkLst>
-            <pc:docMk/>
-            <pc:sldMk cId="862344913" sldId="317"/>
-            <ac:spMk id="3" creationId="{5AA19FA0-A765-8169-03F1-928E3EF7B595}"/>
-          </ac:spMkLst>
-        </pc:spChg>
-        <pc:spChg chg="add">
-          <ac:chgData name="Ihor Aleksandrov" userId="c3051032-6b87-4db2-b257-777a0106fbd9" providerId="ADAL" clId="{8F6FD043-9E57-48DE-B2A7-80F6B63AEF6D}" dt="2024-02-14T15:49:15.016" v="178" actId="26606"/>
-          <ac:spMkLst>
-            <pc:docMk/>
-            <pc:sldMk cId="862344913" sldId="317"/>
-            <ac:spMk id="10" creationId="{D4771268-CB57-404A-9271-370EB28F6090}"/>
-          </ac:spMkLst>
-        </pc:spChg>
-        <pc:spChg chg="del">
-          <ac:chgData name="Ihor Aleksandrov" userId="c3051032-6b87-4db2-b257-777a0106fbd9" providerId="ADAL" clId="{8F6FD043-9E57-48DE-B2A7-80F6B63AEF6D}" dt="2024-02-14T15:49:11.818" v="177"/>
-          <ac:spMkLst>
-            <pc:docMk/>
-            <pc:sldMk cId="862344913" sldId="317"/>
-            <ac:spMk id="24" creationId="{D4771268-CB57-404A-9271-370EB28F6090}"/>
-          </ac:spMkLst>
-        </pc:spChg>
-        <pc:picChg chg="mod">
-          <ac:chgData name="Ihor Aleksandrov" userId="c3051032-6b87-4db2-b257-777a0106fbd9" providerId="ADAL" clId="{8F6FD043-9E57-48DE-B2A7-80F6B63AEF6D}" dt="2024-02-14T15:50:37.636" v="185" actId="1076"/>
-          <ac:picMkLst>
-            <pc:docMk/>
-            <pc:sldMk cId="862344913" sldId="317"/>
-            <ac:picMk id="5" creationId="{0F423EE0-1771-105D-CB7E-D0D7194C8FB6}"/>
-          </ac:picMkLst>
-        </pc:picChg>
-      </pc:sldChg>
-      <pc:sldChg chg="del">
-        <pc:chgData name="Ihor Aleksandrov" userId="c3051032-6b87-4db2-b257-777a0106fbd9" providerId="ADAL" clId="{8F6FD043-9E57-48DE-B2A7-80F6B63AEF6D}" dt="2024-02-14T11:49:22.097" v="22" actId="47"/>
-        <pc:sldMkLst>
-          <pc:docMk/>
-          <pc:sldMk cId="3132855739" sldId="317"/>
-        </pc:sldMkLst>
-      </pc:sldChg>
-      <pc:sldChg chg="del">
-        <pc:chgData name="Ihor Aleksandrov" userId="c3051032-6b87-4db2-b257-777a0106fbd9" providerId="ADAL" clId="{8F6FD043-9E57-48DE-B2A7-80F6B63AEF6D}" dt="2024-02-14T11:49:22.097" v="22" actId="47"/>
-        <pc:sldMkLst>
-          <pc:docMk/>
-          <pc:sldMk cId="982419643" sldId="318"/>
-        </pc:sldMkLst>
-      </pc:sldChg>
-      <pc:sldChg chg="delSp add del setBg delDesignElem">
-        <pc:chgData name="Ihor Aleksandrov" userId="c3051032-6b87-4db2-b257-777a0106fbd9" providerId="ADAL" clId="{8F6FD043-9E57-48DE-B2A7-80F6B63AEF6D}" dt="2024-02-14T15:58:04.707" v="227" actId="2696"/>
-        <pc:sldMkLst>
-          <pc:docMk/>
-          <pc:sldMk cId="1527920387" sldId="318"/>
-        </pc:sldMkLst>
-        <pc:spChg chg="del">
-          <ac:chgData name="Ihor Aleksandrov" userId="c3051032-6b87-4db2-b257-777a0106fbd9" providerId="ADAL" clId="{8F6FD043-9E57-48DE-B2A7-80F6B63AEF6D}" dt="2024-02-14T15:53:09.948" v="187"/>
-          <ac:spMkLst>
-            <pc:docMk/>
-            <pc:sldMk cId="1527920387" sldId="318"/>
-            <ac:spMk id="24" creationId="{D4771268-CB57-404A-9271-370EB28F6090}"/>
-          </ac:spMkLst>
-        </pc:spChg>
-      </pc:sldChg>
-      <pc:sldChg chg="del">
-        <pc:chgData name="Ihor Aleksandrov" userId="c3051032-6b87-4db2-b257-777a0106fbd9" providerId="ADAL" clId="{8F6FD043-9E57-48DE-B2A7-80F6B63AEF6D}" dt="2024-02-14T11:49:22.097" v="22" actId="47"/>
-        <pc:sldMkLst>
-          <pc:docMk/>
-          <pc:sldMk cId="386669968" sldId="319"/>
-        </pc:sldMkLst>
-      </pc:sldChg>
-      <pc:sldChg chg="addSp delSp modSp add mod">
-        <pc:chgData name="Ihor Aleksandrov" userId="c3051032-6b87-4db2-b257-777a0106fbd9" providerId="ADAL" clId="{8F6FD043-9E57-48DE-B2A7-80F6B63AEF6D}" dt="2024-02-14T15:57:10.096" v="218" actId="1076"/>
-        <pc:sldMkLst>
-          <pc:docMk/>
-          <pc:sldMk cId="4279452852" sldId="319"/>
-        </pc:sldMkLst>
-        <pc:spChg chg="mod">
-          <ac:chgData name="Ihor Aleksandrov" userId="c3051032-6b87-4db2-b257-777a0106fbd9" providerId="ADAL" clId="{8F6FD043-9E57-48DE-B2A7-80F6B63AEF6D}" dt="2024-02-14T15:54:13.065" v="203" actId="20577"/>
-          <ac:spMkLst>
-            <pc:docMk/>
-            <pc:sldMk cId="4279452852" sldId="319"/>
-            <ac:spMk id="2" creationId="{53C5D828-9666-E312-B574-9FE965A7D6BE}"/>
-          </ac:spMkLst>
-        </pc:spChg>
-        <pc:spChg chg="add mod">
-          <ac:chgData name="Ihor Aleksandrov" userId="c3051032-6b87-4db2-b257-777a0106fbd9" providerId="ADAL" clId="{8F6FD043-9E57-48DE-B2A7-80F6B63AEF6D}" dt="2024-02-14T15:56:49.048" v="214" actId="1076"/>
-          <ac:spMkLst>
-            <pc:docMk/>
-            <pc:sldMk cId="4279452852" sldId="319"/>
-            <ac:spMk id="8" creationId="{9918CCAF-750B-92FC-B698-0E42305F0653}"/>
-          </ac:spMkLst>
-        </pc:spChg>
-        <pc:spChg chg="add mod">
-          <ac:chgData name="Ihor Aleksandrov" userId="c3051032-6b87-4db2-b257-777a0106fbd9" providerId="ADAL" clId="{8F6FD043-9E57-48DE-B2A7-80F6B63AEF6D}" dt="2024-02-14T15:57:10.096" v="218" actId="1076"/>
-          <ac:spMkLst>
-            <pc:docMk/>
-            <pc:sldMk cId="4279452852" sldId="319"/>
-            <ac:spMk id="11" creationId="{7C5B172B-7F4A-94AC-B3DE-CCAE270021DE}"/>
-          </ac:spMkLst>
-        </pc:spChg>
-        <pc:picChg chg="add mod">
-          <ac:chgData name="Ihor Aleksandrov" userId="c3051032-6b87-4db2-b257-777a0106fbd9" providerId="ADAL" clId="{8F6FD043-9E57-48DE-B2A7-80F6B63AEF6D}" dt="2024-02-14T15:55:22.854" v="211" actId="1076"/>
-          <ac:picMkLst>
-            <pc:docMk/>
-            <pc:sldMk cId="4279452852" sldId="319"/>
-            <ac:picMk id="4" creationId="{C6146403-9F8D-F57E-0368-682BAF2310CA}"/>
-          </ac:picMkLst>
-        </pc:picChg>
-        <pc:picChg chg="del">
-          <ac:chgData name="Ihor Aleksandrov" userId="c3051032-6b87-4db2-b257-777a0106fbd9" providerId="ADAL" clId="{8F6FD043-9E57-48DE-B2A7-80F6B63AEF6D}" dt="2024-02-14T15:53:28.245" v="189" actId="478"/>
-          <ac:picMkLst>
-            <pc:docMk/>
-            <pc:sldMk cId="4279452852" sldId="319"/>
-            <ac:picMk id="5" creationId="{0F423EE0-1771-105D-CB7E-D0D7194C8FB6}"/>
-          </ac:picMkLst>
-        </pc:picChg>
-        <pc:picChg chg="add mod">
-          <ac:chgData name="Ihor Aleksandrov" userId="c3051032-6b87-4db2-b257-777a0106fbd9" providerId="ADAL" clId="{8F6FD043-9E57-48DE-B2A7-80F6B63AEF6D}" dt="2024-02-14T15:55:22.854" v="211" actId="1076"/>
-          <ac:picMkLst>
-            <pc:docMk/>
-            <pc:sldMk cId="4279452852" sldId="319"/>
-            <ac:picMk id="6" creationId="{1CB8A5E4-4598-CF9C-ED0C-643F43DD0F0D}"/>
-          </ac:picMkLst>
-        </pc:picChg>
-      </pc:sldChg>
-      <pc:sldChg chg="del">
-        <pc:chgData name="Ihor Aleksandrov" userId="c3051032-6b87-4db2-b257-777a0106fbd9" providerId="ADAL" clId="{8F6FD043-9E57-48DE-B2A7-80F6B63AEF6D}" dt="2024-02-14T11:49:22.097" v="22" actId="47"/>
-        <pc:sldMkLst>
-          <pc:docMk/>
-          <pc:sldMk cId="93702858" sldId="320"/>
-        </pc:sldMkLst>
-      </pc:sldChg>
-      <pc:sldChg chg="addSp delSp modSp add mod setBg delDesignElem">
-        <pc:chgData name="Ihor Aleksandrov" userId="c3051032-6b87-4db2-b257-777a0106fbd9" providerId="ADAL" clId="{8F6FD043-9E57-48DE-B2A7-80F6B63AEF6D}" dt="2024-02-14T16:09:38.908" v="238" actId="1076"/>
-        <pc:sldMkLst>
-          <pc:docMk/>
-          <pc:sldMk cId="2349704742" sldId="320"/>
-        </pc:sldMkLst>
-        <pc:spChg chg="mod">
-          <ac:chgData name="Ihor Aleksandrov" userId="c3051032-6b87-4db2-b257-777a0106fbd9" providerId="ADAL" clId="{8F6FD043-9E57-48DE-B2A7-80F6B63AEF6D}" dt="2024-02-14T16:05:51.012" v="230" actId="26606"/>
-          <ac:spMkLst>
-            <pc:docMk/>
-            <pc:sldMk cId="2349704742" sldId="320"/>
-            <ac:spMk id="2" creationId="{53C5D828-9666-E312-B574-9FE965A7D6BE}"/>
-          </ac:spMkLst>
-        </pc:spChg>
-        <pc:spChg chg="mod ord">
-          <ac:chgData name="Ihor Aleksandrov" userId="c3051032-6b87-4db2-b257-777a0106fbd9" providerId="ADAL" clId="{8F6FD043-9E57-48DE-B2A7-80F6B63AEF6D}" dt="2024-02-14T16:05:51.012" v="230" actId="26606"/>
-          <ac:spMkLst>
-            <pc:docMk/>
-            <pc:sldMk cId="2349704742" sldId="320"/>
-            <ac:spMk id="3" creationId="{5AA19FA0-A765-8169-03F1-928E3EF7B595}"/>
-          </ac:spMkLst>
-        </pc:spChg>
-        <pc:spChg chg="add">
-          <ac:chgData name="Ihor Aleksandrov" userId="c3051032-6b87-4db2-b257-777a0106fbd9" providerId="ADAL" clId="{8F6FD043-9E57-48DE-B2A7-80F6B63AEF6D}" dt="2024-02-14T16:05:51.012" v="230" actId="26606"/>
-          <ac:spMkLst>
-            <pc:docMk/>
-            <pc:sldMk cId="2349704742" sldId="320"/>
-            <ac:spMk id="10" creationId="{D4771268-CB57-404A-9271-370EB28F6090}"/>
-          </ac:spMkLst>
-        </pc:spChg>
-        <pc:spChg chg="del">
-          <ac:chgData name="Ihor Aleksandrov" userId="c3051032-6b87-4db2-b257-777a0106fbd9" providerId="ADAL" clId="{8F6FD043-9E57-48DE-B2A7-80F6B63AEF6D}" dt="2024-02-14T16:05:46.971" v="229"/>
-          <ac:spMkLst>
-            <pc:docMk/>
-            <pc:sldMk cId="2349704742" sldId="320"/>
-            <ac:spMk id="24" creationId="{D4771268-CB57-404A-9271-370EB28F6090}"/>
-          </ac:spMkLst>
-        </pc:spChg>
-        <pc:picChg chg="mod">
-          <ac:chgData name="Ihor Aleksandrov" userId="c3051032-6b87-4db2-b257-777a0106fbd9" providerId="ADAL" clId="{8F6FD043-9E57-48DE-B2A7-80F6B63AEF6D}" dt="2024-02-14T16:09:38.908" v="238" actId="1076"/>
-          <ac:picMkLst>
-            <pc:docMk/>
-            <pc:sldMk cId="2349704742" sldId="320"/>
-            <ac:picMk id="5" creationId="{8EDC4718-98B8-6034-BF50-9E0E916A7B98}"/>
-          </ac:picMkLst>
-        </pc:picChg>
-      </pc:sldChg>
-      <pc:sldChg chg="addSp delSp add del setBg delDesignElem">
-        <pc:chgData name="Ihor Aleksandrov" userId="c3051032-6b87-4db2-b257-777a0106fbd9" providerId="ADAL" clId="{8F6FD043-9E57-48DE-B2A7-80F6B63AEF6D}" dt="2024-02-14T15:55:04.287" v="206"/>
-        <pc:sldMkLst>
-          <pc:docMk/>
-          <pc:sldMk cId="3498016954" sldId="320"/>
-        </pc:sldMkLst>
-        <pc:spChg chg="add del">
-          <ac:chgData name="Ihor Aleksandrov" userId="c3051032-6b87-4db2-b257-777a0106fbd9" providerId="ADAL" clId="{8F6FD043-9E57-48DE-B2A7-80F6B63AEF6D}" dt="2024-02-14T15:55:04.287" v="206"/>
-          <ac:spMkLst>
-            <pc:docMk/>
-            <pc:sldMk cId="3498016954" sldId="320"/>
-            <ac:spMk id="24" creationId="{D4771268-CB57-404A-9271-370EB28F6090}"/>
-          </ac:spMkLst>
-        </pc:spChg>
-      </pc:sldChg>
-      <pc:sldChg chg="del">
-        <pc:chgData name="Ihor Aleksandrov" userId="c3051032-6b87-4db2-b257-777a0106fbd9" providerId="ADAL" clId="{8F6FD043-9E57-48DE-B2A7-80F6B63AEF6D}" dt="2024-02-14T11:49:22.097" v="22" actId="47"/>
-        <pc:sldMkLst>
-          <pc:docMk/>
-          <pc:sldMk cId="1965334728" sldId="321"/>
-        </pc:sldMkLst>
-      </pc:sldChg>
-      <pc:sldChg chg="modSp add del mod ord">
-        <pc:chgData name="Ihor Aleksandrov" userId="c3051032-6b87-4db2-b257-777a0106fbd9" providerId="ADAL" clId="{8F6FD043-9E57-48DE-B2A7-80F6B63AEF6D}" dt="2024-02-14T16:09:41.582" v="239" actId="47"/>
-        <pc:sldMkLst>
-          <pc:docMk/>
-          <pc:sldMk cId="3334547954" sldId="321"/>
-        </pc:sldMkLst>
-        <pc:spChg chg="mod">
-          <ac:chgData name="Ihor Aleksandrov" userId="c3051032-6b87-4db2-b257-777a0106fbd9" providerId="ADAL" clId="{8F6FD043-9E57-48DE-B2A7-80F6B63AEF6D}" dt="2024-02-14T16:09:28.986" v="236" actId="6549"/>
-          <ac:spMkLst>
-            <pc:docMk/>
-            <pc:sldMk cId="3334547954" sldId="321"/>
-            <ac:spMk id="2" creationId="{53C5D828-9666-E312-B574-9FE965A7D6BE}"/>
-          </ac:spMkLst>
-        </pc:spChg>
-      </pc:sldChg>
-      <pc:sldChg chg="del">
-        <pc:chgData name="Ihor Aleksandrov" userId="c3051032-6b87-4db2-b257-777a0106fbd9" providerId="ADAL" clId="{8F6FD043-9E57-48DE-B2A7-80F6B63AEF6D}" dt="2024-02-14T11:49:22.097" v="22" actId="47"/>
-        <pc:sldMkLst>
-          <pc:docMk/>
-          <pc:sldMk cId="2438032746" sldId="322"/>
-        </pc:sldMkLst>
-      </pc:sldChg>
-      <pc:sldChg chg="del">
-        <pc:chgData name="Ihor Aleksandrov" userId="c3051032-6b87-4db2-b257-777a0106fbd9" providerId="ADAL" clId="{8F6FD043-9E57-48DE-B2A7-80F6B63AEF6D}" dt="2024-02-14T11:49:22.097" v="22" actId="47"/>
-        <pc:sldMkLst>
-          <pc:docMk/>
-          <pc:sldMk cId="3430162594" sldId="324"/>
-        </pc:sldMkLst>
-      </pc:sldChg>
-      <pc:sldChg chg="del">
-        <pc:chgData name="Ihor Aleksandrov" userId="c3051032-6b87-4db2-b257-777a0106fbd9" providerId="ADAL" clId="{8F6FD043-9E57-48DE-B2A7-80F6B63AEF6D}" dt="2024-02-14T11:49:22.097" v="22" actId="47"/>
-        <pc:sldMkLst>
-          <pc:docMk/>
-          <pc:sldMk cId="4159126741" sldId="325"/>
-        </pc:sldMkLst>
-      </pc:sldChg>
-      <pc:sldChg chg="del">
-        <pc:chgData name="Ihor Aleksandrov" userId="c3051032-6b87-4db2-b257-777a0106fbd9" providerId="ADAL" clId="{8F6FD043-9E57-48DE-B2A7-80F6B63AEF6D}" dt="2024-02-14T11:49:22.097" v="22" actId="47"/>
-        <pc:sldMkLst>
-          <pc:docMk/>
-          <pc:sldMk cId="3987160844" sldId="326"/>
-        </pc:sldMkLst>
-      </pc:sldChg>
-    </pc:docChg>
-  </pc:docChgLst>
-  <pc:docChgLst>
     <pc:chgData name="Ihor Aleksandrov" userId="c3051032-6b87-4db2-b257-777a0106fbd9" providerId="ADAL" clId="{0C8A6E1B-185E-41A2-9AF9-E290758567BE}"/>
     <pc:docChg chg="undo custSel addSld delSld modSld sldOrd addSection delSection modSection">
       <pc:chgData name="Ihor Aleksandrov" userId="c3051032-6b87-4db2-b257-777a0106fbd9" providerId="ADAL" clId="{0C8A6E1B-185E-41A2-9AF9-E290758567BE}" dt="2024-01-31T16:35:34.689" v="460" actId="14100"/>
@@ -12954,6 +11967,1166 @@
         <pc:sldMkLst>
           <pc:docMk/>
           <pc:sldMk cId="960138513" sldId="345"/>
+        </pc:sldMkLst>
+      </pc:sldChg>
+    </pc:docChg>
+  </pc:docChgLst>
+  <pc:docChgLst>
+    <pc:chgData name="Ihor Aleksandrov" userId="c3051032-6b87-4db2-b257-777a0106fbd9" providerId="ADAL" clId="{8F6FD043-9E57-48DE-B2A7-80F6B63AEF6D}"/>
+    <pc:docChg chg="undo redo custSel addSld delSld modSld sldOrd addSection modSection">
+      <pc:chgData name="Ihor Aleksandrov" userId="c3051032-6b87-4db2-b257-777a0106fbd9" providerId="ADAL" clId="{8F6FD043-9E57-48DE-B2A7-80F6B63AEF6D}" dt="2024-02-15T15:07:17.573" v="335" actId="1076"/>
+      <pc:docMkLst>
+        <pc:docMk/>
+      </pc:docMkLst>
+      <pc:sldChg chg="modSp mod">
+        <pc:chgData name="Ihor Aleksandrov" userId="c3051032-6b87-4db2-b257-777a0106fbd9" providerId="ADAL" clId="{8F6FD043-9E57-48DE-B2A7-80F6B63AEF6D}" dt="2024-02-14T11:49:04.895" v="10" actId="20577"/>
+        <pc:sldMkLst>
+          <pc:docMk/>
+          <pc:sldMk cId="588564705" sldId="256"/>
+        </pc:sldMkLst>
+        <pc:spChg chg="mod">
+          <ac:chgData name="Ihor Aleksandrov" userId="c3051032-6b87-4db2-b257-777a0106fbd9" providerId="ADAL" clId="{8F6FD043-9E57-48DE-B2A7-80F6B63AEF6D}" dt="2024-02-14T11:49:04.895" v="10" actId="20577"/>
+          <ac:spMkLst>
+            <pc:docMk/>
+            <pc:sldMk cId="588564705" sldId="256"/>
+            <ac:spMk id="2" creationId="{2C4A1DFF-3C45-F11D-E6A6-19C0306E5E2B}"/>
+          </ac:spMkLst>
+        </pc:spChg>
+      </pc:sldChg>
+      <pc:sldChg chg="addSp delSp modSp mod">
+        <pc:chgData name="Ihor Aleksandrov" userId="c3051032-6b87-4db2-b257-777a0106fbd9" providerId="ADAL" clId="{8F6FD043-9E57-48DE-B2A7-80F6B63AEF6D}" dt="2024-02-14T11:54:08.755" v="43" actId="1076"/>
+        <pc:sldMkLst>
+          <pc:docMk/>
+          <pc:sldMk cId="1009650064" sldId="304"/>
+        </pc:sldMkLst>
+        <pc:spChg chg="mod">
+          <ac:chgData name="Ihor Aleksandrov" userId="c3051032-6b87-4db2-b257-777a0106fbd9" providerId="ADAL" clId="{8F6FD043-9E57-48DE-B2A7-80F6B63AEF6D}" dt="2024-02-14T11:51:55.642" v="27"/>
+          <ac:spMkLst>
+            <pc:docMk/>
+            <pc:sldMk cId="1009650064" sldId="304"/>
+            <ac:spMk id="2" creationId="{53C5D828-9666-E312-B574-9FE965A7D6BE}"/>
+          </ac:spMkLst>
+        </pc:spChg>
+        <pc:spChg chg="del mod">
+          <ac:chgData name="Ihor Aleksandrov" userId="c3051032-6b87-4db2-b257-777a0106fbd9" providerId="ADAL" clId="{8F6FD043-9E57-48DE-B2A7-80F6B63AEF6D}" dt="2024-02-14T11:52:43.452" v="33" actId="478"/>
+          <ac:spMkLst>
+            <pc:docMk/>
+            <pc:sldMk cId="1009650064" sldId="304"/>
+            <ac:spMk id="5" creationId="{9A48CF2D-620C-8959-1434-C4B76F696807}"/>
+          </ac:spMkLst>
+        </pc:spChg>
+        <pc:spChg chg="del">
+          <ac:chgData name="Ihor Aleksandrov" userId="c3051032-6b87-4db2-b257-777a0106fbd9" providerId="ADAL" clId="{8F6FD043-9E57-48DE-B2A7-80F6B63AEF6D}" dt="2024-02-14T11:52:46.059" v="34" actId="478"/>
+          <ac:spMkLst>
+            <pc:docMk/>
+            <pc:sldMk cId="1009650064" sldId="304"/>
+            <ac:spMk id="7" creationId="{7BEC75C6-D4A4-A2C0-3DE8-05745693BC43}"/>
+          </ac:spMkLst>
+        </pc:spChg>
+        <pc:spChg chg="add mod">
+          <ac:chgData name="Ihor Aleksandrov" userId="c3051032-6b87-4db2-b257-777a0106fbd9" providerId="ADAL" clId="{8F6FD043-9E57-48DE-B2A7-80F6B63AEF6D}" dt="2024-02-14T11:53:35.480" v="39" actId="1076"/>
+          <ac:spMkLst>
+            <pc:docMk/>
+            <pc:sldMk cId="1009650064" sldId="304"/>
+            <ac:spMk id="8" creationId="{4578BD43-C712-287C-1BC4-C500ABB2BBEC}"/>
+          </ac:spMkLst>
+        </pc:spChg>
+        <pc:spChg chg="add mod">
+          <ac:chgData name="Ihor Aleksandrov" userId="c3051032-6b87-4db2-b257-777a0106fbd9" providerId="ADAL" clId="{8F6FD043-9E57-48DE-B2A7-80F6B63AEF6D}" dt="2024-02-14T11:54:08.755" v="43" actId="1076"/>
+          <ac:spMkLst>
+            <pc:docMk/>
+            <pc:sldMk cId="1009650064" sldId="304"/>
+            <ac:spMk id="11" creationId="{6747A8D6-9EC2-C0A9-62D5-60382CDE7BD6}"/>
+          </ac:spMkLst>
+        </pc:spChg>
+        <pc:picChg chg="add mod">
+          <ac:chgData name="Ihor Aleksandrov" userId="c3051032-6b87-4db2-b257-777a0106fbd9" providerId="ADAL" clId="{8F6FD043-9E57-48DE-B2A7-80F6B63AEF6D}" dt="2024-02-14T11:52:36.580" v="31" actId="1076"/>
+          <ac:picMkLst>
+            <pc:docMk/>
+            <pc:sldMk cId="1009650064" sldId="304"/>
+            <ac:picMk id="4" creationId="{ED582CEB-F2AB-ADF3-2B59-B4AC48033188}"/>
+          </ac:picMkLst>
+        </pc:picChg>
+        <pc:picChg chg="del">
+          <ac:chgData name="Ihor Aleksandrov" userId="c3051032-6b87-4db2-b257-777a0106fbd9" providerId="ADAL" clId="{8F6FD043-9E57-48DE-B2A7-80F6B63AEF6D}" dt="2024-02-14T11:52:27.578" v="28" actId="478"/>
+          <ac:picMkLst>
+            <pc:docMk/>
+            <pc:sldMk cId="1009650064" sldId="304"/>
+            <ac:picMk id="9" creationId="{603A1AF6-B6C2-C696-C330-74612C450468}"/>
+          </ac:picMkLst>
+        </pc:picChg>
+      </pc:sldChg>
+      <pc:sldChg chg="addSp delSp modSp add mod setBg delDesignElem">
+        <pc:chgData name="Ihor Aleksandrov" userId="c3051032-6b87-4db2-b257-777a0106fbd9" providerId="ADAL" clId="{8F6FD043-9E57-48DE-B2A7-80F6B63AEF6D}" dt="2024-02-14T11:57:21.011" v="58" actId="1076"/>
+        <pc:sldMkLst>
+          <pc:docMk/>
+          <pc:sldMk cId="501504550" sldId="305"/>
+        </pc:sldMkLst>
+        <pc:spChg chg="mod">
+          <ac:chgData name="Ihor Aleksandrov" userId="c3051032-6b87-4db2-b257-777a0106fbd9" providerId="ADAL" clId="{8F6FD043-9E57-48DE-B2A7-80F6B63AEF6D}" dt="2024-02-14T11:55:46.461" v="46" actId="26606"/>
+          <ac:spMkLst>
+            <pc:docMk/>
+            <pc:sldMk cId="501504550" sldId="305"/>
+            <ac:spMk id="2" creationId="{53C5D828-9666-E312-B574-9FE965A7D6BE}"/>
+          </ac:spMkLst>
+        </pc:spChg>
+        <pc:spChg chg="mod ord">
+          <ac:chgData name="Ihor Aleksandrov" userId="c3051032-6b87-4db2-b257-777a0106fbd9" providerId="ADAL" clId="{8F6FD043-9E57-48DE-B2A7-80F6B63AEF6D}" dt="2024-02-14T11:55:46.461" v="46" actId="26606"/>
+          <ac:spMkLst>
+            <pc:docMk/>
+            <pc:sldMk cId="501504550" sldId="305"/>
+            <ac:spMk id="3" creationId="{5AA19FA0-A765-8169-03F1-928E3EF7B595}"/>
+          </ac:spMkLst>
+        </pc:spChg>
+        <pc:spChg chg="add mod">
+          <ac:chgData name="Ihor Aleksandrov" userId="c3051032-6b87-4db2-b257-777a0106fbd9" providerId="ADAL" clId="{8F6FD043-9E57-48DE-B2A7-80F6B63AEF6D}" dt="2024-02-14T11:56:22.361" v="50" actId="1076"/>
+          <ac:spMkLst>
+            <pc:docMk/>
+            <pc:sldMk cId="501504550" sldId="305"/>
+            <ac:spMk id="6" creationId="{170B3F8A-BA99-F041-C0AA-833F1E4C6781}"/>
+          </ac:spMkLst>
+        </pc:spChg>
+        <pc:spChg chg="add mod">
+          <ac:chgData name="Ihor Aleksandrov" userId="c3051032-6b87-4db2-b257-777a0106fbd9" providerId="ADAL" clId="{8F6FD043-9E57-48DE-B2A7-80F6B63AEF6D}" dt="2024-02-14T11:56:37.205" v="54" actId="1076"/>
+          <ac:spMkLst>
+            <pc:docMk/>
+            <pc:sldMk cId="501504550" sldId="305"/>
+            <ac:spMk id="8" creationId="{0CC837E2-08C2-754A-98D2-87800D0A28F7}"/>
+          </ac:spMkLst>
+        </pc:spChg>
+        <pc:spChg chg="add">
+          <ac:chgData name="Ihor Aleksandrov" userId="c3051032-6b87-4db2-b257-777a0106fbd9" providerId="ADAL" clId="{8F6FD043-9E57-48DE-B2A7-80F6B63AEF6D}" dt="2024-02-14T11:55:46.461" v="46" actId="26606"/>
+          <ac:spMkLst>
+            <pc:docMk/>
+            <pc:sldMk cId="501504550" sldId="305"/>
+            <ac:spMk id="10" creationId="{D4771268-CB57-404A-9271-370EB28F6090}"/>
+          </ac:spMkLst>
+        </pc:spChg>
+        <pc:spChg chg="add mod">
+          <ac:chgData name="Ihor Aleksandrov" userId="c3051032-6b87-4db2-b257-777a0106fbd9" providerId="ADAL" clId="{8F6FD043-9E57-48DE-B2A7-80F6B63AEF6D}" dt="2024-02-14T11:57:21.011" v="58" actId="1076"/>
+          <ac:spMkLst>
+            <pc:docMk/>
+            <pc:sldMk cId="501504550" sldId="305"/>
+            <ac:spMk id="11" creationId="{43143286-4C19-13E9-2EEB-116D6F1CACAD}"/>
+          </ac:spMkLst>
+        </pc:spChg>
+        <pc:spChg chg="del">
+          <ac:chgData name="Ihor Aleksandrov" userId="c3051032-6b87-4db2-b257-777a0106fbd9" providerId="ADAL" clId="{8F6FD043-9E57-48DE-B2A7-80F6B63AEF6D}" dt="2024-02-14T11:55:42.740" v="45"/>
+          <ac:spMkLst>
+            <pc:docMk/>
+            <pc:sldMk cId="501504550" sldId="305"/>
+            <ac:spMk id="24" creationId="{D4771268-CB57-404A-9271-370EB28F6090}"/>
+          </ac:spMkLst>
+        </pc:spChg>
+        <pc:picChg chg="mod">
+          <ac:chgData name="Ihor Aleksandrov" userId="c3051032-6b87-4db2-b257-777a0106fbd9" providerId="ADAL" clId="{8F6FD043-9E57-48DE-B2A7-80F6B63AEF6D}" dt="2024-02-14T11:55:51.866" v="48" actId="1076"/>
+          <ac:picMkLst>
+            <pc:docMk/>
+            <pc:sldMk cId="501504550" sldId="305"/>
+            <ac:picMk id="5" creationId="{A4BAF5CA-0209-DB06-5D5D-B311881DE819}"/>
+          </ac:picMkLst>
+        </pc:picChg>
+      </pc:sldChg>
+      <pc:sldChg chg="del">
+        <pc:chgData name="Ihor Aleksandrov" userId="c3051032-6b87-4db2-b257-777a0106fbd9" providerId="ADAL" clId="{8F6FD043-9E57-48DE-B2A7-80F6B63AEF6D}" dt="2024-02-14T11:49:22.097" v="22" actId="47"/>
+        <pc:sldMkLst>
+          <pc:docMk/>
+          <pc:sldMk cId="2863503325" sldId="305"/>
+        </pc:sldMkLst>
+      </pc:sldChg>
+      <pc:sldChg chg="addSp delSp modSp add mod setBg delDesignElem">
+        <pc:chgData name="Ihor Aleksandrov" userId="c3051032-6b87-4db2-b257-777a0106fbd9" providerId="ADAL" clId="{8F6FD043-9E57-48DE-B2A7-80F6B63AEF6D}" dt="2024-02-14T12:02:17.223" v="78" actId="1076"/>
+        <pc:sldMkLst>
+          <pc:docMk/>
+          <pc:sldMk cId="1715258557" sldId="306"/>
+        </pc:sldMkLst>
+        <pc:spChg chg="mod">
+          <ac:chgData name="Ihor Aleksandrov" userId="c3051032-6b87-4db2-b257-777a0106fbd9" providerId="ADAL" clId="{8F6FD043-9E57-48DE-B2A7-80F6B63AEF6D}" dt="2024-02-14T12:00:30.399" v="61" actId="26606"/>
+          <ac:spMkLst>
+            <pc:docMk/>
+            <pc:sldMk cId="1715258557" sldId="306"/>
+            <ac:spMk id="2" creationId="{53C5D828-9666-E312-B574-9FE965A7D6BE}"/>
+          </ac:spMkLst>
+        </pc:spChg>
+        <pc:spChg chg="mod ord">
+          <ac:chgData name="Ihor Aleksandrov" userId="c3051032-6b87-4db2-b257-777a0106fbd9" providerId="ADAL" clId="{8F6FD043-9E57-48DE-B2A7-80F6B63AEF6D}" dt="2024-02-14T12:00:30.399" v="61" actId="26606"/>
+          <ac:spMkLst>
+            <pc:docMk/>
+            <pc:sldMk cId="1715258557" sldId="306"/>
+            <ac:spMk id="3" creationId="{5AA19FA0-A765-8169-03F1-928E3EF7B595}"/>
+          </ac:spMkLst>
+        </pc:spChg>
+        <pc:spChg chg="add mod">
+          <ac:chgData name="Ihor Aleksandrov" userId="c3051032-6b87-4db2-b257-777a0106fbd9" providerId="ADAL" clId="{8F6FD043-9E57-48DE-B2A7-80F6B63AEF6D}" dt="2024-02-14T12:01:59.394" v="74" actId="14100"/>
+          <ac:spMkLst>
+            <pc:docMk/>
+            <pc:sldMk cId="1715258557" sldId="306"/>
+            <ac:spMk id="6" creationId="{DB4F2B8E-D071-D779-12C1-27FE2B9D4F2B}"/>
+          </ac:spMkLst>
+        </pc:spChg>
+        <pc:spChg chg="add mod">
+          <ac:chgData name="Ihor Aleksandrov" userId="c3051032-6b87-4db2-b257-777a0106fbd9" providerId="ADAL" clId="{8F6FD043-9E57-48DE-B2A7-80F6B63AEF6D}" dt="2024-02-14T12:02:17.223" v="78" actId="1076"/>
+          <ac:spMkLst>
+            <pc:docMk/>
+            <pc:sldMk cId="1715258557" sldId="306"/>
+            <ac:spMk id="8" creationId="{E129C229-859D-936C-6B6E-6DF3F0407EBF}"/>
+          </ac:spMkLst>
+        </pc:spChg>
+        <pc:spChg chg="add">
+          <ac:chgData name="Ihor Aleksandrov" userId="c3051032-6b87-4db2-b257-777a0106fbd9" providerId="ADAL" clId="{8F6FD043-9E57-48DE-B2A7-80F6B63AEF6D}" dt="2024-02-14T12:00:30.399" v="61" actId="26606"/>
+          <ac:spMkLst>
+            <pc:docMk/>
+            <pc:sldMk cId="1715258557" sldId="306"/>
+            <ac:spMk id="9" creationId="{D4771268-CB57-404A-9271-370EB28F6090}"/>
+          </ac:spMkLst>
+        </pc:spChg>
+        <pc:spChg chg="del">
+          <ac:chgData name="Ihor Aleksandrov" userId="c3051032-6b87-4db2-b257-777a0106fbd9" providerId="ADAL" clId="{8F6FD043-9E57-48DE-B2A7-80F6B63AEF6D}" dt="2024-02-14T12:00:26.786" v="60"/>
+          <ac:spMkLst>
+            <pc:docMk/>
+            <pc:sldMk cId="1715258557" sldId="306"/>
+            <ac:spMk id="24" creationId="{D4771268-CB57-404A-9271-370EB28F6090}"/>
+          </ac:spMkLst>
+        </pc:spChg>
+        <pc:picChg chg="mod">
+          <ac:chgData name="Ihor Aleksandrov" userId="c3051032-6b87-4db2-b257-777a0106fbd9" providerId="ADAL" clId="{8F6FD043-9E57-48DE-B2A7-80F6B63AEF6D}" dt="2024-02-14T12:00:35.711" v="63" actId="1076"/>
+          <ac:picMkLst>
+            <pc:docMk/>
+            <pc:sldMk cId="1715258557" sldId="306"/>
+            <ac:picMk id="4" creationId="{2A6CB88C-BD1B-4227-7CDB-0FD27BDC3E03}"/>
+          </ac:picMkLst>
+        </pc:picChg>
+      </pc:sldChg>
+      <pc:sldChg chg="modSp mod">
+        <pc:chgData name="Ihor Aleksandrov" userId="c3051032-6b87-4db2-b257-777a0106fbd9" providerId="ADAL" clId="{8F6FD043-9E57-48DE-B2A7-80F6B63AEF6D}" dt="2024-02-14T11:48:12.493" v="0"/>
+        <pc:sldMkLst>
+          <pc:docMk/>
+          <pc:sldMk cId="2052164358" sldId="307"/>
+        </pc:sldMkLst>
+        <pc:spChg chg="mod">
+          <ac:chgData name="Ihor Aleksandrov" userId="c3051032-6b87-4db2-b257-777a0106fbd9" providerId="ADAL" clId="{8F6FD043-9E57-48DE-B2A7-80F6B63AEF6D}" dt="2024-02-14T11:48:12.493" v="0"/>
+          <ac:spMkLst>
+            <pc:docMk/>
+            <pc:sldMk cId="2052164358" sldId="307"/>
+            <ac:spMk id="2" creationId="{5DF8ECE0-DBF5-C309-B35B-C6A0C6C847B2}"/>
+          </ac:spMkLst>
+        </pc:spChg>
+      </pc:sldChg>
+      <pc:sldChg chg="del">
+        <pc:chgData name="Ihor Aleksandrov" userId="c3051032-6b87-4db2-b257-777a0106fbd9" providerId="ADAL" clId="{8F6FD043-9E57-48DE-B2A7-80F6B63AEF6D}" dt="2024-02-14T11:49:22.097" v="22" actId="47"/>
+        <pc:sldMkLst>
+          <pc:docMk/>
+          <pc:sldMk cId="969913822" sldId="309"/>
+        </pc:sldMkLst>
+      </pc:sldChg>
+      <pc:sldChg chg="addSp delSp modSp add mod setBg delDesignElem">
+        <pc:chgData name="Ihor Aleksandrov" userId="c3051032-6b87-4db2-b257-777a0106fbd9" providerId="ADAL" clId="{8F6FD043-9E57-48DE-B2A7-80F6B63AEF6D}" dt="2024-02-14T12:04:42.699" v="85" actId="1076"/>
+        <pc:sldMkLst>
+          <pc:docMk/>
+          <pc:sldMk cId="1191709969" sldId="309"/>
+        </pc:sldMkLst>
+        <pc:spChg chg="mod">
+          <ac:chgData name="Ihor Aleksandrov" userId="c3051032-6b87-4db2-b257-777a0106fbd9" providerId="ADAL" clId="{8F6FD043-9E57-48DE-B2A7-80F6B63AEF6D}" dt="2024-02-14T12:04:09.519" v="81" actId="26606"/>
+          <ac:spMkLst>
+            <pc:docMk/>
+            <pc:sldMk cId="1191709969" sldId="309"/>
+            <ac:spMk id="2" creationId="{53C5D828-9666-E312-B574-9FE965A7D6BE}"/>
+          </ac:spMkLst>
+        </pc:spChg>
+        <pc:spChg chg="mod ord">
+          <ac:chgData name="Ihor Aleksandrov" userId="c3051032-6b87-4db2-b257-777a0106fbd9" providerId="ADAL" clId="{8F6FD043-9E57-48DE-B2A7-80F6B63AEF6D}" dt="2024-02-14T12:04:09.519" v="81" actId="26606"/>
+          <ac:spMkLst>
+            <pc:docMk/>
+            <pc:sldMk cId="1191709969" sldId="309"/>
+            <ac:spMk id="3" creationId="{5AA19FA0-A765-8169-03F1-928E3EF7B595}"/>
+          </ac:spMkLst>
+        </pc:spChg>
+        <pc:spChg chg="add mod">
+          <ac:chgData name="Ihor Aleksandrov" userId="c3051032-6b87-4db2-b257-777a0106fbd9" providerId="ADAL" clId="{8F6FD043-9E57-48DE-B2A7-80F6B63AEF6D}" dt="2024-02-14T12:04:42.699" v="85" actId="1076"/>
+          <ac:spMkLst>
+            <pc:docMk/>
+            <pc:sldMk cId="1191709969" sldId="309"/>
+            <ac:spMk id="6" creationId="{72447943-B61B-559C-9492-74C6445EB0C7}"/>
+          </ac:spMkLst>
+        </pc:spChg>
+        <pc:spChg chg="add">
+          <ac:chgData name="Ihor Aleksandrov" userId="c3051032-6b87-4db2-b257-777a0106fbd9" providerId="ADAL" clId="{8F6FD043-9E57-48DE-B2A7-80F6B63AEF6D}" dt="2024-02-14T12:04:09.519" v="81" actId="26606"/>
+          <ac:spMkLst>
+            <pc:docMk/>
+            <pc:sldMk cId="1191709969" sldId="309"/>
+            <ac:spMk id="10" creationId="{D4771268-CB57-404A-9271-370EB28F6090}"/>
+          </ac:spMkLst>
+        </pc:spChg>
+        <pc:spChg chg="del">
+          <ac:chgData name="Ihor Aleksandrov" userId="c3051032-6b87-4db2-b257-777a0106fbd9" providerId="ADAL" clId="{8F6FD043-9E57-48DE-B2A7-80F6B63AEF6D}" dt="2024-02-14T12:04:05.552" v="80"/>
+          <ac:spMkLst>
+            <pc:docMk/>
+            <pc:sldMk cId="1191709969" sldId="309"/>
+            <ac:spMk id="24" creationId="{D4771268-CB57-404A-9271-370EB28F6090}"/>
+          </ac:spMkLst>
+        </pc:spChg>
+        <pc:picChg chg="mod">
+          <ac:chgData name="Ihor Aleksandrov" userId="c3051032-6b87-4db2-b257-777a0106fbd9" providerId="ADAL" clId="{8F6FD043-9E57-48DE-B2A7-80F6B63AEF6D}" dt="2024-02-14T12:04:16.093" v="83" actId="1076"/>
+          <ac:picMkLst>
+            <pc:docMk/>
+            <pc:sldMk cId="1191709969" sldId="309"/>
+            <ac:picMk id="5" creationId="{0FAED572-EA77-9F92-AAE0-98DD8CFA7D98}"/>
+          </ac:picMkLst>
+        </pc:picChg>
+      </pc:sldChg>
+      <pc:sldChg chg="del">
+        <pc:chgData name="Ihor Aleksandrov" userId="c3051032-6b87-4db2-b257-777a0106fbd9" providerId="ADAL" clId="{8F6FD043-9E57-48DE-B2A7-80F6B63AEF6D}" dt="2024-02-14T11:49:22.097" v="22" actId="47"/>
+        <pc:sldMkLst>
+          <pc:docMk/>
+          <pc:sldMk cId="2086980310" sldId="310"/>
+        </pc:sldMkLst>
+      </pc:sldChg>
+      <pc:sldChg chg="addSp delSp modSp add mod setBg delDesignElem">
+        <pc:chgData name="Ihor Aleksandrov" userId="c3051032-6b87-4db2-b257-777a0106fbd9" providerId="ADAL" clId="{8F6FD043-9E57-48DE-B2A7-80F6B63AEF6D}" dt="2024-02-14T15:57:51.529" v="226" actId="20577"/>
+        <pc:sldMkLst>
+          <pc:docMk/>
+          <pc:sldMk cId="2568485995" sldId="310"/>
+        </pc:sldMkLst>
+        <pc:spChg chg="mod">
+          <ac:chgData name="Ihor Aleksandrov" userId="c3051032-6b87-4db2-b257-777a0106fbd9" providerId="ADAL" clId="{8F6FD043-9E57-48DE-B2A7-80F6B63AEF6D}" dt="2024-02-14T15:57:51.529" v="226" actId="20577"/>
+          <ac:spMkLst>
+            <pc:docMk/>
+            <pc:sldMk cId="2568485995" sldId="310"/>
+            <ac:spMk id="2" creationId="{53C5D828-9666-E312-B574-9FE965A7D6BE}"/>
+          </ac:spMkLst>
+        </pc:spChg>
+        <pc:spChg chg="mod ord">
+          <ac:chgData name="Ihor Aleksandrov" userId="c3051032-6b87-4db2-b257-777a0106fbd9" providerId="ADAL" clId="{8F6FD043-9E57-48DE-B2A7-80F6B63AEF6D}" dt="2024-02-14T12:34:18.950" v="121" actId="26606"/>
+          <ac:spMkLst>
+            <pc:docMk/>
+            <pc:sldMk cId="2568485995" sldId="310"/>
+            <ac:spMk id="3" creationId="{5AA19FA0-A765-8169-03F1-928E3EF7B595}"/>
+          </ac:spMkLst>
+        </pc:spChg>
+        <pc:spChg chg="add mod">
+          <ac:chgData name="Ihor Aleksandrov" userId="c3051032-6b87-4db2-b257-777a0106fbd9" providerId="ADAL" clId="{8F6FD043-9E57-48DE-B2A7-80F6B63AEF6D}" dt="2024-02-14T12:34:54.374" v="126" actId="1076"/>
+          <ac:spMkLst>
+            <pc:docMk/>
+            <pc:sldMk cId="2568485995" sldId="310"/>
+            <ac:spMk id="5" creationId="{FEBBD79B-A095-832C-B1DB-D8C81F3063E2}"/>
+          </ac:spMkLst>
+        </pc:spChg>
+        <pc:spChg chg="add">
+          <ac:chgData name="Ihor Aleksandrov" userId="c3051032-6b87-4db2-b257-777a0106fbd9" providerId="ADAL" clId="{8F6FD043-9E57-48DE-B2A7-80F6B63AEF6D}" dt="2024-02-14T12:34:18.950" v="121" actId="26606"/>
+          <ac:spMkLst>
+            <pc:docMk/>
+            <pc:sldMk cId="2568485995" sldId="310"/>
+            <ac:spMk id="13" creationId="{D4771268-CB57-404A-9271-370EB28F6090}"/>
+          </ac:spMkLst>
+        </pc:spChg>
+        <pc:spChg chg="del">
+          <ac:chgData name="Ihor Aleksandrov" userId="c3051032-6b87-4db2-b257-777a0106fbd9" providerId="ADAL" clId="{8F6FD043-9E57-48DE-B2A7-80F6B63AEF6D}" dt="2024-02-14T12:34:14.509" v="120"/>
+          <ac:spMkLst>
+            <pc:docMk/>
+            <pc:sldMk cId="2568485995" sldId="310"/>
+            <ac:spMk id="24" creationId="{D4771268-CB57-404A-9271-370EB28F6090}"/>
+          </ac:spMkLst>
+        </pc:spChg>
+        <pc:picChg chg="mod">
+          <ac:chgData name="Ihor Aleksandrov" userId="c3051032-6b87-4db2-b257-777a0106fbd9" providerId="ADAL" clId="{8F6FD043-9E57-48DE-B2A7-80F6B63AEF6D}" dt="2024-02-14T12:34:25.876" v="123" actId="1076"/>
+          <ac:picMkLst>
+            <pc:docMk/>
+            <pc:sldMk cId="2568485995" sldId="310"/>
+            <ac:picMk id="8" creationId="{18EEA66F-51A8-AAB7-26A2-677C2D38B45B}"/>
+          </ac:picMkLst>
+        </pc:picChg>
+      </pc:sldChg>
+      <pc:sldChg chg="delSp add del setBg delDesignElem">
+        <pc:chgData name="Ihor Aleksandrov" userId="c3051032-6b87-4db2-b257-777a0106fbd9" providerId="ADAL" clId="{8F6FD043-9E57-48DE-B2A7-80F6B63AEF6D}" dt="2024-02-14T12:08:32.063" v="94" actId="2696"/>
+        <pc:sldMkLst>
+          <pc:docMk/>
+          <pc:sldMk cId="3138402247" sldId="310"/>
+        </pc:sldMkLst>
+        <pc:spChg chg="del">
+          <ac:chgData name="Ihor Aleksandrov" userId="c3051032-6b87-4db2-b257-777a0106fbd9" providerId="ADAL" clId="{8F6FD043-9E57-48DE-B2A7-80F6B63AEF6D}" dt="2024-02-14T12:07:52.103" v="87"/>
+          <ac:spMkLst>
+            <pc:docMk/>
+            <pc:sldMk cId="3138402247" sldId="310"/>
+            <ac:spMk id="24" creationId="{D4771268-CB57-404A-9271-370EB28F6090}"/>
+          </ac:spMkLst>
+        </pc:spChg>
+      </pc:sldChg>
+      <pc:sldChg chg="addSp delSp modSp add mod">
+        <pc:chgData name="Ihor Aleksandrov" userId="c3051032-6b87-4db2-b257-777a0106fbd9" providerId="ADAL" clId="{8F6FD043-9E57-48DE-B2A7-80F6B63AEF6D}" dt="2024-02-14T12:09:22.738" v="100" actId="1076"/>
+        <pc:sldMkLst>
+          <pc:docMk/>
+          <pc:sldMk cId="731065963" sldId="311"/>
+        </pc:sldMkLst>
+        <pc:spChg chg="mod">
+          <ac:chgData name="Ihor Aleksandrov" userId="c3051032-6b87-4db2-b257-777a0106fbd9" providerId="ADAL" clId="{8F6FD043-9E57-48DE-B2A7-80F6B63AEF6D}" dt="2024-02-14T12:08:14.383" v="89"/>
+          <ac:spMkLst>
+            <pc:docMk/>
+            <pc:sldMk cId="731065963" sldId="311"/>
+            <ac:spMk id="2" creationId="{53C5D828-9666-E312-B574-9FE965A7D6BE}"/>
+          </ac:spMkLst>
+        </pc:spChg>
+        <pc:spChg chg="del">
+          <ac:chgData name="Ihor Aleksandrov" userId="c3051032-6b87-4db2-b257-777a0106fbd9" providerId="ADAL" clId="{8F6FD043-9E57-48DE-B2A7-80F6B63AEF6D}" dt="2024-02-14T12:08:35.044" v="95" actId="478"/>
+          <ac:spMkLst>
+            <pc:docMk/>
+            <pc:sldMk cId="731065963" sldId="311"/>
+            <ac:spMk id="6" creationId="{72447943-B61B-559C-9492-74C6445EB0C7}"/>
+          </ac:spMkLst>
+        </pc:spChg>
+        <pc:spChg chg="add mod">
+          <ac:chgData name="Ihor Aleksandrov" userId="c3051032-6b87-4db2-b257-777a0106fbd9" providerId="ADAL" clId="{8F6FD043-9E57-48DE-B2A7-80F6B63AEF6D}" dt="2024-02-14T12:09:02.328" v="98" actId="1076"/>
+          <ac:spMkLst>
+            <pc:docMk/>
+            <pc:sldMk cId="731065963" sldId="311"/>
+            <ac:spMk id="8" creationId="{5F2AD2B8-6B41-46FC-8297-91922909A03C}"/>
+          </ac:spMkLst>
+        </pc:spChg>
+        <pc:spChg chg="add mod">
+          <ac:chgData name="Ihor Aleksandrov" userId="c3051032-6b87-4db2-b257-777a0106fbd9" providerId="ADAL" clId="{8F6FD043-9E57-48DE-B2A7-80F6B63AEF6D}" dt="2024-02-14T12:09:22.738" v="100" actId="1076"/>
+          <ac:spMkLst>
+            <pc:docMk/>
+            <pc:sldMk cId="731065963" sldId="311"/>
+            <ac:spMk id="11" creationId="{0F413AFC-66B0-FD7A-7156-C4673B23539C}"/>
+          </ac:spMkLst>
+        </pc:spChg>
+        <pc:picChg chg="add mod">
+          <ac:chgData name="Ihor Aleksandrov" userId="c3051032-6b87-4db2-b257-777a0106fbd9" providerId="ADAL" clId="{8F6FD043-9E57-48DE-B2A7-80F6B63AEF6D}" dt="2024-02-14T12:08:28.698" v="93" actId="1076"/>
+          <ac:picMkLst>
+            <pc:docMk/>
+            <pc:sldMk cId="731065963" sldId="311"/>
+            <ac:picMk id="4" creationId="{C472D84E-B95C-260C-8BB1-7ED8ED80283E}"/>
+          </ac:picMkLst>
+        </pc:picChg>
+        <pc:picChg chg="del">
+          <ac:chgData name="Ihor Aleksandrov" userId="c3051032-6b87-4db2-b257-777a0106fbd9" providerId="ADAL" clId="{8F6FD043-9E57-48DE-B2A7-80F6B63AEF6D}" dt="2024-02-14T12:08:21.907" v="90" actId="478"/>
+          <ac:picMkLst>
+            <pc:docMk/>
+            <pc:sldMk cId="731065963" sldId="311"/>
+            <ac:picMk id="5" creationId="{0FAED572-EA77-9F92-AAE0-98DD8CFA7D98}"/>
+          </ac:picMkLst>
+        </pc:picChg>
+      </pc:sldChg>
+      <pc:sldChg chg="del">
+        <pc:chgData name="Ihor Aleksandrov" userId="c3051032-6b87-4db2-b257-777a0106fbd9" providerId="ADAL" clId="{8F6FD043-9E57-48DE-B2A7-80F6B63AEF6D}" dt="2024-02-14T11:49:22.097" v="22" actId="47"/>
+        <pc:sldMkLst>
+          <pc:docMk/>
+          <pc:sldMk cId="3247666091" sldId="311"/>
+        </pc:sldMkLst>
+      </pc:sldChg>
+      <pc:sldChg chg="del">
+        <pc:chgData name="Ihor Aleksandrov" userId="c3051032-6b87-4db2-b257-777a0106fbd9" providerId="ADAL" clId="{8F6FD043-9E57-48DE-B2A7-80F6B63AEF6D}" dt="2024-02-14T11:49:22.097" v="22" actId="47"/>
+        <pc:sldMkLst>
+          <pc:docMk/>
+          <pc:sldMk cId="692294431" sldId="312"/>
+        </pc:sldMkLst>
+      </pc:sldChg>
+      <pc:sldChg chg="addSp delSp modSp add mod setBg delDesignElem">
+        <pc:chgData name="Ihor Aleksandrov" userId="c3051032-6b87-4db2-b257-777a0106fbd9" providerId="ADAL" clId="{8F6FD043-9E57-48DE-B2A7-80F6B63AEF6D}" dt="2024-02-14T12:18:29.793" v="118" actId="1076"/>
+        <pc:sldMkLst>
+          <pc:docMk/>
+          <pc:sldMk cId="2749259083" sldId="312"/>
+        </pc:sldMkLst>
+        <pc:spChg chg="mod">
+          <ac:chgData name="Ihor Aleksandrov" userId="c3051032-6b87-4db2-b257-777a0106fbd9" providerId="ADAL" clId="{8F6FD043-9E57-48DE-B2A7-80F6B63AEF6D}" dt="2024-02-14T12:16:15.026" v="103" actId="26606"/>
+          <ac:spMkLst>
+            <pc:docMk/>
+            <pc:sldMk cId="2749259083" sldId="312"/>
+            <ac:spMk id="2" creationId="{53C5D828-9666-E312-B574-9FE965A7D6BE}"/>
+          </ac:spMkLst>
+        </pc:spChg>
+        <pc:spChg chg="mod ord">
+          <ac:chgData name="Ihor Aleksandrov" userId="c3051032-6b87-4db2-b257-777a0106fbd9" providerId="ADAL" clId="{8F6FD043-9E57-48DE-B2A7-80F6B63AEF6D}" dt="2024-02-14T12:18:14.483" v="114"/>
+          <ac:spMkLst>
+            <pc:docMk/>
+            <pc:sldMk cId="2749259083" sldId="312"/>
+            <ac:spMk id="3" creationId="{5AA19FA0-A765-8169-03F1-928E3EF7B595}"/>
+          </ac:spMkLst>
+        </pc:spChg>
+        <pc:spChg chg="add mod">
+          <ac:chgData name="Ihor Aleksandrov" userId="c3051032-6b87-4db2-b257-777a0106fbd9" providerId="ADAL" clId="{8F6FD043-9E57-48DE-B2A7-80F6B63AEF6D}" dt="2024-02-14T12:17:07.236" v="107" actId="1076"/>
+          <ac:spMkLst>
+            <pc:docMk/>
+            <pc:sldMk cId="2749259083" sldId="312"/>
+            <ac:spMk id="6" creationId="{C3737C45-9032-93CD-C150-6B3898611AD6}"/>
+          </ac:spMkLst>
+        </pc:spChg>
+        <pc:spChg chg="add mod">
+          <ac:chgData name="Ihor Aleksandrov" userId="c3051032-6b87-4db2-b257-777a0106fbd9" providerId="ADAL" clId="{8F6FD043-9E57-48DE-B2A7-80F6B63AEF6D}" dt="2024-02-14T12:18:07.569" v="112" actId="1076"/>
+          <ac:spMkLst>
+            <pc:docMk/>
+            <pc:sldMk cId="2749259083" sldId="312"/>
+            <ac:spMk id="8" creationId="{EC2EF2C3-E608-0FEB-DC59-A949B16379A3}"/>
+          </ac:spMkLst>
+        </pc:spChg>
+        <pc:spChg chg="add">
+          <ac:chgData name="Ihor Aleksandrov" userId="c3051032-6b87-4db2-b257-777a0106fbd9" providerId="ADAL" clId="{8F6FD043-9E57-48DE-B2A7-80F6B63AEF6D}" dt="2024-02-14T12:16:15.026" v="103" actId="26606"/>
+          <ac:spMkLst>
+            <pc:docMk/>
+            <pc:sldMk cId="2749259083" sldId="312"/>
+            <ac:spMk id="10" creationId="{D4771268-CB57-404A-9271-370EB28F6090}"/>
+          </ac:spMkLst>
+        </pc:spChg>
+        <pc:spChg chg="add mod">
+          <ac:chgData name="Ihor Aleksandrov" userId="c3051032-6b87-4db2-b257-777a0106fbd9" providerId="ADAL" clId="{8F6FD043-9E57-48DE-B2A7-80F6B63AEF6D}" dt="2024-02-14T12:18:29.793" v="118" actId="1076"/>
+          <ac:spMkLst>
+            <pc:docMk/>
+            <pc:sldMk cId="2749259083" sldId="312"/>
+            <ac:spMk id="11" creationId="{F1BC1187-6479-40A2-18FA-662130C993BF}"/>
+          </ac:spMkLst>
+        </pc:spChg>
+        <pc:spChg chg="del">
+          <ac:chgData name="Ihor Aleksandrov" userId="c3051032-6b87-4db2-b257-777a0106fbd9" providerId="ADAL" clId="{8F6FD043-9E57-48DE-B2A7-80F6B63AEF6D}" dt="2024-02-14T12:16:10.956" v="102"/>
+          <ac:spMkLst>
+            <pc:docMk/>
+            <pc:sldMk cId="2749259083" sldId="312"/>
+            <ac:spMk id="24" creationId="{D4771268-CB57-404A-9271-370EB28F6090}"/>
+          </ac:spMkLst>
+        </pc:spChg>
+        <pc:picChg chg="mod">
+          <ac:chgData name="Ihor Aleksandrov" userId="c3051032-6b87-4db2-b257-777a0106fbd9" providerId="ADAL" clId="{8F6FD043-9E57-48DE-B2A7-80F6B63AEF6D}" dt="2024-02-14T12:16:21.204" v="105" actId="1076"/>
+          <ac:picMkLst>
+            <pc:docMk/>
+            <pc:sldMk cId="2749259083" sldId="312"/>
+            <ac:picMk id="5" creationId="{49649CEC-2693-E830-B46E-A31C0B523A06}"/>
+          </ac:picMkLst>
+        </pc:picChg>
+      </pc:sldChg>
+      <pc:sldChg chg="addSp delSp modSp add mod setBg delDesignElem">
+        <pc:chgData name="Ihor Aleksandrov" userId="c3051032-6b87-4db2-b257-777a0106fbd9" providerId="ADAL" clId="{8F6FD043-9E57-48DE-B2A7-80F6B63AEF6D}" dt="2024-02-14T12:36:52.380" v="134" actId="1076"/>
+        <pc:sldMkLst>
+          <pc:docMk/>
+          <pc:sldMk cId="441422193" sldId="313"/>
+        </pc:sldMkLst>
+        <pc:spChg chg="mod">
+          <ac:chgData name="Ihor Aleksandrov" userId="c3051032-6b87-4db2-b257-777a0106fbd9" providerId="ADAL" clId="{8F6FD043-9E57-48DE-B2A7-80F6B63AEF6D}" dt="2024-02-14T12:36:38.024" v="129" actId="26606"/>
+          <ac:spMkLst>
+            <pc:docMk/>
+            <pc:sldMk cId="441422193" sldId="313"/>
+            <ac:spMk id="2" creationId="{53C5D828-9666-E312-B574-9FE965A7D6BE}"/>
+          </ac:spMkLst>
+        </pc:spChg>
+        <pc:spChg chg="mod ord">
+          <ac:chgData name="Ihor Aleksandrov" userId="c3051032-6b87-4db2-b257-777a0106fbd9" providerId="ADAL" clId="{8F6FD043-9E57-48DE-B2A7-80F6B63AEF6D}" dt="2024-02-14T12:36:38.024" v="129" actId="26606"/>
+          <ac:spMkLst>
+            <pc:docMk/>
+            <pc:sldMk cId="441422193" sldId="313"/>
+            <ac:spMk id="3" creationId="{5AA19FA0-A765-8169-03F1-928E3EF7B595}"/>
+          </ac:spMkLst>
+        </pc:spChg>
+        <pc:spChg chg="add">
+          <ac:chgData name="Ihor Aleksandrov" userId="c3051032-6b87-4db2-b257-777a0106fbd9" providerId="ADAL" clId="{8F6FD043-9E57-48DE-B2A7-80F6B63AEF6D}" dt="2024-02-14T12:36:38.024" v="129" actId="26606"/>
+          <ac:spMkLst>
+            <pc:docMk/>
+            <pc:sldMk cId="441422193" sldId="313"/>
+            <ac:spMk id="10" creationId="{D4771268-CB57-404A-9271-370EB28F6090}"/>
+          </ac:spMkLst>
+        </pc:spChg>
+        <pc:spChg chg="del">
+          <ac:chgData name="Ihor Aleksandrov" userId="c3051032-6b87-4db2-b257-777a0106fbd9" providerId="ADAL" clId="{8F6FD043-9E57-48DE-B2A7-80F6B63AEF6D}" dt="2024-02-14T12:36:34.711" v="128"/>
+          <ac:spMkLst>
+            <pc:docMk/>
+            <pc:sldMk cId="441422193" sldId="313"/>
+            <ac:spMk id="24" creationId="{D4771268-CB57-404A-9271-370EB28F6090}"/>
+          </ac:spMkLst>
+        </pc:spChg>
+        <pc:picChg chg="mod">
+          <ac:chgData name="Ihor Aleksandrov" userId="c3051032-6b87-4db2-b257-777a0106fbd9" providerId="ADAL" clId="{8F6FD043-9E57-48DE-B2A7-80F6B63AEF6D}" dt="2024-02-14T12:36:52.380" v="134" actId="1076"/>
+          <ac:picMkLst>
+            <pc:docMk/>
+            <pc:sldMk cId="441422193" sldId="313"/>
+            <ac:picMk id="5" creationId="{709B2278-9B6C-AD5A-6295-285C48B14754}"/>
+          </ac:picMkLst>
+        </pc:picChg>
+      </pc:sldChg>
+      <pc:sldChg chg="del">
+        <pc:chgData name="Ihor Aleksandrov" userId="c3051032-6b87-4db2-b257-777a0106fbd9" providerId="ADAL" clId="{8F6FD043-9E57-48DE-B2A7-80F6B63AEF6D}" dt="2024-02-14T11:49:22.097" v="22" actId="47"/>
+        <pc:sldMkLst>
+          <pc:docMk/>
+          <pc:sldMk cId="1982591055" sldId="313"/>
+        </pc:sldMkLst>
+      </pc:sldChg>
+      <pc:sldChg chg="modSp add mod ord">
+        <pc:chgData name="Ihor Aleksandrov" userId="c3051032-6b87-4db2-b257-777a0106fbd9" providerId="ADAL" clId="{8F6FD043-9E57-48DE-B2A7-80F6B63AEF6D}" dt="2024-02-14T15:19:23.352" v="144"/>
+        <pc:sldMkLst>
+          <pc:docMk/>
+          <pc:sldMk cId="400175970" sldId="314"/>
+        </pc:sldMkLst>
+        <pc:spChg chg="mod">
+          <ac:chgData name="Ihor Aleksandrov" userId="c3051032-6b87-4db2-b257-777a0106fbd9" providerId="ADAL" clId="{8F6FD043-9E57-48DE-B2A7-80F6B63AEF6D}" dt="2024-02-14T15:19:18.857" v="142" actId="20577"/>
+          <ac:spMkLst>
+            <pc:docMk/>
+            <pc:sldMk cId="400175970" sldId="314"/>
+            <ac:spMk id="2" creationId="{2C4A1DFF-3C45-F11D-E6A6-19C0306E5E2B}"/>
+          </ac:spMkLst>
+        </pc:spChg>
+      </pc:sldChg>
+      <pc:sldChg chg="del">
+        <pc:chgData name="Ihor Aleksandrov" userId="c3051032-6b87-4db2-b257-777a0106fbd9" providerId="ADAL" clId="{8F6FD043-9E57-48DE-B2A7-80F6B63AEF6D}" dt="2024-02-14T11:49:22.097" v="22" actId="47"/>
+        <pc:sldMkLst>
+          <pc:docMk/>
+          <pc:sldMk cId="3441142325" sldId="314"/>
+        </pc:sldMkLst>
+      </pc:sldChg>
+      <pc:sldChg chg="del">
+        <pc:chgData name="Ihor Aleksandrov" userId="c3051032-6b87-4db2-b257-777a0106fbd9" providerId="ADAL" clId="{8F6FD043-9E57-48DE-B2A7-80F6B63AEF6D}" dt="2024-02-14T11:49:22.097" v="22" actId="47"/>
+        <pc:sldMkLst>
+          <pc:docMk/>
+          <pc:sldMk cId="2194918172" sldId="315"/>
+        </pc:sldMkLst>
+      </pc:sldChg>
+      <pc:sldChg chg="addSp delSp modSp add mod setBg delDesignElem">
+        <pc:chgData name="Ihor Aleksandrov" userId="c3051032-6b87-4db2-b257-777a0106fbd9" providerId="ADAL" clId="{8F6FD043-9E57-48DE-B2A7-80F6B63AEF6D}" dt="2024-02-14T15:27:21.324" v="157" actId="1076"/>
+        <pc:sldMkLst>
+          <pc:docMk/>
+          <pc:sldMk cId="2728358054" sldId="315"/>
+        </pc:sldMkLst>
+        <pc:spChg chg="ord">
+          <ac:chgData name="Ihor Aleksandrov" userId="c3051032-6b87-4db2-b257-777a0106fbd9" providerId="ADAL" clId="{8F6FD043-9E57-48DE-B2A7-80F6B63AEF6D}" dt="2024-02-14T15:26:02.374" v="147" actId="26606"/>
+          <ac:spMkLst>
+            <pc:docMk/>
+            <pc:sldMk cId="2728358054" sldId="315"/>
+            <ac:spMk id="3" creationId="{5AA19FA0-A765-8169-03F1-928E3EF7B595}"/>
+          </ac:spMkLst>
+        </pc:spChg>
+        <pc:spChg chg="add mod">
+          <ac:chgData name="Ihor Aleksandrov" userId="c3051032-6b87-4db2-b257-777a0106fbd9" providerId="ADAL" clId="{8F6FD043-9E57-48DE-B2A7-80F6B63AEF6D}" dt="2024-02-14T15:27:02.262" v="153" actId="1076"/>
+          <ac:spMkLst>
+            <pc:docMk/>
+            <pc:sldMk cId="2728358054" sldId="315"/>
+            <ac:spMk id="6" creationId="{36191EEE-149A-C4ED-D6F0-8FA916759D80}"/>
+          </ac:spMkLst>
+        </pc:spChg>
+        <pc:spChg chg="add mod">
+          <ac:chgData name="Ihor Aleksandrov" userId="c3051032-6b87-4db2-b257-777a0106fbd9" providerId="ADAL" clId="{8F6FD043-9E57-48DE-B2A7-80F6B63AEF6D}" dt="2024-02-14T15:27:21.324" v="157" actId="1076"/>
+          <ac:spMkLst>
+            <pc:docMk/>
+            <pc:sldMk cId="2728358054" sldId="315"/>
+            <ac:spMk id="8" creationId="{8BC01EC4-62BA-E5B4-A978-A071ACEF9C69}"/>
+          </ac:spMkLst>
+        </pc:spChg>
+        <pc:spChg chg="del">
+          <ac:chgData name="Ihor Aleksandrov" userId="c3051032-6b87-4db2-b257-777a0106fbd9" providerId="ADAL" clId="{8F6FD043-9E57-48DE-B2A7-80F6B63AEF6D}" dt="2024-02-14T15:25:59.239" v="146"/>
+          <ac:spMkLst>
+            <pc:docMk/>
+            <pc:sldMk cId="2728358054" sldId="315"/>
+            <ac:spMk id="9" creationId="{D4771268-CB57-404A-9271-370EB28F6090}"/>
+          </ac:spMkLst>
+        </pc:spChg>
+        <pc:spChg chg="add">
+          <ac:chgData name="Ihor Aleksandrov" userId="c3051032-6b87-4db2-b257-777a0106fbd9" providerId="ADAL" clId="{8F6FD043-9E57-48DE-B2A7-80F6B63AEF6D}" dt="2024-02-14T15:26:02.374" v="147" actId="26606"/>
+          <ac:spMkLst>
+            <pc:docMk/>
+            <pc:sldMk cId="2728358054" sldId="315"/>
+            <ac:spMk id="10" creationId="{D4771268-CB57-404A-9271-370EB28F6090}"/>
+          </ac:spMkLst>
+        </pc:spChg>
+        <pc:picChg chg="mod">
+          <ac:chgData name="Ihor Aleksandrov" userId="c3051032-6b87-4db2-b257-777a0106fbd9" providerId="ADAL" clId="{8F6FD043-9E57-48DE-B2A7-80F6B63AEF6D}" dt="2024-02-14T15:26:08.166" v="149" actId="1076"/>
+          <ac:picMkLst>
+            <pc:docMk/>
+            <pc:sldMk cId="2728358054" sldId="315"/>
+            <ac:picMk id="5" creationId="{1B28AA1A-E60F-3632-5A69-475FEC313F4F}"/>
+          </ac:picMkLst>
+        </pc:picChg>
+      </pc:sldChg>
+      <pc:sldChg chg="addSp delSp modSp add mod setBg delDesignElem">
+        <pc:chgData name="Ihor Aleksandrov" userId="c3051032-6b87-4db2-b257-777a0106fbd9" providerId="ADAL" clId="{8F6FD043-9E57-48DE-B2A7-80F6B63AEF6D}" dt="2024-02-14T15:39:28.662" v="175" actId="1076"/>
+        <pc:sldMkLst>
+          <pc:docMk/>
+          <pc:sldMk cId="1133112284" sldId="316"/>
+        </pc:sldMkLst>
+        <pc:spChg chg="mod">
+          <ac:chgData name="Ihor Aleksandrov" userId="c3051032-6b87-4db2-b257-777a0106fbd9" providerId="ADAL" clId="{8F6FD043-9E57-48DE-B2A7-80F6B63AEF6D}" dt="2024-02-14T15:37:45.859" v="160" actId="26606"/>
+          <ac:spMkLst>
+            <pc:docMk/>
+            <pc:sldMk cId="1133112284" sldId="316"/>
+            <ac:spMk id="2" creationId="{53C5D828-9666-E312-B574-9FE965A7D6BE}"/>
+          </ac:spMkLst>
+        </pc:spChg>
+        <pc:spChg chg="mod ord">
+          <ac:chgData name="Ihor Aleksandrov" userId="c3051032-6b87-4db2-b257-777a0106fbd9" providerId="ADAL" clId="{8F6FD043-9E57-48DE-B2A7-80F6B63AEF6D}" dt="2024-02-14T15:37:45.859" v="160" actId="26606"/>
+          <ac:spMkLst>
+            <pc:docMk/>
+            <pc:sldMk cId="1133112284" sldId="316"/>
+            <ac:spMk id="3" creationId="{5AA19FA0-A765-8169-03F1-928E3EF7B595}"/>
+          </ac:spMkLst>
+        </pc:spChg>
+        <pc:spChg chg="add mod">
+          <ac:chgData name="Ihor Aleksandrov" userId="c3051032-6b87-4db2-b257-777a0106fbd9" providerId="ADAL" clId="{8F6FD043-9E57-48DE-B2A7-80F6B63AEF6D}" dt="2024-02-14T15:39:19.371" v="172" actId="1076"/>
+          <ac:spMkLst>
+            <pc:docMk/>
+            <pc:sldMk cId="1133112284" sldId="316"/>
+            <ac:spMk id="8" creationId="{A1B718D4-4D59-EA55-DB27-FF936283B08A}"/>
+          </ac:spMkLst>
+        </pc:spChg>
+        <pc:spChg chg="add mod">
+          <ac:chgData name="Ihor Aleksandrov" userId="c3051032-6b87-4db2-b257-777a0106fbd9" providerId="ADAL" clId="{8F6FD043-9E57-48DE-B2A7-80F6B63AEF6D}" dt="2024-02-14T15:39:28.662" v="175" actId="1076"/>
+          <ac:spMkLst>
+            <pc:docMk/>
+            <pc:sldMk cId="1133112284" sldId="316"/>
+            <ac:spMk id="10" creationId="{0FE08CB5-78FA-500B-A60B-FED0247F775E}"/>
+          </ac:spMkLst>
+        </pc:spChg>
+        <pc:spChg chg="add">
+          <ac:chgData name="Ihor Aleksandrov" userId="c3051032-6b87-4db2-b257-777a0106fbd9" providerId="ADAL" clId="{8F6FD043-9E57-48DE-B2A7-80F6B63AEF6D}" dt="2024-02-14T15:37:45.859" v="160" actId="26606"/>
+          <ac:spMkLst>
+            <pc:docMk/>
+            <pc:sldMk cId="1133112284" sldId="316"/>
+            <ac:spMk id="12" creationId="{D4771268-CB57-404A-9271-370EB28F6090}"/>
+          </ac:spMkLst>
+        </pc:spChg>
+        <pc:spChg chg="del">
+          <ac:chgData name="Ihor Aleksandrov" userId="c3051032-6b87-4db2-b257-777a0106fbd9" providerId="ADAL" clId="{8F6FD043-9E57-48DE-B2A7-80F6B63AEF6D}" dt="2024-02-14T15:37:42.399" v="159"/>
+          <ac:spMkLst>
+            <pc:docMk/>
+            <pc:sldMk cId="1133112284" sldId="316"/>
+            <ac:spMk id="24" creationId="{D4771268-CB57-404A-9271-370EB28F6090}"/>
+          </ac:spMkLst>
+        </pc:spChg>
+        <pc:picChg chg="add mod">
+          <ac:chgData name="Ihor Aleksandrov" userId="c3051032-6b87-4db2-b257-777a0106fbd9" providerId="ADAL" clId="{8F6FD043-9E57-48DE-B2A7-80F6B63AEF6D}" dt="2024-02-14T15:38:50.835" v="166" actId="1076"/>
+          <ac:picMkLst>
+            <pc:docMk/>
+            <pc:sldMk cId="1133112284" sldId="316"/>
+            <ac:picMk id="5" creationId="{5B818909-1650-EF4F-F11C-62CA7A6573BD}"/>
+          </ac:picMkLst>
+        </pc:picChg>
+        <pc:picChg chg="del mod">
+          <ac:chgData name="Ihor Aleksandrov" userId="c3051032-6b87-4db2-b257-777a0106fbd9" providerId="ADAL" clId="{8F6FD043-9E57-48DE-B2A7-80F6B63AEF6D}" dt="2024-02-14T15:38:30.561" v="163" actId="478"/>
+          <ac:picMkLst>
+            <pc:docMk/>
+            <pc:sldMk cId="1133112284" sldId="316"/>
+            <ac:picMk id="7" creationId="{D6A3E092-477E-3EB2-F962-CBFE4BD60457}"/>
+          </ac:picMkLst>
+        </pc:picChg>
+      </pc:sldChg>
+      <pc:sldChg chg="del">
+        <pc:chgData name="Ihor Aleksandrov" userId="c3051032-6b87-4db2-b257-777a0106fbd9" providerId="ADAL" clId="{8F6FD043-9E57-48DE-B2A7-80F6B63AEF6D}" dt="2024-02-14T11:49:22.097" v="22" actId="47"/>
+        <pc:sldMkLst>
+          <pc:docMk/>
+          <pc:sldMk cId="2238873330" sldId="316"/>
+        </pc:sldMkLst>
+      </pc:sldChg>
+      <pc:sldChg chg="addSp delSp modSp add mod setBg delDesignElem">
+        <pc:chgData name="Ihor Aleksandrov" userId="c3051032-6b87-4db2-b257-777a0106fbd9" providerId="ADAL" clId="{8F6FD043-9E57-48DE-B2A7-80F6B63AEF6D}" dt="2024-02-14T15:50:37.636" v="185" actId="1076"/>
+        <pc:sldMkLst>
+          <pc:docMk/>
+          <pc:sldMk cId="862344913" sldId="317"/>
+        </pc:sldMkLst>
+        <pc:spChg chg="mod">
+          <ac:chgData name="Ihor Aleksandrov" userId="c3051032-6b87-4db2-b257-777a0106fbd9" providerId="ADAL" clId="{8F6FD043-9E57-48DE-B2A7-80F6B63AEF6D}" dt="2024-02-14T15:49:15.016" v="178" actId="26606"/>
+          <ac:spMkLst>
+            <pc:docMk/>
+            <pc:sldMk cId="862344913" sldId="317"/>
+            <ac:spMk id="2" creationId="{53C5D828-9666-E312-B574-9FE965A7D6BE}"/>
+          </ac:spMkLst>
+        </pc:spChg>
+        <pc:spChg chg="mod ord">
+          <ac:chgData name="Ihor Aleksandrov" userId="c3051032-6b87-4db2-b257-777a0106fbd9" providerId="ADAL" clId="{8F6FD043-9E57-48DE-B2A7-80F6B63AEF6D}" dt="2024-02-14T15:49:15.016" v="178" actId="26606"/>
+          <ac:spMkLst>
+            <pc:docMk/>
+            <pc:sldMk cId="862344913" sldId="317"/>
+            <ac:spMk id="3" creationId="{5AA19FA0-A765-8169-03F1-928E3EF7B595}"/>
+          </ac:spMkLst>
+        </pc:spChg>
+        <pc:spChg chg="add">
+          <ac:chgData name="Ihor Aleksandrov" userId="c3051032-6b87-4db2-b257-777a0106fbd9" providerId="ADAL" clId="{8F6FD043-9E57-48DE-B2A7-80F6B63AEF6D}" dt="2024-02-14T15:49:15.016" v="178" actId="26606"/>
+          <ac:spMkLst>
+            <pc:docMk/>
+            <pc:sldMk cId="862344913" sldId="317"/>
+            <ac:spMk id="10" creationId="{D4771268-CB57-404A-9271-370EB28F6090}"/>
+          </ac:spMkLst>
+        </pc:spChg>
+        <pc:spChg chg="del">
+          <ac:chgData name="Ihor Aleksandrov" userId="c3051032-6b87-4db2-b257-777a0106fbd9" providerId="ADAL" clId="{8F6FD043-9E57-48DE-B2A7-80F6B63AEF6D}" dt="2024-02-14T15:49:11.818" v="177"/>
+          <ac:spMkLst>
+            <pc:docMk/>
+            <pc:sldMk cId="862344913" sldId="317"/>
+            <ac:spMk id="24" creationId="{D4771268-CB57-404A-9271-370EB28F6090}"/>
+          </ac:spMkLst>
+        </pc:spChg>
+        <pc:picChg chg="mod">
+          <ac:chgData name="Ihor Aleksandrov" userId="c3051032-6b87-4db2-b257-777a0106fbd9" providerId="ADAL" clId="{8F6FD043-9E57-48DE-B2A7-80F6B63AEF6D}" dt="2024-02-14T15:50:37.636" v="185" actId="1076"/>
+          <ac:picMkLst>
+            <pc:docMk/>
+            <pc:sldMk cId="862344913" sldId="317"/>
+            <ac:picMk id="5" creationId="{0F423EE0-1771-105D-CB7E-D0D7194C8FB6}"/>
+          </ac:picMkLst>
+        </pc:picChg>
+      </pc:sldChg>
+      <pc:sldChg chg="del">
+        <pc:chgData name="Ihor Aleksandrov" userId="c3051032-6b87-4db2-b257-777a0106fbd9" providerId="ADAL" clId="{8F6FD043-9E57-48DE-B2A7-80F6B63AEF6D}" dt="2024-02-14T11:49:22.097" v="22" actId="47"/>
+        <pc:sldMkLst>
+          <pc:docMk/>
+          <pc:sldMk cId="3132855739" sldId="317"/>
+        </pc:sldMkLst>
+      </pc:sldChg>
+      <pc:sldChg chg="del">
+        <pc:chgData name="Ihor Aleksandrov" userId="c3051032-6b87-4db2-b257-777a0106fbd9" providerId="ADAL" clId="{8F6FD043-9E57-48DE-B2A7-80F6B63AEF6D}" dt="2024-02-14T11:49:22.097" v="22" actId="47"/>
+        <pc:sldMkLst>
+          <pc:docMk/>
+          <pc:sldMk cId="982419643" sldId="318"/>
+        </pc:sldMkLst>
+      </pc:sldChg>
+      <pc:sldChg chg="delSp add del setBg delDesignElem">
+        <pc:chgData name="Ihor Aleksandrov" userId="c3051032-6b87-4db2-b257-777a0106fbd9" providerId="ADAL" clId="{8F6FD043-9E57-48DE-B2A7-80F6B63AEF6D}" dt="2024-02-14T15:58:04.707" v="227" actId="2696"/>
+        <pc:sldMkLst>
+          <pc:docMk/>
+          <pc:sldMk cId="1527920387" sldId="318"/>
+        </pc:sldMkLst>
+        <pc:spChg chg="del">
+          <ac:chgData name="Ihor Aleksandrov" userId="c3051032-6b87-4db2-b257-777a0106fbd9" providerId="ADAL" clId="{8F6FD043-9E57-48DE-B2A7-80F6B63AEF6D}" dt="2024-02-14T15:53:09.948" v="187"/>
+          <ac:spMkLst>
+            <pc:docMk/>
+            <pc:sldMk cId="1527920387" sldId="318"/>
+            <ac:spMk id="24" creationId="{D4771268-CB57-404A-9271-370EB28F6090}"/>
+          </ac:spMkLst>
+        </pc:spChg>
+      </pc:sldChg>
+      <pc:sldChg chg="addSp delSp modSp add mod setBg delDesignElem">
+        <pc:chgData name="Ihor Aleksandrov" userId="c3051032-6b87-4db2-b257-777a0106fbd9" providerId="ADAL" clId="{8F6FD043-9E57-48DE-B2A7-80F6B63AEF6D}" dt="2024-02-15T14:54:25.679" v="261" actId="1076"/>
+        <pc:sldMkLst>
+          <pc:docMk/>
+          <pc:sldMk cId="3282631594" sldId="318"/>
+        </pc:sldMkLst>
+        <pc:spChg chg="mod">
+          <ac:chgData name="Ihor Aleksandrov" userId="c3051032-6b87-4db2-b257-777a0106fbd9" providerId="ADAL" clId="{8F6FD043-9E57-48DE-B2A7-80F6B63AEF6D}" dt="2024-02-15T14:53:24.658" v="245" actId="26606"/>
+          <ac:spMkLst>
+            <pc:docMk/>
+            <pc:sldMk cId="3282631594" sldId="318"/>
+            <ac:spMk id="2" creationId="{53C5D828-9666-E312-B574-9FE965A7D6BE}"/>
+          </ac:spMkLst>
+        </pc:spChg>
+        <pc:spChg chg="mod ord">
+          <ac:chgData name="Ihor Aleksandrov" userId="c3051032-6b87-4db2-b257-777a0106fbd9" providerId="ADAL" clId="{8F6FD043-9E57-48DE-B2A7-80F6B63AEF6D}" dt="2024-02-15T14:53:24.658" v="245" actId="26606"/>
+          <ac:spMkLst>
+            <pc:docMk/>
+            <pc:sldMk cId="3282631594" sldId="318"/>
+            <ac:spMk id="3" creationId="{5AA19FA0-A765-8169-03F1-928E3EF7B595}"/>
+          </ac:spMkLst>
+        </pc:spChg>
+        <pc:spChg chg="add del mod">
+          <ac:chgData name="Ihor Aleksandrov" userId="c3051032-6b87-4db2-b257-777a0106fbd9" providerId="ADAL" clId="{8F6FD043-9E57-48DE-B2A7-80F6B63AEF6D}" dt="2024-02-15T14:54:04.925" v="256"/>
+          <ac:spMkLst>
+            <pc:docMk/>
+            <pc:sldMk cId="3282631594" sldId="318"/>
+            <ac:spMk id="6" creationId="{94CF99F6-9770-FD02-E8DA-47811E73B872}"/>
+          </ac:spMkLst>
+        </pc:spChg>
+        <pc:spChg chg="add mod">
+          <ac:chgData name="Ihor Aleksandrov" userId="c3051032-6b87-4db2-b257-777a0106fbd9" providerId="ADAL" clId="{8F6FD043-9E57-48DE-B2A7-80F6B63AEF6D}" dt="2024-02-15T14:54:25.679" v="261" actId="1076"/>
+          <ac:spMkLst>
+            <pc:docMk/>
+            <pc:sldMk cId="3282631594" sldId="318"/>
+            <ac:spMk id="7" creationId="{694E2C56-D937-7ACE-6CD1-7AEE6FBFDB0C}"/>
+          </ac:spMkLst>
+        </pc:spChg>
+        <pc:spChg chg="add">
+          <ac:chgData name="Ihor Aleksandrov" userId="c3051032-6b87-4db2-b257-777a0106fbd9" providerId="ADAL" clId="{8F6FD043-9E57-48DE-B2A7-80F6B63AEF6D}" dt="2024-02-15T14:53:24.658" v="245" actId="26606"/>
+          <ac:spMkLst>
+            <pc:docMk/>
+            <pc:sldMk cId="3282631594" sldId="318"/>
+            <ac:spMk id="9" creationId="{D4771268-CB57-404A-9271-370EB28F6090}"/>
+          </ac:spMkLst>
+        </pc:spChg>
+        <pc:spChg chg="del">
+          <ac:chgData name="Ihor Aleksandrov" userId="c3051032-6b87-4db2-b257-777a0106fbd9" providerId="ADAL" clId="{8F6FD043-9E57-48DE-B2A7-80F6B63AEF6D}" dt="2024-02-15T14:53:20.814" v="244"/>
+          <ac:spMkLst>
+            <pc:docMk/>
+            <pc:sldMk cId="3282631594" sldId="318"/>
+            <ac:spMk id="24" creationId="{D4771268-CB57-404A-9271-370EB28F6090}"/>
+          </ac:spMkLst>
+        </pc:spChg>
+        <pc:picChg chg="mod">
+          <ac:chgData name="Ihor Aleksandrov" userId="c3051032-6b87-4db2-b257-777a0106fbd9" providerId="ADAL" clId="{8F6FD043-9E57-48DE-B2A7-80F6B63AEF6D}" dt="2024-02-15T14:53:29.730" v="247" actId="1076"/>
+          <ac:picMkLst>
+            <pc:docMk/>
+            <pc:sldMk cId="3282631594" sldId="318"/>
+            <ac:picMk id="4" creationId="{6D3E54C0-315C-3EE9-A515-ED6335AD7461}"/>
+          </ac:picMkLst>
+        </pc:picChg>
+      </pc:sldChg>
+      <pc:sldChg chg="del">
+        <pc:chgData name="Ihor Aleksandrov" userId="c3051032-6b87-4db2-b257-777a0106fbd9" providerId="ADAL" clId="{8F6FD043-9E57-48DE-B2A7-80F6B63AEF6D}" dt="2024-02-14T11:49:22.097" v="22" actId="47"/>
+        <pc:sldMkLst>
+          <pc:docMk/>
+          <pc:sldMk cId="386669968" sldId="319"/>
+        </pc:sldMkLst>
+      </pc:sldChg>
+      <pc:sldChg chg="addSp delSp modSp add mod">
+        <pc:chgData name="Ihor Aleksandrov" userId="c3051032-6b87-4db2-b257-777a0106fbd9" providerId="ADAL" clId="{8F6FD043-9E57-48DE-B2A7-80F6B63AEF6D}" dt="2024-02-14T15:57:10.096" v="218" actId="1076"/>
+        <pc:sldMkLst>
+          <pc:docMk/>
+          <pc:sldMk cId="4279452852" sldId="319"/>
+        </pc:sldMkLst>
+        <pc:spChg chg="mod">
+          <ac:chgData name="Ihor Aleksandrov" userId="c3051032-6b87-4db2-b257-777a0106fbd9" providerId="ADAL" clId="{8F6FD043-9E57-48DE-B2A7-80F6B63AEF6D}" dt="2024-02-14T15:54:13.065" v="203" actId="20577"/>
+          <ac:spMkLst>
+            <pc:docMk/>
+            <pc:sldMk cId="4279452852" sldId="319"/>
+            <ac:spMk id="2" creationId="{53C5D828-9666-E312-B574-9FE965A7D6BE}"/>
+          </ac:spMkLst>
+        </pc:spChg>
+        <pc:spChg chg="add mod">
+          <ac:chgData name="Ihor Aleksandrov" userId="c3051032-6b87-4db2-b257-777a0106fbd9" providerId="ADAL" clId="{8F6FD043-9E57-48DE-B2A7-80F6B63AEF6D}" dt="2024-02-14T15:56:49.048" v="214" actId="1076"/>
+          <ac:spMkLst>
+            <pc:docMk/>
+            <pc:sldMk cId="4279452852" sldId="319"/>
+            <ac:spMk id="8" creationId="{9918CCAF-750B-92FC-B698-0E42305F0653}"/>
+          </ac:spMkLst>
+        </pc:spChg>
+        <pc:spChg chg="add mod">
+          <ac:chgData name="Ihor Aleksandrov" userId="c3051032-6b87-4db2-b257-777a0106fbd9" providerId="ADAL" clId="{8F6FD043-9E57-48DE-B2A7-80F6B63AEF6D}" dt="2024-02-14T15:57:10.096" v="218" actId="1076"/>
+          <ac:spMkLst>
+            <pc:docMk/>
+            <pc:sldMk cId="4279452852" sldId="319"/>
+            <ac:spMk id="11" creationId="{7C5B172B-7F4A-94AC-B3DE-CCAE270021DE}"/>
+          </ac:spMkLst>
+        </pc:spChg>
+        <pc:picChg chg="add mod">
+          <ac:chgData name="Ihor Aleksandrov" userId="c3051032-6b87-4db2-b257-777a0106fbd9" providerId="ADAL" clId="{8F6FD043-9E57-48DE-B2A7-80F6B63AEF6D}" dt="2024-02-14T15:55:22.854" v="211" actId="1076"/>
+          <ac:picMkLst>
+            <pc:docMk/>
+            <pc:sldMk cId="4279452852" sldId="319"/>
+            <ac:picMk id="4" creationId="{C6146403-9F8D-F57E-0368-682BAF2310CA}"/>
+          </ac:picMkLst>
+        </pc:picChg>
+        <pc:picChg chg="del">
+          <ac:chgData name="Ihor Aleksandrov" userId="c3051032-6b87-4db2-b257-777a0106fbd9" providerId="ADAL" clId="{8F6FD043-9E57-48DE-B2A7-80F6B63AEF6D}" dt="2024-02-14T15:53:28.245" v="189" actId="478"/>
+          <ac:picMkLst>
+            <pc:docMk/>
+            <pc:sldMk cId="4279452852" sldId="319"/>
+            <ac:picMk id="5" creationId="{0F423EE0-1771-105D-CB7E-D0D7194C8FB6}"/>
+          </ac:picMkLst>
+        </pc:picChg>
+        <pc:picChg chg="add mod">
+          <ac:chgData name="Ihor Aleksandrov" userId="c3051032-6b87-4db2-b257-777a0106fbd9" providerId="ADAL" clId="{8F6FD043-9E57-48DE-B2A7-80F6B63AEF6D}" dt="2024-02-14T15:55:22.854" v="211" actId="1076"/>
+          <ac:picMkLst>
+            <pc:docMk/>
+            <pc:sldMk cId="4279452852" sldId="319"/>
+            <ac:picMk id="6" creationId="{1CB8A5E4-4598-CF9C-ED0C-643F43DD0F0D}"/>
+          </ac:picMkLst>
+        </pc:picChg>
+      </pc:sldChg>
+      <pc:sldChg chg="del">
+        <pc:chgData name="Ihor Aleksandrov" userId="c3051032-6b87-4db2-b257-777a0106fbd9" providerId="ADAL" clId="{8F6FD043-9E57-48DE-B2A7-80F6B63AEF6D}" dt="2024-02-14T11:49:22.097" v="22" actId="47"/>
+        <pc:sldMkLst>
+          <pc:docMk/>
+          <pc:sldMk cId="93702858" sldId="320"/>
+        </pc:sldMkLst>
+      </pc:sldChg>
+      <pc:sldChg chg="addSp delSp modSp add mod setBg delDesignElem">
+        <pc:chgData name="Ihor Aleksandrov" userId="c3051032-6b87-4db2-b257-777a0106fbd9" providerId="ADAL" clId="{8F6FD043-9E57-48DE-B2A7-80F6B63AEF6D}" dt="2024-02-14T16:09:38.908" v="238" actId="1076"/>
+        <pc:sldMkLst>
+          <pc:docMk/>
+          <pc:sldMk cId="2349704742" sldId="320"/>
+        </pc:sldMkLst>
+        <pc:spChg chg="mod">
+          <ac:chgData name="Ihor Aleksandrov" userId="c3051032-6b87-4db2-b257-777a0106fbd9" providerId="ADAL" clId="{8F6FD043-9E57-48DE-B2A7-80F6B63AEF6D}" dt="2024-02-14T16:05:51.012" v="230" actId="26606"/>
+          <ac:spMkLst>
+            <pc:docMk/>
+            <pc:sldMk cId="2349704742" sldId="320"/>
+            <ac:spMk id="2" creationId="{53C5D828-9666-E312-B574-9FE965A7D6BE}"/>
+          </ac:spMkLst>
+        </pc:spChg>
+        <pc:spChg chg="mod ord">
+          <ac:chgData name="Ihor Aleksandrov" userId="c3051032-6b87-4db2-b257-777a0106fbd9" providerId="ADAL" clId="{8F6FD043-9E57-48DE-B2A7-80F6B63AEF6D}" dt="2024-02-14T16:05:51.012" v="230" actId="26606"/>
+          <ac:spMkLst>
+            <pc:docMk/>
+            <pc:sldMk cId="2349704742" sldId="320"/>
+            <ac:spMk id="3" creationId="{5AA19FA0-A765-8169-03F1-928E3EF7B595}"/>
+          </ac:spMkLst>
+        </pc:spChg>
+        <pc:spChg chg="add">
+          <ac:chgData name="Ihor Aleksandrov" userId="c3051032-6b87-4db2-b257-777a0106fbd9" providerId="ADAL" clId="{8F6FD043-9E57-48DE-B2A7-80F6B63AEF6D}" dt="2024-02-14T16:05:51.012" v="230" actId="26606"/>
+          <ac:spMkLst>
+            <pc:docMk/>
+            <pc:sldMk cId="2349704742" sldId="320"/>
+            <ac:spMk id="10" creationId="{D4771268-CB57-404A-9271-370EB28F6090}"/>
+          </ac:spMkLst>
+        </pc:spChg>
+        <pc:spChg chg="del">
+          <ac:chgData name="Ihor Aleksandrov" userId="c3051032-6b87-4db2-b257-777a0106fbd9" providerId="ADAL" clId="{8F6FD043-9E57-48DE-B2A7-80F6B63AEF6D}" dt="2024-02-14T16:05:46.971" v="229"/>
+          <ac:spMkLst>
+            <pc:docMk/>
+            <pc:sldMk cId="2349704742" sldId="320"/>
+            <ac:spMk id="24" creationId="{D4771268-CB57-404A-9271-370EB28F6090}"/>
+          </ac:spMkLst>
+        </pc:spChg>
+        <pc:picChg chg="mod">
+          <ac:chgData name="Ihor Aleksandrov" userId="c3051032-6b87-4db2-b257-777a0106fbd9" providerId="ADAL" clId="{8F6FD043-9E57-48DE-B2A7-80F6B63AEF6D}" dt="2024-02-14T16:09:38.908" v="238" actId="1076"/>
+          <ac:picMkLst>
+            <pc:docMk/>
+            <pc:sldMk cId="2349704742" sldId="320"/>
+            <ac:picMk id="5" creationId="{8EDC4718-98B8-6034-BF50-9E0E916A7B98}"/>
+          </ac:picMkLst>
+        </pc:picChg>
+      </pc:sldChg>
+      <pc:sldChg chg="addSp delSp add del setBg delDesignElem">
+        <pc:chgData name="Ihor Aleksandrov" userId="c3051032-6b87-4db2-b257-777a0106fbd9" providerId="ADAL" clId="{8F6FD043-9E57-48DE-B2A7-80F6B63AEF6D}" dt="2024-02-14T15:55:04.287" v="206"/>
+        <pc:sldMkLst>
+          <pc:docMk/>
+          <pc:sldMk cId="3498016954" sldId="320"/>
+        </pc:sldMkLst>
+        <pc:spChg chg="add del">
+          <ac:chgData name="Ihor Aleksandrov" userId="c3051032-6b87-4db2-b257-777a0106fbd9" providerId="ADAL" clId="{8F6FD043-9E57-48DE-B2A7-80F6B63AEF6D}" dt="2024-02-14T15:55:04.287" v="206"/>
+          <ac:spMkLst>
+            <pc:docMk/>
+            <pc:sldMk cId="3498016954" sldId="320"/>
+            <ac:spMk id="24" creationId="{D4771268-CB57-404A-9271-370EB28F6090}"/>
+          </ac:spMkLst>
+        </pc:spChg>
+      </pc:sldChg>
+      <pc:sldChg chg="del">
+        <pc:chgData name="Ihor Aleksandrov" userId="c3051032-6b87-4db2-b257-777a0106fbd9" providerId="ADAL" clId="{8F6FD043-9E57-48DE-B2A7-80F6B63AEF6D}" dt="2024-02-14T11:49:22.097" v="22" actId="47"/>
+        <pc:sldMkLst>
+          <pc:docMk/>
+          <pc:sldMk cId="1965334728" sldId="321"/>
+        </pc:sldMkLst>
+      </pc:sldChg>
+      <pc:sldChg chg="addSp delSp add del mod setBg delDesignElem">
+        <pc:chgData name="Ihor Aleksandrov" userId="c3051032-6b87-4db2-b257-777a0106fbd9" providerId="ADAL" clId="{8F6FD043-9E57-48DE-B2A7-80F6B63AEF6D}" dt="2024-02-15T15:03:03.787" v="273" actId="2696"/>
+        <pc:sldMkLst>
+          <pc:docMk/>
+          <pc:sldMk cId="2948478876" sldId="321"/>
+        </pc:sldMkLst>
+        <pc:spChg chg="add">
+          <ac:chgData name="Ihor Aleksandrov" userId="c3051032-6b87-4db2-b257-777a0106fbd9" providerId="ADAL" clId="{8F6FD043-9E57-48DE-B2A7-80F6B63AEF6D}" dt="2024-02-15T15:02:47.153" v="266" actId="22"/>
+          <ac:spMkLst>
+            <pc:docMk/>
+            <pc:sldMk cId="2948478876" sldId="321"/>
+            <ac:spMk id="5" creationId="{4C1F12B8-5CBB-FDFA-2D6D-FF7BFF47A12F}"/>
+          </ac:spMkLst>
+        </pc:spChg>
+        <pc:spChg chg="del">
+          <ac:chgData name="Ihor Aleksandrov" userId="c3051032-6b87-4db2-b257-777a0106fbd9" providerId="ADAL" clId="{8F6FD043-9E57-48DE-B2A7-80F6B63AEF6D}" dt="2024-02-15T15:02:27.908" v="263"/>
+          <ac:spMkLst>
+            <pc:docMk/>
+            <pc:sldMk cId="2948478876" sldId="321"/>
+            <ac:spMk id="24" creationId="{D4771268-CB57-404A-9271-370EB28F6090}"/>
+          </ac:spMkLst>
+        </pc:spChg>
+      </pc:sldChg>
+      <pc:sldChg chg="modSp add del mod ord">
+        <pc:chgData name="Ihor Aleksandrov" userId="c3051032-6b87-4db2-b257-777a0106fbd9" providerId="ADAL" clId="{8F6FD043-9E57-48DE-B2A7-80F6B63AEF6D}" dt="2024-02-14T16:09:41.582" v="239" actId="47"/>
+        <pc:sldMkLst>
+          <pc:docMk/>
+          <pc:sldMk cId="3334547954" sldId="321"/>
+        </pc:sldMkLst>
+        <pc:spChg chg="mod">
+          <ac:chgData name="Ihor Aleksandrov" userId="c3051032-6b87-4db2-b257-777a0106fbd9" providerId="ADAL" clId="{8F6FD043-9E57-48DE-B2A7-80F6B63AEF6D}" dt="2024-02-14T16:09:28.986" v="236" actId="6549"/>
+          <ac:spMkLst>
+            <pc:docMk/>
+            <pc:sldMk cId="3334547954" sldId="321"/>
+            <ac:spMk id="2" creationId="{53C5D828-9666-E312-B574-9FE965A7D6BE}"/>
+          </ac:spMkLst>
+        </pc:spChg>
+      </pc:sldChg>
+      <pc:sldChg chg="del">
+        <pc:chgData name="Ihor Aleksandrov" userId="c3051032-6b87-4db2-b257-777a0106fbd9" providerId="ADAL" clId="{8F6FD043-9E57-48DE-B2A7-80F6B63AEF6D}" dt="2024-02-14T11:49:22.097" v="22" actId="47"/>
+        <pc:sldMkLst>
+          <pc:docMk/>
+          <pc:sldMk cId="2438032746" sldId="322"/>
+        </pc:sldMkLst>
+      </pc:sldChg>
+      <pc:sldChg chg="addSp delSp modSp add mod">
+        <pc:chgData name="Ihor Aleksandrov" userId="c3051032-6b87-4db2-b257-777a0106fbd9" providerId="ADAL" clId="{8F6FD043-9E57-48DE-B2A7-80F6B63AEF6D}" dt="2024-02-15T15:07:17.573" v="335" actId="1076"/>
+        <pc:sldMkLst>
+          <pc:docMk/>
+          <pc:sldMk cId="2683824135" sldId="322"/>
+        </pc:sldMkLst>
+        <pc:spChg chg="mod">
+          <ac:chgData name="Ihor Aleksandrov" userId="c3051032-6b87-4db2-b257-777a0106fbd9" providerId="ADAL" clId="{8F6FD043-9E57-48DE-B2A7-80F6B63AEF6D}" dt="2024-02-15T15:05:26.874" v="316" actId="20577"/>
+          <ac:spMkLst>
+            <pc:docMk/>
+            <pc:sldMk cId="2683824135" sldId="322"/>
+            <ac:spMk id="2" creationId="{53C5D828-9666-E312-B574-9FE965A7D6BE}"/>
+          </ac:spMkLst>
+        </pc:spChg>
+        <pc:spChg chg="del">
+          <ac:chgData name="Ihor Aleksandrov" userId="c3051032-6b87-4db2-b257-777a0106fbd9" providerId="ADAL" clId="{8F6FD043-9E57-48DE-B2A7-80F6B63AEF6D}" dt="2024-02-15T15:03:13.034" v="276" actId="478"/>
+          <ac:spMkLst>
+            <pc:docMk/>
+            <pc:sldMk cId="2683824135" sldId="322"/>
+            <ac:spMk id="6" creationId="{94CF99F6-9770-FD02-E8DA-47811E73B872}"/>
+          </ac:spMkLst>
+        </pc:spChg>
+        <pc:spChg chg="del mod">
+          <ac:chgData name="Ihor Aleksandrov" userId="c3051032-6b87-4db2-b257-777a0106fbd9" providerId="ADAL" clId="{8F6FD043-9E57-48DE-B2A7-80F6B63AEF6D}" dt="2024-02-15T15:03:21.679" v="278" actId="478"/>
+          <ac:spMkLst>
+            <pc:docMk/>
+            <pc:sldMk cId="2683824135" sldId="322"/>
+            <ac:spMk id="7" creationId="{694E2C56-D937-7ACE-6CD1-7AEE6FBFDB0C}"/>
+          </ac:spMkLst>
+        </pc:spChg>
+        <pc:spChg chg="add mod">
+          <ac:chgData name="Ihor Aleksandrov" userId="c3051032-6b87-4db2-b257-777a0106fbd9" providerId="ADAL" clId="{8F6FD043-9E57-48DE-B2A7-80F6B63AEF6D}" dt="2024-02-15T15:06:00.780" v="321" actId="1076"/>
+          <ac:spMkLst>
+            <pc:docMk/>
+            <pc:sldMk cId="2683824135" sldId="322"/>
+            <ac:spMk id="10" creationId="{963C1D20-54C0-BECB-8D7C-FA705C83CA5C}"/>
+          </ac:spMkLst>
+        </pc:spChg>
+        <pc:spChg chg="add mod">
+          <ac:chgData name="Ihor Aleksandrov" userId="c3051032-6b87-4db2-b257-777a0106fbd9" providerId="ADAL" clId="{8F6FD043-9E57-48DE-B2A7-80F6B63AEF6D}" dt="2024-02-15T15:06:53.526" v="329" actId="1076"/>
+          <ac:spMkLst>
+            <pc:docMk/>
+            <pc:sldMk cId="2683824135" sldId="322"/>
+            <ac:spMk id="12" creationId="{3F58EEFE-98C4-259E-F3CF-10AA64C31D42}"/>
+          </ac:spMkLst>
+        </pc:spChg>
+        <pc:spChg chg="add mod">
+          <ac:chgData name="Ihor Aleksandrov" userId="c3051032-6b87-4db2-b257-777a0106fbd9" providerId="ADAL" clId="{8F6FD043-9E57-48DE-B2A7-80F6B63AEF6D}" dt="2024-02-15T15:06:56.317" v="330" actId="1076"/>
+          <ac:spMkLst>
+            <pc:docMk/>
+            <pc:sldMk cId="2683824135" sldId="322"/>
+            <ac:spMk id="14" creationId="{DD98D93D-2505-007D-ABF7-A64FB00F5802}"/>
+          </ac:spMkLst>
+        </pc:spChg>
+        <pc:spChg chg="add mod">
+          <ac:chgData name="Ihor Aleksandrov" userId="c3051032-6b87-4db2-b257-777a0106fbd9" providerId="ADAL" clId="{8F6FD043-9E57-48DE-B2A7-80F6B63AEF6D}" dt="2024-02-15T15:07:17.573" v="335" actId="1076"/>
+          <ac:spMkLst>
+            <pc:docMk/>
+            <pc:sldMk cId="2683824135" sldId="322"/>
+            <ac:spMk id="16" creationId="{A472542B-02E6-EBC8-50E7-B9A437C824D7}"/>
+          </ac:spMkLst>
+        </pc:spChg>
+        <pc:picChg chg="del">
+          <ac:chgData name="Ihor Aleksandrov" userId="c3051032-6b87-4db2-b257-777a0106fbd9" providerId="ADAL" clId="{8F6FD043-9E57-48DE-B2A7-80F6B63AEF6D}" dt="2024-02-15T15:02:52.700" v="267" actId="478"/>
+          <ac:picMkLst>
+            <pc:docMk/>
+            <pc:sldMk cId="2683824135" sldId="322"/>
+            <ac:picMk id="4" creationId="{6D3E54C0-315C-3EE9-A515-ED6335AD7461}"/>
+          </ac:picMkLst>
+        </pc:picChg>
+        <pc:picChg chg="add mod">
+          <ac:chgData name="Ihor Aleksandrov" userId="c3051032-6b87-4db2-b257-777a0106fbd9" providerId="ADAL" clId="{8F6FD043-9E57-48DE-B2A7-80F6B63AEF6D}" dt="2024-02-15T15:03:09.796" v="275" actId="1076"/>
+          <ac:picMkLst>
+            <pc:docMk/>
+            <pc:sldMk cId="2683824135" sldId="322"/>
+            <ac:picMk id="5" creationId="{467F776E-737D-B326-32C7-0B16AB37D6D8}"/>
+          </ac:picMkLst>
+        </pc:picChg>
+      </pc:sldChg>
+      <pc:sldChg chg="del">
+        <pc:chgData name="Ihor Aleksandrov" userId="c3051032-6b87-4db2-b257-777a0106fbd9" providerId="ADAL" clId="{8F6FD043-9E57-48DE-B2A7-80F6B63AEF6D}" dt="2024-02-14T11:49:22.097" v="22" actId="47"/>
+        <pc:sldMkLst>
+          <pc:docMk/>
+          <pc:sldMk cId="3430162594" sldId="324"/>
+        </pc:sldMkLst>
+      </pc:sldChg>
+      <pc:sldChg chg="del">
+        <pc:chgData name="Ihor Aleksandrov" userId="c3051032-6b87-4db2-b257-777a0106fbd9" providerId="ADAL" clId="{8F6FD043-9E57-48DE-B2A7-80F6B63AEF6D}" dt="2024-02-14T11:49:22.097" v="22" actId="47"/>
+        <pc:sldMkLst>
+          <pc:docMk/>
+          <pc:sldMk cId="4159126741" sldId="325"/>
+        </pc:sldMkLst>
+      </pc:sldChg>
+      <pc:sldChg chg="del">
+        <pc:chgData name="Ihor Aleksandrov" userId="c3051032-6b87-4db2-b257-777a0106fbd9" providerId="ADAL" clId="{8F6FD043-9E57-48DE-B2A7-80F6B63AEF6D}" dt="2024-02-14T11:49:22.097" v="22" actId="47"/>
+        <pc:sldMkLst>
+          <pc:docMk/>
+          <pc:sldMk cId="3987160844" sldId="326"/>
         </pc:sldMkLst>
       </pc:sldChg>
     </pc:docChg>
@@ -16275,7 +16448,7 @@
           <a:p>
             <a:fld id="{EABA3F4B-EFF6-45E3-A6AB-4944039E81EC}" type="datetimeFigureOut">
               <a:rPr lang="ru-UA" smtClean="0"/>
-              <a:t>14.02.2024</a:t>
+              <a:t>15.02.2024</a:t>
             </a:fld>
             <a:endParaRPr lang="ru-UA"/>
           </a:p>
@@ -16692,7 +16865,7 @@
           <a:p>
             <a:fld id="{D72FA570-C9CD-429B-A57A-3874BC154AEA}" type="datetime1">
               <a:rPr lang="ru-UA" smtClean="0"/>
-              <a:t>14.02.2024</a:t>
+              <a:t>15.02.2024</a:t>
             </a:fld>
             <a:endParaRPr lang="ru-UA"/>
           </a:p>
@@ -16896,7 +17069,7 @@
           <a:p>
             <a:fld id="{2A611770-107C-4925-A9ED-6661E1BF6C87}" type="datetime1">
               <a:rPr lang="ru-UA" smtClean="0"/>
-              <a:t>14.02.2024</a:t>
+              <a:t>15.02.2024</a:t>
             </a:fld>
             <a:endParaRPr lang="ru-UA"/>
           </a:p>
@@ -17110,7 +17283,7 @@
           <a:p>
             <a:fld id="{BEBA4CB6-D625-4020-B5B6-FE46DEDA7475}" type="datetime1">
               <a:rPr lang="ru-UA" smtClean="0"/>
-              <a:t>14.02.2024</a:t>
+              <a:t>15.02.2024</a:t>
             </a:fld>
             <a:endParaRPr lang="ru-UA"/>
           </a:p>
@@ -17314,7 +17487,7 @@
           <a:p>
             <a:fld id="{F84DBCC4-EC44-46F3-A2D1-9A4F16E19F5B}" type="datetime1">
               <a:rPr lang="ru-UA" smtClean="0"/>
-              <a:t>14.02.2024</a:t>
+              <a:t>15.02.2024</a:t>
             </a:fld>
             <a:endParaRPr lang="ru-UA"/>
           </a:p>
@@ -17594,7 +17767,7 @@
           <a:p>
             <a:fld id="{7D2FC5AE-2F9E-4950-A152-019FD8248EF3}" type="datetime1">
               <a:rPr lang="ru-UA" smtClean="0"/>
-              <a:t>14.02.2024</a:t>
+              <a:t>15.02.2024</a:t>
             </a:fld>
             <a:endParaRPr lang="ru-UA"/>
           </a:p>
@@ -17866,7 +18039,7 @@
           <a:p>
             <a:fld id="{E13C87D0-5331-49BD-BEFB-09FE07C281EF}" type="datetime1">
               <a:rPr lang="ru-UA" smtClean="0"/>
-              <a:t>14.02.2024</a:t>
+              <a:t>15.02.2024</a:t>
             </a:fld>
             <a:endParaRPr lang="ru-UA"/>
           </a:p>
@@ -18285,7 +18458,7 @@
           <a:p>
             <a:fld id="{21F7F1B3-3710-4877-91F8-A55C1D74DFDD}" type="datetime1">
               <a:rPr lang="ru-UA" smtClean="0"/>
-              <a:t>14.02.2024</a:t>
+              <a:t>15.02.2024</a:t>
             </a:fld>
             <a:endParaRPr lang="ru-UA"/>
           </a:p>
@@ -18431,7 +18604,7 @@
           <a:p>
             <a:fld id="{89F1BE0E-2608-4AF8-A522-3A077B8290A9}" type="datetime1">
               <a:rPr lang="ru-UA" smtClean="0"/>
-              <a:t>14.02.2024</a:t>
+              <a:t>15.02.2024</a:t>
             </a:fld>
             <a:endParaRPr lang="ru-UA"/>
           </a:p>
@@ -18548,7 +18721,7 @@
           <a:p>
             <a:fld id="{55FDBC3D-E4C0-4022-A74B-1204D0DB5C10}" type="datetime1">
               <a:rPr lang="ru-UA" smtClean="0"/>
-              <a:t>14.02.2024</a:t>
+              <a:t>15.02.2024</a:t>
             </a:fld>
             <a:endParaRPr lang="ru-UA"/>
           </a:p>
@@ -18865,7 +19038,7 @@
           <a:p>
             <a:fld id="{35265364-D51F-473B-886B-13A63E887FE8}" type="datetime1">
               <a:rPr lang="ru-UA" smtClean="0"/>
-              <a:t>14.02.2024</a:t>
+              <a:t>15.02.2024</a:t>
             </a:fld>
             <a:endParaRPr lang="ru-UA"/>
           </a:p>
@@ -19158,7 +19331,7 @@
           <a:p>
             <a:fld id="{FDA1CFE4-EFAC-4A85-AEFB-12CBA3F646F2}" type="datetime1">
               <a:rPr lang="ru-UA" smtClean="0"/>
-              <a:t>14.02.2024</a:t>
+              <a:t>15.02.2024</a:t>
             </a:fld>
             <a:endParaRPr lang="ru-UA"/>
           </a:p>
@@ -19405,7 +19578,7 @@
           <a:p>
             <a:fld id="{78B2EEBA-AFBE-4206-90B6-8AD1FF46EF72}" type="datetime1">
               <a:rPr lang="ru-UA" smtClean="0"/>
-              <a:t>14.02.2024</a:t>
+              <a:t>15.02.2024</a:t>
             </a:fld>
             <a:endParaRPr lang="ru-UA"/>
           </a:p>
@@ -22418,6 +22591,796 @@
     <p:extLst>
       <p:ext uri="{BB962C8B-B14F-4D97-AF65-F5344CB8AC3E}">
         <p14:creationId xmlns:p14="http://schemas.microsoft.com/office/powerpoint/2010/main" val="2349704742"/>
+      </p:ext>
+    </p:extLst>
+  </p:cSld>
+  <p:clrMapOvr>
+    <a:masterClrMapping/>
+  </p:clrMapOvr>
+</p:sld>
+</file>
+
+<file path=ppt/slides/slide18.xml><?xml version="1.0" encoding="utf-8"?>
+<p:sld xmlns:a="http://schemas.openxmlformats.org/drawingml/2006/main" xmlns:r="http://schemas.openxmlformats.org/officeDocument/2006/relationships" xmlns:p="http://schemas.openxmlformats.org/presentationml/2006/main">
+  <p:cSld>
+    <p:bg>
+      <p:bgPr>
+        <a:solidFill>
+          <a:schemeClr val="bg1"/>
+        </a:solidFill>
+        <a:effectLst/>
+      </p:bgPr>
+    </p:bg>
+    <p:spTree>
+      <p:nvGrpSpPr>
+        <p:cNvPr id="1" name=""/>
+        <p:cNvGrpSpPr/>
+        <p:nvPr/>
+      </p:nvGrpSpPr>
+      <p:grpSpPr>
+        <a:xfrm>
+          <a:off x="0" y="0"/>
+          <a:ext cx="0" cy="0"/>
+          <a:chOff x="0" y="0"/>
+          <a:chExt cx="0" cy="0"/>
+        </a:xfrm>
+      </p:grpSpPr>
+      <p:sp>
+        <p:nvSpPr>
+          <p:cNvPr id="9" name="Down Arrow 7">
+            <a:extLst>
+              <a:ext uri="{FF2B5EF4-FFF2-40B4-BE49-F238E27FC236}">
+                <a16:creationId xmlns:a16="http://schemas.microsoft.com/office/drawing/2014/main" id="{D4771268-CB57-404A-9271-370EB28F6090}"/>
+              </a:ext>
+              <a:ext uri="{C183D7F6-B498-43B3-948B-1728B52AA6E4}">
+                <adec:decorative xmlns:adec="http://schemas.microsoft.com/office/drawing/2017/decorative" val="1"/>
+              </a:ext>
+            </a:extLst>
+          </p:cNvPr>
+          <p:cNvSpPr>
+            <a:spLocks noGrp="1" noRot="1" noChangeAspect="1" noMove="1" noResize="1" noEditPoints="1" noAdjustHandles="1" noChangeArrowheads="1" noChangeShapeType="1" noTextEdit="1"/>
+          </p:cNvSpPr>
+          <p:nvPr>
+            <p:extLst>
+              <p:ext uri="{386F3935-93C4-4BCD-93E2-E3B085C9AB24}">
+                <p16:designElem xmlns:p16="http://schemas.microsoft.com/office/powerpoint/2015/main" val="1"/>
+              </p:ext>
+            </p:extLst>
+          </p:nvPr>
+        </p:nvSpPr>
+        <p:spPr>
+          <a:xfrm rot="16200000">
+            <a:off x="800100" y="1491343"/>
+            <a:ext cx="3333749" cy="3499103"/>
+          </a:xfrm>
+          <a:prstGeom prst="downArrow">
+            <a:avLst>
+              <a:gd name="adj1" fmla="val 100000"/>
+              <a:gd name="adj2" fmla="val 15788"/>
+            </a:avLst>
+          </a:prstGeom>
+          <a:solidFill>
+            <a:srgbClr val="404040"/>
+          </a:solidFill>
+          <a:ln w="53975">
+            <a:noFill/>
+          </a:ln>
+        </p:spPr>
+        <p:style>
+          <a:lnRef idx="2">
+            <a:schemeClr val="accent1">
+              <a:shade val="50000"/>
+            </a:schemeClr>
+          </a:lnRef>
+          <a:fillRef idx="1">
+            <a:schemeClr val="accent1"/>
+          </a:fillRef>
+          <a:effectRef idx="0">
+            <a:schemeClr val="accent1"/>
+          </a:effectRef>
+          <a:fontRef idx="minor">
+            <a:schemeClr val="lt1"/>
+          </a:fontRef>
+        </p:style>
+        <p:txBody>
+          <a:bodyPr rtlCol="0" anchor="ctr"/>
+          <a:lstStyle/>
+          <a:p>
+            <a:pPr algn="ctr"/>
+            <a:endParaRPr lang="en-US"/>
+          </a:p>
+        </p:txBody>
+      </p:sp>
+      <p:sp>
+        <p:nvSpPr>
+          <p:cNvPr id="2" name="Title 1">
+            <a:extLst>
+              <a:ext uri="{FF2B5EF4-FFF2-40B4-BE49-F238E27FC236}">
+                <a16:creationId xmlns:a16="http://schemas.microsoft.com/office/drawing/2014/main" id="{53C5D828-9666-E312-B574-9FE965A7D6BE}"/>
+              </a:ext>
+            </a:extLst>
+          </p:cNvPr>
+          <p:cNvSpPr>
+            <a:spLocks noGrp="1"/>
+          </p:cNvSpPr>
+          <p:nvPr>
+            <p:ph type="title"/>
+          </p:nvPr>
+        </p:nvSpPr>
+        <p:spPr>
+          <a:xfrm>
+            <a:off x="1028700" y="1967266"/>
+            <a:ext cx="2628900" cy="2547257"/>
+          </a:xfrm>
+          <a:noFill/>
+        </p:spPr>
+        <p:txBody>
+          <a:bodyPr vert="horz" lIns="91440" tIns="45720" rIns="91440" bIns="45720" rtlCol="0" anchor="ctr">
+            <a:normAutofit/>
+          </a:bodyPr>
+          <a:lstStyle/>
+          <a:p>
+            <a:pPr algn="ctr"/>
+            <a:r>
+              <a:rPr lang="en-US" sz="3600" kern="1200" dirty="0">
+                <a:solidFill>
+                  <a:srgbClr val="FFFFFF"/>
+                </a:solidFill>
+                <a:latin typeface="+mj-lt"/>
+                <a:ea typeface="+mj-ea"/>
+                <a:cs typeface="+mj-cs"/>
+              </a:rPr>
+              <a:t>SSH</a:t>
+            </a:r>
+          </a:p>
+        </p:txBody>
+      </p:sp>
+      <p:pic>
+        <p:nvPicPr>
+          <p:cNvPr id="4" name="Picture 3">
+            <a:extLst>
+              <a:ext uri="{FF2B5EF4-FFF2-40B4-BE49-F238E27FC236}">
+                <a16:creationId xmlns:a16="http://schemas.microsoft.com/office/drawing/2014/main" id="{6D3E54C0-315C-3EE9-A515-ED6335AD7461}"/>
+              </a:ext>
+            </a:extLst>
+          </p:cNvPr>
+          <p:cNvPicPr>
+            <a:picLocks noChangeAspect="1"/>
+          </p:cNvPicPr>
+          <p:nvPr/>
+        </p:nvPicPr>
+        <p:blipFill>
+          <a:blip r:embed="rId2"/>
+          <a:stretch>
+            <a:fillRect/>
+          </a:stretch>
+        </p:blipFill>
+        <p:spPr>
+          <a:xfrm>
+            <a:off x="1244407" y="4928529"/>
+            <a:ext cx="1489948" cy="744974"/>
+          </a:xfrm>
+          <a:prstGeom prst="rect">
+            <a:avLst/>
+          </a:prstGeom>
+        </p:spPr>
+      </p:pic>
+      <p:sp>
+        <p:nvSpPr>
+          <p:cNvPr id="3" name="Footer Placeholder 2">
+            <a:extLst>
+              <a:ext uri="{FF2B5EF4-FFF2-40B4-BE49-F238E27FC236}">
+                <a16:creationId xmlns:a16="http://schemas.microsoft.com/office/drawing/2014/main" id="{5AA19FA0-A765-8169-03F1-928E3EF7B595}"/>
+              </a:ext>
+            </a:extLst>
+          </p:cNvPr>
+          <p:cNvSpPr>
+            <a:spLocks noGrp="1"/>
+          </p:cNvSpPr>
+          <p:nvPr>
+            <p:ph type="ftr" sz="quarter" idx="11"/>
+          </p:nvPr>
+        </p:nvSpPr>
+        <p:spPr>
+          <a:xfrm>
+            <a:off x="1028700" y="6356350"/>
+            <a:ext cx="6210300" cy="365125"/>
+          </a:xfrm>
+        </p:spPr>
+        <p:txBody>
+          <a:bodyPr vert="horz" lIns="91440" tIns="45720" rIns="91440" bIns="45720" rtlCol="0" anchor="ctr">
+            <a:normAutofit/>
+          </a:bodyPr>
+          <a:lstStyle/>
+          <a:p>
+            <a:pPr algn="l">
+              <a:spcAft>
+                <a:spcPts val="600"/>
+              </a:spcAft>
+            </a:pPr>
+            <a:r>
+              <a:rPr lang="en-US" kern="1200">
+                <a:solidFill>
+                  <a:schemeClr val="tx1">
+                    <a:alpha val="80000"/>
+                  </a:schemeClr>
+                </a:solidFill>
+                <a:latin typeface="+mn-lt"/>
+                <a:ea typeface="+mn-ea"/>
+                <a:cs typeface="+mn-cs"/>
+              </a:rPr>
+              <a:t>Step 9. OS Administer - ver. 1</a:t>
+            </a:r>
+          </a:p>
+        </p:txBody>
+      </p:sp>
+      <p:sp>
+        <p:nvSpPr>
+          <p:cNvPr id="6" name="TextBox 5">
+            <a:extLst>
+              <a:ext uri="{FF2B5EF4-FFF2-40B4-BE49-F238E27FC236}">
+                <a16:creationId xmlns:a16="http://schemas.microsoft.com/office/drawing/2014/main" id="{94CF99F6-9770-FD02-E8DA-47811E73B872}"/>
+              </a:ext>
+            </a:extLst>
+          </p:cNvPr>
+          <p:cNvSpPr txBox="1"/>
+          <p:nvPr/>
+        </p:nvSpPr>
+        <p:spPr>
+          <a:xfrm>
+            <a:off x="4304662" y="1028343"/>
+            <a:ext cx="7341628" cy="4801314"/>
+          </a:xfrm>
+          <a:prstGeom prst="rect">
+            <a:avLst/>
+          </a:prstGeom>
+          <a:noFill/>
+        </p:spPr>
+        <p:txBody>
+          <a:bodyPr wrap="square">
+            <a:spAutoFit/>
+          </a:bodyPr>
+          <a:lstStyle/>
+          <a:p>
+            <a:r>
+              <a:rPr lang="en-US"/>
+              <a:t>The SSH(Secure Shell) is an access credential that is used in the SSH Protocol. In other words, it is a cryptographic network protocol that is used for transferring encrypted data over the network. The port number of SSH is 22(Twenty-Two). It allows you to connect to a server, or multiple servers, without having to remember or enter your password for each system that is to log remotely from one system to another. It always comes in key pairs:</a:t>
+            </a:r>
+          </a:p>
+          <a:p>
+            <a:endParaRPr lang="en-US"/>
+          </a:p>
+          <a:p>
+            <a:r>
+              <a:rPr lang="en-US"/>
+              <a:t>    Public key – Everyone can see it, no need to protect it. (for encryption function).</a:t>
+            </a:r>
+          </a:p>
+          <a:p>
+            <a:r>
+              <a:rPr lang="en-US"/>
+              <a:t>    Private key – Stays in computer, must be protected. (for decryption function).</a:t>
+            </a:r>
+          </a:p>
+          <a:p>
+            <a:endParaRPr lang="en-US"/>
+          </a:p>
+          <a:p>
+            <a:r>
+              <a:rPr lang="en-US"/>
+              <a:t>Key pairs can be of the following types:</a:t>
+            </a:r>
+          </a:p>
+          <a:p>
+            <a:endParaRPr lang="en-US"/>
+          </a:p>
+          <a:p>
+            <a:r>
+              <a:rPr lang="en-US"/>
+              <a:t>    User Key – If the public key and private key remain with the user.</a:t>
+            </a:r>
+          </a:p>
+          <a:p>
+            <a:r>
+              <a:rPr lang="en-US"/>
+              <a:t>    Host Key – If public key and private key are on a remote system.</a:t>
+            </a:r>
+          </a:p>
+          <a:p>
+            <a:r>
+              <a:rPr lang="en-US"/>
+              <a:t>    Session key – Used when a large amount of data is to be transmitted.</a:t>
+            </a:r>
+            <a:endParaRPr lang="ru-UA" dirty="0"/>
+          </a:p>
+        </p:txBody>
+      </p:sp>
+      <p:sp>
+        <p:nvSpPr>
+          <p:cNvPr id="7" name="TextBox 6">
+            <a:extLst>
+              <a:ext uri="{FF2B5EF4-FFF2-40B4-BE49-F238E27FC236}">
+                <a16:creationId xmlns:a16="http://schemas.microsoft.com/office/drawing/2014/main" id="{694E2C56-D937-7ACE-6CD1-7AEE6FBFDB0C}"/>
+              </a:ext>
+            </a:extLst>
+          </p:cNvPr>
+          <p:cNvSpPr txBox="1"/>
+          <p:nvPr/>
+        </p:nvSpPr>
+        <p:spPr>
+          <a:xfrm>
+            <a:off x="4216526" y="6048535"/>
+            <a:ext cx="4649932" cy="276999"/>
+          </a:xfrm>
+          <a:prstGeom prst="rect">
+            <a:avLst/>
+          </a:prstGeom>
+          <a:noFill/>
+        </p:spPr>
+        <p:txBody>
+          <a:bodyPr wrap="square">
+            <a:spAutoFit/>
+          </a:bodyPr>
+          <a:lstStyle/>
+          <a:p>
+            <a:r>
+              <a:rPr lang="en-US" sz="1200" dirty="0"/>
+              <a:t>https://www.geeksforgeeks.org/introduction-to-sshsecure-shell-keys/</a:t>
+            </a:r>
+            <a:endParaRPr lang="ru-UA" sz="1200" dirty="0"/>
+          </a:p>
+        </p:txBody>
+      </p:sp>
+    </p:spTree>
+    <p:extLst>
+      <p:ext uri="{BB962C8B-B14F-4D97-AF65-F5344CB8AC3E}">
+        <p14:creationId xmlns:p14="http://schemas.microsoft.com/office/powerpoint/2010/main" val="3282631594"/>
+      </p:ext>
+    </p:extLst>
+  </p:cSld>
+  <p:clrMapOvr>
+    <a:masterClrMapping/>
+  </p:clrMapOvr>
+</p:sld>
+</file>
+
+<file path=ppt/slides/slide19.xml><?xml version="1.0" encoding="utf-8"?>
+<p:sld xmlns:a="http://schemas.openxmlformats.org/drawingml/2006/main" xmlns:r="http://schemas.openxmlformats.org/officeDocument/2006/relationships" xmlns:p="http://schemas.openxmlformats.org/presentationml/2006/main">
+  <p:cSld>
+    <p:bg>
+      <p:bgPr>
+        <a:solidFill>
+          <a:schemeClr val="bg1"/>
+        </a:solidFill>
+        <a:effectLst/>
+      </p:bgPr>
+    </p:bg>
+    <p:spTree>
+      <p:nvGrpSpPr>
+        <p:cNvPr id="1" name=""/>
+        <p:cNvGrpSpPr/>
+        <p:nvPr/>
+      </p:nvGrpSpPr>
+      <p:grpSpPr>
+        <a:xfrm>
+          <a:off x="0" y="0"/>
+          <a:ext cx="0" cy="0"/>
+          <a:chOff x="0" y="0"/>
+          <a:chExt cx="0" cy="0"/>
+        </a:xfrm>
+      </p:grpSpPr>
+      <p:sp>
+        <p:nvSpPr>
+          <p:cNvPr id="9" name="Down Arrow 7">
+            <a:extLst>
+              <a:ext uri="{FF2B5EF4-FFF2-40B4-BE49-F238E27FC236}">
+                <a16:creationId xmlns:a16="http://schemas.microsoft.com/office/drawing/2014/main" id="{D4771268-CB57-404A-9271-370EB28F6090}"/>
+              </a:ext>
+              <a:ext uri="{C183D7F6-B498-43B3-948B-1728B52AA6E4}">
+                <adec:decorative xmlns:adec="http://schemas.microsoft.com/office/drawing/2017/decorative" val="1"/>
+              </a:ext>
+            </a:extLst>
+          </p:cNvPr>
+          <p:cNvSpPr>
+            <a:spLocks noGrp="1" noRot="1" noChangeAspect="1" noMove="1" noResize="1" noEditPoints="1" noAdjustHandles="1" noChangeArrowheads="1" noChangeShapeType="1" noTextEdit="1"/>
+          </p:cNvSpPr>
+          <p:nvPr>
+            <p:extLst>
+              <p:ext uri="{386F3935-93C4-4BCD-93E2-E3B085C9AB24}">
+                <p16:designElem xmlns:p16="http://schemas.microsoft.com/office/powerpoint/2015/main" val="1"/>
+              </p:ext>
+            </p:extLst>
+          </p:nvPr>
+        </p:nvSpPr>
+        <p:spPr>
+          <a:xfrm rot="16200000">
+            <a:off x="800100" y="1491343"/>
+            <a:ext cx="3333749" cy="3499103"/>
+          </a:xfrm>
+          <a:prstGeom prst="downArrow">
+            <a:avLst>
+              <a:gd name="adj1" fmla="val 100000"/>
+              <a:gd name="adj2" fmla="val 15788"/>
+            </a:avLst>
+          </a:prstGeom>
+          <a:solidFill>
+            <a:srgbClr val="404040"/>
+          </a:solidFill>
+          <a:ln w="53975">
+            <a:noFill/>
+          </a:ln>
+        </p:spPr>
+        <p:style>
+          <a:lnRef idx="2">
+            <a:schemeClr val="accent1">
+              <a:shade val="50000"/>
+            </a:schemeClr>
+          </a:lnRef>
+          <a:fillRef idx="1">
+            <a:schemeClr val="accent1"/>
+          </a:fillRef>
+          <a:effectRef idx="0">
+            <a:schemeClr val="accent1"/>
+          </a:effectRef>
+          <a:fontRef idx="minor">
+            <a:schemeClr val="lt1"/>
+          </a:fontRef>
+        </p:style>
+        <p:txBody>
+          <a:bodyPr rtlCol="0" anchor="ctr"/>
+          <a:lstStyle/>
+          <a:p>
+            <a:pPr algn="ctr"/>
+            <a:endParaRPr lang="en-US"/>
+          </a:p>
+        </p:txBody>
+      </p:sp>
+      <p:sp>
+        <p:nvSpPr>
+          <p:cNvPr id="2" name="Title 1">
+            <a:extLst>
+              <a:ext uri="{FF2B5EF4-FFF2-40B4-BE49-F238E27FC236}">
+                <a16:creationId xmlns:a16="http://schemas.microsoft.com/office/drawing/2014/main" id="{53C5D828-9666-E312-B574-9FE965A7D6BE}"/>
+              </a:ext>
+            </a:extLst>
+          </p:cNvPr>
+          <p:cNvSpPr>
+            <a:spLocks noGrp="1"/>
+          </p:cNvSpPr>
+          <p:nvPr>
+            <p:ph type="title"/>
+          </p:nvPr>
+        </p:nvSpPr>
+        <p:spPr>
+          <a:xfrm>
+            <a:off x="1028700" y="1967266"/>
+            <a:ext cx="2628900" cy="2547257"/>
+          </a:xfrm>
+          <a:noFill/>
+        </p:spPr>
+        <p:txBody>
+          <a:bodyPr vert="horz" lIns="91440" tIns="45720" rIns="91440" bIns="45720" rtlCol="0" anchor="ctr">
+            <a:normAutofit/>
+          </a:bodyPr>
+          <a:lstStyle/>
+          <a:p>
+            <a:pPr algn="ctr"/>
+            <a:r>
+              <a:rPr lang="en-US" sz="3600" kern="1200" dirty="0" err="1">
+                <a:solidFill>
+                  <a:srgbClr val="FFFFFF"/>
+                </a:solidFill>
+                <a:latin typeface="+mj-lt"/>
+                <a:ea typeface="+mj-ea"/>
+                <a:cs typeface="+mj-cs"/>
+              </a:rPr>
+              <a:t>Powershell</a:t>
+            </a:r>
+            <a:r>
+              <a:rPr lang="en-US" sz="3600" kern="1200" dirty="0">
+                <a:solidFill>
+                  <a:srgbClr val="FFFFFF"/>
+                </a:solidFill>
+                <a:latin typeface="+mj-lt"/>
+                <a:ea typeface="+mj-ea"/>
+                <a:cs typeface="+mj-cs"/>
+              </a:rPr>
+              <a:t> Remoting</a:t>
+            </a:r>
+          </a:p>
+        </p:txBody>
+      </p:sp>
+      <p:sp>
+        <p:nvSpPr>
+          <p:cNvPr id="3" name="Footer Placeholder 2">
+            <a:extLst>
+              <a:ext uri="{FF2B5EF4-FFF2-40B4-BE49-F238E27FC236}">
+                <a16:creationId xmlns:a16="http://schemas.microsoft.com/office/drawing/2014/main" id="{5AA19FA0-A765-8169-03F1-928E3EF7B595}"/>
+              </a:ext>
+            </a:extLst>
+          </p:cNvPr>
+          <p:cNvSpPr>
+            <a:spLocks noGrp="1"/>
+          </p:cNvSpPr>
+          <p:nvPr>
+            <p:ph type="ftr" sz="quarter" idx="11"/>
+          </p:nvPr>
+        </p:nvSpPr>
+        <p:spPr>
+          <a:xfrm>
+            <a:off x="1028700" y="6356350"/>
+            <a:ext cx="6210300" cy="365125"/>
+          </a:xfrm>
+        </p:spPr>
+        <p:txBody>
+          <a:bodyPr vert="horz" lIns="91440" tIns="45720" rIns="91440" bIns="45720" rtlCol="0" anchor="ctr">
+            <a:normAutofit/>
+          </a:bodyPr>
+          <a:lstStyle/>
+          <a:p>
+            <a:pPr algn="l">
+              <a:spcAft>
+                <a:spcPts val="600"/>
+              </a:spcAft>
+            </a:pPr>
+            <a:r>
+              <a:rPr lang="en-US" kern="1200">
+                <a:solidFill>
+                  <a:schemeClr val="tx1">
+                    <a:alpha val="80000"/>
+                  </a:schemeClr>
+                </a:solidFill>
+                <a:latin typeface="+mn-lt"/>
+                <a:ea typeface="+mn-ea"/>
+                <a:cs typeface="+mn-cs"/>
+              </a:rPr>
+              <a:t>Step 9. OS Administer - ver. 1</a:t>
+            </a:r>
+          </a:p>
+        </p:txBody>
+      </p:sp>
+      <p:pic>
+        <p:nvPicPr>
+          <p:cNvPr id="5" name="Picture 4">
+            <a:extLst>
+              <a:ext uri="{FF2B5EF4-FFF2-40B4-BE49-F238E27FC236}">
+                <a16:creationId xmlns:a16="http://schemas.microsoft.com/office/drawing/2014/main" id="{467F776E-737D-B326-32C7-0B16AB37D6D8}"/>
+              </a:ext>
+            </a:extLst>
+          </p:cNvPr>
+          <p:cNvPicPr>
+            <a:picLocks noChangeAspect="1"/>
+          </p:cNvPicPr>
+          <p:nvPr/>
+        </p:nvPicPr>
+        <p:blipFill>
+          <a:blip r:embed="rId2"/>
+          <a:stretch>
+            <a:fillRect/>
+          </a:stretch>
+        </p:blipFill>
+        <p:spPr>
+          <a:xfrm>
+            <a:off x="1366832" y="5090242"/>
+            <a:ext cx="1649979" cy="558864"/>
+          </a:xfrm>
+          <a:prstGeom prst="rect">
+            <a:avLst/>
+          </a:prstGeom>
+        </p:spPr>
+      </p:pic>
+      <p:sp>
+        <p:nvSpPr>
+          <p:cNvPr id="10" name="TextBox 9">
+            <a:extLst>
+              <a:ext uri="{FF2B5EF4-FFF2-40B4-BE49-F238E27FC236}">
+                <a16:creationId xmlns:a16="http://schemas.microsoft.com/office/drawing/2014/main" id="{963C1D20-54C0-BECB-8D7C-FA705C83CA5C}"/>
+              </a:ext>
+            </a:extLst>
+          </p:cNvPr>
+          <p:cNvSpPr txBox="1"/>
+          <p:nvPr/>
+        </p:nvSpPr>
+        <p:spPr>
+          <a:xfrm>
+            <a:off x="4544290" y="609404"/>
+            <a:ext cx="7148945" cy="1200329"/>
+          </a:xfrm>
+          <a:prstGeom prst="rect">
+            <a:avLst/>
+          </a:prstGeom>
+          <a:noFill/>
+        </p:spPr>
+        <p:txBody>
+          <a:bodyPr wrap="square">
+            <a:spAutoFit/>
+          </a:bodyPr>
+          <a:lstStyle/>
+          <a:p>
+            <a:r>
+              <a:rPr lang="en-US" dirty="0"/>
+              <a:t>Using the WS-Management protocol, Windows PowerShell remoting lets you run any Windows PowerShell command on one or more remote computers. You can establish persistent connections, start interactive sessions, and run scripts on remote computers.</a:t>
+            </a:r>
+            <a:endParaRPr lang="ru-UA" dirty="0"/>
+          </a:p>
+        </p:txBody>
+      </p:sp>
+      <p:sp>
+        <p:nvSpPr>
+          <p:cNvPr id="12" name="TextBox 11">
+            <a:extLst>
+              <a:ext uri="{FF2B5EF4-FFF2-40B4-BE49-F238E27FC236}">
+                <a16:creationId xmlns:a16="http://schemas.microsoft.com/office/drawing/2014/main" id="{3F58EEFE-98C4-259E-F3CF-10AA64C31D42}"/>
+              </a:ext>
+            </a:extLst>
+          </p:cNvPr>
+          <p:cNvSpPr txBox="1"/>
+          <p:nvPr/>
+        </p:nvSpPr>
+        <p:spPr>
+          <a:xfrm>
+            <a:off x="4502089" y="1786864"/>
+            <a:ext cx="6946774" cy="2585323"/>
+          </a:xfrm>
+          <a:prstGeom prst="rect">
+            <a:avLst/>
+          </a:prstGeom>
+          <a:noFill/>
+        </p:spPr>
+        <p:txBody>
+          <a:bodyPr wrap="square">
+            <a:spAutoFit/>
+          </a:bodyPr>
+          <a:lstStyle/>
+          <a:p>
+            <a:r>
+              <a:rPr lang="en-US" dirty="0"/>
+              <a:t>PowerShell Remoting uses Windows Remote Management (</a:t>
+            </a:r>
+            <a:r>
+              <a:rPr lang="en-US" dirty="0" err="1"/>
+              <a:t>WinRM</a:t>
+            </a:r>
+            <a:r>
+              <a:rPr lang="en-US" dirty="0"/>
+              <a:t>) to allow users to run PowerShell commands on remote computers. </a:t>
+            </a:r>
+            <a:r>
+              <a:rPr lang="en-US" dirty="0" err="1"/>
+              <a:t>WinRM</a:t>
+            </a:r>
+            <a:r>
+              <a:rPr lang="en-US" dirty="0"/>
+              <a:t> is the Microsoft implementation of the Web Services for Management (WS-Management) protocol. You can find more information about using PowerShell Remoting at Running Remote Commands.</a:t>
+            </a:r>
+          </a:p>
+          <a:p>
+            <a:endParaRPr lang="en-US" dirty="0"/>
+          </a:p>
+          <a:p>
+            <a:r>
+              <a:rPr lang="en-US" dirty="0"/>
+              <a:t>PowerShell Remoting isn't the same as using the </a:t>
+            </a:r>
+            <a:r>
+              <a:rPr lang="en-US" dirty="0" err="1"/>
+              <a:t>ComputerName</a:t>
+            </a:r>
+            <a:r>
+              <a:rPr lang="en-US" dirty="0"/>
+              <a:t> parameter of a cmdlet to run it on a remote computer, which uses Remote Procedure Call (RPC) as its underlying protocol.</a:t>
+            </a:r>
+            <a:endParaRPr lang="ru-UA" dirty="0"/>
+          </a:p>
+        </p:txBody>
+      </p:sp>
+      <p:sp>
+        <p:nvSpPr>
+          <p:cNvPr id="14" name="TextBox 13">
+            <a:extLst>
+              <a:ext uri="{FF2B5EF4-FFF2-40B4-BE49-F238E27FC236}">
+                <a16:creationId xmlns:a16="http://schemas.microsoft.com/office/drawing/2014/main" id="{DD98D93D-2505-007D-ABF7-A64FB00F5802}"/>
+              </a:ext>
+            </a:extLst>
+          </p:cNvPr>
+          <p:cNvSpPr txBox="1"/>
+          <p:nvPr/>
+        </p:nvSpPr>
+        <p:spPr>
+          <a:xfrm>
+            <a:off x="4391890" y="4372187"/>
+            <a:ext cx="7301345" cy="2031325"/>
+          </a:xfrm>
+          <a:prstGeom prst="rect">
+            <a:avLst/>
+          </a:prstGeom>
+          <a:noFill/>
+        </p:spPr>
+        <p:txBody>
+          <a:bodyPr wrap="square">
+            <a:spAutoFit/>
+          </a:bodyPr>
+          <a:lstStyle/>
+          <a:p>
+            <a:r>
+              <a:rPr lang="en-US" sz="1400" dirty="0"/>
+              <a:t>PowerShell Remoting (and </a:t>
+            </a:r>
+            <a:r>
+              <a:rPr lang="en-US" sz="1400" dirty="0" err="1"/>
+              <a:t>WinRM</a:t>
+            </a:r>
+            <a:r>
+              <a:rPr lang="en-US" sz="1400" dirty="0"/>
+              <a:t>) listen on the following ports:</a:t>
+            </a:r>
+          </a:p>
+          <a:p>
+            <a:endParaRPr lang="en-US" sz="1400" dirty="0"/>
+          </a:p>
+          <a:p>
+            <a:r>
+              <a:rPr lang="en-US" sz="1400" dirty="0"/>
+              <a:t>    HTTP: 5985</a:t>
+            </a:r>
+          </a:p>
+          <a:p>
+            <a:r>
+              <a:rPr lang="en-US" sz="1400" dirty="0"/>
+              <a:t>    HTTPS: 5986</a:t>
+            </a:r>
+          </a:p>
+          <a:p>
+            <a:endParaRPr lang="en-US" sz="1400" dirty="0"/>
+          </a:p>
+          <a:p>
+            <a:r>
+              <a:rPr lang="en-US" sz="1400" dirty="0"/>
+              <a:t>By default, PowerShell Remoting only allows connections from members of the Administrators group. Sessions are launched under the user's context, so all operating system access controls applied to individual users and groups continue to apply to them while connected over PowerShell Remoting.</a:t>
+            </a:r>
+            <a:endParaRPr lang="ru-UA" sz="1400" dirty="0"/>
+          </a:p>
+        </p:txBody>
+      </p:sp>
+      <p:sp>
+        <p:nvSpPr>
+          <p:cNvPr id="16" name="TextBox 15">
+            <a:extLst>
+              <a:ext uri="{FF2B5EF4-FFF2-40B4-BE49-F238E27FC236}">
+                <a16:creationId xmlns:a16="http://schemas.microsoft.com/office/drawing/2014/main" id="{A472542B-02E6-EBC8-50E7-B9A437C824D7}"/>
+              </a:ext>
+            </a:extLst>
+          </p:cNvPr>
+          <p:cNvSpPr txBox="1"/>
+          <p:nvPr/>
+        </p:nvSpPr>
+        <p:spPr>
+          <a:xfrm>
+            <a:off x="4324803" y="6444476"/>
+            <a:ext cx="7301345" cy="276999"/>
+          </a:xfrm>
+          <a:prstGeom prst="rect">
+            <a:avLst/>
+          </a:prstGeom>
+          <a:noFill/>
+        </p:spPr>
+        <p:txBody>
+          <a:bodyPr wrap="square">
+            <a:spAutoFit/>
+          </a:bodyPr>
+          <a:lstStyle/>
+          <a:p>
+            <a:r>
+              <a:rPr lang="ru-UA" sz="1200" dirty="0"/>
+              <a:t>https://learn.microsoft.com/en-us/powershell/scripting/learn/remoting/winrmsecurity?view=powershell-7.4</a:t>
+            </a:r>
+          </a:p>
+        </p:txBody>
+      </p:sp>
+    </p:spTree>
+    <p:extLst>
+      <p:ext uri="{BB962C8B-B14F-4D97-AF65-F5344CB8AC3E}">
+        <p14:creationId xmlns:p14="http://schemas.microsoft.com/office/powerpoint/2010/main" val="2683824135"/>
       </p:ext>
     </p:extLst>
   </p:cSld>

--- a/Step09-OS_Administer_speach.pptx
+++ b/Step09-OS_Administer_speach.pptx
@@ -171,7 +171,7 @@
 <file path=ppt/revisionInfo.xml><?xml version="1.0" encoding="utf-8"?>
 <p1510:revInfo xmlns:a="http://schemas.openxmlformats.org/drawingml/2006/main" xmlns:r="http://schemas.openxmlformats.org/officeDocument/2006/relationships" xmlns:p1510="http://schemas.microsoft.com/office/powerpoint/2015/10/main">
   <p1510:revLst>
-    <p1510:client id="{8F6FD043-9E57-48DE-B2A7-80F6B63AEF6D}" v="22" dt="2024-02-15T15:02:53.509"/>
+    <p1510:client id="{8F6FD043-9E57-48DE-B2A7-80F6B63AEF6D}" v="42" dt="2024-02-16T13:18:58.500"/>
   </p1510:revLst>
 </p1510:revInfo>
 </file>
@@ -11974,7 +11974,7 @@
   <pc:docChgLst>
     <pc:chgData name="Ihor Aleksandrov" userId="c3051032-6b87-4db2-b257-777a0106fbd9" providerId="ADAL" clId="{8F6FD043-9E57-48DE-B2A7-80F6B63AEF6D}"/>
     <pc:docChg chg="undo redo custSel addSld delSld modSld sldOrd addSection modSection">
-      <pc:chgData name="Ihor Aleksandrov" userId="c3051032-6b87-4db2-b257-777a0106fbd9" providerId="ADAL" clId="{8F6FD043-9E57-48DE-B2A7-80F6B63AEF6D}" dt="2024-02-15T15:07:17.573" v="335" actId="1076"/>
+      <pc:chgData name="Ihor Aleksandrov" userId="c3051032-6b87-4db2-b257-777a0106fbd9" providerId="ADAL" clId="{8F6FD043-9E57-48DE-B2A7-80F6B63AEF6D}" dt="2024-02-16T13:18:36.089" v="356" actId="14100"/>
       <pc:docMkLst>
         <pc:docMk/>
       </pc:docMkLst>
@@ -12211,6 +12211,21 @@
             <ac:spMk id="2" creationId="{5DF8ECE0-DBF5-C309-B35B-C6A0C6C847B2}"/>
           </ac:spMkLst>
         </pc:spChg>
+      </pc:sldChg>
+      <pc:sldChg chg="modSp mod">
+        <pc:chgData name="Ihor Aleksandrov" userId="c3051032-6b87-4db2-b257-777a0106fbd9" providerId="ADAL" clId="{8F6FD043-9E57-48DE-B2A7-80F6B63AEF6D}" dt="2024-02-16T13:18:36.089" v="356" actId="14100"/>
+        <pc:sldMkLst>
+          <pc:docMk/>
+          <pc:sldMk cId="2972731808" sldId="308"/>
+        </pc:sldMkLst>
+        <pc:graphicFrameChg chg="mod">
+          <ac:chgData name="Ihor Aleksandrov" userId="c3051032-6b87-4db2-b257-777a0106fbd9" providerId="ADAL" clId="{8F6FD043-9E57-48DE-B2A7-80F6B63AEF6D}" dt="2024-02-16T13:18:36.089" v="356" actId="14100"/>
+          <ac:graphicFrameMkLst>
+            <pc:docMk/>
+            <pc:sldMk cId="2972731808" sldId="308"/>
+            <ac:graphicFrameMk id="6" creationId="{0A25AD42-052A-793B-B420-809C33CC274D}"/>
+          </ac:graphicFrameMkLst>
+        </pc:graphicFrameChg>
       </pc:sldChg>
       <pc:sldChg chg="del">
         <pc:chgData name="Ihor Aleksandrov" userId="c3051032-6b87-4db2-b257-777a0106fbd9" providerId="ADAL" clId="{8F6FD043-9E57-48DE-B2A7-80F6B63AEF6D}" dt="2024-02-14T11:49:22.097" v="22" actId="47"/>
@@ -14931,10 +14946,9 @@
         <a:lstStyle/>
         <a:p>
           <a:r>
-            <a:rPr lang="en-US"/>
-            <a:t>Kubernetes</a:t>
+            <a:rPr lang="en-US" dirty="0"/>
+            <a:t>Linux OS</a:t>
           </a:r>
-          <a:endParaRPr lang="en-US" dirty="0"/>
         </a:p>
       </dgm:t>
       <dgm:extLst>
@@ -14967,6 +14981,49 @@
         </a:p>
       </dgm:t>
     </dgm:pt>
+    <dgm:pt modelId="{83863536-1674-48E6-AAB7-02ED01A968CF}">
+      <dgm:prSet/>
+      <dgm:spPr/>
+      <dgm:t>
+        <a:bodyPr/>
+        <a:lstStyle/>
+        <a:p>
+          <a:r>
+            <a:rPr lang="en-US" dirty="0"/>
+            <a:t>Window OS</a:t>
+          </a:r>
+        </a:p>
+      </dgm:t>
+      <dgm:extLst>
+        <a:ext uri="{E40237B7-FDA0-4F09-8148-C483321AD2D9}">
+          <dgm14:cNvPr xmlns:dgm14="http://schemas.microsoft.com/office/drawing/2010/diagram" id="0" name="">
+            <a:hlinkClick xmlns:r="http://schemas.openxmlformats.org/officeDocument/2006/relationships" r:id="rId2" action="ppaction://hlinksldjump"/>
+          </dgm14:cNvPr>
+        </a:ext>
+      </dgm:extLst>
+    </dgm:pt>
+    <dgm:pt modelId="{444F2F26-4814-4E56-9FD3-37F352047650}" type="parTrans" cxnId="{DC812F3F-CEC4-4B9B-B9AC-B66795EBBC77}">
+      <dgm:prSet/>
+      <dgm:spPr/>
+      <dgm:t>
+        <a:bodyPr/>
+        <a:lstStyle/>
+        <a:p>
+          <a:endParaRPr lang="ru-UA"/>
+        </a:p>
+      </dgm:t>
+    </dgm:pt>
+    <dgm:pt modelId="{EC2F7DF6-C0AE-4E3E-8E0E-B4055BB4968D}" type="sibTrans" cxnId="{DC812F3F-CEC4-4B9B-B9AC-B66795EBBC77}">
+      <dgm:prSet/>
+      <dgm:spPr/>
+      <dgm:t>
+        <a:bodyPr/>
+        <a:lstStyle/>
+        <a:p>
+          <a:endParaRPr lang="ru-UA"/>
+        </a:p>
+      </dgm:t>
+    </dgm:pt>
     <dgm:pt modelId="{4FE4B1AC-A99B-45EC-AFA8-E510D59359ED}" type="pres">
       <dgm:prSet presAssocID="{1C600E66-A0CB-470F-8514-C91590285CB3}" presName="Name0" presStyleCnt="0">
         <dgm:presLayoutVars>
@@ -14982,7 +15039,24 @@
       <dgm:spPr/>
     </dgm:pt>
     <dgm:pt modelId="{938A66F9-A955-4384-A32F-5A244E92AC01}" type="pres">
-      <dgm:prSet presAssocID="{64E9ACE6-9AFD-4BBA-80CB-01DA1300E087}" presName="parentText" presStyleLbl="node1" presStyleIdx="0" presStyleCnt="1">
+      <dgm:prSet presAssocID="{64E9ACE6-9AFD-4BBA-80CB-01DA1300E087}" presName="parentText" presStyleLbl="node1" presStyleIdx="0" presStyleCnt="2">
+        <dgm:presLayoutVars>
+          <dgm:chMax val="1"/>
+          <dgm:bulletEnabled val="1"/>
+        </dgm:presLayoutVars>
+      </dgm:prSet>
+      <dgm:spPr/>
+    </dgm:pt>
+    <dgm:pt modelId="{7165808E-0DEC-43B3-934D-5BC1C6323085}" type="pres">
+      <dgm:prSet presAssocID="{7B2C8051-D046-465E-BB80-77D9BB7B38CD}" presName="sp" presStyleCnt="0"/>
+      <dgm:spPr/>
+    </dgm:pt>
+    <dgm:pt modelId="{4919D6BD-D66A-4674-9441-4A76715DD28F}" type="pres">
+      <dgm:prSet presAssocID="{83863536-1674-48E6-AAB7-02ED01A968CF}" presName="linNode" presStyleCnt="0"/>
+      <dgm:spPr/>
+    </dgm:pt>
+    <dgm:pt modelId="{A94B84D4-C0F7-41A2-B4BB-06237AEE0BEA}" type="pres">
+      <dgm:prSet presAssocID="{83863536-1674-48E6-AAB7-02ED01A968CF}" presName="parentText" presStyleLbl="node1" presStyleIdx="1" presStyleCnt="2">
         <dgm:presLayoutVars>
           <dgm:chMax val="1"/>
           <dgm:bulletEnabled val="1"/>
@@ -14993,10 +15067,15 @@
   </dgm:ptLst>
   <dgm:cxnLst>
     <dgm:cxn modelId="{B4E32220-B6E5-419F-85FB-810888F0627F}" type="presOf" srcId="{64E9ACE6-9AFD-4BBA-80CB-01DA1300E087}" destId="{938A66F9-A955-4384-A32F-5A244E92AC01}" srcOrd="0" destOrd="0" presId="urn:microsoft.com/office/officeart/2005/8/layout/vList5"/>
+    <dgm:cxn modelId="{DC812F3F-CEC4-4B9B-B9AC-B66795EBBC77}" srcId="{1C600E66-A0CB-470F-8514-C91590285CB3}" destId="{83863536-1674-48E6-AAB7-02ED01A968CF}" srcOrd="1" destOrd="0" parTransId="{444F2F26-4814-4E56-9FD3-37F352047650}" sibTransId="{EC2F7DF6-C0AE-4E3E-8E0E-B4055BB4968D}"/>
+    <dgm:cxn modelId="{3C5EB09B-1277-4F73-81A5-BF7A421F9270}" type="presOf" srcId="{83863536-1674-48E6-AAB7-02ED01A968CF}" destId="{A94B84D4-C0F7-41A2-B4BB-06237AEE0BEA}" srcOrd="0" destOrd="0" presId="urn:microsoft.com/office/officeart/2005/8/layout/vList5"/>
     <dgm:cxn modelId="{C7C38DA0-CE59-4FEF-BFD1-6FDA69259313}" srcId="{1C600E66-A0CB-470F-8514-C91590285CB3}" destId="{64E9ACE6-9AFD-4BBA-80CB-01DA1300E087}" srcOrd="0" destOrd="0" parTransId="{FD0FAFBC-EEAF-4FBF-916F-D182FE250A26}" sibTransId="{7B2C8051-D046-465E-BB80-77D9BB7B38CD}"/>
     <dgm:cxn modelId="{C92152C9-FF79-4894-84FC-66E915F78959}" type="presOf" srcId="{1C600E66-A0CB-470F-8514-C91590285CB3}" destId="{4FE4B1AC-A99B-45EC-AFA8-E510D59359ED}" srcOrd="0" destOrd="0" presId="urn:microsoft.com/office/officeart/2005/8/layout/vList5"/>
     <dgm:cxn modelId="{83CB446D-F423-469F-BA03-5D05F0C13392}" type="presParOf" srcId="{4FE4B1AC-A99B-45EC-AFA8-E510D59359ED}" destId="{025ACBAF-46AC-4624-83DD-68FF5F6C7CAC}" srcOrd="0" destOrd="0" presId="urn:microsoft.com/office/officeart/2005/8/layout/vList5"/>
     <dgm:cxn modelId="{63EE6CDD-CD71-4C1F-8B53-41E7553C7928}" type="presParOf" srcId="{025ACBAF-46AC-4624-83DD-68FF5F6C7CAC}" destId="{938A66F9-A955-4384-A32F-5A244E92AC01}" srcOrd="0" destOrd="0" presId="urn:microsoft.com/office/officeart/2005/8/layout/vList5"/>
+    <dgm:cxn modelId="{DEC26127-EFDE-401C-ADDF-6EDACCD66FDC}" type="presParOf" srcId="{4FE4B1AC-A99B-45EC-AFA8-E510D59359ED}" destId="{7165808E-0DEC-43B3-934D-5BC1C6323085}" srcOrd="1" destOrd="0" presId="urn:microsoft.com/office/officeart/2005/8/layout/vList5"/>
+    <dgm:cxn modelId="{905E96A0-CB55-432E-97E2-F3EAC4190BC8}" type="presParOf" srcId="{4FE4B1AC-A99B-45EC-AFA8-E510D59359ED}" destId="{4919D6BD-D66A-4674-9441-4A76715DD28F}" srcOrd="2" destOrd="0" presId="urn:microsoft.com/office/officeart/2005/8/layout/vList5"/>
+    <dgm:cxn modelId="{F42590E5-2BDB-4197-9327-1B22E7B1C016}" type="presParOf" srcId="{4919D6BD-D66A-4674-9441-4A76715DD28F}" destId="{A94B84D4-C0F7-41A2-B4BB-06237AEE0BEA}" srcOrd="0" destOrd="0" presId="urn:microsoft.com/office/officeart/2005/8/layout/vList5"/>
   </dgm:cxnLst>
   <dgm:bg/>
   <dgm:whole/>
@@ -15023,8 +15102,8 @@
       </dsp:nvSpPr>
       <dsp:spPr>
         <a:xfrm>
-          <a:off x="2044999" y="0"/>
-          <a:ext cx="2300624" cy="1514121"/>
+          <a:off x="2172519" y="40"/>
+          <a:ext cx="2444084" cy="1626686"/>
         </a:xfrm>
         <a:prstGeom prst="roundRect">
           <a:avLst/>
@@ -15066,12 +15145,12 @@
         </a:fontRef>
       </dsp:style>
       <dsp:txBody>
-        <a:bodyPr spcFirstLastPara="0" vert="horz" wrap="square" lIns="121920" tIns="60960" rIns="121920" bIns="60960" numCol="1" spcCol="1270" anchor="ctr" anchorCtr="0">
+        <a:bodyPr spcFirstLastPara="0" vert="horz" wrap="square" lIns="163830" tIns="81915" rIns="163830" bIns="81915" numCol="1" spcCol="1270" anchor="ctr" anchorCtr="0">
           <a:noAutofit/>
         </a:bodyPr>
         <a:lstStyle/>
         <a:p>
-          <a:pPr marL="0" lvl="0" indent="0" algn="ctr" defTabSz="1422400">
+          <a:pPr marL="0" lvl="0" indent="0" algn="ctr" defTabSz="1911350">
             <a:lnSpc>
               <a:spcPct val="90000"/>
             </a:lnSpc>
@@ -15084,15 +15163,92 @@
             <a:buNone/>
           </a:pPr>
           <a:r>
-            <a:rPr lang="en-US" sz="3200" kern="1200"/>
-            <a:t>Kubernetes</a:t>
+            <a:rPr lang="en-US" sz="4300" kern="1200" dirty="0"/>
+            <a:t>Linux OS</a:t>
           </a:r>
-          <a:endParaRPr lang="en-US" sz="3200" kern="1200" dirty="0"/>
         </a:p>
       </dsp:txBody>
       <dsp:txXfrm>
-        <a:off x="2118912" y="73913"/>
-        <a:ext cx="2152798" cy="1366295"/>
+        <a:off x="2251927" y="79448"/>
+        <a:ext cx="2285268" cy="1467870"/>
+      </dsp:txXfrm>
+    </dsp:sp>
+    <dsp:sp modelId="{A94B84D4-C0F7-41A2-B4BB-06237AEE0BEA}">
+      <dsp:nvSpPr>
+        <dsp:cNvPr id="0" name=""/>
+        <dsp:cNvSpPr/>
+      </dsp:nvSpPr>
+      <dsp:spPr>
+        <a:xfrm>
+          <a:off x="2172519" y="1708061"/>
+          <a:ext cx="2444084" cy="1626686"/>
+        </a:xfrm>
+        <a:prstGeom prst="roundRect">
+          <a:avLst/>
+        </a:prstGeom>
+        <a:solidFill>
+          <a:schemeClr val="accent1">
+            <a:hueOff val="0"/>
+            <a:satOff val="0"/>
+            <a:lumOff val="0"/>
+            <a:alphaOff val="0"/>
+          </a:schemeClr>
+        </a:solidFill>
+        <a:ln w="12700" cap="flat" cmpd="sng" algn="ctr">
+          <a:solidFill>
+            <a:schemeClr val="lt1">
+              <a:hueOff val="0"/>
+              <a:satOff val="0"/>
+              <a:lumOff val="0"/>
+              <a:alphaOff val="0"/>
+            </a:schemeClr>
+          </a:solidFill>
+          <a:prstDash val="solid"/>
+          <a:miter lim="800000"/>
+        </a:ln>
+        <a:effectLst/>
+      </dsp:spPr>
+      <dsp:style>
+        <a:lnRef idx="2">
+          <a:scrgbClr r="0" g="0" b="0"/>
+        </a:lnRef>
+        <a:fillRef idx="1">
+          <a:scrgbClr r="0" g="0" b="0"/>
+        </a:fillRef>
+        <a:effectRef idx="0">
+          <a:scrgbClr r="0" g="0" b="0"/>
+        </a:effectRef>
+        <a:fontRef idx="minor">
+          <a:schemeClr val="lt1"/>
+        </a:fontRef>
+      </dsp:style>
+      <dsp:txBody>
+        <a:bodyPr spcFirstLastPara="0" vert="horz" wrap="square" lIns="163830" tIns="81915" rIns="163830" bIns="81915" numCol="1" spcCol="1270" anchor="ctr" anchorCtr="0">
+          <a:noAutofit/>
+        </a:bodyPr>
+        <a:lstStyle/>
+        <a:p>
+          <a:pPr marL="0" lvl="0" indent="0" algn="ctr" defTabSz="1911350">
+            <a:lnSpc>
+              <a:spcPct val="90000"/>
+            </a:lnSpc>
+            <a:spcBef>
+              <a:spcPct val="0"/>
+            </a:spcBef>
+            <a:spcAft>
+              <a:spcPct val="35000"/>
+            </a:spcAft>
+            <a:buNone/>
+          </a:pPr>
+          <a:r>
+            <a:rPr lang="en-US" sz="4300" kern="1200" dirty="0"/>
+            <a:t>Window OS</a:t>
+          </a:r>
+        </a:p>
+      </dsp:txBody>
+      <dsp:txXfrm>
+        <a:off x="2251927" y="1787469"/>
+        <a:ext cx="2285268" cy="1467870"/>
       </dsp:txXfrm>
     </dsp:sp>
   </dsp:spTree>
@@ -16448,7 +16604,7 @@
           <a:p>
             <a:fld id="{EABA3F4B-EFF6-45E3-A6AB-4944039E81EC}" type="datetimeFigureOut">
               <a:rPr lang="ru-UA" smtClean="0"/>
-              <a:t>15.02.2024</a:t>
+              <a:t>16.02.2024</a:t>
             </a:fld>
             <a:endParaRPr lang="ru-UA"/>
           </a:p>
@@ -16865,7 +17021,7 @@
           <a:p>
             <a:fld id="{D72FA570-C9CD-429B-A57A-3874BC154AEA}" type="datetime1">
               <a:rPr lang="ru-UA" smtClean="0"/>
-              <a:t>15.02.2024</a:t>
+              <a:t>16.02.2024</a:t>
             </a:fld>
             <a:endParaRPr lang="ru-UA"/>
           </a:p>
@@ -17069,7 +17225,7 @@
           <a:p>
             <a:fld id="{2A611770-107C-4925-A9ED-6661E1BF6C87}" type="datetime1">
               <a:rPr lang="ru-UA" smtClean="0"/>
-              <a:t>15.02.2024</a:t>
+              <a:t>16.02.2024</a:t>
             </a:fld>
             <a:endParaRPr lang="ru-UA"/>
           </a:p>
@@ -17283,7 +17439,7 @@
           <a:p>
             <a:fld id="{BEBA4CB6-D625-4020-B5B6-FE46DEDA7475}" type="datetime1">
               <a:rPr lang="ru-UA" smtClean="0"/>
-              <a:t>15.02.2024</a:t>
+              <a:t>16.02.2024</a:t>
             </a:fld>
             <a:endParaRPr lang="ru-UA"/>
           </a:p>
@@ -17487,7 +17643,7 @@
           <a:p>
             <a:fld id="{F84DBCC4-EC44-46F3-A2D1-9A4F16E19F5B}" type="datetime1">
               <a:rPr lang="ru-UA" smtClean="0"/>
-              <a:t>15.02.2024</a:t>
+              <a:t>16.02.2024</a:t>
             </a:fld>
             <a:endParaRPr lang="ru-UA"/>
           </a:p>
@@ -17767,7 +17923,7 @@
           <a:p>
             <a:fld id="{7D2FC5AE-2F9E-4950-A152-019FD8248EF3}" type="datetime1">
               <a:rPr lang="ru-UA" smtClean="0"/>
-              <a:t>15.02.2024</a:t>
+              <a:t>16.02.2024</a:t>
             </a:fld>
             <a:endParaRPr lang="ru-UA"/>
           </a:p>
@@ -18039,7 +18195,7 @@
           <a:p>
             <a:fld id="{E13C87D0-5331-49BD-BEFB-09FE07C281EF}" type="datetime1">
               <a:rPr lang="ru-UA" smtClean="0"/>
-              <a:t>15.02.2024</a:t>
+              <a:t>16.02.2024</a:t>
             </a:fld>
             <a:endParaRPr lang="ru-UA"/>
           </a:p>
@@ -18458,7 +18614,7 @@
           <a:p>
             <a:fld id="{21F7F1B3-3710-4877-91F8-A55C1D74DFDD}" type="datetime1">
               <a:rPr lang="ru-UA" smtClean="0"/>
-              <a:t>15.02.2024</a:t>
+              <a:t>16.02.2024</a:t>
             </a:fld>
             <a:endParaRPr lang="ru-UA"/>
           </a:p>
@@ -18604,7 +18760,7 @@
           <a:p>
             <a:fld id="{89F1BE0E-2608-4AF8-A522-3A077B8290A9}" type="datetime1">
               <a:rPr lang="ru-UA" smtClean="0"/>
-              <a:t>15.02.2024</a:t>
+              <a:t>16.02.2024</a:t>
             </a:fld>
             <a:endParaRPr lang="ru-UA"/>
           </a:p>
@@ -18721,7 +18877,7 @@
           <a:p>
             <a:fld id="{55FDBC3D-E4C0-4022-A74B-1204D0DB5C10}" type="datetime1">
               <a:rPr lang="ru-UA" smtClean="0"/>
-              <a:t>15.02.2024</a:t>
+              <a:t>16.02.2024</a:t>
             </a:fld>
             <a:endParaRPr lang="ru-UA"/>
           </a:p>
@@ -19038,7 +19194,7 @@
           <a:p>
             <a:fld id="{35265364-D51F-473B-886B-13A63E887FE8}" type="datetime1">
               <a:rPr lang="ru-UA" smtClean="0"/>
-              <a:t>15.02.2024</a:t>
+              <a:t>16.02.2024</a:t>
             </a:fld>
             <a:endParaRPr lang="ru-UA"/>
           </a:p>
@@ -19331,7 +19487,7 @@
           <a:p>
             <a:fld id="{FDA1CFE4-EFAC-4A85-AEFB-12CBA3F646F2}" type="datetime1">
               <a:rPr lang="ru-UA" smtClean="0"/>
-              <a:t>15.02.2024</a:t>
+              <a:t>16.02.2024</a:t>
             </a:fld>
             <a:endParaRPr lang="ru-UA"/>
           </a:p>
@@ -19578,7 +19734,7 @@
           <a:p>
             <a:fld id="{78B2EEBA-AFBE-4206-90B6-8AD1FF46EF72}" type="datetime1">
               <a:rPr lang="ru-UA" smtClean="0"/>
-              <a:t>15.02.2024</a:t>
+              <a:t>16.02.2024</a:t>
             </a:fld>
             <a:endParaRPr lang="ru-UA"/>
           </a:p>
@@ -23717,14 +23873,14 @@
           <p:nvPr>
             <p:extLst>
               <p:ext uri="{D42A27DB-BD31-4B8C-83A1-F6EECF244321}">
-                <p14:modId xmlns:p14="http://schemas.microsoft.com/office/powerpoint/2010/main" val="9832357"/>
+                <p14:modId xmlns:p14="http://schemas.microsoft.com/office/powerpoint/2010/main" val="3315513874"/>
               </p:ext>
             </p:extLst>
           </p:nvPr>
         </p:nvGraphicFramePr>
         <p:xfrm>
-          <a:off x="4654732" y="2945476"/>
-          <a:ext cx="6390623" cy="1514121"/>
+          <a:off x="4654732" y="2470266"/>
+          <a:ext cx="6789123" cy="3334789"/>
         </p:xfrm>
         <a:graphic>
           <a:graphicData uri="http://schemas.openxmlformats.org/drawingml/2006/diagram">
